--- a/Lab 1/CS 341 Lab introduction.pptx
+++ b/Lab 1/CS 341 Lab introduction.pptx
@@ -7,13 +7,15 @@
   <p:sldIdLst>
     <p:sldId id="256" r:id="rId2"/>
     <p:sldId id="260" r:id="rId3"/>
-    <p:sldId id="265" r:id="rId4"/>
-    <p:sldId id="258" r:id="rId5"/>
-    <p:sldId id="263" r:id="rId6"/>
-    <p:sldId id="262" r:id="rId7"/>
-    <p:sldId id="264" r:id="rId8"/>
-    <p:sldId id="257" r:id="rId9"/>
+    <p:sldId id="257" r:id="rId4"/>
+    <p:sldId id="265" r:id="rId5"/>
+    <p:sldId id="258" r:id="rId6"/>
+    <p:sldId id="263" r:id="rId7"/>
+    <p:sldId id="262" r:id="rId8"/>
+    <p:sldId id="264" r:id="rId9"/>
     <p:sldId id="259" r:id="rId10"/>
+    <p:sldId id="266" r:id="rId11"/>
+    <p:sldId id="267" r:id="rId12"/>
   </p:sldIdLst>
   <p:sldSz cx="12192000" cy="6858000"/>
   <p:notesSz cx="6858000" cy="9144000"/>
@@ -346,7 +348,7 @@
           <a:p>
             <a:fld id="{48A87A34-81AB-432B-8DAE-1953F412C126}" type="datetimeFigureOut">
               <a:rPr lang="en-US" smtClean="0"/>
-              <a:t>9/13/2020</a:t>
+              <a:t>9/20/2020</a:t>
             </a:fld>
             <a:endParaRPr lang="en-US" dirty="0"/>
           </a:p>
@@ -554,7 +556,7 @@
           <a:p>
             <a:fld id="{48A87A34-81AB-432B-8DAE-1953F412C126}" type="datetimeFigureOut">
               <a:rPr lang="en-US" smtClean="0"/>
-              <a:t>9/13/2020</a:t>
+              <a:t>9/20/2020</a:t>
             </a:fld>
             <a:endParaRPr lang="en-US" dirty="0"/>
           </a:p>
@@ -810,7 +812,7 @@
           <a:p>
             <a:fld id="{48A87A34-81AB-432B-8DAE-1953F412C126}" type="datetimeFigureOut">
               <a:rPr lang="en-US" smtClean="0"/>
-              <a:t>9/13/2020</a:t>
+              <a:t>9/20/2020</a:t>
             </a:fld>
             <a:endParaRPr lang="en-US" dirty="0"/>
           </a:p>
@@ -984,7 +986,7 @@
           <a:p>
             <a:fld id="{48A87A34-81AB-432B-8DAE-1953F412C126}" type="datetimeFigureOut">
               <a:rPr lang="en-US" smtClean="0"/>
-              <a:t>9/13/2020</a:t>
+              <a:t>9/20/2020</a:t>
             </a:fld>
             <a:endParaRPr lang="en-US" dirty="0"/>
           </a:p>
@@ -1327,7 +1329,7 @@
           <a:p>
             <a:fld id="{48A87A34-81AB-432B-8DAE-1953F412C126}" type="datetimeFigureOut">
               <a:rPr lang="en-US" smtClean="0"/>
-              <a:t>9/13/2020</a:t>
+              <a:t>9/20/2020</a:t>
             </a:fld>
             <a:endParaRPr lang="en-US" dirty="0"/>
           </a:p>
@@ -1602,7 +1604,7 @@
           <a:p>
             <a:fld id="{48A87A34-81AB-432B-8DAE-1953F412C126}" type="datetimeFigureOut">
               <a:rPr lang="en-US" smtClean="0"/>
-              <a:t>9/13/2020</a:t>
+              <a:t>9/20/2020</a:t>
             </a:fld>
             <a:endParaRPr lang="en-US" dirty="0"/>
           </a:p>
@@ -1981,7 +1983,7 @@
           <a:p>
             <a:fld id="{48A87A34-81AB-432B-8DAE-1953F412C126}" type="datetimeFigureOut">
               <a:rPr lang="en-US" smtClean="0"/>
-              <a:t>9/13/2020</a:t>
+              <a:t>9/20/2020</a:t>
             </a:fld>
             <a:endParaRPr lang="en-US" dirty="0"/>
           </a:p>
@@ -2099,7 +2101,7 @@
           <a:p>
             <a:fld id="{48A87A34-81AB-432B-8DAE-1953F412C126}" type="datetimeFigureOut">
               <a:rPr lang="en-US" smtClean="0"/>
-              <a:t>9/13/2020</a:t>
+              <a:t>9/20/2020</a:t>
             </a:fld>
             <a:endParaRPr lang="en-US" dirty="0"/>
           </a:p>
@@ -2270,7 +2272,7 @@
           <a:p>
             <a:fld id="{48A87A34-81AB-432B-8DAE-1953F412C126}" type="datetimeFigureOut">
               <a:rPr lang="en-US" smtClean="0"/>
-              <a:t>9/13/2020</a:t>
+              <a:t>9/20/2020</a:t>
             </a:fld>
             <a:endParaRPr lang="en-US" dirty="0"/>
           </a:p>
@@ -2624,7 +2626,7 @@
           <a:p>
             <a:fld id="{48A87A34-81AB-432B-8DAE-1953F412C126}" type="datetimeFigureOut">
               <a:rPr lang="en-US" smtClean="0"/>
-              <a:t>9/13/2020</a:t>
+              <a:t>9/20/2020</a:t>
             </a:fld>
             <a:endParaRPr lang="en-US" dirty="0"/>
           </a:p>
@@ -3006,7 +3008,7 @@
           <a:p>
             <a:fld id="{48A87A34-81AB-432B-8DAE-1953F412C126}" type="datetimeFigureOut">
               <a:rPr lang="en-US" smtClean="0"/>
-              <a:t>9/13/2020</a:t>
+              <a:t>9/20/2020</a:t>
             </a:fld>
             <a:endParaRPr lang="en-US" dirty="0"/>
           </a:p>
@@ -3294,7 +3296,7 @@
             <a:fld id="{48A87A34-81AB-432B-8DAE-1953F412C126}" type="datetimeFigureOut">
               <a:rPr lang="en-US" smtClean="0"/>
               <a:pPr/>
-              <a:t>9/13/2020</a:t>
+              <a:t>9/20/2020</a:t>
             </a:fld>
             <a:endParaRPr lang="en-US" dirty="0"/>
           </a:p>
@@ -3889,6 +3891,810 @@
 </p:sld>
 </file>
 
+<file path=ppt/slides/slide10.xml><?xml version="1.0" encoding="utf-8"?>
+<p:sld xmlns:a="http://schemas.openxmlformats.org/drawingml/2006/main" xmlns:r="http://schemas.openxmlformats.org/officeDocument/2006/relationships" xmlns:p="http://schemas.openxmlformats.org/presentationml/2006/main">
+  <p:cSld>
+    <p:bg>
+      <p:bgPr>
+        <a:solidFill>
+          <a:schemeClr val="bg1"/>
+        </a:solidFill>
+        <a:effectLst/>
+      </p:bgPr>
+    </p:bg>
+    <p:spTree>
+      <p:nvGrpSpPr>
+        <p:cNvPr id="1" name=""/>
+        <p:cNvGrpSpPr/>
+        <p:nvPr/>
+      </p:nvGrpSpPr>
+      <p:grpSpPr>
+        <a:xfrm>
+          <a:off x="0" y="0"/>
+          <a:ext cx="0" cy="0"/>
+          <a:chOff x="0" y="0"/>
+          <a:chExt cx="0" cy="0"/>
+        </a:xfrm>
+      </p:grpSpPr>
+      <p:sp>
+        <p:nvSpPr>
+          <p:cNvPr id="12" name="Rectangle 11">
+            <a:extLst>
+              <a:ext uri="{FF2B5EF4-FFF2-40B4-BE49-F238E27FC236}">
+                <a16:creationId xmlns:a16="http://schemas.microsoft.com/office/drawing/2014/main" id="{7D379150-F6B4-45C8-BE10-6B278AD400EB}"/>
+              </a:ext>
+              <a:ext uri="{C183D7F6-B498-43B3-948B-1728B52AA6E4}">
+                <adec:decorative xmlns:adec="http://schemas.microsoft.com/office/drawing/2017/decorative" val="1"/>
+              </a:ext>
+            </a:extLst>
+          </p:cNvPr>
+          <p:cNvSpPr>
+            <a:spLocks noGrp="1" noRot="1" noChangeAspect="1" noMove="1" noResize="1" noEditPoints="1" noAdjustHandles="1" noChangeArrowheads="1" noChangeShapeType="1" noTextEdit="1"/>
+          </p:cNvSpPr>
+          <p:nvPr>
+            <p:extLst>
+              <p:ext uri="{386F3935-93C4-4BCD-93E2-E3B085C9AB24}">
+                <p16:designElem xmlns:p16="http://schemas.microsoft.com/office/powerpoint/2015/main" val="1"/>
+              </p:ext>
+            </p:extLst>
+          </p:nvPr>
+        </p:nvSpPr>
+        <p:spPr>
+          <a:xfrm>
+            <a:off x="1" y="6400800"/>
+            <a:ext cx="12192000" cy="457200"/>
+          </a:xfrm>
+          <a:prstGeom prst="rect">
+            <a:avLst/>
+          </a:prstGeom>
+          <a:solidFill>
+            <a:schemeClr val="accent2"/>
+          </a:solidFill>
+          <a:ln>
+            <a:noFill/>
+          </a:ln>
+        </p:spPr>
+        <p:style>
+          <a:lnRef idx="2">
+            <a:schemeClr val="accent1">
+              <a:shade val="50000"/>
+            </a:schemeClr>
+          </a:lnRef>
+          <a:fillRef idx="1">
+            <a:schemeClr val="accent1"/>
+          </a:fillRef>
+          <a:effectRef idx="0">
+            <a:schemeClr val="accent1"/>
+          </a:effectRef>
+          <a:fontRef idx="minor">
+            <a:schemeClr val="lt1"/>
+          </a:fontRef>
+        </p:style>
+      </p:sp>
+      <p:sp>
+        <p:nvSpPr>
+          <p:cNvPr id="14" name="Rectangle 13">
+            <a:extLst>
+              <a:ext uri="{FF2B5EF4-FFF2-40B4-BE49-F238E27FC236}">
+                <a16:creationId xmlns:a16="http://schemas.microsoft.com/office/drawing/2014/main" id="{5FFCF544-A370-4A5D-A95F-CA6E0E7191E6}"/>
+              </a:ext>
+              <a:ext uri="{C183D7F6-B498-43B3-948B-1728B52AA6E4}">
+                <adec:decorative xmlns:adec="http://schemas.microsoft.com/office/drawing/2017/decorative" val="1"/>
+              </a:ext>
+            </a:extLst>
+          </p:cNvPr>
+          <p:cNvSpPr>
+            <a:spLocks noGrp="1" noRot="1" noChangeAspect="1" noMove="1" noResize="1" noEditPoints="1" noAdjustHandles="1" noChangeArrowheads="1" noChangeShapeType="1" noTextEdit="1"/>
+          </p:cNvSpPr>
+          <p:nvPr>
+            <p:extLst>
+              <p:ext uri="{386F3935-93C4-4BCD-93E2-E3B085C9AB24}">
+                <p16:designElem xmlns:p16="http://schemas.microsoft.com/office/powerpoint/2015/main" val="1"/>
+              </p:ext>
+            </p:extLst>
+          </p:nvPr>
+        </p:nvSpPr>
+        <p:spPr>
+          <a:xfrm>
+            <a:off x="0" y="6334316"/>
+            <a:ext cx="12192001" cy="65998"/>
+          </a:xfrm>
+          <a:prstGeom prst="rect">
+            <a:avLst/>
+          </a:prstGeom>
+          <a:solidFill>
+            <a:schemeClr val="accent1"/>
+          </a:solidFill>
+          <a:ln>
+            <a:noFill/>
+          </a:ln>
+        </p:spPr>
+        <p:style>
+          <a:lnRef idx="2">
+            <a:schemeClr val="accent1">
+              <a:shade val="50000"/>
+            </a:schemeClr>
+          </a:lnRef>
+          <a:fillRef idx="1">
+            <a:schemeClr val="accent1"/>
+          </a:fillRef>
+          <a:effectRef idx="0">
+            <a:schemeClr val="accent1"/>
+          </a:effectRef>
+          <a:fontRef idx="minor">
+            <a:schemeClr val="lt1"/>
+          </a:fontRef>
+        </p:style>
+      </p:sp>
+      <p:cxnSp>
+        <p:nvCxnSpPr>
+          <p:cNvPr id="16" name="Straight Connector 15">
+            <a:extLst>
+              <a:ext uri="{FF2B5EF4-FFF2-40B4-BE49-F238E27FC236}">
+                <a16:creationId xmlns:a16="http://schemas.microsoft.com/office/drawing/2014/main" id="{6EEB3B97-A638-498B-8083-54191CE71E01}"/>
+              </a:ext>
+              <a:ext uri="{C183D7F6-B498-43B3-948B-1728B52AA6E4}">
+                <adec:decorative xmlns:adec="http://schemas.microsoft.com/office/drawing/2017/decorative" val="1"/>
+              </a:ext>
+            </a:extLst>
+          </p:cNvPr>
+          <p:cNvCxnSpPr>
+            <a:cxnSpLocks noGrp="1" noRot="1" noChangeAspect="1" noMove="1" noResize="1" noEditPoints="1" noAdjustHandles="1" noChangeArrowheads="1" noChangeShapeType="1"/>
+          </p:cNvCxnSpPr>
+          <p:nvPr>
+            <p:extLst>
+              <p:ext uri="{386F3935-93C4-4BCD-93E2-E3B085C9AB24}">
+                <p16:designElem xmlns:p16="http://schemas.microsoft.com/office/powerpoint/2015/main" val="1"/>
+              </p:ext>
+            </p:extLst>
+          </p:nvPr>
+        </p:nvCxnSpPr>
+        <p:spPr>
+          <a:xfrm>
+            <a:off x="1193532" y="1737845"/>
+            <a:ext cx="9966960" cy="0"/>
+          </a:xfrm>
+          <a:prstGeom prst="line">
+            <a:avLst/>
+          </a:prstGeom>
+          <a:ln w="6350">
+            <a:solidFill>
+              <a:schemeClr val="tx1">
+                <a:lumMod val="50000"/>
+                <a:lumOff val="50000"/>
+              </a:schemeClr>
+            </a:solidFill>
+          </a:ln>
+        </p:spPr>
+        <p:style>
+          <a:lnRef idx="1">
+            <a:schemeClr val="accent1"/>
+          </a:lnRef>
+          <a:fillRef idx="0">
+            <a:schemeClr val="accent1"/>
+          </a:fillRef>
+          <a:effectRef idx="0">
+            <a:schemeClr val="accent1"/>
+          </a:effectRef>
+          <a:fontRef idx="minor">
+            <a:schemeClr val="tx1"/>
+          </a:fontRef>
+        </p:style>
+      </p:cxnSp>
+      <p:sp useBgFill="1">
+        <p:nvSpPr>
+          <p:cNvPr id="18" name="Rectangle 17">
+            <a:extLst>
+              <a:ext uri="{FF2B5EF4-FFF2-40B4-BE49-F238E27FC236}">
+                <a16:creationId xmlns:a16="http://schemas.microsoft.com/office/drawing/2014/main" id="{52ABB703-2B0E-4C3B-B4A2-F3973548E561}"/>
+              </a:ext>
+              <a:ext uri="{C183D7F6-B498-43B3-948B-1728B52AA6E4}">
+                <adec:decorative xmlns:adec="http://schemas.microsoft.com/office/drawing/2017/decorative" val="1"/>
+              </a:ext>
+            </a:extLst>
+          </p:cNvPr>
+          <p:cNvSpPr>
+            <a:spLocks noGrp="1" noRot="1" noChangeAspect="1" noMove="1" noResize="1" noEditPoints="1" noAdjustHandles="1" noChangeArrowheads="1" noChangeShapeType="1" noTextEdit="1"/>
+          </p:cNvSpPr>
+          <p:nvPr>
+            <p:extLst>
+              <p:ext uri="{386F3935-93C4-4BCD-93E2-E3B085C9AB24}">
+                <p16:designElem xmlns:p16="http://schemas.microsoft.com/office/powerpoint/2015/main" val="1"/>
+              </p:ext>
+            </p:extLst>
+          </p:nvPr>
+        </p:nvSpPr>
+        <p:spPr>
+          <a:xfrm>
+            <a:off x="0" y="0"/>
+            <a:ext cx="12192001" cy="6334316"/>
+          </a:xfrm>
+          <a:prstGeom prst="rect">
+            <a:avLst/>
+          </a:prstGeom>
+          <a:ln>
+            <a:noFill/>
+          </a:ln>
+        </p:spPr>
+        <p:style>
+          <a:lnRef idx="2">
+            <a:schemeClr val="accent1">
+              <a:shade val="50000"/>
+            </a:schemeClr>
+          </a:lnRef>
+          <a:fillRef idx="1">
+            <a:schemeClr val="accent1"/>
+          </a:fillRef>
+          <a:effectRef idx="0">
+            <a:schemeClr val="accent1"/>
+          </a:effectRef>
+          <a:fontRef idx="minor">
+            <a:schemeClr val="lt1"/>
+          </a:fontRef>
+        </p:style>
+        <p:txBody>
+          <a:bodyPr rtlCol="0" anchor="ctr"/>
+          <a:lstStyle/>
+          <a:p>
+            <a:pPr algn="ctr"/>
+            <a:endParaRPr lang="en-US"/>
+          </a:p>
+        </p:txBody>
+      </p:sp>
+      <p:sp>
+        <p:nvSpPr>
+          <p:cNvPr id="2" name="Title 1">
+            <a:extLst>
+              <a:ext uri="{FF2B5EF4-FFF2-40B4-BE49-F238E27FC236}">
+                <a16:creationId xmlns:a16="http://schemas.microsoft.com/office/drawing/2014/main" id="{A1966945-46F7-4819-9BAA-10DC70F3D7BE}"/>
+              </a:ext>
+            </a:extLst>
+          </p:cNvPr>
+          <p:cNvSpPr>
+            <a:spLocks noGrp="1"/>
+          </p:cNvSpPr>
+          <p:nvPr>
+            <p:ph type="title"/>
+          </p:nvPr>
+        </p:nvSpPr>
+        <p:spPr>
+          <a:xfrm>
+            <a:off x="6411685" y="634946"/>
+            <a:ext cx="5127171" cy="1450757"/>
+          </a:xfrm>
+        </p:spPr>
+        <p:txBody>
+          <a:bodyPr vert="horz" lIns="91440" tIns="45720" rIns="91440" bIns="45720" rtlCol="0" anchor="b">
+            <a:normAutofit fontScale="90000"/>
+          </a:bodyPr>
+          <a:lstStyle/>
+          <a:p>
+            <a:r>
+              <a:rPr lang="en-US" dirty="0"/>
+              <a:t>Background Information - Resistors</a:t>
+            </a:r>
+          </a:p>
+        </p:txBody>
+      </p:sp>
+      <p:pic>
+        <p:nvPicPr>
+          <p:cNvPr id="7" name="Content Placeholder 6">
+            <a:extLst>
+              <a:ext uri="{FF2B5EF4-FFF2-40B4-BE49-F238E27FC236}">
+                <a16:creationId xmlns:a16="http://schemas.microsoft.com/office/drawing/2014/main" id="{97CA43D1-5231-412B-90D5-E921BCFB6C46}"/>
+              </a:ext>
+            </a:extLst>
+          </p:cNvPr>
+          <p:cNvPicPr>
+            <a:picLocks noGrp="1" noChangeAspect="1"/>
+          </p:cNvPicPr>
+          <p:nvPr>
+            <p:ph sz="half" idx="2"/>
+          </p:nvPr>
+        </p:nvPicPr>
+        <p:blipFill>
+          <a:blip r:embed="rId2"/>
+          <a:stretch>
+            <a:fillRect/>
+          </a:stretch>
+        </p:blipFill>
+        <p:spPr>
+          <a:xfrm>
+            <a:off x="1584772" y="645106"/>
+            <a:ext cx="3568467" cy="5247747"/>
+          </a:xfrm>
+          <a:prstGeom prst="rect">
+            <a:avLst/>
+          </a:prstGeom>
+        </p:spPr>
+      </p:pic>
+      <p:cxnSp>
+        <p:nvCxnSpPr>
+          <p:cNvPr id="20" name="Straight Connector 19">
+            <a:extLst>
+              <a:ext uri="{FF2B5EF4-FFF2-40B4-BE49-F238E27FC236}">
+                <a16:creationId xmlns:a16="http://schemas.microsoft.com/office/drawing/2014/main" id="{9C21570E-E159-49A6-9891-FA397B7A92D3}"/>
+              </a:ext>
+              <a:ext uri="{C183D7F6-B498-43B3-948B-1728B52AA6E4}">
+                <adec:decorative xmlns:adec="http://schemas.microsoft.com/office/drawing/2017/decorative" val="1"/>
+              </a:ext>
+            </a:extLst>
+          </p:cNvPr>
+          <p:cNvCxnSpPr>
+            <a:cxnSpLocks noGrp="1" noRot="1" noChangeAspect="1" noMove="1" noResize="1" noEditPoints="1" noAdjustHandles="1" noChangeArrowheads="1" noChangeShapeType="1"/>
+          </p:cNvCxnSpPr>
+          <p:nvPr>
+            <p:extLst>
+              <p:ext uri="{386F3935-93C4-4BCD-93E2-E3B085C9AB24}">
+                <p16:designElem xmlns:p16="http://schemas.microsoft.com/office/powerpoint/2015/main" val="1"/>
+              </p:ext>
+            </p:extLst>
+          </p:nvPr>
+        </p:nvCxnSpPr>
+        <p:spPr>
+          <a:xfrm>
+            <a:off x="6411684" y="2086188"/>
+            <a:ext cx="4748808" cy="0"/>
+          </a:xfrm>
+          <a:prstGeom prst="line">
+            <a:avLst/>
+          </a:prstGeom>
+          <a:ln w="6350">
+            <a:solidFill>
+              <a:schemeClr val="tx1">
+                <a:lumMod val="50000"/>
+                <a:lumOff val="50000"/>
+                <a:alpha val="90000"/>
+              </a:schemeClr>
+            </a:solidFill>
+          </a:ln>
+        </p:spPr>
+        <p:style>
+          <a:lnRef idx="1">
+            <a:schemeClr val="accent1"/>
+          </a:lnRef>
+          <a:fillRef idx="0">
+            <a:schemeClr val="accent1"/>
+          </a:fillRef>
+          <a:effectRef idx="0">
+            <a:schemeClr val="accent1"/>
+          </a:effectRef>
+          <a:fontRef idx="minor">
+            <a:schemeClr val="tx1"/>
+          </a:fontRef>
+        </p:style>
+      </p:cxnSp>
+      <p:sp>
+        <p:nvSpPr>
+          <p:cNvPr id="3" name="Content Placeholder 2">
+            <a:extLst>
+              <a:ext uri="{FF2B5EF4-FFF2-40B4-BE49-F238E27FC236}">
+                <a16:creationId xmlns:a16="http://schemas.microsoft.com/office/drawing/2014/main" id="{1A29CAEF-11FA-41AA-9D72-16A9967E06F5}"/>
+              </a:ext>
+            </a:extLst>
+          </p:cNvPr>
+          <p:cNvSpPr>
+            <a:spLocks noGrp="1"/>
+          </p:cNvSpPr>
+          <p:nvPr>
+            <p:ph sz="half" idx="1"/>
+          </p:nvPr>
+        </p:nvSpPr>
+        <p:spPr>
+          <a:xfrm>
+            <a:off x="6411684" y="2198914"/>
+            <a:ext cx="5127172" cy="3670180"/>
+          </a:xfrm>
+        </p:spPr>
+        <p:txBody>
+          <a:bodyPr vert="horz" lIns="0" tIns="45720" rIns="0" bIns="45720" rtlCol="0">
+            <a:normAutofit/>
+          </a:bodyPr>
+          <a:lstStyle/>
+          <a:p>
+            <a:pPr>
+              <a:buFont typeface="Wingdings" panose="05000000000000000000" pitchFamily="2" charset="2"/>
+              <a:buChar char="§"/>
+            </a:pPr>
+            <a:r>
+              <a:rPr lang="en-US" dirty="0"/>
+              <a:t> Resistor</a:t>
+            </a:r>
+          </a:p>
+          <a:p>
+            <a:pPr>
+              <a:buFont typeface="Wingdings" panose="05000000000000000000" pitchFamily="2" charset="2"/>
+              <a:buChar char="§"/>
+            </a:pPr>
+            <a:r>
+              <a:rPr lang="en-US" dirty="0"/>
+              <a:t> reduces the amount of electricity flowing</a:t>
+            </a:r>
+          </a:p>
+          <a:p>
+            <a:pPr>
+              <a:buFont typeface="Wingdings" panose="05000000000000000000" pitchFamily="2" charset="2"/>
+              <a:buChar char="§"/>
+            </a:pPr>
+            <a:r>
+              <a:rPr lang="en-US" dirty="0"/>
+              <a:t> Resistance is measured in ohms(</a:t>
+            </a:r>
+            <a:r>
+              <a:rPr lang="el-GR" dirty="0"/>
+              <a:t>Ω</a:t>
+            </a:r>
+            <a:r>
+              <a:rPr lang="en-US" dirty="0"/>
+              <a:t>)</a:t>
+            </a:r>
+          </a:p>
+        </p:txBody>
+      </p:sp>
+      <p:sp>
+        <p:nvSpPr>
+          <p:cNvPr id="22" name="Rectangle 21">
+            <a:extLst>
+              <a:ext uri="{FF2B5EF4-FFF2-40B4-BE49-F238E27FC236}">
+                <a16:creationId xmlns:a16="http://schemas.microsoft.com/office/drawing/2014/main" id="{E95DA498-D9A2-4DA9-B9DA-B3776E08CF7E}"/>
+              </a:ext>
+              <a:ext uri="{C183D7F6-B498-43B3-948B-1728B52AA6E4}">
+                <adec:decorative xmlns:adec="http://schemas.microsoft.com/office/drawing/2017/decorative" val="1"/>
+              </a:ext>
+            </a:extLst>
+          </p:cNvPr>
+          <p:cNvSpPr>
+            <a:spLocks noGrp="1" noRot="1" noChangeAspect="1" noMove="1" noResize="1" noEditPoints="1" noAdjustHandles="1" noChangeArrowheads="1" noChangeShapeType="1" noTextEdit="1"/>
+          </p:cNvSpPr>
+          <p:nvPr>
+            <p:extLst>
+              <p:ext uri="{386F3935-93C4-4BCD-93E2-E3B085C9AB24}">
+                <p16:designElem xmlns:p16="http://schemas.microsoft.com/office/powerpoint/2015/main" val="1"/>
+              </p:ext>
+            </p:extLst>
+          </p:nvPr>
+        </p:nvSpPr>
+        <p:spPr>
+          <a:xfrm>
+            <a:off x="15" y="6334316"/>
+            <a:ext cx="12191985" cy="66484"/>
+          </a:xfrm>
+          <a:prstGeom prst="rect">
+            <a:avLst/>
+          </a:prstGeom>
+          <a:solidFill>
+            <a:schemeClr val="accent1"/>
+          </a:solidFill>
+          <a:ln>
+            <a:noFill/>
+          </a:ln>
+        </p:spPr>
+        <p:style>
+          <a:lnRef idx="2">
+            <a:schemeClr val="accent1">
+              <a:shade val="50000"/>
+            </a:schemeClr>
+          </a:lnRef>
+          <a:fillRef idx="1">
+            <a:schemeClr val="accent1"/>
+          </a:fillRef>
+          <a:effectRef idx="0">
+            <a:schemeClr val="accent1"/>
+          </a:effectRef>
+          <a:fontRef idx="minor">
+            <a:schemeClr val="lt1"/>
+          </a:fontRef>
+        </p:style>
+      </p:sp>
+      <p:sp>
+        <p:nvSpPr>
+          <p:cNvPr id="24" name="Rectangle 23">
+            <a:extLst>
+              <a:ext uri="{FF2B5EF4-FFF2-40B4-BE49-F238E27FC236}">
+                <a16:creationId xmlns:a16="http://schemas.microsoft.com/office/drawing/2014/main" id="{82A73093-4B9D-420D-B17E-52293703A1D4}"/>
+              </a:ext>
+              <a:ext uri="{C183D7F6-B498-43B3-948B-1728B52AA6E4}">
+                <adec:decorative xmlns:adec="http://schemas.microsoft.com/office/drawing/2017/decorative" val="1"/>
+              </a:ext>
+            </a:extLst>
+          </p:cNvPr>
+          <p:cNvSpPr>
+            <a:spLocks noGrp="1" noRot="1" noChangeAspect="1" noMove="1" noResize="1" noEditPoints="1" noAdjustHandles="1" noChangeArrowheads="1" noChangeShapeType="1" noTextEdit="1"/>
+          </p:cNvSpPr>
+          <p:nvPr>
+            <p:extLst>
+              <p:ext uri="{386F3935-93C4-4BCD-93E2-E3B085C9AB24}">
+                <p16:designElem xmlns:p16="http://schemas.microsoft.com/office/powerpoint/2015/main" val="1"/>
+              </p:ext>
+            </p:extLst>
+          </p:nvPr>
+        </p:nvSpPr>
+        <p:spPr>
+          <a:xfrm>
+            <a:off x="1" y="6400800"/>
+            <a:ext cx="12192000" cy="457200"/>
+          </a:xfrm>
+          <a:prstGeom prst="rect">
+            <a:avLst/>
+          </a:prstGeom>
+          <a:solidFill>
+            <a:schemeClr val="accent2"/>
+          </a:solidFill>
+          <a:ln>
+            <a:noFill/>
+          </a:ln>
+        </p:spPr>
+        <p:style>
+          <a:lnRef idx="2">
+            <a:schemeClr val="accent1">
+              <a:shade val="50000"/>
+            </a:schemeClr>
+          </a:lnRef>
+          <a:fillRef idx="1">
+            <a:schemeClr val="accent1"/>
+          </a:fillRef>
+          <a:effectRef idx="0">
+            <a:schemeClr val="accent1"/>
+          </a:effectRef>
+          <a:fontRef idx="minor">
+            <a:schemeClr val="lt1"/>
+          </a:fontRef>
+        </p:style>
+      </p:sp>
+    </p:spTree>
+    <p:extLst>
+      <p:ext uri="{BB962C8B-B14F-4D97-AF65-F5344CB8AC3E}">
+        <p14:creationId xmlns:p14="http://schemas.microsoft.com/office/powerpoint/2010/main" val="424613292"/>
+      </p:ext>
+    </p:extLst>
+  </p:cSld>
+  <p:clrMapOvr>
+    <a:masterClrMapping/>
+  </p:clrMapOvr>
+</p:sld>
+</file>
+
+<file path=ppt/slides/slide11.xml><?xml version="1.0" encoding="utf-8"?>
+<p:sld xmlns:a="http://schemas.openxmlformats.org/drawingml/2006/main" xmlns:r="http://schemas.openxmlformats.org/officeDocument/2006/relationships" xmlns:p="http://schemas.openxmlformats.org/presentationml/2006/main">
+  <p:cSld>
+    <p:spTree>
+      <p:nvGrpSpPr>
+        <p:cNvPr id="1" name=""/>
+        <p:cNvGrpSpPr/>
+        <p:nvPr/>
+      </p:nvGrpSpPr>
+      <p:grpSpPr>
+        <a:xfrm>
+          <a:off x="0" y="0"/>
+          <a:ext cx="0" cy="0"/>
+          <a:chOff x="0" y="0"/>
+          <a:chExt cx="0" cy="0"/>
+        </a:xfrm>
+      </p:grpSpPr>
+      <p:sp>
+        <p:nvSpPr>
+          <p:cNvPr id="2" name="Title 1">
+            <a:extLst>
+              <a:ext uri="{FF2B5EF4-FFF2-40B4-BE49-F238E27FC236}">
+                <a16:creationId xmlns:a16="http://schemas.microsoft.com/office/drawing/2014/main" id="{A1966945-46F7-4819-9BAA-10DC70F3D7BE}"/>
+              </a:ext>
+            </a:extLst>
+          </p:cNvPr>
+          <p:cNvSpPr>
+            <a:spLocks noGrp="1"/>
+          </p:cNvSpPr>
+          <p:nvPr>
+            <p:ph type="title"/>
+          </p:nvPr>
+        </p:nvSpPr>
+        <p:spPr/>
+        <p:txBody>
+          <a:bodyPr/>
+          <a:lstStyle/>
+          <a:p>
+            <a:r>
+              <a:rPr lang="en-US" dirty="0"/>
+              <a:t>Background Information - Arduino</a:t>
+            </a:r>
+          </a:p>
+        </p:txBody>
+      </p:sp>
+      <p:pic>
+        <p:nvPicPr>
+          <p:cNvPr id="7" name="Content Placeholder 6" descr="A screenshot of a cell phone&#10;&#10;Description automatically generated">
+            <a:extLst>
+              <a:ext uri="{FF2B5EF4-FFF2-40B4-BE49-F238E27FC236}">
+                <a16:creationId xmlns:a16="http://schemas.microsoft.com/office/drawing/2014/main" id="{CBC95435-C7FD-48E7-8E58-4594FAD4A7D1}"/>
+              </a:ext>
+            </a:extLst>
+          </p:cNvPr>
+          <p:cNvPicPr>
+            <a:picLocks noGrp="1" noChangeAspect="1"/>
+          </p:cNvPicPr>
+          <p:nvPr>
+            <p:ph sz="half" idx="1"/>
+          </p:nvPr>
+        </p:nvPicPr>
+        <p:blipFill>
+          <a:blip r:embed="rId2"/>
+          <a:stretch>
+            <a:fillRect/>
+          </a:stretch>
+        </p:blipFill>
+        <p:spPr>
+          <a:xfrm>
+            <a:off x="448779" y="2167128"/>
+            <a:ext cx="5146648" cy="2790788"/>
+          </a:xfrm>
+        </p:spPr>
+      </p:pic>
+      <p:sp>
+        <p:nvSpPr>
+          <p:cNvPr id="5" name="Content Placeholder 4">
+            <a:extLst>
+              <a:ext uri="{FF2B5EF4-FFF2-40B4-BE49-F238E27FC236}">
+                <a16:creationId xmlns:a16="http://schemas.microsoft.com/office/drawing/2014/main" id="{2C6941F4-E92C-4A34-975C-14F253D87B0E}"/>
+              </a:ext>
+            </a:extLst>
+          </p:cNvPr>
+          <p:cNvSpPr>
+            <a:spLocks noGrp="1"/>
+          </p:cNvSpPr>
+          <p:nvPr>
+            <p:ph sz="half" idx="2"/>
+          </p:nvPr>
+        </p:nvSpPr>
+        <p:spPr>
+          <a:xfrm>
+            <a:off x="6217920" y="1845734"/>
+            <a:ext cx="4937760" cy="4408761"/>
+          </a:xfrm>
+        </p:spPr>
+        <p:txBody>
+          <a:bodyPr>
+            <a:normAutofit lnSpcReduction="10000"/>
+          </a:bodyPr>
+          <a:lstStyle/>
+          <a:p>
+            <a:pPr>
+              <a:buFont typeface="Wingdings" panose="05000000000000000000" pitchFamily="2" charset="2"/>
+              <a:buChar char="§"/>
+            </a:pPr>
+            <a:r>
+              <a:rPr lang="en-US" dirty="0"/>
+              <a:t> Syntax is almost identical to C/C++</a:t>
+            </a:r>
+          </a:p>
+          <a:p>
+            <a:pPr>
+              <a:buFont typeface="Wingdings" panose="05000000000000000000" pitchFamily="2" charset="2"/>
+              <a:buChar char="§"/>
+            </a:pPr>
+            <a:r>
+              <a:rPr lang="en-US" dirty="0"/>
+              <a:t> setup() and loop() must always be present for Arduino code to compile</a:t>
+            </a:r>
+          </a:p>
+          <a:p>
+            <a:pPr>
+              <a:buFont typeface="Wingdings" panose="05000000000000000000" pitchFamily="2" charset="2"/>
+              <a:buChar char="§"/>
+            </a:pPr>
+            <a:r>
+              <a:rPr lang="en-US" dirty="0"/>
+              <a:t> setup() runs once, loop run repeatedly </a:t>
+            </a:r>
+          </a:p>
+          <a:p>
+            <a:pPr>
+              <a:buFont typeface="Wingdings" panose="05000000000000000000" pitchFamily="2" charset="2"/>
+              <a:buChar char="§"/>
+            </a:pPr>
+            <a:r>
+              <a:rPr lang="en-US" dirty="0"/>
+              <a:t> </a:t>
+            </a:r>
+            <a:r>
+              <a:rPr lang="en-US" dirty="0" err="1"/>
+              <a:t>Serial.begin</a:t>
+            </a:r>
+            <a:r>
+              <a:rPr lang="en-US" dirty="0"/>
+              <a:t>(9600) initializes the Serial monitor (a text window that we can print to)</a:t>
+            </a:r>
+          </a:p>
+          <a:p>
+            <a:pPr>
+              <a:buFont typeface="Wingdings" panose="05000000000000000000" pitchFamily="2" charset="2"/>
+              <a:buChar char="§"/>
+            </a:pPr>
+            <a:r>
+              <a:rPr lang="en-US" dirty="0"/>
+              <a:t>delay(int x) waits x milliseconds </a:t>
+            </a:r>
+          </a:p>
+          <a:p>
+            <a:pPr>
+              <a:buFont typeface="Wingdings" panose="05000000000000000000" pitchFamily="2" charset="2"/>
+              <a:buChar char="§"/>
+            </a:pPr>
+            <a:r>
+              <a:rPr lang="en-US" dirty="0"/>
+              <a:t>To use a pin:</a:t>
+            </a:r>
+          </a:p>
+          <a:p>
+            <a:pPr lvl="1">
+              <a:buFont typeface="Wingdings" panose="05000000000000000000" pitchFamily="2" charset="2"/>
+              <a:buChar char="§"/>
+            </a:pPr>
+            <a:r>
+              <a:rPr lang="en-US" dirty="0"/>
+              <a:t>First initialize it as either INPUT or OUTPUT using </a:t>
+            </a:r>
+            <a:r>
+              <a:rPr lang="en-US" dirty="0" err="1"/>
+              <a:t>pinMode</a:t>
+            </a:r>
+            <a:r>
+              <a:rPr lang="en-US" dirty="0"/>
+              <a:t>()</a:t>
+            </a:r>
+          </a:p>
+          <a:p>
+            <a:pPr lvl="1">
+              <a:buFont typeface="Wingdings" panose="05000000000000000000" pitchFamily="2" charset="2"/>
+              <a:buChar char="§"/>
+            </a:pPr>
+            <a:r>
+              <a:rPr lang="en-US" dirty="0" err="1"/>
+              <a:t>digitalWrite</a:t>
+            </a:r>
+            <a:r>
+              <a:rPr lang="en-US" dirty="0"/>
+              <a:t>(int </a:t>
+            </a:r>
+            <a:r>
+              <a:rPr lang="en-US" dirty="0" err="1"/>
+              <a:t>pinNumber</a:t>
+            </a:r>
+            <a:r>
+              <a:rPr lang="en-US" dirty="0"/>
+              <a:t>, HIGH or LOW)</a:t>
+            </a:r>
+          </a:p>
+          <a:p>
+            <a:pPr lvl="1">
+              <a:buFont typeface="Wingdings" panose="05000000000000000000" pitchFamily="2" charset="2"/>
+              <a:buChar char="§"/>
+            </a:pPr>
+            <a:r>
+              <a:rPr lang="en-US" dirty="0"/>
+              <a:t>More options will come in future labs</a:t>
+            </a:r>
+          </a:p>
+          <a:p>
+            <a:pPr lvl="1">
+              <a:buFont typeface="Wingdings" panose="05000000000000000000" pitchFamily="2" charset="2"/>
+              <a:buChar char="§"/>
+            </a:pPr>
+            <a:endParaRPr lang="en-US" dirty="0"/>
+          </a:p>
+        </p:txBody>
+      </p:sp>
+    </p:spTree>
+    <p:extLst>
+      <p:ext uri="{BB962C8B-B14F-4D97-AF65-F5344CB8AC3E}">
+        <p14:creationId xmlns:p14="http://schemas.microsoft.com/office/powerpoint/2010/main" val="1992057739"/>
+      </p:ext>
+    </p:extLst>
+  </p:cSld>
+  <p:clrMapOvr>
+    <a:masterClrMapping/>
+  </p:clrMapOvr>
+</p:sld>
+</file>
+
 <file path=ppt/slides/slide2.xml><?xml version="1.0" encoding="utf-8"?>
 <p:sld xmlns:a="http://schemas.openxmlformats.org/drawingml/2006/main" xmlns:r="http://schemas.openxmlformats.org/officeDocument/2006/relationships" xmlns:p="http://schemas.openxmlformats.org/presentationml/2006/main">
   <p:cSld>
@@ -3929,7 +4735,7 @@
           <a:p>
             <a:r>
               <a:rPr lang="en-US" dirty="0"/>
-              <a:t>Contact Info</a:t>
+              <a:t>Contact Info + websites</a:t>
             </a:r>
           </a:p>
         </p:txBody>
@@ -3994,7 +4800,54 @@
             </a:r>
             <a:r>
               <a:rPr lang="en-US" dirty="0"/>
-              <a:t>by appointment only (send an email and we can setup a zoom meeting)</a:t>
+              <a:t>by appointment only (send an email and I will setup a zoom meeting)</a:t>
+            </a:r>
+          </a:p>
+          <a:p>
+            <a:pPr>
+              <a:buFont typeface="Wingdings" panose="05000000000000000000" pitchFamily="2" charset="2"/>
+              <a:buChar char="§"/>
+            </a:pPr>
+            <a:endParaRPr lang="en-US" dirty="0"/>
+          </a:p>
+          <a:p>
+            <a:pPr>
+              <a:buFont typeface="Wingdings" panose="05000000000000000000" pitchFamily="2" charset="2"/>
+              <a:buChar char="§"/>
+            </a:pPr>
+            <a:r>
+              <a:rPr lang="en-US" dirty="0"/>
+              <a:t> I will use piazza to post any class updates</a:t>
+            </a:r>
+          </a:p>
+          <a:p>
+            <a:pPr>
+              <a:buFont typeface="Wingdings" panose="05000000000000000000" pitchFamily="2" charset="2"/>
+              <a:buChar char="§"/>
+            </a:pPr>
+            <a:r>
+              <a:rPr lang="en-US" dirty="0"/>
+              <a:t> Zoom links are posted on piazza</a:t>
+            </a:r>
+          </a:p>
+          <a:p>
+            <a:pPr>
+              <a:buFont typeface="Wingdings" panose="05000000000000000000" pitchFamily="2" charset="2"/>
+              <a:buChar char="§"/>
+            </a:pPr>
+            <a:r>
+              <a:rPr lang="en-US" dirty="0"/>
+              <a:t> My slides, starter codes, and instructions are available here: </a:t>
+            </a:r>
+            <a:r>
+              <a:rPr lang="en-US" dirty="0">
+                <a:hlinkClick r:id="rId3"/>
+              </a:rPr>
+              <a:t>github.com/jack17davis/cs341</a:t>
+            </a:r>
+            <a:r>
+              <a:rPr lang="en-US" dirty="0"/>
+              <a:t> </a:t>
             </a:r>
           </a:p>
         </p:txBody>
@@ -4052,7 +4905,7 @@
           <a:p>
             <a:r>
               <a:rPr lang="en-US" dirty="0"/>
-              <a:t>Weekly Meetings</a:t>
+              <a:t>Policies</a:t>
             </a:r>
           </a:p>
         </p:txBody>
@@ -4073,12 +4926,7 @@
             <p:ph idx="1"/>
           </p:nvPr>
         </p:nvSpPr>
-        <p:spPr>
-          <a:xfrm>
-            <a:off x="1097280" y="1818302"/>
-            <a:ext cx="10058400" cy="4023360"/>
-          </a:xfrm>
-        </p:spPr>
+        <p:spPr/>
         <p:txBody>
           <a:bodyPr/>
           <a:lstStyle/>
@@ -4089,15 +4937,8 @@
             </a:pPr>
             <a:r>
               <a:rPr lang="en-US" dirty="0"/>
-              <a:t> Starter code is available on GitHub: </a:t>
-            </a:r>
-            <a:r>
-              <a:rPr lang="en-US" dirty="0">
-                <a:hlinkClick r:id="rId2"/>
-              </a:rPr>
-              <a:t>https://github.com/jack17davis/cs341</a:t>
-            </a:r>
-            <a:endParaRPr lang="en-US" dirty="0"/>
+              <a:t> Work in groups of 1 or 2</a:t>
+            </a:r>
           </a:p>
           <a:p>
             <a:pPr>
@@ -4106,18 +4947,9 @@
             </a:pPr>
             <a:r>
               <a:rPr lang="en-US" dirty="0"/>
-              <a:t> Step-by-step instructions will be posted on </a:t>
-            </a:r>
-            <a:r>
-              <a:rPr lang="en-US" dirty="0">
-                <a:hlinkClick r:id="rId3"/>
-              </a:rPr>
-              <a:t>https://www.cs.umb.edu/~cheungr/cs341/</a:t>
-            </a:r>
-            <a:r>
-              <a:rPr lang="en-US" dirty="0"/>
-              <a:t>  </a:t>
-            </a:r>
+              <a:t> Post lab questions on Piazza with lab tag (privately if you need to share code) </a:t>
+            </a:r>
+            <a:endParaRPr lang="en-US" b="1" dirty="0"/>
           </a:p>
           <a:p>
             <a:pPr>
@@ -4126,7 +4958,15 @@
             </a:pPr>
             <a:r>
               <a:rPr lang="en-US" dirty="0"/>
-              <a:t> Lab introduction</a:t>
+              <a:t> makeup labs are allowed (due by 11:59PM on December 11</a:t>
+            </a:r>
+            <a:r>
+              <a:rPr lang="en-US" baseline="30000" dirty="0"/>
+              <a:t>th</a:t>
+            </a:r>
+            <a:r>
+              <a:rPr lang="en-US" dirty="0"/>
+              <a:t>)</a:t>
             </a:r>
           </a:p>
           <a:p>
@@ -4136,7 +4976,7 @@
             </a:pPr>
             <a:r>
               <a:rPr lang="en-US" dirty="0"/>
-              <a:t> Working lab demonstration</a:t>
+              <a:t> You may attend a different lab section if you need to</a:t>
             </a:r>
           </a:p>
           <a:p>
@@ -4146,47 +4986,7 @@
             </a:pPr>
             <a:r>
               <a:rPr lang="en-US" dirty="0"/>
-              <a:t> Q&amp;A</a:t>
-            </a:r>
-          </a:p>
-          <a:p>
-            <a:pPr>
-              <a:buFont typeface="Wingdings" panose="05000000000000000000" pitchFamily="2" charset="2"/>
-              <a:buChar char="§"/>
-            </a:pPr>
-            <a:r>
-              <a:rPr lang="en-US" dirty="0"/>
-              <a:t> Breakout rooms for real-time labs</a:t>
-            </a:r>
-          </a:p>
-          <a:p>
-            <a:pPr lvl="1">
-              <a:buFont typeface="Wingdings" panose="05000000000000000000" pitchFamily="2" charset="2"/>
-              <a:buChar char="§"/>
-            </a:pPr>
-            <a:r>
-              <a:rPr lang="en-US" dirty="0"/>
-              <a:t>Use the “help” button to get my attention</a:t>
-            </a:r>
-          </a:p>
-          <a:p>
-            <a:pPr lvl="1">
-              <a:buFont typeface="Wingdings" panose="05000000000000000000" pitchFamily="2" charset="2"/>
-              <a:buChar char="§"/>
-            </a:pPr>
-            <a:r>
-              <a:rPr lang="en-US" dirty="0"/>
-              <a:t>You are welcome to take longer or leave early</a:t>
-            </a:r>
-          </a:p>
-          <a:p>
-            <a:pPr>
-              <a:buFont typeface="Wingdings" panose="05000000000000000000" pitchFamily="2" charset="2"/>
-              <a:buChar char="§"/>
-            </a:pPr>
-            <a:r>
-              <a:rPr lang="en-US" dirty="0"/>
-              <a:t> Lab report is due by the start of the next lab (typically a week)</a:t>
+              <a:t> When using tinkercad, you should not use block code</a:t>
             </a:r>
           </a:p>
         </p:txBody>
@@ -4194,7 +4994,7 @@
     </p:spTree>
     <p:extLst>
       <p:ext uri="{BB962C8B-B14F-4D97-AF65-F5344CB8AC3E}">
-        <p14:creationId xmlns:p14="http://schemas.microsoft.com/office/powerpoint/2010/main" val="1769291969"/>
+        <p14:creationId xmlns:p14="http://schemas.microsoft.com/office/powerpoint/2010/main" val="1605370376"/>
       </p:ext>
     </p:extLst>
   </p:cSld>
@@ -4207,14 +5007,6 @@
 <file path=ppt/slides/slide4.xml><?xml version="1.0" encoding="utf-8"?>
 <p:sld xmlns:a="http://schemas.openxmlformats.org/drawingml/2006/main" xmlns:r="http://schemas.openxmlformats.org/officeDocument/2006/relationships" xmlns:p="http://schemas.openxmlformats.org/presentationml/2006/main">
   <p:cSld>
-    <p:bg>
-      <p:bgPr>
-        <a:solidFill>
-          <a:schemeClr val="bg1"/>
-        </a:solidFill>
-        <a:effectLst/>
-      </p:bgPr>
-    </p:bg>
     <p:spTree>
       <p:nvGrpSpPr>
         <p:cNvPr id="1" name=""/>
@@ -4231,231 +5023,6 @@
       </p:grpSpPr>
       <p:sp>
         <p:nvSpPr>
-          <p:cNvPr id="16" name="Rectangle 15">
-            <a:extLst>
-              <a:ext uri="{FF2B5EF4-FFF2-40B4-BE49-F238E27FC236}">
-                <a16:creationId xmlns:a16="http://schemas.microsoft.com/office/drawing/2014/main" id="{BB2B8762-61F0-4F1B-9364-D633EE9D6AF5}"/>
-              </a:ext>
-              <a:ext uri="{C183D7F6-B498-43B3-948B-1728B52AA6E4}">
-                <adec:decorative xmlns:adec="http://schemas.microsoft.com/office/drawing/2017/decorative" val="1"/>
-              </a:ext>
-            </a:extLst>
-          </p:cNvPr>
-          <p:cNvSpPr>
-            <a:spLocks noGrp="1" noRot="1" noChangeAspect="1" noMove="1" noResize="1" noEditPoints="1" noAdjustHandles="1" noChangeArrowheads="1" noChangeShapeType="1" noTextEdit="1"/>
-          </p:cNvSpPr>
-          <p:nvPr>
-            <p:extLst>
-              <p:ext uri="{386F3935-93C4-4BCD-93E2-E3B085C9AB24}">
-                <p16:designElem xmlns:p16="http://schemas.microsoft.com/office/powerpoint/2015/main" val="1"/>
-              </p:ext>
-            </p:extLst>
-          </p:nvPr>
-        </p:nvSpPr>
-        <p:spPr>
-          <a:xfrm>
-            <a:off x="3175" y="6400800"/>
-            <a:ext cx="12188825" cy="457200"/>
-          </a:xfrm>
-          <a:prstGeom prst="rect">
-            <a:avLst/>
-          </a:prstGeom>
-          <a:solidFill>
-            <a:schemeClr val="accent2"/>
-          </a:solidFill>
-          <a:ln>
-            <a:noFill/>
-          </a:ln>
-        </p:spPr>
-        <p:style>
-          <a:lnRef idx="2">
-            <a:schemeClr val="accent1">
-              <a:shade val="50000"/>
-            </a:schemeClr>
-          </a:lnRef>
-          <a:fillRef idx="1">
-            <a:schemeClr val="accent1"/>
-          </a:fillRef>
-          <a:effectRef idx="0">
-            <a:schemeClr val="accent1"/>
-          </a:effectRef>
-          <a:fontRef idx="minor">
-            <a:schemeClr val="lt1"/>
-          </a:fontRef>
-        </p:style>
-      </p:sp>
-      <p:sp>
-        <p:nvSpPr>
-          <p:cNvPr id="18" name="Rectangle 17">
-            <a:extLst>
-              <a:ext uri="{FF2B5EF4-FFF2-40B4-BE49-F238E27FC236}">
-                <a16:creationId xmlns:a16="http://schemas.microsoft.com/office/drawing/2014/main" id="{E97675C8-1328-460C-9EBF-6B446B67EAD3}"/>
-              </a:ext>
-              <a:ext uri="{C183D7F6-B498-43B3-948B-1728B52AA6E4}">
-                <adec:decorative xmlns:adec="http://schemas.microsoft.com/office/drawing/2017/decorative" val="1"/>
-              </a:ext>
-            </a:extLst>
-          </p:cNvPr>
-          <p:cNvSpPr>
-            <a:spLocks noGrp="1" noRot="1" noChangeAspect="1" noMove="1" noResize="1" noEditPoints="1" noAdjustHandles="1" noChangeArrowheads="1" noChangeShapeType="1" noTextEdit="1"/>
-          </p:cNvSpPr>
-          <p:nvPr>
-            <p:extLst>
-              <p:ext uri="{386F3935-93C4-4BCD-93E2-E3B085C9AB24}">
-                <p16:designElem xmlns:p16="http://schemas.microsoft.com/office/powerpoint/2015/main" val="1"/>
-              </p:ext>
-            </p:extLst>
-          </p:nvPr>
-        </p:nvSpPr>
-        <p:spPr>
-          <a:xfrm>
-            <a:off x="15" y="6334316"/>
-            <a:ext cx="12188825" cy="64008"/>
-          </a:xfrm>
-          <a:prstGeom prst="rect">
-            <a:avLst/>
-          </a:prstGeom>
-          <a:solidFill>
-            <a:schemeClr val="accent1"/>
-          </a:solidFill>
-          <a:ln>
-            <a:noFill/>
-          </a:ln>
-        </p:spPr>
-        <p:style>
-          <a:lnRef idx="2">
-            <a:schemeClr val="accent1">
-              <a:shade val="50000"/>
-            </a:schemeClr>
-          </a:lnRef>
-          <a:fillRef idx="1">
-            <a:schemeClr val="accent1"/>
-          </a:fillRef>
-          <a:effectRef idx="0">
-            <a:schemeClr val="accent1"/>
-          </a:effectRef>
-          <a:fontRef idx="minor">
-            <a:schemeClr val="lt1"/>
-          </a:fontRef>
-        </p:style>
-      </p:sp>
-      <p:cxnSp>
-        <p:nvCxnSpPr>
-          <p:cNvPr id="20" name="Straight Connector 19">
-            <a:extLst>
-              <a:ext uri="{FF2B5EF4-FFF2-40B4-BE49-F238E27FC236}">
-                <a16:creationId xmlns:a16="http://schemas.microsoft.com/office/drawing/2014/main" id="{514EE78B-AF71-4195-A01B-F1165D9233BF}"/>
-              </a:ext>
-              <a:ext uri="{C183D7F6-B498-43B3-948B-1728B52AA6E4}">
-                <adec:decorative xmlns:adec="http://schemas.microsoft.com/office/drawing/2017/decorative" val="1"/>
-              </a:ext>
-            </a:extLst>
-          </p:cNvPr>
-          <p:cNvCxnSpPr>
-            <a:cxnSpLocks noGrp="1" noRot="1" noChangeAspect="1" noMove="1" noResize="1" noEditPoints="1" noAdjustHandles="1" noChangeArrowheads="1" noChangeShapeType="1"/>
-          </p:cNvCxnSpPr>
-          <p:nvPr>
-            <p:extLst>
-              <p:ext uri="{386F3935-93C4-4BCD-93E2-E3B085C9AB24}">
-                <p16:designElem xmlns:p16="http://schemas.microsoft.com/office/powerpoint/2015/main" val="1"/>
-              </p:ext>
-            </p:extLst>
-          </p:nvPr>
-        </p:nvCxnSpPr>
-        <p:spPr>
-          <a:xfrm>
-            <a:off x="1207658" y="4343400"/>
-            <a:ext cx="9875520" cy="0"/>
-          </a:xfrm>
-          <a:prstGeom prst="line">
-            <a:avLst/>
-          </a:prstGeom>
-          <a:ln w="6350">
-            <a:solidFill>
-              <a:schemeClr val="tx1">
-                <a:lumMod val="50000"/>
-                <a:lumOff val="50000"/>
-              </a:schemeClr>
-            </a:solidFill>
-          </a:ln>
-        </p:spPr>
-        <p:style>
-          <a:lnRef idx="1">
-            <a:schemeClr val="accent1"/>
-          </a:lnRef>
-          <a:fillRef idx="0">
-            <a:schemeClr val="accent1"/>
-          </a:fillRef>
-          <a:effectRef idx="0">
-            <a:schemeClr val="accent1"/>
-          </a:effectRef>
-          <a:fontRef idx="minor">
-            <a:schemeClr val="tx1"/>
-          </a:fontRef>
-        </p:style>
-      </p:cxnSp>
-      <p:sp useBgFill="1">
-        <p:nvSpPr>
-          <p:cNvPr id="22" name="Rectangle 21">
-            <a:extLst>
-              <a:ext uri="{FF2B5EF4-FFF2-40B4-BE49-F238E27FC236}">
-                <a16:creationId xmlns:a16="http://schemas.microsoft.com/office/drawing/2014/main" id="{C6417104-D4C1-4710-9982-2154A7F48492}"/>
-              </a:ext>
-              <a:ext uri="{C183D7F6-B498-43B3-948B-1728B52AA6E4}">
-                <adec:decorative xmlns:adec="http://schemas.microsoft.com/office/drawing/2017/decorative" val="1"/>
-              </a:ext>
-            </a:extLst>
-          </p:cNvPr>
-          <p:cNvSpPr>
-            <a:spLocks noGrp="1" noRot="1" noChangeAspect="1" noMove="1" noResize="1" noEditPoints="1" noAdjustHandles="1" noChangeArrowheads="1" noChangeShapeType="1" noTextEdit="1"/>
-          </p:cNvSpPr>
-          <p:nvPr>
-            <p:extLst>
-              <p:ext uri="{386F3935-93C4-4BCD-93E2-E3B085C9AB24}">
-                <p16:designElem xmlns:p16="http://schemas.microsoft.com/office/powerpoint/2015/main" val="1"/>
-              </p:ext>
-            </p:extLst>
-          </p:nvPr>
-        </p:nvSpPr>
-        <p:spPr>
-          <a:xfrm>
-            <a:off x="0" y="0"/>
-            <a:ext cx="12192001" cy="6334316"/>
-          </a:xfrm>
-          <a:prstGeom prst="rect">
-            <a:avLst/>
-          </a:prstGeom>
-          <a:ln>
-            <a:noFill/>
-          </a:ln>
-        </p:spPr>
-        <p:style>
-          <a:lnRef idx="2">
-            <a:schemeClr val="accent1">
-              <a:shade val="50000"/>
-            </a:schemeClr>
-          </a:lnRef>
-          <a:fillRef idx="1">
-            <a:schemeClr val="accent1"/>
-          </a:fillRef>
-          <a:effectRef idx="0">
-            <a:schemeClr val="accent1"/>
-          </a:effectRef>
-          <a:fontRef idx="minor">
-            <a:schemeClr val="lt1"/>
-          </a:fontRef>
-        </p:style>
-        <p:txBody>
-          <a:bodyPr rtlCol="0" anchor="ctr"/>
-          <a:lstStyle/>
-          <a:p>
-            <a:pPr algn="ctr"/>
-            <a:endParaRPr lang="en-US"/>
-          </a:p>
-        </p:txBody>
-      </p:sp>
-      <p:sp>
-        <p:nvSpPr>
           <p:cNvPr id="2" name="Title 1">
             <a:extLst>
               <a:ext uri="{FF2B5EF4-FFF2-40B4-BE49-F238E27FC236}">
@@ -4470,320 +5037,156 @@
             <p:ph type="title"/>
           </p:nvPr>
         </p:nvSpPr>
-        <p:spPr>
-          <a:xfrm>
-            <a:off x="633999" y="4550229"/>
-            <a:ext cx="10909073" cy="1057655"/>
-          </a:xfrm>
-        </p:spPr>
-        <p:txBody>
-          <a:bodyPr vert="horz" lIns="91440" tIns="45720" rIns="91440" bIns="45720" rtlCol="0" anchor="b">
-            <a:normAutofit/>
-          </a:bodyPr>
+        <p:spPr/>
+        <p:txBody>
+          <a:bodyPr/>
           <a:lstStyle/>
           <a:p>
             <a:r>
-              <a:rPr lang="en-US" sz="6000" dirty="0">
-                <a:solidFill>
-                  <a:schemeClr val="tx1">
-                    <a:lumMod val="85000"/>
-                    <a:lumOff val="15000"/>
-                  </a:schemeClr>
-                </a:solidFill>
-              </a:rPr>
-              <a:t>Arduino</a:t>
-            </a:r>
-          </a:p>
-        </p:txBody>
-      </p:sp>
-      <p:pic>
-        <p:nvPicPr>
-          <p:cNvPr id="7" name="Picture 6" descr="A circuit board&#10;&#10;Description automatically generated">
+              <a:rPr lang="en-US" dirty="0"/>
+              <a:t>Weekly Meetings</a:t>
+            </a:r>
+          </a:p>
+        </p:txBody>
+      </p:sp>
+      <p:sp>
+        <p:nvSpPr>
+          <p:cNvPr id="3" name="Content Placeholder 2">
             <a:extLst>
               <a:ext uri="{FF2B5EF4-FFF2-40B4-BE49-F238E27FC236}">
-                <a16:creationId xmlns:a16="http://schemas.microsoft.com/office/drawing/2014/main" id="{C14371A5-8CDD-476A-BA30-1A7C69E92320}"/>
+                <a16:creationId xmlns:a16="http://schemas.microsoft.com/office/drawing/2014/main" id="{1A29CAEF-11FA-41AA-9D72-16A9967E06F5}"/>
               </a:ext>
             </a:extLst>
           </p:cNvPr>
-          <p:cNvPicPr>
-            <a:picLocks noChangeAspect="1"/>
-          </p:cNvPicPr>
-          <p:nvPr/>
-        </p:nvPicPr>
-        <p:blipFill>
-          <a:blip r:embed="rId2"/>
-          <a:stretch>
-            <a:fillRect/>
-          </a:stretch>
-        </p:blipFill>
-        <p:spPr>
-          <a:xfrm>
-            <a:off x="635457" y="1197777"/>
-            <a:ext cx="5131653" cy="2487342"/>
-          </a:xfrm>
-          <a:prstGeom prst="rect">
-            <a:avLst/>
-          </a:prstGeom>
-        </p:spPr>
-      </p:pic>
-      <p:sp>
-        <p:nvSpPr>
-          <p:cNvPr id="24" name="Rectangle 23">
-            <a:extLst>
-              <a:ext uri="{FF2B5EF4-FFF2-40B4-BE49-F238E27FC236}">
-                <a16:creationId xmlns:a16="http://schemas.microsoft.com/office/drawing/2014/main" id="{626F1402-2DEC-4071-84AF-350C7BF00D43}"/>
-              </a:ext>
-              <a:ext uri="{C183D7F6-B498-43B3-948B-1728B52AA6E4}">
-                <adec:decorative xmlns:adec="http://schemas.microsoft.com/office/drawing/2017/decorative" val="1"/>
-              </a:ext>
-            </a:extLst>
-          </p:cNvPr>
-          <p:cNvSpPr>
-            <a:spLocks noGrp="1" noRot="1" noChangeAspect="1" noMove="1" noResize="1" noEditPoints="1" noAdjustHandles="1" noChangeArrowheads="1" noChangeShapeType="1" noTextEdit="1"/>
-          </p:cNvSpPr>
-          <p:nvPr>
-            <p:extLst>
-              <p:ext uri="{386F3935-93C4-4BCD-93E2-E3B085C9AB24}">
-                <p16:designElem xmlns:p16="http://schemas.microsoft.com/office/powerpoint/2015/main" val="1"/>
-              </p:ext>
-            </p:extLst>
-          </p:nvPr>
-        </p:nvSpPr>
-        <p:spPr>
-          <a:xfrm>
-            <a:off x="6063996" y="886968"/>
-            <a:ext cx="64008" cy="3108960"/>
-          </a:xfrm>
-          <a:prstGeom prst="rect">
-            <a:avLst/>
-          </a:prstGeom>
-          <a:ln>
-            <a:noFill/>
-          </a:ln>
-        </p:spPr>
-        <p:style>
-          <a:lnRef idx="2">
-            <a:schemeClr val="accent1">
-              <a:shade val="50000"/>
-            </a:schemeClr>
-          </a:lnRef>
-          <a:fillRef idx="1">
-            <a:schemeClr val="accent1"/>
-          </a:fillRef>
-          <a:effectRef idx="0">
-            <a:schemeClr val="accent1"/>
-          </a:effectRef>
-          <a:fontRef idx="minor">
-            <a:schemeClr val="lt1"/>
-          </a:fontRef>
-        </p:style>
-        <p:txBody>
-          <a:bodyPr rtlCol="0" anchor="ctr"/>
+          <p:cNvSpPr>
+            <a:spLocks noGrp="1"/>
+          </p:cNvSpPr>
+          <p:nvPr>
+            <p:ph idx="1"/>
+          </p:nvPr>
+        </p:nvSpPr>
+        <p:spPr>
+          <a:xfrm>
+            <a:off x="1097280" y="1818302"/>
+            <a:ext cx="10058400" cy="4023360"/>
+          </a:xfrm>
+        </p:spPr>
+        <p:txBody>
+          <a:bodyPr/>
           <a:lstStyle/>
           <a:p>
-            <a:pPr algn="ctr"/>
-            <a:endParaRPr lang="en-US"/>
-          </a:p>
-        </p:txBody>
-      </p:sp>
-      <p:pic>
-        <p:nvPicPr>
-          <p:cNvPr id="11" name="Picture 10" descr="A circuit board&#10;&#10;Description automatically generated">
-            <a:extLst>
-              <a:ext uri="{FF2B5EF4-FFF2-40B4-BE49-F238E27FC236}">
-                <a16:creationId xmlns:a16="http://schemas.microsoft.com/office/drawing/2014/main" id="{9F05A8B3-435D-4DE3-912A-AC3D4964937C}"/>
-              </a:ext>
-            </a:extLst>
-          </p:cNvPr>
-          <p:cNvPicPr>
-            <a:picLocks noChangeAspect="1"/>
-          </p:cNvPicPr>
-          <p:nvPr/>
-        </p:nvPicPr>
-        <p:blipFill>
-          <a:blip r:embed="rId3"/>
-          <a:stretch>
-            <a:fillRect/>
-          </a:stretch>
-        </p:blipFill>
-        <p:spPr>
-          <a:xfrm>
-            <a:off x="6424891" y="682073"/>
-            <a:ext cx="5118182" cy="3518750"/>
-          </a:xfrm>
-          <a:prstGeom prst="rect">
-            <a:avLst/>
-          </a:prstGeom>
-        </p:spPr>
-      </p:pic>
-      <p:cxnSp>
-        <p:nvCxnSpPr>
-          <p:cNvPr id="26" name="Straight Connector 25">
-            <a:extLst>
-              <a:ext uri="{FF2B5EF4-FFF2-40B4-BE49-F238E27FC236}">
-                <a16:creationId xmlns:a16="http://schemas.microsoft.com/office/drawing/2014/main" id="{04733B62-1719-4677-A612-CA0AC0AD7482}"/>
-              </a:ext>
-              <a:ext uri="{C183D7F6-B498-43B3-948B-1728B52AA6E4}">
-                <adec:decorative xmlns:adec="http://schemas.microsoft.com/office/drawing/2017/decorative" val="1"/>
-              </a:ext>
-            </a:extLst>
-          </p:cNvPr>
-          <p:cNvCxnSpPr>
-            <a:cxnSpLocks noGrp="1" noRot="1" noChangeAspect="1" noMove="1" noResize="1" noEditPoints="1" noAdjustHandles="1" noChangeArrowheads="1" noChangeShapeType="1"/>
-          </p:cNvCxnSpPr>
-          <p:nvPr>
-            <p:extLst>
-              <p:ext uri="{386F3935-93C4-4BCD-93E2-E3B085C9AB24}">
-                <p16:designElem xmlns:p16="http://schemas.microsoft.com/office/powerpoint/2015/main" val="1"/>
-              </p:ext>
-            </p:extLst>
-          </p:nvPr>
-        </p:nvCxnSpPr>
-        <p:spPr>
-          <a:xfrm>
-            <a:off x="721086" y="5618770"/>
-            <a:ext cx="10515600" cy="0"/>
-          </a:xfrm>
-          <a:prstGeom prst="line">
-            <a:avLst/>
-          </a:prstGeom>
-          <a:ln w="6350">
-            <a:solidFill>
-              <a:schemeClr val="tx2">
-                <a:alpha val="90000"/>
-              </a:schemeClr>
-            </a:solidFill>
-          </a:ln>
-        </p:spPr>
-        <p:style>
-          <a:lnRef idx="1">
-            <a:schemeClr val="accent1"/>
-          </a:lnRef>
-          <a:fillRef idx="0">
-            <a:schemeClr val="accent1"/>
-          </a:fillRef>
-          <a:effectRef idx="0">
-            <a:schemeClr val="accent1"/>
-          </a:effectRef>
-          <a:fontRef idx="minor">
-            <a:schemeClr val="tx1"/>
-          </a:fontRef>
-        </p:style>
-      </p:cxnSp>
-      <p:sp>
-        <p:nvSpPr>
-          <p:cNvPr id="28" name="Rectangle 27">
-            <a:extLst>
-              <a:ext uri="{FF2B5EF4-FFF2-40B4-BE49-F238E27FC236}">
-                <a16:creationId xmlns:a16="http://schemas.microsoft.com/office/drawing/2014/main" id="{DA52A394-10F4-4AA5-90E4-634D1E919DBA}"/>
-              </a:ext>
-              <a:ext uri="{C183D7F6-B498-43B3-948B-1728B52AA6E4}">
-                <adec:decorative xmlns:adec="http://schemas.microsoft.com/office/drawing/2017/decorative" val="1"/>
-              </a:ext>
-            </a:extLst>
-          </p:cNvPr>
-          <p:cNvSpPr>
-            <a:spLocks noGrp="1" noRot="1" noChangeAspect="1" noMove="1" noResize="1" noEditPoints="1" noAdjustHandles="1" noChangeArrowheads="1" noChangeShapeType="1" noTextEdit="1"/>
-          </p:cNvSpPr>
-          <p:nvPr>
-            <p:extLst>
-              <p:ext uri="{386F3935-93C4-4BCD-93E2-E3B085C9AB24}">
-                <p16:designElem xmlns:p16="http://schemas.microsoft.com/office/powerpoint/2015/main" val="1"/>
-              </p:ext>
-            </p:extLst>
-          </p:nvPr>
-        </p:nvSpPr>
-        <p:spPr>
-          <a:xfrm>
-            <a:off x="15" y="6334316"/>
-            <a:ext cx="12191985" cy="66484"/>
-          </a:xfrm>
-          <a:prstGeom prst="rect">
-            <a:avLst/>
-          </a:prstGeom>
-          <a:solidFill>
-            <a:schemeClr val="accent1"/>
-          </a:solidFill>
-          <a:ln>
-            <a:noFill/>
-          </a:ln>
-        </p:spPr>
-        <p:style>
-          <a:lnRef idx="2">
-            <a:schemeClr val="accent1">
-              <a:shade val="50000"/>
-            </a:schemeClr>
-          </a:lnRef>
-          <a:fillRef idx="1">
-            <a:schemeClr val="accent1"/>
-          </a:fillRef>
-          <a:effectRef idx="0">
-            <a:schemeClr val="accent1"/>
-          </a:effectRef>
-          <a:fontRef idx="minor">
-            <a:schemeClr val="lt1"/>
-          </a:fontRef>
-        </p:style>
-      </p:sp>
-      <p:sp>
-        <p:nvSpPr>
-          <p:cNvPr id="30" name="Rectangle 29">
-            <a:extLst>
-              <a:ext uri="{FF2B5EF4-FFF2-40B4-BE49-F238E27FC236}">
-                <a16:creationId xmlns:a16="http://schemas.microsoft.com/office/drawing/2014/main" id="{07BDDC51-8BB2-42BE-8EA8-39B3E9AC1EF6}"/>
-              </a:ext>
-              <a:ext uri="{C183D7F6-B498-43B3-948B-1728B52AA6E4}">
-                <adec:decorative xmlns:adec="http://schemas.microsoft.com/office/drawing/2017/decorative" val="1"/>
-              </a:ext>
-            </a:extLst>
-          </p:cNvPr>
-          <p:cNvSpPr>
-            <a:spLocks noGrp="1" noRot="1" noChangeAspect="1" noMove="1" noResize="1" noEditPoints="1" noAdjustHandles="1" noChangeArrowheads="1" noChangeShapeType="1" noTextEdit="1"/>
-          </p:cNvSpPr>
-          <p:nvPr>
-            <p:extLst>
-              <p:ext uri="{386F3935-93C4-4BCD-93E2-E3B085C9AB24}">
-                <p16:designElem xmlns:p16="http://schemas.microsoft.com/office/powerpoint/2015/main" val="1"/>
-              </p:ext>
-            </p:extLst>
-          </p:nvPr>
-        </p:nvSpPr>
-        <p:spPr>
-          <a:xfrm>
-            <a:off x="1" y="6400800"/>
-            <a:ext cx="12192000" cy="457200"/>
-          </a:xfrm>
-          <a:prstGeom prst="rect">
-            <a:avLst/>
-          </a:prstGeom>
-          <a:solidFill>
-            <a:schemeClr val="accent2"/>
-          </a:solidFill>
-          <a:ln>
-            <a:noFill/>
-          </a:ln>
-        </p:spPr>
-        <p:style>
-          <a:lnRef idx="2">
-            <a:schemeClr val="accent1">
-              <a:shade val="50000"/>
-            </a:schemeClr>
-          </a:lnRef>
-          <a:fillRef idx="1">
-            <a:schemeClr val="accent1"/>
-          </a:fillRef>
-          <a:effectRef idx="0">
-            <a:schemeClr val="accent1"/>
-          </a:effectRef>
-          <a:fontRef idx="minor">
-            <a:schemeClr val="lt1"/>
-          </a:fontRef>
-        </p:style>
+            <a:pPr>
+              <a:buFont typeface="Wingdings" panose="05000000000000000000" pitchFamily="2" charset="2"/>
+              <a:buChar char="§"/>
+            </a:pPr>
+            <a:r>
+              <a:rPr lang="en-US" dirty="0"/>
+              <a:t> Starter code is available on GitHub: </a:t>
+            </a:r>
+            <a:r>
+              <a:rPr lang="en-US" dirty="0">
+                <a:hlinkClick r:id="rId2"/>
+              </a:rPr>
+              <a:t>https://github.com/jack17davis/cs341</a:t>
+            </a:r>
+            <a:endParaRPr lang="en-US" dirty="0"/>
+          </a:p>
+          <a:p>
+            <a:pPr>
+              <a:buFont typeface="Wingdings" panose="05000000000000000000" pitchFamily="2" charset="2"/>
+              <a:buChar char="§"/>
+            </a:pPr>
+            <a:r>
+              <a:rPr lang="en-US" dirty="0"/>
+              <a:t> Step-by-step instructions will be posted on </a:t>
+            </a:r>
+            <a:r>
+              <a:rPr lang="en-US" dirty="0">
+                <a:hlinkClick r:id="rId3"/>
+              </a:rPr>
+              <a:t>https://www.cs.umb.edu/~cheungr/cs341/</a:t>
+            </a:r>
+            <a:r>
+              <a:rPr lang="en-US" dirty="0"/>
+              <a:t>  </a:t>
+            </a:r>
+          </a:p>
+          <a:p>
+            <a:pPr>
+              <a:buFont typeface="Wingdings" panose="05000000000000000000" pitchFamily="2" charset="2"/>
+              <a:buChar char="§"/>
+            </a:pPr>
+            <a:r>
+              <a:rPr lang="en-US" dirty="0"/>
+              <a:t> Lab introduction</a:t>
+            </a:r>
+          </a:p>
+          <a:p>
+            <a:pPr>
+              <a:buFont typeface="Wingdings" panose="05000000000000000000" pitchFamily="2" charset="2"/>
+              <a:buChar char="§"/>
+            </a:pPr>
+            <a:r>
+              <a:rPr lang="en-US" dirty="0"/>
+              <a:t> Working lab demonstration</a:t>
+            </a:r>
+          </a:p>
+          <a:p>
+            <a:pPr>
+              <a:buFont typeface="Wingdings" panose="05000000000000000000" pitchFamily="2" charset="2"/>
+              <a:buChar char="§"/>
+            </a:pPr>
+            <a:r>
+              <a:rPr lang="en-US" dirty="0"/>
+              <a:t> Q&amp;A</a:t>
+            </a:r>
+          </a:p>
+          <a:p>
+            <a:pPr>
+              <a:buFont typeface="Wingdings" panose="05000000000000000000" pitchFamily="2" charset="2"/>
+              <a:buChar char="§"/>
+            </a:pPr>
+            <a:r>
+              <a:rPr lang="en-US" dirty="0"/>
+              <a:t> Breakout rooms for real-time labs</a:t>
+            </a:r>
+          </a:p>
+          <a:p>
+            <a:pPr lvl="1">
+              <a:buFont typeface="Wingdings" panose="05000000000000000000" pitchFamily="2" charset="2"/>
+              <a:buChar char="§"/>
+            </a:pPr>
+            <a:r>
+              <a:rPr lang="en-US" dirty="0"/>
+              <a:t>Use the “help” button to get my attention</a:t>
+            </a:r>
+          </a:p>
+          <a:p>
+            <a:pPr lvl="1">
+              <a:buFont typeface="Wingdings" panose="05000000000000000000" pitchFamily="2" charset="2"/>
+              <a:buChar char="§"/>
+            </a:pPr>
+            <a:r>
+              <a:rPr lang="en-US" dirty="0"/>
+              <a:t>You are welcome to take longer or leave early</a:t>
+            </a:r>
+          </a:p>
+          <a:p>
+            <a:pPr>
+              <a:buFont typeface="Wingdings" panose="05000000000000000000" pitchFamily="2" charset="2"/>
+              <a:buChar char="§"/>
+            </a:pPr>
+            <a:r>
+              <a:rPr lang="en-US" dirty="0"/>
+              <a:t> Lab report is due by the start of the next lab (typically a week)</a:t>
+            </a:r>
+          </a:p>
+        </p:txBody>
       </p:sp>
     </p:spTree>
     <p:extLst>
       <p:ext uri="{BB962C8B-B14F-4D97-AF65-F5344CB8AC3E}">
-        <p14:creationId xmlns:p14="http://schemas.microsoft.com/office/powerpoint/2010/main" val="2417191614"/>
+        <p14:creationId xmlns:p14="http://schemas.microsoft.com/office/powerpoint/2010/main" val="1769291969"/>
       </p:ext>
     </p:extLst>
   </p:cSld>
@@ -4818,12 +5221,279 @@
           <a:chExt cx="0" cy="0"/>
         </a:xfrm>
       </p:grpSpPr>
+      <p:sp>
+        <p:nvSpPr>
+          <p:cNvPr id="16" name="Rectangle 15">
+            <a:extLst>
+              <a:ext uri="{FF2B5EF4-FFF2-40B4-BE49-F238E27FC236}">
+                <a16:creationId xmlns:a16="http://schemas.microsoft.com/office/drawing/2014/main" id="{BB2B8762-61F0-4F1B-9364-D633EE9D6AF5}"/>
+              </a:ext>
+              <a:ext uri="{C183D7F6-B498-43B3-948B-1728B52AA6E4}">
+                <adec:decorative xmlns:adec="http://schemas.microsoft.com/office/drawing/2017/decorative" val="1"/>
+              </a:ext>
+            </a:extLst>
+          </p:cNvPr>
+          <p:cNvSpPr>
+            <a:spLocks noGrp="1" noRot="1" noChangeAspect="1" noMove="1" noResize="1" noEditPoints="1" noAdjustHandles="1" noChangeArrowheads="1" noChangeShapeType="1" noTextEdit="1"/>
+          </p:cNvSpPr>
+          <p:nvPr>
+            <p:extLst>
+              <p:ext uri="{386F3935-93C4-4BCD-93E2-E3B085C9AB24}">
+                <p16:designElem xmlns:p16="http://schemas.microsoft.com/office/powerpoint/2015/main" val="1"/>
+              </p:ext>
+            </p:extLst>
+          </p:nvPr>
+        </p:nvSpPr>
+        <p:spPr>
+          <a:xfrm>
+            <a:off x="3175" y="6400800"/>
+            <a:ext cx="12188825" cy="457200"/>
+          </a:xfrm>
+          <a:prstGeom prst="rect">
+            <a:avLst/>
+          </a:prstGeom>
+          <a:solidFill>
+            <a:schemeClr val="accent2"/>
+          </a:solidFill>
+          <a:ln>
+            <a:noFill/>
+          </a:ln>
+        </p:spPr>
+        <p:style>
+          <a:lnRef idx="2">
+            <a:schemeClr val="accent1">
+              <a:shade val="50000"/>
+            </a:schemeClr>
+          </a:lnRef>
+          <a:fillRef idx="1">
+            <a:schemeClr val="accent1"/>
+          </a:fillRef>
+          <a:effectRef idx="0">
+            <a:schemeClr val="accent1"/>
+          </a:effectRef>
+          <a:fontRef idx="minor">
+            <a:schemeClr val="lt1"/>
+          </a:fontRef>
+        </p:style>
+      </p:sp>
+      <p:sp>
+        <p:nvSpPr>
+          <p:cNvPr id="18" name="Rectangle 17">
+            <a:extLst>
+              <a:ext uri="{FF2B5EF4-FFF2-40B4-BE49-F238E27FC236}">
+                <a16:creationId xmlns:a16="http://schemas.microsoft.com/office/drawing/2014/main" id="{E97675C8-1328-460C-9EBF-6B446B67EAD3}"/>
+              </a:ext>
+              <a:ext uri="{C183D7F6-B498-43B3-948B-1728B52AA6E4}">
+                <adec:decorative xmlns:adec="http://schemas.microsoft.com/office/drawing/2017/decorative" val="1"/>
+              </a:ext>
+            </a:extLst>
+          </p:cNvPr>
+          <p:cNvSpPr>
+            <a:spLocks noGrp="1" noRot="1" noChangeAspect="1" noMove="1" noResize="1" noEditPoints="1" noAdjustHandles="1" noChangeArrowheads="1" noChangeShapeType="1" noTextEdit="1"/>
+          </p:cNvSpPr>
+          <p:nvPr>
+            <p:extLst>
+              <p:ext uri="{386F3935-93C4-4BCD-93E2-E3B085C9AB24}">
+                <p16:designElem xmlns:p16="http://schemas.microsoft.com/office/powerpoint/2015/main" val="1"/>
+              </p:ext>
+            </p:extLst>
+          </p:nvPr>
+        </p:nvSpPr>
+        <p:spPr>
+          <a:xfrm>
+            <a:off x="15" y="6334316"/>
+            <a:ext cx="12188825" cy="64008"/>
+          </a:xfrm>
+          <a:prstGeom prst="rect">
+            <a:avLst/>
+          </a:prstGeom>
+          <a:solidFill>
+            <a:schemeClr val="accent1"/>
+          </a:solidFill>
+          <a:ln>
+            <a:noFill/>
+          </a:ln>
+        </p:spPr>
+        <p:style>
+          <a:lnRef idx="2">
+            <a:schemeClr val="accent1">
+              <a:shade val="50000"/>
+            </a:schemeClr>
+          </a:lnRef>
+          <a:fillRef idx="1">
+            <a:schemeClr val="accent1"/>
+          </a:fillRef>
+          <a:effectRef idx="0">
+            <a:schemeClr val="accent1"/>
+          </a:effectRef>
+          <a:fontRef idx="minor">
+            <a:schemeClr val="lt1"/>
+          </a:fontRef>
+        </p:style>
+      </p:sp>
+      <p:cxnSp>
+        <p:nvCxnSpPr>
+          <p:cNvPr id="20" name="Straight Connector 19">
+            <a:extLst>
+              <a:ext uri="{FF2B5EF4-FFF2-40B4-BE49-F238E27FC236}">
+                <a16:creationId xmlns:a16="http://schemas.microsoft.com/office/drawing/2014/main" id="{514EE78B-AF71-4195-A01B-F1165D9233BF}"/>
+              </a:ext>
+              <a:ext uri="{C183D7F6-B498-43B3-948B-1728B52AA6E4}">
+                <adec:decorative xmlns:adec="http://schemas.microsoft.com/office/drawing/2017/decorative" val="1"/>
+              </a:ext>
+            </a:extLst>
+          </p:cNvPr>
+          <p:cNvCxnSpPr>
+            <a:cxnSpLocks noGrp="1" noRot="1" noChangeAspect="1" noMove="1" noResize="1" noEditPoints="1" noAdjustHandles="1" noChangeArrowheads="1" noChangeShapeType="1"/>
+          </p:cNvCxnSpPr>
+          <p:nvPr>
+            <p:extLst>
+              <p:ext uri="{386F3935-93C4-4BCD-93E2-E3B085C9AB24}">
+                <p16:designElem xmlns:p16="http://schemas.microsoft.com/office/powerpoint/2015/main" val="1"/>
+              </p:ext>
+            </p:extLst>
+          </p:nvPr>
+        </p:nvCxnSpPr>
+        <p:spPr>
+          <a:xfrm>
+            <a:off x="1207658" y="4343400"/>
+            <a:ext cx="9875520" cy="0"/>
+          </a:xfrm>
+          <a:prstGeom prst="line">
+            <a:avLst/>
+          </a:prstGeom>
+          <a:ln w="6350">
+            <a:solidFill>
+              <a:schemeClr val="tx1">
+                <a:lumMod val="50000"/>
+                <a:lumOff val="50000"/>
+              </a:schemeClr>
+            </a:solidFill>
+          </a:ln>
+        </p:spPr>
+        <p:style>
+          <a:lnRef idx="1">
+            <a:schemeClr val="accent1"/>
+          </a:lnRef>
+          <a:fillRef idx="0">
+            <a:schemeClr val="accent1"/>
+          </a:fillRef>
+          <a:effectRef idx="0">
+            <a:schemeClr val="accent1"/>
+          </a:effectRef>
+          <a:fontRef idx="minor">
+            <a:schemeClr val="tx1"/>
+          </a:fontRef>
+        </p:style>
+      </p:cxnSp>
+      <p:sp useBgFill="1">
+        <p:nvSpPr>
+          <p:cNvPr id="22" name="Rectangle 21">
+            <a:extLst>
+              <a:ext uri="{FF2B5EF4-FFF2-40B4-BE49-F238E27FC236}">
+                <a16:creationId xmlns:a16="http://schemas.microsoft.com/office/drawing/2014/main" id="{C6417104-D4C1-4710-9982-2154A7F48492}"/>
+              </a:ext>
+              <a:ext uri="{C183D7F6-B498-43B3-948B-1728B52AA6E4}">
+                <adec:decorative xmlns:adec="http://schemas.microsoft.com/office/drawing/2017/decorative" val="1"/>
+              </a:ext>
+            </a:extLst>
+          </p:cNvPr>
+          <p:cNvSpPr>
+            <a:spLocks noGrp="1" noRot="1" noChangeAspect="1" noMove="1" noResize="1" noEditPoints="1" noAdjustHandles="1" noChangeArrowheads="1" noChangeShapeType="1" noTextEdit="1"/>
+          </p:cNvSpPr>
+          <p:nvPr>
+            <p:extLst>
+              <p:ext uri="{386F3935-93C4-4BCD-93E2-E3B085C9AB24}">
+                <p16:designElem xmlns:p16="http://schemas.microsoft.com/office/powerpoint/2015/main" val="1"/>
+              </p:ext>
+            </p:extLst>
+          </p:nvPr>
+        </p:nvSpPr>
+        <p:spPr>
+          <a:xfrm>
+            <a:off x="0" y="0"/>
+            <a:ext cx="12192001" cy="6334316"/>
+          </a:xfrm>
+          <a:prstGeom prst="rect">
+            <a:avLst/>
+          </a:prstGeom>
+          <a:ln>
+            <a:noFill/>
+          </a:ln>
+        </p:spPr>
+        <p:style>
+          <a:lnRef idx="2">
+            <a:schemeClr val="accent1">
+              <a:shade val="50000"/>
+            </a:schemeClr>
+          </a:lnRef>
+          <a:fillRef idx="1">
+            <a:schemeClr val="accent1"/>
+          </a:fillRef>
+          <a:effectRef idx="0">
+            <a:schemeClr val="accent1"/>
+          </a:effectRef>
+          <a:fontRef idx="minor">
+            <a:schemeClr val="lt1"/>
+          </a:fontRef>
+        </p:style>
+        <p:txBody>
+          <a:bodyPr rtlCol="0" anchor="ctr"/>
+          <a:lstStyle/>
+          <a:p>
+            <a:pPr algn="ctr"/>
+            <a:endParaRPr lang="en-US"/>
+          </a:p>
+        </p:txBody>
+      </p:sp>
+      <p:sp>
+        <p:nvSpPr>
+          <p:cNvPr id="2" name="Title 1">
+            <a:extLst>
+              <a:ext uri="{FF2B5EF4-FFF2-40B4-BE49-F238E27FC236}">
+                <a16:creationId xmlns:a16="http://schemas.microsoft.com/office/drawing/2014/main" id="{A1966945-46F7-4819-9BAA-10DC70F3D7BE}"/>
+              </a:ext>
+            </a:extLst>
+          </p:cNvPr>
+          <p:cNvSpPr>
+            <a:spLocks noGrp="1"/>
+          </p:cNvSpPr>
+          <p:nvPr>
+            <p:ph type="title"/>
+          </p:nvPr>
+        </p:nvSpPr>
+        <p:spPr>
+          <a:xfrm>
+            <a:off x="633999" y="4550229"/>
+            <a:ext cx="10909073" cy="1057655"/>
+          </a:xfrm>
+        </p:spPr>
+        <p:txBody>
+          <a:bodyPr vert="horz" lIns="91440" tIns="45720" rIns="91440" bIns="45720" rtlCol="0" anchor="b">
+            <a:normAutofit/>
+          </a:bodyPr>
+          <a:lstStyle/>
+          <a:p>
+            <a:r>
+              <a:rPr lang="en-US" sz="6000" dirty="0">
+                <a:solidFill>
+                  <a:schemeClr val="tx1">
+                    <a:lumMod val="85000"/>
+                    <a:lumOff val="15000"/>
+                  </a:schemeClr>
+                </a:solidFill>
+              </a:rPr>
+              <a:t>Arduino</a:t>
+            </a:r>
+          </a:p>
+        </p:txBody>
+      </p:sp>
       <p:pic>
         <p:nvPicPr>
-          <p:cNvPr id="3" name="Picture 2" descr="A screenshot of a computer&#10;&#10;Description automatically generated">
+          <p:cNvPr id="7" name="Picture 6" descr="A circuit board&#10;&#10;Description automatically generated">
             <a:extLst>
               <a:ext uri="{FF2B5EF4-FFF2-40B4-BE49-F238E27FC236}">
-                <a16:creationId xmlns:a16="http://schemas.microsoft.com/office/drawing/2014/main" id="{B4BC8777-2A92-4C3A-A8EE-CFDC7A76F4F4}"/>
+                <a16:creationId xmlns:a16="http://schemas.microsoft.com/office/drawing/2014/main" id="{C14371A5-8CDD-476A-BA30-1A7C69E92320}"/>
               </a:ext>
             </a:extLst>
           </p:cNvPr>
@@ -4832,15 +5502,16 @@
           </p:cNvPicPr>
           <p:nvPr/>
         </p:nvPicPr>
-        <p:blipFill rotWithShape="1">
+        <p:blipFill>
           <a:blip r:embed="rId2"/>
-          <a:srcRect r="-1" b="17556"/>
-          <a:stretch/>
+          <a:stretch>
+            <a:fillRect/>
+          </a:stretch>
         </p:blipFill>
         <p:spPr>
           <a:xfrm>
-            <a:off x="842772" y="-100584"/>
-            <a:ext cx="10506456" cy="5175504"/>
+            <a:off x="635457" y="1197777"/>
+            <a:ext cx="5131653" cy="2487342"/>
           </a:xfrm>
           <a:prstGeom prst="rect">
             <a:avLst/>
@@ -4849,61 +5520,262 @@
       </p:pic>
       <p:sp>
         <p:nvSpPr>
-          <p:cNvPr id="7" name="Title 6">
+          <p:cNvPr id="24" name="Rectangle 23">
             <a:extLst>
               <a:ext uri="{FF2B5EF4-FFF2-40B4-BE49-F238E27FC236}">
-                <a16:creationId xmlns:a16="http://schemas.microsoft.com/office/drawing/2014/main" id="{22F45388-0B6A-4123-8833-72C0FDC09E00}"/>
+                <a16:creationId xmlns:a16="http://schemas.microsoft.com/office/drawing/2014/main" id="{626F1402-2DEC-4071-84AF-350C7BF00D43}"/>
+              </a:ext>
+              <a:ext uri="{C183D7F6-B498-43B3-948B-1728B52AA6E4}">
+                <adec:decorative xmlns:adec="http://schemas.microsoft.com/office/drawing/2017/decorative" val="1"/>
               </a:ext>
             </a:extLst>
           </p:cNvPr>
           <p:cNvSpPr>
-            <a:spLocks noGrp="1"/>
-          </p:cNvSpPr>
-          <p:nvPr>
-            <p:ph type="title"/>
-          </p:nvPr>
-        </p:nvSpPr>
-        <p:spPr/>
-        <p:txBody>
-          <a:bodyPr/>
+            <a:spLocks noGrp="1" noRot="1" noChangeAspect="1" noMove="1" noResize="1" noEditPoints="1" noAdjustHandles="1" noChangeArrowheads="1" noChangeShapeType="1" noTextEdit="1"/>
+          </p:cNvSpPr>
+          <p:nvPr>
+            <p:extLst>
+              <p:ext uri="{386F3935-93C4-4BCD-93E2-E3B085C9AB24}">
+                <p16:designElem xmlns:p16="http://schemas.microsoft.com/office/powerpoint/2015/main" val="1"/>
+              </p:ext>
+            </p:extLst>
+          </p:nvPr>
+        </p:nvSpPr>
+        <p:spPr>
+          <a:xfrm>
+            <a:off x="6063996" y="886968"/>
+            <a:ext cx="64008" cy="3108960"/>
+          </a:xfrm>
+          <a:prstGeom prst="rect">
+            <a:avLst/>
+          </a:prstGeom>
+          <a:ln>
+            <a:noFill/>
+          </a:ln>
+        </p:spPr>
+        <p:style>
+          <a:lnRef idx="2">
+            <a:schemeClr val="accent1">
+              <a:shade val="50000"/>
+            </a:schemeClr>
+          </a:lnRef>
+          <a:fillRef idx="1">
+            <a:schemeClr val="accent1"/>
+          </a:fillRef>
+          <a:effectRef idx="0">
+            <a:schemeClr val="accent1"/>
+          </a:effectRef>
+          <a:fontRef idx="minor">
+            <a:schemeClr val="lt1"/>
+          </a:fontRef>
+        </p:style>
+        <p:txBody>
+          <a:bodyPr rtlCol="0" anchor="ctr"/>
           <a:lstStyle/>
           <a:p>
-            <a:r>
-              <a:rPr lang="en-US" dirty="0"/>
-              <a:t>UnoArduSim</a:t>
-            </a:r>
-          </a:p>
-        </p:txBody>
-      </p:sp>
-      <p:sp>
-        <p:nvSpPr>
-          <p:cNvPr id="11" name="Text Placeholder 10">
+            <a:pPr algn="ctr"/>
+            <a:endParaRPr lang="en-US"/>
+          </a:p>
+        </p:txBody>
+      </p:sp>
+      <p:pic>
+        <p:nvPicPr>
+          <p:cNvPr id="11" name="Picture 10" descr="A circuit board&#10;&#10;Description automatically generated">
             <a:extLst>
               <a:ext uri="{FF2B5EF4-FFF2-40B4-BE49-F238E27FC236}">
-                <a16:creationId xmlns:a16="http://schemas.microsoft.com/office/drawing/2014/main" id="{B867869C-6E41-4C36-8AE6-D6A6C36E0B87}"/>
+                <a16:creationId xmlns:a16="http://schemas.microsoft.com/office/drawing/2014/main" id="{9F05A8B3-435D-4DE3-912A-AC3D4964937C}"/>
               </a:ext>
             </a:extLst>
           </p:cNvPr>
-          <p:cNvSpPr>
-            <a:spLocks noGrp="1"/>
-          </p:cNvSpPr>
-          <p:nvPr>
-            <p:ph type="body" sz="half" idx="2"/>
-          </p:nvPr>
-        </p:nvSpPr>
-        <p:spPr/>
-        <p:txBody>
-          <a:bodyPr/>
-          <a:lstStyle/>
-          <a:p>
-            <a:endParaRPr lang="en-US"/>
-          </a:p>
-        </p:txBody>
+          <p:cNvPicPr>
+            <a:picLocks noChangeAspect="1"/>
+          </p:cNvPicPr>
+          <p:nvPr/>
+        </p:nvPicPr>
+        <p:blipFill>
+          <a:blip r:embed="rId3"/>
+          <a:stretch>
+            <a:fillRect/>
+          </a:stretch>
+        </p:blipFill>
+        <p:spPr>
+          <a:xfrm>
+            <a:off x="6424891" y="682073"/>
+            <a:ext cx="5118182" cy="3518750"/>
+          </a:xfrm>
+          <a:prstGeom prst="rect">
+            <a:avLst/>
+          </a:prstGeom>
+        </p:spPr>
+      </p:pic>
+      <p:cxnSp>
+        <p:nvCxnSpPr>
+          <p:cNvPr id="26" name="Straight Connector 25">
+            <a:extLst>
+              <a:ext uri="{FF2B5EF4-FFF2-40B4-BE49-F238E27FC236}">
+                <a16:creationId xmlns:a16="http://schemas.microsoft.com/office/drawing/2014/main" id="{04733B62-1719-4677-A612-CA0AC0AD7482}"/>
+              </a:ext>
+              <a:ext uri="{C183D7F6-B498-43B3-948B-1728B52AA6E4}">
+                <adec:decorative xmlns:adec="http://schemas.microsoft.com/office/drawing/2017/decorative" val="1"/>
+              </a:ext>
+            </a:extLst>
+          </p:cNvPr>
+          <p:cNvCxnSpPr>
+            <a:cxnSpLocks noGrp="1" noRot="1" noChangeAspect="1" noMove="1" noResize="1" noEditPoints="1" noAdjustHandles="1" noChangeArrowheads="1" noChangeShapeType="1"/>
+          </p:cNvCxnSpPr>
+          <p:nvPr>
+            <p:extLst>
+              <p:ext uri="{386F3935-93C4-4BCD-93E2-E3B085C9AB24}">
+                <p16:designElem xmlns:p16="http://schemas.microsoft.com/office/powerpoint/2015/main" val="1"/>
+              </p:ext>
+            </p:extLst>
+          </p:nvPr>
+        </p:nvCxnSpPr>
+        <p:spPr>
+          <a:xfrm>
+            <a:off x="721086" y="5618770"/>
+            <a:ext cx="10515600" cy="0"/>
+          </a:xfrm>
+          <a:prstGeom prst="line">
+            <a:avLst/>
+          </a:prstGeom>
+          <a:ln w="6350">
+            <a:solidFill>
+              <a:schemeClr val="tx2">
+                <a:alpha val="90000"/>
+              </a:schemeClr>
+            </a:solidFill>
+          </a:ln>
+        </p:spPr>
+        <p:style>
+          <a:lnRef idx="1">
+            <a:schemeClr val="accent1"/>
+          </a:lnRef>
+          <a:fillRef idx="0">
+            <a:schemeClr val="accent1"/>
+          </a:fillRef>
+          <a:effectRef idx="0">
+            <a:schemeClr val="accent1"/>
+          </a:effectRef>
+          <a:fontRef idx="minor">
+            <a:schemeClr val="tx1"/>
+          </a:fontRef>
+        </p:style>
+      </p:cxnSp>
+      <p:sp>
+        <p:nvSpPr>
+          <p:cNvPr id="28" name="Rectangle 27">
+            <a:extLst>
+              <a:ext uri="{FF2B5EF4-FFF2-40B4-BE49-F238E27FC236}">
+                <a16:creationId xmlns:a16="http://schemas.microsoft.com/office/drawing/2014/main" id="{DA52A394-10F4-4AA5-90E4-634D1E919DBA}"/>
+              </a:ext>
+              <a:ext uri="{C183D7F6-B498-43B3-948B-1728B52AA6E4}">
+                <adec:decorative xmlns:adec="http://schemas.microsoft.com/office/drawing/2017/decorative" val="1"/>
+              </a:ext>
+            </a:extLst>
+          </p:cNvPr>
+          <p:cNvSpPr>
+            <a:spLocks noGrp="1" noRot="1" noChangeAspect="1" noMove="1" noResize="1" noEditPoints="1" noAdjustHandles="1" noChangeArrowheads="1" noChangeShapeType="1" noTextEdit="1"/>
+          </p:cNvSpPr>
+          <p:nvPr>
+            <p:extLst>
+              <p:ext uri="{386F3935-93C4-4BCD-93E2-E3B085C9AB24}">
+                <p16:designElem xmlns:p16="http://schemas.microsoft.com/office/powerpoint/2015/main" val="1"/>
+              </p:ext>
+            </p:extLst>
+          </p:nvPr>
+        </p:nvSpPr>
+        <p:spPr>
+          <a:xfrm>
+            <a:off x="15" y="6334316"/>
+            <a:ext cx="12191985" cy="66484"/>
+          </a:xfrm>
+          <a:prstGeom prst="rect">
+            <a:avLst/>
+          </a:prstGeom>
+          <a:solidFill>
+            <a:schemeClr val="accent1"/>
+          </a:solidFill>
+          <a:ln>
+            <a:noFill/>
+          </a:ln>
+        </p:spPr>
+        <p:style>
+          <a:lnRef idx="2">
+            <a:schemeClr val="accent1">
+              <a:shade val="50000"/>
+            </a:schemeClr>
+          </a:lnRef>
+          <a:fillRef idx="1">
+            <a:schemeClr val="accent1"/>
+          </a:fillRef>
+          <a:effectRef idx="0">
+            <a:schemeClr val="accent1"/>
+          </a:effectRef>
+          <a:fontRef idx="minor">
+            <a:schemeClr val="lt1"/>
+          </a:fontRef>
+        </p:style>
+      </p:sp>
+      <p:sp>
+        <p:nvSpPr>
+          <p:cNvPr id="30" name="Rectangle 29">
+            <a:extLst>
+              <a:ext uri="{FF2B5EF4-FFF2-40B4-BE49-F238E27FC236}">
+                <a16:creationId xmlns:a16="http://schemas.microsoft.com/office/drawing/2014/main" id="{07BDDC51-8BB2-42BE-8EA8-39B3E9AC1EF6}"/>
+              </a:ext>
+              <a:ext uri="{C183D7F6-B498-43B3-948B-1728B52AA6E4}">
+                <adec:decorative xmlns:adec="http://schemas.microsoft.com/office/drawing/2017/decorative" val="1"/>
+              </a:ext>
+            </a:extLst>
+          </p:cNvPr>
+          <p:cNvSpPr>
+            <a:spLocks noGrp="1" noRot="1" noChangeAspect="1" noMove="1" noResize="1" noEditPoints="1" noAdjustHandles="1" noChangeArrowheads="1" noChangeShapeType="1" noTextEdit="1"/>
+          </p:cNvSpPr>
+          <p:nvPr>
+            <p:extLst>
+              <p:ext uri="{386F3935-93C4-4BCD-93E2-E3B085C9AB24}">
+                <p16:designElem xmlns:p16="http://schemas.microsoft.com/office/powerpoint/2015/main" val="1"/>
+              </p:ext>
+            </p:extLst>
+          </p:nvPr>
+        </p:nvSpPr>
+        <p:spPr>
+          <a:xfrm>
+            <a:off x="1" y="6400800"/>
+            <a:ext cx="12192000" cy="457200"/>
+          </a:xfrm>
+          <a:prstGeom prst="rect">
+            <a:avLst/>
+          </a:prstGeom>
+          <a:solidFill>
+            <a:schemeClr val="accent2"/>
+          </a:solidFill>
+          <a:ln>
+            <a:noFill/>
+          </a:ln>
+        </p:spPr>
+        <p:style>
+          <a:lnRef idx="2">
+            <a:schemeClr val="accent1">
+              <a:shade val="50000"/>
+            </a:schemeClr>
+          </a:lnRef>
+          <a:fillRef idx="1">
+            <a:schemeClr val="accent1"/>
+          </a:fillRef>
+          <a:effectRef idx="0">
+            <a:schemeClr val="accent1"/>
+          </a:effectRef>
+          <a:fontRef idx="minor">
+            <a:schemeClr val="lt1"/>
+          </a:fontRef>
+        </p:style>
       </p:sp>
     </p:spTree>
     <p:extLst>
       <p:ext uri="{BB962C8B-B14F-4D97-AF65-F5344CB8AC3E}">
-        <p14:creationId xmlns:p14="http://schemas.microsoft.com/office/powerpoint/2010/main" val="4129873968"/>
+        <p14:creationId xmlns:p14="http://schemas.microsoft.com/office/powerpoint/2010/main" val="2417191614"/>
       </p:ext>
     </p:extLst>
   </p:cSld>
@@ -4916,6 +5788,14 @@
 <file path=ppt/slides/slide6.xml><?xml version="1.0" encoding="utf-8"?>
 <p:sld xmlns:a="http://schemas.openxmlformats.org/drawingml/2006/main" xmlns:r="http://schemas.openxmlformats.org/officeDocument/2006/relationships" xmlns:p="http://schemas.openxmlformats.org/presentationml/2006/main">
   <p:cSld>
+    <p:bg>
+      <p:bgPr>
+        <a:solidFill>
+          <a:schemeClr val="bg1"/>
+        </a:solidFill>
+        <a:effectLst/>
+      </p:bgPr>
+    </p:bg>
     <p:spTree>
       <p:nvGrpSpPr>
         <p:cNvPr id="1" name=""/>
@@ -4932,10 +5812,10 @@
       </p:grpSpPr>
       <p:sp>
         <p:nvSpPr>
-          <p:cNvPr id="2" name="Title 1">
+          <p:cNvPr id="7" name="Title 6">
             <a:extLst>
               <a:ext uri="{FF2B5EF4-FFF2-40B4-BE49-F238E27FC236}">
-                <a16:creationId xmlns:a16="http://schemas.microsoft.com/office/drawing/2014/main" id="{A1966945-46F7-4819-9BAA-10DC70F3D7BE}"/>
+                <a16:creationId xmlns:a16="http://schemas.microsoft.com/office/drawing/2014/main" id="{22F45388-0B6A-4123-8833-72C0FDC09E00}"/>
               </a:ext>
             </a:extLst>
           </p:cNvPr>
@@ -4953,17 +5833,17 @@
           <a:p>
             <a:r>
               <a:rPr lang="en-US" dirty="0"/>
-              <a:t>Lab Report Template</a:t>
-            </a:r>
-          </a:p>
-        </p:txBody>
-      </p:sp>
-      <p:sp>
-        <p:nvSpPr>
-          <p:cNvPr id="3" name="Content Placeholder 2">
+              <a:t>Tinkercad</a:t>
+            </a:r>
+          </a:p>
+        </p:txBody>
+      </p:sp>
+      <p:sp>
+        <p:nvSpPr>
+          <p:cNvPr id="11" name="Text Placeholder 10">
             <a:extLst>
               <a:ext uri="{FF2B5EF4-FFF2-40B4-BE49-F238E27FC236}">
-                <a16:creationId xmlns:a16="http://schemas.microsoft.com/office/drawing/2014/main" id="{1A29CAEF-11FA-41AA-9D72-16A9967E06F5}"/>
+                <a16:creationId xmlns:a16="http://schemas.microsoft.com/office/drawing/2014/main" id="{B867869C-6E41-4C36-8AE6-D6A6C36E0B87}"/>
               </a:ext>
             </a:extLst>
           </p:cNvPr>
@@ -4971,7 +5851,7 @@
             <a:spLocks noGrp="1"/>
           </p:cNvSpPr>
           <p:nvPr>
-            <p:ph sz="half" idx="1"/>
+            <p:ph type="body" sz="half" idx="2"/>
           </p:nvPr>
         </p:nvSpPr>
         <p:spPr/>
@@ -4979,130 +5859,44 @@
           <a:bodyPr/>
           <a:lstStyle/>
           <a:p>
-            <a:pPr>
-              <a:buFont typeface="Wingdings" panose="05000000000000000000" pitchFamily="2" charset="2"/>
-              <a:buChar char="§"/>
-            </a:pPr>
-            <a:r>
-              <a:rPr lang="en-US" dirty="0"/>
-              <a:t> Labs can be written and submitted as a team</a:t>
-            </a:r>
-          </a:p>
-          <a:p>
-            <a:pPr>
-              <a:buFont typeface="Wingdings" panose="05000000000000000000" pitchFamily="2" charset="2"/>
-              <a:buChar char="§"/>
-            </a:pPr>
-            <a:r>
-              <a:rPr lang="en-US" dirty="0"/>
-              <a:t> Submit by email to </a:t>
-            </a:r>
-            <a:r>
-              <a:rPr lang="en-US" dirty="0">
-                <a:hlinkClick r:id="rId2"/>
-              </a:rPr>
-              <a:t>jack.davis001@umb.edu</a:t>
-            </a:r>
-            <a:r>
-              <a:rPr lang="en-US" dirty="0"/>
-              <a:t> before your sections next meeting</a:t>
-            </a:r>
-          </a:p>
-          <a:p>
-            <a:pPr>
-              <a:buFont typeface="Wingdings" panose="05000000000000000000" pitchFamily="2" charset="2"/>
-              <a:buChar char="§"/>
-            </a:pPr>
-            <a:r>
-              <a:rPr lang="en-US" dirty="0"/>
-              <a:t> There will be 10 labs</a:t>
-            </a:r>
-          </a:p>
-          <a:p>
-            <a:pPr>
-              <a:buFont typeface="Wingdings" panose="05000000000000000000" pitchFamily="2" charset="2"/>
-              <a:buChar char="§"/>
-            </a:pPr>
-            <a:r>
-              <a:rPr lang="en-US" dirty="0"/>
-              <a:t> I’ll be grading each lab out of 10:</a:t>
-            </a:r>
-          </a:p>
-          <a:p>
-            <a:pPr lvl="1">
-              <a:buFont typeface="Wingdings" panose="05000000000000000000" pitchFamily="2" charset="2"/>
-              <a:buChar char="§"/>
-            </a:pPr>
-            <a:r>
-              <a:rPr lang="en-US" dirty="0"/>
-              <a:t>5 points for submitting the lab report on time</a:t>
-            </a:r>
-          </a:p>
-          <a:p>
-            <a:pPr lvl="1">
-              <a:buFont typeface="Wingdings" panose="05000000000000000000" pitchFamily="2" charset="2"/>
-              <a:buChar char="§"/>
-            </a:pPr>
-            <a:r>
-              <a:rPr lang="en-US" dirty="0"/>
-              <a:t>3 points for quality of lab report</a:t>
-            </a:r>
-          </a:p>
-          <a:p>
-            <a:pPr lvl="1">
-              <a:buFont typeface="Wingdings" panose="05000000000000000000" pitchFamily="2" charset="2"/>
-              <a:buChar char="§"/>
-            </a:pPr>
-            <a:r>
-              <a:rPr lang="en-US" dirty="0"/>
-              <a:t>2 points for code that works correctly</a:t>
-            </a:r>
-          </a:p>
-          <a:p>
-            <a:pPr>
-              <a:buFont typeface="Wingdings" panose="05000000000000000000" pitchFamily="2" charset="2"/>
-              <a:buChar char="§"/>
-            </a:pPr>
-            <a:r>
-              <a:rPr lang="en-US" dirty="0"/>
-              <a:t> If you can’t get your code working in time, please document what you tried and submit the lab anyway</a:t>
-            </a:r>
+            <a:endParaRPr lang="en-US"/>
           </a:p>
         </p:txBody>
       </p:sp>
       <p:pic>
         <p:nvPicPr>
-          <p:cNvPr id="8" name="Content Placeholder 7" descr="A screenshot of a cell phone&#10;&#10;Description automatically generated">
+          <p:cNvPr id="4" name="Picture 3" descr="A screenshot of a computer&#10;&#10;Description automatically generated">
             <a:extLst>
               <a:ext uri="{FF2B5EF4-FFF2-40B4-BE49-F238E27FC236}">
-                <a16:creationId xmlns:a16="http://schemas.microsoft.com/office/drawing/2014/main" id="{4A1D8235-7DEB-41F5-AF3C-FF2AADCC5891}"/>
+                <a16:creationId xmlns:a16="http://schemas.microsoft.com/office/drawing/2014/main" id="{BC53B577-1D3D-4D86-896F-8E4F21C595EB}"/>
               </a:ext>
             </a:extLst>
           </p:cNvPr>
           <p:cNvPicPr>
-            <a:picLocks noGrp="1" noChangeAspect="1"/>
+            <a:picLocks noChangeAspect="1"/>
           </p:cNvPicPr>
-          <p:nvPr>
-            <p:ph sz="half" idx="2"/>
-          </p:nvPr>
+          <p:nvPr/>
         </p:nvPicPr>
         <p:blipFill>
-          <a:blip r:embed="rId3"/>
+          <a:blip r:embed="rId2"/>
           <a:stretch>
             <a:fillRect/>
           </a:stretch>
         </p:blipFill>
         <p:spPr>
           <a:xfrm>
-            <a:off x="6467860" y="1846263"/>
-            <a:ext cx="4437881" cy="4022725"/>
-          </a:xfrm>
+            <a:off x="1863266" y="196318"/>
+            <a:ext cx="8465468" cy="5089359"/>
+          </a:xfrm>
+          <a:prstGeom prst="rect">
+            <a:avLst/>
+          </a:prstGeom>
         </p:spPr>
       </p:pic>
     </p:spTree>
     <p:extLst>
       <p:ext uri="{BB962C8B-B14F-4D97-AF65-F5344CB8AC3E}">
-        <p14:creationId xmlns:p14="http://schemas.microsoft.com/office/powerpoint/2010/main" val="948530621"/>
+        <p14:creationId xmlns:p14="http://schemas.microsoft.com/office/powerpoint/2010/main" val="4129873968"/>
       </p:ext>
     </p:extLst>
   </p:cSld>
@@ -5139,10 +5933,10 @@
       </p:grpSpPr>
       <p:sp>
         <p:nvSpPr>
-          <p:cNvPr id="12" name="Rectangle 11">
+          <p:cNvPr id="15" name="Rectangle 14">
             <a:extLst>
               <a:ext uri="{FF2B5EF4-FFF2-40B4-BE49-F238E27FC236}">
-                <a16:creationId xmlns:a16="http://schemas.microsoft.com/office/drawing/2014/main" id="{4E4490D0-3672-446A-AC12-B4830333BDDD}"/>
+                <a16:creationId xmlns:a16="http://schemas.microsoft.com/office/drawing/2014/main" id="{7D379150-F6B4-45C8-BE10-6B278AD400EB}"/>
               </a:ext>
               <a:ext uri="{C183D7F6-B498-43B3-948B-1728B52AA6E4}">
                 <adec:decorative xmlns:adec="http://schemas.microsoft.com/office/drawing/2017/decorative" val="1"/>
@@ -5162,8 +5956,8 @@
         </p:nvSpPr>
         <p:spPr>
           <a:xfrm>
-            <a:off x="3175" y="6400800"/>
-            <a:ext cx="12188825" cy="457200"/>
+            <a:off x="1" y="6400800"/>
+            <a:ext cx="12192000" cy="457200"/>
           </a:xfrm>
           <a:prstGeom prst="rect">
             <a:avLst/>
@@ -5194,10 +5988,10 @@
       </p:sp>
       <p:sp>
         <p:nvSpPr>
-          <p:cNvPr id="14" name="Rectangle 13">
+          <p:cNvPr id="17" name="Rectangle 16">
             <a:extLst>
               <a:ext uri="{FF2B5EF4-FFF2-40B4-BE49-F238E27FC236}">
-                <a16:creationId xmlns:a16="http://schemas.microsoft.com/office/drawing/2014/main" id="{39CB82C2-DF65-4EC1-8280-F201D50F570B}"/>
+                <a16:creationId xmlns:a16="http://schemas.microsoft.com/office/drawing/2014/main" id="{5FFCF544-A370-4A5D-A95F-CA6E0E7191E6}"/>
               </a:ext>
               <a:ext uri="{C183D7F6-B498-43B3-948B-1728B52AA6E4}">
                 <adec:decorative xmlns:adec="http://schemas.microsoft.com/office/drawing/2017/decorative" val="1"/>
@@ -5217,8 +6011,8 @@
         </p:nvSpPr>
         <p:spPr>
           <a:xfrm>
-            <a:off x="15" y="6334316"/>
-            <a:ext cx="12188825" cy="64008"/>
+            <a:off x="0" y="6334316"/>
+            <a:ext cx="12192001" cy="65998"/>
           </a:xfrm>
           <a:prstGeom prst="rect">
             <a:avLst/>
@@ -5249,10 +6043,10 @@
       </p:sp>
       <p:cxnSp>
         <p:nvCxnSpPr>
-          <p:cNvPr id="16" name="Straight Connector 15">
+          <p:cNvPr id="19" name="Straight Connector 18">
             <a:extLst>
               <a:ext uri="{FF2B5EF4-FFF2-40B4-BE49-F238E27FC236}">
-                <a16:creationId xmlns:a16="http://schemas.microsoft.com/office/drawing/2014/main" id="{7E1D4427-852B-4B37-8E76-0E9F1810BA2A}"/>
+                <a16:creationId xmlns:a16="http://schemas.microsoft.com/office/drawing/2014/main" id="{6EEB3B97-A638-498B-8083-54191CE71E01}"/>
               </a:ext>
               <a:ext uri="{C183D7F6-B498-43B3-948B-1728B52AA6E4}">
                 <adec:decorative xmlns:adec="http://schemas.microsoft.com/office/drawing/2017/decorative" val="1"/>
@@ -5272,8 +6066,8 @@
         </p:nvCxnSpPr>
         <p:spPr>
           <a:xfrm>
-            <a:off x="1207658" y="4343400"/>
-            <a:ext cx="9875520" cy="0"/>
+            <a:off x="1193532" y="1737845"/>
+            <a:ext cx="9966960" cy="0"/>
           </a:xfrm>
           <a:prstGeom prst="line">
             <a:avLst/>
@@ -5304,10 +6098,10 @@
       </p:cxnSp>
       <p:sp useBgFill="1">
         <p:nvSpPr>
-          <p:cNvPr id="18" name="Rectangle 17">
+          <p:cNvPr id="28" name="Rectangle 20">
             <a:extLst>
               <a:ext uri="{FF2B5EF4-FFF2-40B4-BE49-F238E27FC236}">
-                <a16:creationId xmlns:a16="http://schemas.microsoft.com/office/drawing/2014/main" id="{FA4CD5CB-D209-4D70-8CA4-629731C59219}"/>
+                <a16:creationId xmlns:a16="http://schemas.microsoft.com/office/drawing/2014/main" id="{52ABB703-2B0E-4C3B-B4A2-F3973548E561}"/>
               </a:ext>
               <a:ext uri="{C183D7F6-B498-43B3-948B-1728B52AA6E4}">
                 <adec:decorative xmlns:adec="http://schemas.microsoft.com/office/drawing/2017/decorative" val="1"/>
@@ -5380,8 +6174,8 @@
         </p:nvSpPr>
         <p:spPr>
           <a:xfrm>
-            <a:off x="8141110" y="639097"/>
-            <a:ext cx="3401961" cy="3686015"/>
+            <a:off x="6411685" y="634946"/>
+            <a:ext cx="5127171" cy="1450757"/>
           </a:xfrm>
         </p:spPr>
         <p:txBody>
@@ -5391,25 +6185,19 @@
           <a:lstStyle/>
           <a:p>
             <a:r>
-              <a:rPr lang="en-US" sz="6600">
-                <a:solidFill>
-                  <a:schemeClr val="tx1">
-                    <a:lumMod val="85000"/>
-                    <a:lumOff val="15000"/>
-                  </a:schemeClr>
-                </a:solidFill>
-              </a:rPr>
-              <a:t>Example Lab Report</a:t>
-            </a:r>
+              <a:rPr lang="en-US"/>
+              <a:t>Lab Report Template</a:t>
+            </a:r>
+            <a:endParaRPr lang="en-US" dirty="0"/>
           </a:p>
         </p:txBody>
       </p:sp>
       <p:pic>
         <p:nvPicPr>
-          <p:cNvPr id="7" name="Content Placeholder 6" descr="A screenshot of a cell phone&#10;&#10;Description automatically generated">
+          <p:cNvPr id="10" name="Content Placeholder 9" descr="A screenshot of a cell phone&#10;&#10;Description automatically generated">
             <a:extLst>
               <a:ext uri="{FF2B5EF4-FFF2-40B4-BE49-F238E27FC236}">
-                <a16:creationId xmlns:a16="http://schemas.microsoft.com/office/drawing/2014/main" id="{B4BC3ECE-4BE3-44AC-B02C-12D640168450}"/>
+                <a16:creationId xmlns:a16="http://schemas.microsoft.com/office/drawing/2014/main" id="{E255FF78-5748-46B2-B9D5-EFEB59F572E9}"/>
               </a:ext>
             </a:extLst>
           </p:cNvPr>
@@ -5417,7 +6205,7 @@
             <a:picLocks noGrp="1" noChangeAspect="1"/>
           </p:cNvPicPr>
           <p:nvPr>
-            <p:ph idx="1"/>
+            <p:ph sz="half" idx="2"/>
           </p:nvPr>
         </p:nvPicPr>
         <p:blipFill>
@@ -5428,8 +6216,8 @@
         </p:blipFill>
         <p:spPr>
           <a:xfrm>
-            <a:off x="1702019" y="640081"/>
-            <a:ext cx="4776177" cy="5054156"/>
+            <a:off x="670935" y="645106"/>
+            <a:ext cx="5396141" cy="5247747"/>
           </a:xfrm>
           <a:prstGeom prst="rect">
             <a:avLst/>
@@ -5438,10 +6226,10 @@
       </p:pic>
       <p:cxnSp>
         <p:nvCxnSpPr>
-          <p:cNvPr id="20" name="Straight Connector 19">
+          <p:cNvPr id="29" name="Straight Connector 22">
             <a:extLst>
               <a:ext uri="{FF2B5EF4-FFF2-40B4-BE49-F238E27FC236}">
-                <a16:creationId xmlns:a16="http://schemas.microsoft.com/office/drawing/2014/main" id="{5C6A2BAE-B461-4B55-8E1F-0722ABDD1393}"/>
+                <a16:creationId xmlns:a16="http://schemas.microsoft.com/office/drawing/2014/main" id="{9C21570E-E159-49A6-9891-FA397B7A92D3}"/>
               </a:ext>
               <a:ext uri="{C183D7F6-B498-43B3-948B-1728B52AA6E4}">
                 <adec:decorative xmlns:adec="http://schemas.microsoft.com/office/drawing/2017/decorative" val="1"/>
@@ -5461,15 +6249,17 @@
         </p:nvCxnSpPr>
         <p:spPr>
           <a:xfrm>
-            <a:off x="8209305" y="4343400"/>
-            <a:ext cx="3200400" cy="0"/>
+            <a:off x="6411684" y="2086188"/>
+            <a:ext cx="4748808" cy="0"/>
           </a:xfrm>
           <a:prstGeom prst="line">
             <a:avLst/>
           </a:prstGeom>
           <a:ln w="6350">
             <a:solidFill>
-              <a:schemeClr val="tx2">
+              <a:schemeClr val="tx1">
+                <a:lumMod val="50000"/>
+                <a:lumOff val="50000"/>
                 <a:alpha val="90000"/>
               </a:schemeClr>
             </a:solidFill>
@@ -5492,10 +6282,129 @@
       </p:cxnSp>
       <p:sp>
         <p:nvSpPr>
-          <p:cNvPr id="22" name="Rectangle 21">
+          <p:cNvPr id="3" name="Content Placeholder 2">
             <a:extLst>
               <a:ext uri="{FF2B5EF4-FFF2-40B4-BE49-F238E27FC236}">
-                <a16:creationId xmlns:a16="http://schemas.microsoft.com/office/drawing/2014/main" id="{B4C27B90-DF2B-4D00-BA07-18ED774CD2F1}"/>
+                <a16:creationId xmlns:a16="http://schemas.microsoft.com/office/drawing/2014/main" id="{1A29CAEF-11FA-41AA-9D72-16A9967E06F5}"/>
+              </a:ext>
+            </a:extLst>
+          </p:cNvPr>
+          <p:cNvSpPr>
+            <a:spLocks noGrp="1"/>
+          </p:cNvSpPr>
+          <p:nvPr>
+            <p:ph sz="half" idx="1"/>
+          </p:nvPr>
+        </p:nvSpPr>
+        <p:spPr>
+          <a:xfrm>
+            <a:off x="6411684" y="2198914"/>
+            <a:ext cx="5127172" cy="3670180"/>
+          </a:xfrm>
+        </p:spPr>
+        <p:txBody>
+          <a:bodyPr vert="horz" lIns="0" tIns="45720" rIns="0" bIns="45720" rtlCol="0">
+            <a:normAutofit/>
+          </a:bodyPr>
+          <a:lstStyle/>
+          <a:p>
+            <a:pPr>
+              <a:buFont typeface="Wingdings" panose="05000000000000000000" pitchFamily="2" charset="2"/>
+              <a:buChar char="§"/>
+            </a:pPr>
+            <a:r>
+              <a:rPr lang="en-US" sz="1500" dirty="0"/>
+              <a:t> Labs can be written and submitted as a team</a:t>
+            </a:r>
+          </a:p>
+          <a:p>
+            <a:pPr>
+              <a:buFont typeface="Wingdings" panose="05000000000000000000" pitchFamily="2" charset="2"/>
+              <a:buChar char="§"/>
+            </a:pPr>
+            <a:r>
+              <a:rPr lang="en-US" sz="1500" dirty="0"/>
+              <a:t> Submit by email to </a:t>
+            </a:r>
+            <a:r>
+              <a:rPr lang="en-US" sz="1500" dirty="0">
+                <a:hlinkClick r:id="rId3"/>
+              </a:rPr>
+              <a:t>jack.davis001@umb.edu</a:t>
+            </a:r>
+            <a:r>
+              <a:rPr lang="en-US" sz="1500" dirty="0"/>
+              <a:t> before your sections next meeting</a:t>
+            </a:r>
+          </a:p>
+          <a:p>
+            <a:pPr>
+              <a:buFont typeface="Wingdings" panose="05000000000000000000" pitchFamily="2" charset="2"/>
+              <a:buChar char="§"/>
+            </a:pPr>
+            <a:r>
+              <a:rPr lang="en-US" sz="1500" dirty="0"/>
+              <a:t> There will be 10 labs</a:t>
+            </a:r>
+          </a:p>
+          <a:p>
+            <a:pPr>
+              <a:buFont typeface="Wingdings" panose="05000000000000000000" pitchFamily="2" charset="2"/>
+              <a:buChar char="§"/>
+            </a:pPr>
+            <a:r>
+              <a:rPr lang="en-US" sz="1500" dirty="0"/>
+              <a:t> I’ll be grading each lab out of 10:</a:t>
+            </a:r>
+          </a:p>
+          <a:p>
+            <a:pPr lvl="1">
+              <a:buFont typeface="Wingdings" panose="05000000000000000000" pitchFamily="2" charset="2"/>
+              <a:buChar char="§"/>
+            </a:pPr>
+            <a:r>
+              <a:rPr lang="en-US" sz="1500" dirty="0"/>
+              <a:t>3 points for submitting the lab report on time</a:t>
+            </a:r>
+          </a:p>
+          <a:p>
+            <a:pPr lvl="1">
+              <a:buFont typeface="Wingdings" panose="05000000000000000000" pitchFamily="2" charset="2"/>
+              <a:buChar char="§"/>
+            </a:pPr>
+            <a:r>
+              <a:rPr lang="en-US" sz="1500" dirty="0"/>
+              <a:t>4 points for quality of lab report</a:t>
+            </a:r>
+          </a:p>
+          <a:p>
+            <a:pPr lvl="1">
+              <a:buFont typeface="Wingdings" panose="05000000000000000000" pitchFamily="2" charset="2"/>
+              <a:buChar char="§"/>
+            </a:pPr>
+            <a:r>
+              <a:rPr lang="en-US" sz="1500" dirty="0"/>
+              <a:t>3 points for code that works correctly</a:t>
+            </a:r>
+          </a:p>
+          <a:p>
+            <a:pPr>
+              <a:buFont typeface="Wingdings" panose="05000000000000000000" pitchFamily="2" charset="2"/>
+              <a:buChar char="§"/>
+            </a:pPr>
+            <a:r>
+              <a:rPr lang="en-US" sz="1500" dirty="0"/>
+              <a:t> If you can’t get your code working in time, please document what you tried and submit the lab anyway</a:t>
+            </a:r>
+          </a:p>
+        </p:txBody>
+      </p:sp>
+      <p:sp>
+        <p:nvSpPr>
+          <p:cNvPr id="30" name="Rectangle 24">
+            <a:extLst>
+              <a:ext uri="{FF2B5EF4-FFF2-40B4-BE49-F238E27FC236}">
+                <a16:creationId xmlns:a16="http://schemas.microsoft.com/office/drawing/2014/main" id="{E95DA498-D9A2-4DA9-B9DA-B3776E08CF7E}"/>
               </a:ext>
               <a:ext uri="{C183D7F6-B498-43B3-948B-1728B52AA6E4}">
                 <adec:decorative xmlns:adec="http://schemas.microsoft.com/office/drawing/2017/decorative" val="1"/>
@@ -5547,10 +6456,10 @@
       </p:sp>
       <p:sp>
         <p:nvSpPr>
-          <p:cNvPr id="24" name="Rectangle 23">
+          <p:cNvPr id="27" name="Rectangle 26">
             <a:extLst>
               <a:ext uri="{FF2B5EF4-FFF2-40B4-BE49-F238E27FC236}">
-                <a16:creationId xmlns:a16="http://schemas.microsoft.com/office/drawing/2014/main" id="{593ACC25-C262-417A-8AA9-0641C772BDB6}"/>
+                <a16:creationId xmlns:a16="http://schemas.microsoft.com/office/drawing/2014/main" id="{82A73093-4B9D-420D-B17E-52293703A1D4}"/>
               </a:ext>
               <a:ext uri="{C183D7F6-B498-43B3-948B-1728B52AA6E4}">
                 <adec:decorative xmlns:adec="http://schemas.microsoft.com/office/drawing/2017/decorative" val="1"/>
@@ -5603,7 +6512,7 @@
     </p:spTree>
     <p:extLst>
       <p:ext uri="{BB962C8B-B14F-4D97-AF65-F5344CB8AC3E}">
-        <p14:creationId xmlns:p14="http://schemas.microsoft.com/office/powerpoint/2010/main" val="1247146300"/>
+        <p14:creationId xmlns:p14="http://schemas.microsoft.com/office/powerpoint/2010/main" val="948530621"/>
       </p:ext>
     </p:extLst>
   </p:cSld>
@@ -5616,6 +6525,14 @@
 <file path=ppt/slides/slide8.xml><?xml version="1.0" encoding="utf-8"?>
 <p:sld xmlns:a="http://schemas.openxmlformats.org/drawingml/2006/main" xmlns:r="http://schemas.openxmlformats.org/officeDocument/2006/relationships" xmlns:p="http://schemas.openxmlformats.org/presentationml/2006/main">
   <p:cSld>
+    <p:bg>
+      <p:bgPr>
+        <a:solidFill>
+          <a:schemeClr val="bg1"/>
+        </a:solidFill>
+        <a:effectLst/>
+      </p:bgPr>
+    </p:bg>
     <p:spTree>
       <p:nvGrpSpPr>
         <p:cNvPr id="1" name=""/>
@@ -5648,91 +6565,87 @@
         </p:nvSpPr>
         <p:spPr/>
         <p:txBody>
-          <a:bodyPr/>
+          <a:bodyPr vert="horz" lIns="91440" tIns="45720" rIns="91440" bIns="45720" rtlCol="0" anchor="b">
+            <a:normAutofit/>
+          </a:bodyPr>
           <a:lstStyle/>
           <a:p>
             <a:r>
-              <a:rPr lang="en-US" dirty="0"/>
-              <a:t>Policies</a:t>
-            </a:r>
-          </a:p>
-        </p:txBody>
-      </p:sp>
-      <p:sp>
-        <p:nvSpPr>
-          <p:cNvPr id="3" name="Content Placeholder 2">
+              <a:rPr lang="en-US" sz="6600">
+                <a:solidFill>
+                  <a:schemeClr val="tx1">
+                    <a:lumMod val="85000"/>
+                    <a:lumOff val="15000"/>
+                  </a:schemeClr>
+                </a:solidFill>
+              </a:rPr>
+              <a:t>Example Lab Report</a:t>
+            </a:r>
+          </a:p>
+        </p:txBody>
+      </p:sp>
+      <p:pic>
+        <p:nvPicPr>
+          <p:cNvPr id="13" name="Content Placeholder 12" descr="A screenshot of a cell phone&#10;&#10;Description automatically generated">
             <a:extLst>
               <a:ext uri="{FF2B5EF4-FFF2-40B4-BE49-F238E27FC236}">
-                <a16:creationId xmlns:a16="http://schemas.microsoft.com/office/drawing/2014/main" id="{1A29CAEF-11FA-41AA-9D72-16A9967E06F5}"/>
+                <a16:creationId xmlns:a16="http://schemas.microsoft.com/office/drawing/2014/main" id="{D51BD24B-3031-4586-9341-7536080F6F41}"/>
               </a:ext>
             </a:extLst>
           </p:cNvPr>
-          <p:cNvSpPr>
-            <a:spLocks noGrp="1"/>
-          </p:cNvSpPr>
-          <p:nvPr>
-            <p:ph idx="1"/>
-          </p:nvPr>
-        </p:nvSpPr>
-        <p:spPr/>
-        <p:txBody>
-          <a:bodyPr/>
-          <a:lstStyle/>
-          <a:p>
-            <a:pPr>
-              <a:buFont typeface="Wingdings" panose="05000000000000000000" pitchFamily="2" charset="2"/>
-              <a:buChar char="§"/>
-            </a:pPr>
-            <a:r>
-              <a:rPr lang="en-US" dirty="0"/>
-              <a:t> Work in groups of 1 or 2</a:t>
-            </a:r>
-          </a:p>
-          <a:p>
-            <a:pPr>
-              <a:buFont typeface="Wingdings" panose="05000000000000000000" pitchFamily="2" charset="2"/>
-              <a:buChar char="§"/>
-            </a:pPr>
-            <a:r>
-              <a:rPr lang="en-US" dirty="0"/>
-              <a:t> Post lab questions on Piazza with lab tag (privately if you need to share code) </a:t>
-            </a:r>
-            <a:endParaRPr lang="en-US" b="1" dirty="0"/>
-          </a:p>
-          <a:p>
-            <a:pPr>
-              <a:buFont typeface="Wingdings" panose="05000000000000000000" pitchFamily="2" charset="2"/>
-              <a:buChar char="§"/>
-            </a:pPr>
-            <a:r>
-              <a:rPr lang="en-US" dirty="0"/>
-              <a:t> makeup labs are allowed (due by 11:59PM on December 11</a:t>
-            </a:r>
-            <a:r>
-              <a:rPr lang="en-US" baseline="30000" dirty="0"/>
-              <a:t>th</a:t>
-            </a:r>
-            <a:r>
-              <a:rPr lang="en-US" dirty="0"/>
-              <a:t>)</a:t>
-            </a:r>
-          </a:p>
-          <a:p>
-            <a:pPr>
-              <a:buFont typeface="Wingdings" panose="05000000000000000000" pitchFamily="2" charset="2"/>
-              <a:buChar char="§"/>
-            </a:pPr>
-            <a:r>
-              <a:rPr lang="en-US" dirty="0"/>
-              <a:t> You may attend a different lab section if you need to</a:t>
-            </a:r>
-          </a:p>
-        </p:txBody>
-      </p:sp>
+          <p:cNvPicPr>
+            <a:picLocks noGrp="1" noChangeAspect="1"/>
+          </p:cNvPicPr>
+          <p:nvPr>
+            <p:ph sz="half" idx="1"/>
+          </p:nvPr>
+        </p:nvPicPr>
+        <p:blipFill>
+          <a:blip r:embed="rId2"/>
+          <a:stretch>
+            <a:fillRect/>
+          </a:stretch>
+        </p:blipFill>
+        <p:spPr>
+          <a:xfrm>
+            <a:off x="1357013" y="1897757"/>
+            <a:ext cx="4738988" cy="4203941"/>
+          </a:xfrm>
+        </p:spPr>
+      </p:pic>
+      <p:pic>
+        <p:nvPicPr>
+          <p:cNvPr id="25" name="Content Placeholder 24" descr="A screenshot of a cell phone&#10;&#10;Description automatically generated">
+            <a:extLst>
+              <a:ext uri="{FF2B5EF4-FFF2-40B4-BE49-F238E27FC236}">
+                <a16:creationId xmlns:a16="http://schemas.microsoft.com/office/drawing/2014/main" id="{15A0E2DF-34B0-4C56-9703-B9D790125203}"/>
+              </a:ext>
+            </a:extLst>
+          </p:cNvPr>
+          <p:cNvPicPr>
+            <a:picLocks noGrp="1" noChangeAspect="1"/>
+          </p:cNvPicPr>
+          <p:nvPr>
+            <p:ph sz="half" idx="2"/>
+          </p:nvPr>
+        </p:nvPicPr>
+        <p:blipFill>
+          <a:blip r:embed="rId3"/>
+          <a:stretch>
+            <a:fillRect/>
+          </a:stretch>
+        </p:blipFill>
+        <p:spPr>
+          <a:xfrm>
+            <a:off x="6096000" y="2493478"/>
+            <a:ext cx="5256115" cy="3012498"/>
+          </a:xfrm>
+        </p:spPr>
+      </p:pic>
     </p:spTree>
     <p:extLst>
       <p:ext uri="{BB962C8B-B14F-4D97-AF65-F5344CB8AC3E}">
-        <p14:creationId xmlns:p14="http://schemas.microsoft.com/office/powerpoint/2010/main" val="1605370376"/>
+        <p14:creationId xmlns:p14="http://schemas.microsoft.com/office/powerpoint/2010/main" val="1247146300"/>
       </p:ext>
     </p:extLst>
   </p:cSld>
@@ -5782,7 +6695,7 @@
           <a:p>
             <a:r>
               <a:rPr lang="en-US" dirty="0"/>
-              <a:t>Lab 1 – Setting up UnoArduSim</a:t>
+              <a:t>Background Information - LED</a:t>
             </a:r>
           </a:p>
         </p:txBody>
@@ -5800,7 +6713,7 @@
             <a:spLocks noGrp="1"/>
           </p:cNvSpPr>
           <p:nvPr>
-            <p:ph idx="1"/>
+            <p:ph sz="half" idx="1"/>
           </p:nvPr>
         </p:nvSpPr>
         <p:spPr/>
@@ -5814,17 +6727,7 @@
             </a:pPr>
             <a:r>
               <a:rPr lang="en-US" dirty="0"/>
-              <a:t> users of Mac/Linux will need to set up a windows VM to use UnoArduSim</a:t>
-            </a:r>
-          </a:p>
-          <a:p>
-            <a:pPr lvl="1">
-              <a:buFont typeface="Wingdings" panose="05000000000000000000" pitchFamily="2" charset="2"/>
-              <a:buChar char="§"/>
-            </a:pPr>
-            <a:r>
-              <a:rPr lang="en-US" dirty="0"/>
-              <a:t>Instructions provided in lab 1 instructions</a:t>
+              <a:t> Light-emitting Diode (LED)</a:t>
             </a:r>
           </a:p>
           <a:p>
@@ -5834,7 +6737,7 @@
             </a:pPr>
             <a:r>
               <a:rPr lang="en-US" dirty="0"/>
-              <a:t> users of Windows 10 can use natively without issue</a:t>
+              <a:t> Power must flow anode (longer lead, round) to cathode or positive to negative</a:t>
             </a:r>
           </a:p>
           <a:p>
@@ -5844,11 +6747,40 @@
             </a:pPr>
             <a:r>
               <a:rPr lang="en-US" dirty="0"/>
-              <a:t> </a:t>
-            </a:r>
-          </a:p>
-        </p:txBody>
-      </p:sp>
+              <a:t> a change in the amount of electricity flowing results in a change in brightness</a:t>
+            </a:r>
+          </a:p>
+        </p:txBody>
+      </p:sp>
+      <p:pic>
+        <p:nvPicPr>
+          <p:cNvPr id="10" name="Content Placeholder 9" descr="A screenshot of a cell phone&#10;&#10;Description automatically generated">
+            <a:extLst>
+              <a:ext uri="{FF2B5EF4-FFF2-40B4-BE49-F238E27FC236}">
+                <a16:creationId xmlns:a16="http://schemas.microsoft.com/office/drawing/2014/main" id="{8E4CBF47-ED8E-48AD-8EBB-663DF0863D38}"/>
+              </a:ext>
+            </a:extLst>
+          </p:cNvPr>
+          <p:cNvPicPr>
+            <a:picLocks noGrp="1" noChangeAspect="1"/>
+          </p:cNvPicPr>
+          <p:nvPr>
+            <p:ph sz="half" idx="2"/>
+          </p:nvPr>
+        </p:nvPicPr>
+        <p:blipFill>
+          <a:blip r:embed="rId2"/>
+          <a:stretch>
+            <a:fillRect/>
+          </a:stretch>
+        </p:blipFill>
+        <p:spPr>
+          <a:xfrm>
+            <a:off x="6218238" y="1929275"/>
+            <a:ext cx="4937125" cy="3856701"/>
+          </a:xfrm>
+        </p:spPr>
+      </p:pic>
     </p:spTree>
     <p:extLst>
       <p:ext uri="{BB962C8B-B14F-4D97-AF65-F5344CB8AC3E}">

--- a/Lab 1/CS 341 Lab introduction.pptx
+++ b/Lab 1/CS 341 Lab introduction.pptx
@@ -348,7 +348,7 @@
           <a:p>
             <a:fld id="{48A87A34-81AB-432B-8DAE-1953F412C126}" type="datetimeFigureOut">
               <a:rPr lang="en-US" smtClean="0"/>
-              <a:t>9/20/2020</a:t>
+              <a:t>9/22/2020</a:t>
             </a:fld>
             <a:endParaRPr lang="en-US" dirty="0"/>
           </a:p>
@@ -556,7 +556,7 @@
           <a:p>
             <a:fld id="{48A87A34-81AB-432B-8DAE-1953F412C126}" type="datetimeFigureOut">
               <a:rPr lang="en-US" smtClean="0"/>
-              <a:t>9/20/2020</a:t>
+              <a:t>9/22/2020</a:t>
             </a:fld>
             <a:endParaRPr lang="en-US" dirty="0"/>
           </a:p>
@@ -812,7 +812,7 @@
           <a:p>
             <a:fld id="{48A87A34-81AB-432B-8DAE-1953F412C126}" type="datetimeFigureOut">
               <a:rPr lang="en-US" smtClean="0"/>
-              <a:t>9/20/2020</a:t>
+              <a:t>9/22/2020</a:t>
             </a:fld>
             <a:endParaRPr lang="en-US" dirty="0"/>
           </a:p>
@@ -986,7 +986,7 @@
           <a:p>
             <a:fld id="{48A87A34-81AB-432B-8DAE-1953F412C126}" type="datetimeFigureOut">
               <a:rPr lang="en-US" smtClean="0"/>
-              <a:t>9/20/2020</a:t>
+              <a:t>9/22/2020</a:t>
             </a:fld>
             <a:endParaRPr lang="en-US" dirty="0"/>
           </a:p>
@@ -1329,7 +1329,7 @@
           <a:p>
             <a:fld id="{48A87A34-81AB-432B-8DAE-1953F412C126}" type="datetimeFigureOut">
               <a:rPr lang="en-US" smtClean="0"/>
-              <a:t>9/20/2020</a:t>
+              <a:t>9/22/2020</a:t>
             </a:fld>
             <a:endParaRPr lang="en-US" dirty="0"/>
           </a:p>
@@ -1604,7 +1604,7 @@
           <a:p>
             <a:fld id="{48A87A34-81AB-432B-8DAE-1953F412C126}" type="datetimeFigureOut">
               <a:rPr lang="en-US" smtClean="0"/>
-              <a:t>9/20/2020</a:t>
+              <a:t>9/22/2020</a:t>
             </a:fld>
             <a:endParaRPr lang="en-US" dirty="0"/>
           </a:p>
@@ -1983,7 +1983,7 @@
           <a:p>
             <a:fld id="{48A87A34-81AB-432B-8DAE-1953F412C126}" type="datetimeFigureOut">
               <a:rPr lang="en-US" smtClean="0"/>
-              <a:t>9/20/2020</a:t>
+              <a:t>9/22/2020</a:t>
             </a:fld>
             <a:endParaRPr lang="en-US" dirty="0"/>
           </a:p>
@@ -2101,7 +2101,7 @@
           <a:p>
             <a:fld id="{48A87A34-81AB-432B-8DAE-1953F412C126}" type="datetimeFigureOut">
               <a:rPr lang="en-US" smtClean="0"/>
-              <a:t>9/20/2020</a:t>
+              <a:t>9/22/2020</a:t>
             </a:fld>
             <a:endParaRPr lang="en-US" dirty="0"/>
           </a:p>
@@ -2272,7 +2272,7 @@
           <a:p>
             <a:fld id="{48A87A34-81AB-432B-8DAE-1953F412C126}" type="datetimeFigureOut">
               <a:rPr lang="en-US" smtClean="0"/>
-              <a:t>9/20/2020</a:t>
+              <a:t>9/22/2020</a:t>
             </a:fld>
             <a:endParaRPr lang="en-US" dirty="0"/>
           </a:p>
@@ -2626,7 +2626,7 @@
           <a:p>
             <a:fld id="{48A87A34-81AB-432B-8DAE-1953F412C126}" type="datetimeFigureOut">
               <a:rPr lang="en-US" smtClean="0"/>
-              <a:t>9/20/2020</a:t>
+              <a:t>9/22/2020</a:t>
             </a:fld>
             <a:endParaRPr lang="en-US" dirty="0"/>
           </a:p>
@@ -3008,7 +3008,7 @@
           <a:p>
             <a:fld id="{48A87A34-81AB-432B-8DAE-1953F412C126}" type="datetimeFigureOut">
               <a:rPr lang="en-US" smtClean="0"/>
-              <a:t>9/20/2020</a:t>
+              <a:t>9/22/2020</a:t>
             </a:fld>
             <a:endParaRPr lang="en-US" dirty="0"/>
           </a:p>
@@ -3296,7 +3296,7 @@
             <a:fld id="{48A87A34-81AB-432B-8DAE-1953F412C126}" type="datetimeFigureOut">
               <a:rPr lang="en-US" smtClean="0"/>
               <a:pPr/>
-              <a:t>9/20/2020</a:t>
+              <a:t>9/22/2020</a:t>
             </a:fld>
             <a:endParaRPr lang="en-US" dirty="0"/>
           </a:p>
@@ -5158,7 +5158,15 @@
             </a:pPr>
             <a:r>
               <a:rPr lang="en-US" dirty="0"/>
-              <a:t>Use the “help” button to get my attention</a:t>
+              <a:t>Use the “help” button (</a:t>
+            </a:r>
+            <a:r>
+              <a:rPr lang="en-US"/>
+              <a:t>under more) to </a:t>
+            </a:r>
+            <a:r>
+              <a:rPr lang="en-US" dirty="0"/>
+              <a:t>get my attention</a:t>
             </a:r>
           </a:p>
           <a:p>
@@ -6385,6 +6393,20 @@
             <a:r>
               <a:rPr lang="en-US" sz="1500" dirty="0"/>
               <a:t>3 points for code that works correctly</a:t>
+            </a:r>
+          </a:p>
+          <a:p>
+            <a:pPr>
+              <a:buFont typeface="Wingdings" panose="05000000000000000000" pitchFamily="2" charset="2"/>
+              <a:buChar char="§"/>
+            </a:pPr>
+            <a:r>
+              <a:rPr lang="en-US" sz="1700" dirty="0"/>
+              <a:t> </a:t>
+            </a:r>
+            <a:r>
+              <a:rPr lang="en-US" sz="1500" dirty="0"/>
+              <a:t>labs make up 20% of your final grade</a:t>
             </a:r>
           </a:p>
           <a:p>

--- a/Lab 1/CS 341 Lab introduction.pptx
+++ b/Lab 1/CS 341 Lab introduction.pptx
@@ -1,33 +1,128 @@
 
 <file path=ppt/presentation.xml><?xml version="1.0" encoding="utf-8"?>
-<p:presentation xmlns:a="http://schemas.openxmlformats.org/drawingml/2006/main" xmlns:p="http://schemas.openxmlformats.org/presentationml/2006/main" xmlns:r="http://schemas.openxmlformats.org/officeDocument/2006/relationships" xmlns:p14="http://schemas.microsoft.com/office/powerpoint/2010/main" xmlns:p15="http://schemas.microsoft.com/office/powerpoint/2012/main" xmlns:mc="http://schemas.openxmlformats.org/markup-compatibility/2006">
+<p:presentation xmlns:a="http://schemas.openxmlformats.org/drawingml/2006/main" xmlns:r="http://schemas.openxmlformats.org/officeDocument/2006/relationships" xmlns:p="http://schemas.openxmlformats.org/presentationml/2006/main">
   <p:sldMasterIdLst>
-    <p:sldMasterId id="2147483648" r:id="rId2"/>
-    <p:sldMasterId id="2147483661" r:id="rId3"/>
-    <p:sldMasterId id="2147483674" r:id="rId4"/>
-    <p:sldMasterId id="2147483687" r:id="rId5"/>
-    <p:sldMasterId id="2147483700" r:id="rId6"/>
+    <p:sldMasterId id="2147483648" r:id="rId1"/>
+    <p:sldMasterId id="2147483661" r:id="rId2"/>
+    <p:sldMasterId id="2147483674" r:id="rId3"/>
+    <p:sldMasterId id="2147483687" r:id="rId4"/>
+    <p:sldMasterId id="2147483700" r:id="rId5"/>
   </p:sldMasterIdLst>
   <p:sldIdLst>
-    <p:sldId id="256" r:id="rId7"/>
-    <p:sldId id="257" r:id="rId8"/>
-    <p:sldId id="258" r:id="rId9"/>
-    <p:sldId id="259" r:id="rId10"/>
-    <p:sldId id="260" r:id="rId11"/>
-    <p:sldId id="261" r:id="rId12"/>
-    <p:sldId id="262" r:id="rId13"/>
-    <p:sldId id="263" r:id="rId14"/>
-    <p:sldId id="264" r:id="rId15"/>
-    <p:sldId id="265" r:id="rId16"/>
-    <p:sldId id="266" r:id="rId17"/>
+    <p:sldId id="256" r:id="rId6"/>
+    <p:sldId id="257" r:id="rId7"/>
+    <p:sldId id="258" r:id="rId8"/>
+    <p:sldId id="259" r:id="rId9"/>
+    <p:sldId id="260" r:id="rId10"/>
+    <p:sldId id="261" r:id="rId11"/>
+    <p:sldId id="262" r:id="rId12"/>
+    <p:sldId id="263" r:id="rId13"/>
+    <p:sldId id="264" r:id="rId14"/>
+    <p:sldId id="265" r:id="rId15"/>
+    <p:sldId id="266" r:id="rId16"/>
   </p:sldIdLst>
   <p:sldSz cx="12192000" cy="6858000"/>
   <p:notesSz cx="7772400" cy="10058400"/>
+  <p:defaultTextStyle>
+    <a:defPPr>
+      <a:defRPr lang="en-US"/>
+    </a:defPPr>
+    <a:lvl1pPr marL="0" algn="l" defTabSz="914400" rtl="0" eaLnBrk="1" latinLnBrk="0" hangingPunct="1">
+      <a:defRPr sz="1800" kern="1200">
+        <a:solidFill>
+          <a:schemeClr val="tx1"/>
+        </a:solidFill>
+        <a:latin typeface="+mn-lt"/>
+        <a:ea typeface="+mn-ea"/>
+        <a:cs typeface="+mn-cs"/>
+      </a:defRPr>
+    </a:lvl1pPr>
+    <a:lvl2pPr marL="457200" algn="l" defTabSz="914400" rtl="0" eaLnBrk="1" latinLnBrk="0" hangingPunct="1">
+      <a:defRPr sz="1800" kern="1200">
+        <a:solidFill>
+          <a:schemeClr val="tx1"/>
+        </a:solidFill>
+        <a:latin typeface="+mn-lt"/>
+        <a:ea typeface="+mn-ea"/>
+        <a:cs typeface="+mn-cs"/>
+      </a:defRPr>
+    </a:lvl2pPr>
+    <a:lvl3pPr marL="914400" algn="l" defTabSz="914400" rtl="0" eaLnBrk="1" latinLnBrk="0" hangingPunct="1">
+      <a:defRPr sz="1800" kern="1200">
+        <a:solidFill>
+          <a:schemeClr val="tx1"/>
+        </a:solidFill>
+        <a:latin typeface="+mn-lt"/>
+        <a:ea typeface="+mn-ea"/>
+        <a:cs typeface="+mn-cs"/>
+      </a:defRPr>
+    </a:lvl3pPr>
+    <a:lvl4pPr marL="1371600" algn="l" defTabSz="914400" rtl="0" eaLnBrk="1" latinLnBrk="0" hangingPunct="1">
+      <a:defRPr sz="1800" kern="1200">
+        <a:solidFill>
+          <a:schemeClr val="tx1"/>
+        </a:solidFill>
+        <a:latin typeface="+mn-lt"/>
+        <a:ea typeface="+mn-ea"/>
+        <a:cs typeface="+mn-cs"/>
+      </a:defRPr>
+    </a:lvl4pPr>
+    <a:lvl5pPr marL="1828800" algn="l" defTabSz="914400" rtl="0" eaLnBrk="1" latinLnBrk="0" hangingPunct="1">
+      <a:defRPr sz="1800" kern="1200">
+        <a:solidFill>
+          <a:schemeClr val="tx1"/>
+        </a:solidFill>
+        <a:latin typeface="+mn-lt"/>
+        <a:ea typeface="+mn-ea"/>
+        <a:cs typeface="+mn-cs"/>
+      </a:defRPr>
+    </a:lvl5pPr>
+    <a:lvl6pPr marL="2286000" algn="l" defTabSz="914400" rtl="0" eaLnBrk="1" latinLnBrk="0" hangingPunct="1">
+      <a:defRPr sz="1800" kern="1200">
+        <a:solidFill>
+          <a:schemeClr val="tx1"/>
+        </a:solidFill>
+        <a:latin typeface="+mn-lt"/>
+        <a:ea typeface="+mn-ea"/>
+        <a:cs typeface="+mn-cs"/>
+      </a:defRPr>
+    </a:lvl6pPr>
+    <a:lvl7pPr marL="2743200" algn="l" defTabSz="914400" rtl="0" eaLnBrk="1" latinLnBrk="0" hangingPunct="1">
+      <a:defRPr sz="1800" kern="1200">
+        <a:solidFill>
+          <a:schemeClr val="tx1"/>
+        </a:solidFill>
+        <a:latin typeface="+mn-lt"/>
+        <a:ea typeface="+mn-ea"/>
+        <a:cs typeface="+mn-cs"/>
+      </a:defRPr>
+    </a:lvl7pPr>
+    <a:lvl8pPr marL="3200400" algn="l" defTabSz="914400" rtl="0" eaLnBrk="1" latinLnBrk="0" hangingPunct="1">
+      <a:defRPr sz="1800" kern="1200">
+        <a:solidFill>
+          <a:schemeClr val="tx1"/>
+        </a:solidFill>
+        <a:latin typeface="+mn-lt"/>
+        <a:ea typeface="+mn-ea"/>
+        <a:cs typeface="+mn-cs"/>
+      </a:defRPr>
+    </a:lvl8pPr>
+    <a:lvl9pPr marL="3657600" algn="l" defTabSz="914400" rtl="0" eaLnBrk="1" latinLnBrk="0" hangingPunct="1">
+      <a:defRPr sz="1800" kern="1200">
+        <a:solidFill>
+          <a:schemeClr val="tx1"/>
+        </a:solidFill>
+        <a:latin typeface="+mn-lt"/>
+        <a:ea typeface="+mn-ea"/>
+        <a:cs typeface="+mn-cs"/>
+      </a:defRPr>
+    </a:lvl9pPr>
+  </p:defaultTextStyle>
 </p:presentation>
 </file>
 
 <file path=ppt/slideLayouts/slideLayout1.xml><?xml version="1.0" encoding="utf-8"?>
-<p:sldLayout xmlns:a="http://schemas.openxmlformats.org/drawingml/2006/main" xmlns:p="http://schemas.openxmlformats.org/presentationml/2006/main" xmlns:r="http://schemas.openxmlformats.org/officeDocument/2006/relationships" xmlns:p14="http://schemas.microsoft.com/office/powerpoint/2010/main" xmlns:p15="http://schemas.microsoft.com/office/powerpoint/2012/main" xmlns:mc="http://schemas.openxmlformats.org/markup-compatibility/2006" type="blank" preserve="1">
+<p:sldLayout xmlns:a="http://schemas.openxmlformats.org/drawingml/2006/main" xmlns:r="http://schemas.openxmlformats.org/officeDocument/2006/relationships" xmlns:p="http://schemas.openxmlformats.org/presentationml/2006/main" type="blank" preserve="1">
   <p:cSld name="Blank Slide">
     <p:spTree>
       <p:nvGrpSpPr>
@@ -45,11 +140,14 @@
       </p:grpSpPr>
     </p:spTree>
   </p:cSld>
+  <p:clrMapOvr>
+    <a:masterClrMapping/>
+  </p:clrMapOvr>
 </p:sldLayout>
 </file>
 
 <file path=ppt/slideLayouts/slideLayout10.xml><?xml version="1.0" encoding="utf-8"?>
-<p:sldLayout xmlns:a="http://schemas.openxmlformats.org/drawingml/2006/main" xmlns:p="http://schemas.openxmlformats.org/presentationml/2006/main" xmlns:r="http://schemas.openxmlformats.org/officeDocument/2006/relationships" xmlns:p14="http://schemas.microsoft.com/office/powerpoint/2010/main" xmlns:p15="http://schemas.microsoft.com/office/powerpoint/2012/main" xmlns:mc="http://schemas.openxmlformats.org/markup-compatibility/2006" type="objOverTx" preserve="1">
+<p:sldLayout xmlns:a="http://schemas.openxmlformats.org/drawingml/2006/main" xmlns:r="http://schemas.openxmlformats.org/officeDocument/2006/relationships" xmlns:p="http://schemas.openxmlformats.org/presentationml/2006/main" type="objOverTx" preserve="1">
   <p:cSld name="Title, Content over Content">
     <p:spTree>
       <p:nvGrpSpPr>
@@ -85,11 +183,12 @@
           </a:prstGeom>
         </p:spPr>
         <p:txBody>
-          <a:bodyPr lIns="0" rIns="0" tIns="0" bIns="0" anchor="ctr">
+          <a:bodyPr lIns="0" tIns="0" rIns="0" bIns="0" anchor="ctr">
             <a:noAutofit/>
           </a:bodyPr>
-          <a:p>
-            <a:endParaRPr b="0" lang="en-US" sz="1800" spc="-1" strike="noStrike">
+          <a:lstStyle/>
+          <a:p>
+            <a:endParaRPr lang="en-US" sz="1800" b="0" strike="noStrike" spc="-1">
               <a:solidFill>
                 <a:srgbClr val="000000"/>
               </a:solidFill>
@@ -118,11 +217,12 @@
           </a:prstGeom>
         </p:spPr>
         <p:txBody>
-          <a:bodyPr lIns="0" rIns="0" tIns="0" bIns="0">
+          <a:bodyPr lIns="0" tIns="0" rIns="0" bIns="0">
             <a:normAutofit/>
           </a:bodyPr>
-          <a:p>
-            <a:endParaRPr b="0" lang="en-US" sz="2000" spc="-1" strike="noStrike">
+          <a:lstStyle/>
+          <a:p>
+            <a:endParaRPr lang="en-US" sz="2000" b="0" strike="noStrike" spc="-1">
               <a:solidFill>
                 <a:srgbClr val="404040"/>
               </a:solidFill>
@@ -151,11 +251,12 @@
           </a:prstGeom>
         </p:spPr>
         <p:txBody>
-          <a:bodyPr lIns="0" rIns="0" tIns="0" bIns="0">
+          <a:bodyPr lIns="0" tIns="0" rIns="0" bIns="0">
             <a:normAutofit/>
           </a:bodyPr>
-          <a:p>
-            <a:endParaRPr b="0" lang="en-US" sz="2000" spc="-1" strike="noStrike">
+          <a:lstStyle/>
+          <a:p>
+            <a:endParaRPr lang="en-US" sz="2000" b="0" strike="noStrike" spc="-1">
               <a:solidFill>
                 <a:srgbClr val="404040"/>
               </a:solidFill>
@@ -166,11 +267,14 @@
       </p:sp>
     </p:spTree>
   </p:cSld>
+  <p:clrMapOvr>
+    <a:masterClrMapping/>
+  </p:clrMapOvr>
 </p:sldLayout>
 </file>
 
 <file path=ppt/slideLayouts/slideLayout11.xml><?xml version="1.0" encoding="utf-8"?>
-<p:sldLayout xmlns:a="http://schemas.openxmlformats.org/drawingml/2006/main" xmlns:p="http://schemas.openxmlformats.org/presentationml/2006/main" xmlns:r="http://schemas.openxmlformats.org/officeDocument/2006/relationships" xmlns:p14="http://schemas.microsoft.com/office/powerpoint/2010/main" xmlns:p15="http://schemas.microsoft.com/office/powerpoint/2012/main" xmlns:mc="http://schemas.openxmlformats.org/markup-compatibility/2006" type="fourObj" preserve="1">
+<p:sldLayout xmlns:a="http://schemas.openxmlformats.org/drawingml/2006/main" xmlns:r="http://schemas.openxmlformats.org/officeDocument/2006/relationships" xmlns:p="http://schemas.openxmlformats.org/presentationml/2006/main" type="fourObj" preserve="1">
   <p:cSld name="Title, 4 Content">
     <p:spTree>
       <p:nvGrpSpPr>
@@ -206,11 +310,12 @@
           </a:prstGeom>
         </p:spPr>
         <p:txBody>
-          <a:bodyPr lIns="0" rIns="0" tIns="0" bIns="0" anchor="ctr">
+          <a:bodyPr lIns="0" tIns="0" rIns="0" bIns="0" anchor="ctr">
             <a:noAutofit/>
           </a:bodyPr>
-          <a:p>
-            <a:endParaRPr b="0" lang="en-US" sz="1800" spc="-1" strike="noStrike">
+          <a:lstStyle/>
+          <a:p>
+            <a:endParaRPr lang="en-US" sz="1800" b="0" strike="noStrike" spc="-1">
               <a:solidFill>
                 <a:srgbClr val="000000"/>
               </a:solidFill>
@@ -239,11 +344,12 @@
           </a:prstGeom>
         </p:spPr>
         <p:txBody>
-          <a:bodyPr lIns="0" rIns="0" tIns="0" bIns="0">
+          <a:bodyPr lIns="0" tIns="0" rIns="0" bIns="0">
             <a:normAutofit/>
           </a:bodyPr>
-          <a:p>
-            <a:endParaRPr b="0" lang="en-US" sz="2000" spc="-1" strike="noStrike">
+          <a:lstStyle/>
+          <a:p>
+            <a:endParaRPr lang="en-US" sz="2000" b="0" strike="noStrike" spc="-1">
               <a:solidFill>
                 <a:srgbClr val="404040"/>
               </a:solidFill>
@@ -272,11 +378,12 @@
           </a:prstGeom>
         </p:spPr>
         <p:txBody>
-          <a:bodyPr lIns="0" rIns="0" tIns="0" bIns="0">
+          <a:bodyPr lIns="0" tIns="0" rIns="0" bIns="0">
             <a:normAutofit/>
           </a:bodyPr>
-          <a:p>
-            <a:endParaRPr b="0" lang="en-US" sz="2000" spc="-1" strike="noStrike">
+          <a:lstStyle/>
+          <a:p>
+            <a:endParaRPr lang="en-US" sz="2000" b="0" strike="noStrike" spc="-1">
               <a:solidFill>
                 <a:srgbClr val="404040"/>
               </a:solidFill>
@@ -305,11 +412,12 @@
           </a:prstGeom>
         </p:spPr>
         <p:txBody>
-          <a:bodyPr lIns="0" rIns="0" tIns="0" bIns="0">
+          <a:bodyPr lIns="0" tIns="0" rIns="0" bIns="0">
             <a:normAutofit/>
           </a:bodyPr>
-          <a:p>
-            <a:endParaRPr b="0" lang="en-US" sz="2000" spc="-1" strike="noStrike">
+          <a:lstStyle/>
+          <a:p>
+            <a:endParaRPr lang="en-US" sz="2000" b="0" strike="noStrike" spc="-1">
               <a:solidFill>
                 <a:srgbClr val="404040"/>
               </a:solidFill>
@@ -338,11 +446,12 @@
           </a:prstGeom>
         </p:spPr>
         <p:txBody>
-          <a:bodyPr lIns="0" rIns="0" tIns="0" bIns="0">
+          <a:bodyPr lIns="0" tIns="0" rIns="0" bIns="0">
             <a:normAutofit/>
           </a:bodyPr>
-          <a:p>
-            <a:endParaRPr b="0" lang="en-US" sz="2000" spc="-1" strike="noStrike">
+          <a:lstStyle/>
+          <a:p>
+            <a:endParaRPr lang="en-US" sz="2000" b="0" strike="noStrike" spc="-1">
               <a:solidFill>
                 <a:srgbClr val="404040"/>
               </a:solidFill>
@@ -353,11 +462,14 @@
       </p:sp>
     </p:spTree>
   </p:cSld>
+  <p:clrMapOvr>
+    <a:masterClrMapping/>
+  </p:clrMapOvr>
 </p:sldLayout>
 </file>
 
 <file path=ppt/slideLayouts/slideLayout12.xml><?xml version="1.0" encoding="utf-8"?>
-<p:sldLayout xmlns:a="http://schemas.openxmlformats.org/drawingml/2006/main" xmlns:p="http://schemas.openxmlformats.org/presentationml/2006/main" xmlns:r="http://schemas.openxmlformats.org/officeDocument/2006/relationships" xmlns:p14="http://schemas.microsoft.com/office/powerpoint/2010/main" xmlns:p15="http://schemas.microsoft.com/office/powerpoint/2012/main" xmlns:mc="http://schemas.openxmlformats.org/markup-compatibility/2006" type="blank" preserve="1">
+<p:sldLayout xmlns:a="http://schemas.openxmlformats.org/drawingml/2006/main" xmlns:r="http://schemas.openxmlformats.org/officeDocument/2006/relationships" xmlns:p="http://schemas.openxmlformats.org/presentationml/2006/main" type="blank" preserve="1">
   <p:cSld name="Title, 6 Content">
     <p:spTree>
       <p:nvGrpSpPr>
@@ -393,11 +505,12 @@
           </a:prstGeom>
         </p:spPr>
         <p:txBody>
-          <a:bodyPr lIns="0" rIns="0" tIns="0" bIns="0" anchor="ctr">
+          <a:bodyPr lIns="0" tIns="0" rIns="0" bIns="0" anchor="ctr">
             <a:noAutofit/>
           </a:bodyPr>
-          <a:p>
-            <a:endParaRPr b="0" lang="en-US" sz="1800" spc="-1" strike="noStrike">
+          <a:lstStyle/>
+          <a:p>
+            <a:endParaRPr lang="en-US" sz="1800" b="0" strike="noStrike" spc="-1">
               <a:solidFill>
                 <a:srgbClr val="000000"/>
               </a:solidFill>
@@ -426,11 +539,12 @@
           </a:prstGeom>
         </p:spPr>
         <p:txBody>
-          <a:bodyPr lIns="0" rIns="0" tIns="0" bIns="0">
+          <a:bodyPr lIns="0" tIns="0" rIns="0" bIns="0">
             <a:normAutofit/>
           </a:bodyPr>
-          <a:p>
-            <a:endParaRPr b="0" lang="en-US" sz="2000" spc="-1" strike="noStrike">
+          <a:lstStyle/>
+          <a:p>
+            <a:endParaRPr lang="en-US" sz="2000" b="0" strike="noStrike" spc="-1">
               <a:solidFill>
                 <a:srgbClr val="404040"/>
               </a:solidFill>
@@ -459,11 +573,12 @@
           </a:prstGeom>
         </p:spPr>
         <p:txBody>
-          <a:bodyPr lIns="0" rIns="0" tIns="0" bIns="0">
+          <a:bodyPr lIns="0" tIns="0" rIns="0" bIns="0">
             <a:normAutofit/>
           </a:bodyPr>
-          <a:p>
-            <a:endParaRPr b="0" lang="en-US" sz="2000" spc="-1" strike="noStrike">
+          <a:lstStyle/>
+          <a:p>
+            <a:endParaRPr lang="en-US" sz="2000" b="0" strike="noStrike" spc="-1">
               <a:solidFill>
                 <a:srgbClr val="404040"/>
               </a:solidFill>
@@ -492,11 +607,12 @@
           </a:prstGeom>
         </p:spPr>
         <p:txBody>
-          <a:bodyPr lIns="0" rIns="0" tIns="0" bIns="0">
+          <a:bodyPr lIns="0" tIns="0" rIns="0" bIns="0">
             <a:normAutofit/>
           </a:bodyPr>
-          <a:p>
-            <a:endParaRPr b="0" lang="en-US" sz="2000" spc="-1" strike="noStrike">
+          <a:lstStyle/>
+          <a:p>
+            <a:endParaRPr lang="en-US" sz="2000" b="0" strike="noStrike" spc="-1">
               <a:solidFill>
                 <a:srgbClr val="404040"/>
               </a:solidFill>
@@ -525,11 +641,12 @@
           </a:prstGeom>
         </p:spPr>
         <p:txBody>
-          <a:bodyPr lIns="0" rIns="0" tIns="0" bIns="0">
+          <a:bodyPr lIns="0" tIns="0" rIns="0" bIns="0">
             <a:normAutofit/>
           </a:bodyPr>
-          <a:p>
-            <a:endParaRPr b="0" lang="en-US" sz="2000" spc="-1" strike="noStrike">
+          <a:lstStyle/>
+          <a:p>
+            <a:endParaRPr lang="en-US" sz="2000" b="0" strike="noStrike" spc="-1">
               <a:solidFill>
                 <a:srgbClr val="404040"/>
               </a:solidFill>
@@ -558,11 +675,12 @@
           </a:prstGeom>
         </p:spPr>
         <p:txBody>
-          <a:bodyPr lIns="0" rIns="0" tIns="0" bIns="0">
+          <a:bodyPr lIns="0" tIns="0" rIns="0" bIns="0">
             <a:normAutofit/>
           </a:bodyPr>
-          <a:p>
-            <a:endParaRPr b="0" lang="en-US" sz="2000" spc="-1" strike="noStrike">
+          <a:lstStyle/>
+          <a:p>
+            <a:endParaRPr lang="en-US" sz="2000" b="0" strike="noStrike" spc="-1">
               <a:solidFill>
                 <a:srgbClr val="404040"/>
               </a:solidFill>
@@ -591,11 +709,12 @@
           </a:prstGeom>
         </p:spPr>
         <p:txBody>
-          <a:bodyPr lIns="0" rIns="0" tIns="0" bIns="0">
+          <a:bodyPr lIns="0" tIns="0" rIns="0" bIns="0">
             <a:normAutofit/>
           </a:bodyPr>
-          <a:p>
-            <a:endParaRPr b="0" lang="en-US" sz="2000" spc="-1" strike="noStrike">
+          <a:lstStyle/>
+          <a:p>
+            <a:endParaRPr lang="en-US" sz="2000" b="0" strike="noStrike" spc="-1">
               <a:solidFill>
                 <a:srgbClr val="404040"/>
               </a:solidFill>
@@ -606,11 +725,14 @@
       </p:sp>
     </p:spTree>
   </p:cSld>
+  <p:clrMapOvr>
+    <a:masterClrMapping/>
+  </p:clrMapOvr>
 </p:sldLayout>
 </file>
 
 <file path=ppt/slideLayouts/slideLayout13.xml><?xml version="1.0" encoding="utf-8"?>
-<p:sldLayout xmlns:a="http://schemas.openxmlformats.org/drawingml/2006/main" xmlns:p="http://schemas.openxmlformats.org/presentationml/2006/main" xmlns:r="http://schemas.openxmlformats.org/officeDocument/2006/relationships" xmlns:p14="http://schemas.microsoft.com/office/powerpoint/2010/main" xmlns:p15="http://schemas.microsoft.com/office/powerpoint/2012/main" xmlns:mc="http://schemas.openxmlformats.org/markup-compatibility/2006" type="blank" preserve="1">
+<p:sldLayout xmlns:a="http://schemas.openxmlformats.org/drawingml/2006/main" xmlns:r="http://schemas.openxmlformats.org/officeDocument/2006/relationships" xmlns:p="http://schemas.openxmlformats.org/presentationml/2006/main" type="blank" preserve="1">
   <p:cSld name="Blank Slide">
     <p:spTree>
       <p:nvGrpSpPr>
@@ -628,11 +750,14 @@
       </p:grpSpPr>
     </p:spTree>
   </p:cSld>
+  <p:clrMapOvr>
+    <a:masterClrMapping/>
+  </p:clrMapOvr>
 </p:sldLayout>
 </file>
 
 <file path=ppt/slideLayouts/slideLayout14.xml><?xml version="1.0" encoding="utf-8"?>
-<p:sldLayout xmlns:a="http://schemas.openxmlformats.org/drawingml/2006/main" xmlns:p="http://schemas.openxmlformats.org/presentationml/2006/main" xmlns:r="http://schemas.openxmlformats.org/officeDocument/2006/relationships" xmlns:p14="http://schemas.microsoft.com/office/powerpoint/2010/main" xmlns:p15="http://schemas.microsoft.com/office/powerpoint/2012/main" xmlns:mc="http://schemas.openxmlformats.org/markup-compatibility/2006" type="tx" preserve="1">
+<p:sldLayout xmlns:a="http://schemas.openxmlformats.org/drawingml/2006/main" xmlns:r="http://schemas.openxmlformats.org/officeDocument/2006/relationships" xmlns:p="http://schemas.openxmlformats.org/presentationml/2006/main" type="tx" preserve="1">
   <p:cSld name="Title Slide">
     <p:spTree>
       <p:nvGrpSpPr>
@@ -668,11 +793,12 @@
           </a:prstGeom>
         </p:spPr>
         <p:txBody>
-          <a:bodyPr lIns="0" rIns="0" tIns="0" bIns="0" anchor="ctr">
+          <a:bodyPr lIns="0" tIns="0" rIns="0" bIns="0" anchor="ctr">
             <a:noAutofit/>
           </a:bodyPr>
-          <a:p>
-            <a:endParaRPr b="0" lang="en-US" sz="1800" spc="-1" strike="noStrike">
+          <a:lstStyle/>
+          <a:p>
+            <a:endParaRPr lang="en-US" sz="1800" b="0" strike="noStrike" spc="-1">
               <a:solidFill>
                 <a:srgbClr val="000000"/>
               </a:solidFill>
@@ -701,12 +827,13 @@
           </a:prstGeom>
         </p:spPr>
         <p:txBody>
-          <a:bodyPr lIns="0" rIns="0" tIns="0" bIns="0" anchor="ctr">
+          <a:bodyPr lIns="0" tIns="0" rIns="0" bIns="0" anchor="ctr">
             <a:noAutofit/>
           </a:bodyPr>
+          <a:lstStyle/>
           <a:p>
             <a:pPr algn="ctr"/>
-            <a:endParaRPr b="0" lang="en-US" sz="3200" spc="-1" strike="noStrike">
+            <a:endParaRPr lang="en-US" sz="3200" b="0" strike="noStrike" spc="-1">
               <a:latin typeface="Arial"/>
             </a:endParaRPr>
           </a:p>
@@ -714,11 +841,14 @@
       </p:sp>
     </p:spTree>
   </p:cSld>
+  <p:clrMapOvr>
+    <a:masterClrMapping/>
+  </p:clrMapOvr>
 </p:sldLayout>
 </file>
 
 <file path=ppt/slideLayouts/slideLayout15.xml><?xml version="1.0" encoding="utf-8"?>
-<p:sldLayout xmlns:a="http://schemas.openxmlformats.org/drawingml/2006/main" xmlns:p="http://schemas.openxmlformats.org/presentationml/2006/main" xmlns:r="http://schemas.openxmlformats.org/officeDocument/2006/relationships" xmlns:p14="http://schemas.microsoft.com/office/powerpoint/2010/main" xmlns:p15="http://schemas.microsoft.com/office/powerpoint/2012/main" xmlns:mc="http://schemas.openxmlformats.org/markup-compatibility/2006" type="obj" preserve="1">
+<p:sldLayout xmlns:a="http://schemas.openxmlformats.org/drawingml/2006/main" xmlns:r="http://schemas.openxmlformats.org/officeDocument/2006/relationships" xmlns:p="http://schemas.openxmlformats.org/presentationml/2006/main" type="obj" preserve="1">
   <p:cSld name="Title, Content">
     <p:spTree>
       <p:nvGrpSpPr>
@@ -754,11 +884,12 @@
           </a:prstGeom>
         </p:spPr>
         <p:txBody>
-          <a:bodyPr lIns="0" rIns="0" tIns="0" bIns="0" anchor="ctr">
+          <a:bodyPr lIns="0" tIns="0" rIns="0" bIns="0" anchor="ctr">
             <a:noAutofit/>
           </a:bodyPr>
-          <a:p>
-            <a:endParaRPr b="0" lang="en-US" sz="1800" spc="-1" strike="noStrike">
+          <a:lstStyle/>
+          <a:p>
+            <a:endParaRPr lang="en-US" sz="1800" b="0" strike="noStrike" spc="-1">
               <a:solidFill>
                 <a:srgbClr val="000000"/>
               </a:solidFill>
@@ -787,11 +918,12 @@
           </a:prstGeom>
         </p:spPr>
         <p:txBody>
-          <a:bodyPr lIns="0" rIns="0" tIns="0" bIns="0">
+          <a:bodyPr lIns="0" tIns="0" rIns="0" bIns="0">
             <a:normAutofit/>
           </a:bodyPr>
-          <a:p>
-            <a:endParaRPr b="0" lang="en-US" sz="2000" spc="-1" strike="noStrike">
+          <a:lstStyle/>
+          <a:p>
+            <a:endParaRPr lang="en-US" sz="2000" b="0" strike="noStrike" spc="-1">
               <a:solidFill>
                 <a:srgbClr val="404040"/>
               </a:solidFill>
@@ -802,11 +934,14 @@
       </p:sp>
     </p:spTree>
   </p:cSld>
+  <p:clrMapOvr>
+    <a:masterClrMapping/>
+  </p:clrMapOvr>
 </p:sldLayout>
 </file>
 
 <file path=ppt/slideLayouts/slideLayout16.xml><?xml version="1.0" encoding="utf-8"?>
-<p:sldLayout xmlns:a="http://schemas.openxmlformats.org/drawingml/2006/main" xmlns:p="http://schemas.openxmlformats.org/presentationml/2006/main" xmlns:r="http://schemas.openxmlformats.org/officeDocument/2006/relationships" xmlns:p14="http://schemas.microsoft.com/office/powerpoint/2010/main" xmlns:p15="http://schemas.microsoft.com/office/powerpoint/2012/main" xmlns:mc="http://schemas.openxmlformats.org/markup-compatibility/2006" type="twoObj" preserve="1">
+<p:sldLayout xmlns:a="http://schemas.openxmlformats.org/drawingml/2006/main" xmlns:r="http://schemas.openxmlformats.org/officeDocument/2006/relationships" xmlns:p="http://schemas.openxmlformats.org/presentationml/2006/main" type="twoObj" preserve="1">
   <p:cSld name="Title, 2 Content">
     <p:spTree>
       <p:nvGrpSpPr>
@@ -842,11 +977,12 @@
           </a:prstGeom>
         </p:spPr>
         <p:txBody>
-          <a:bodyPr lIns="0" rIns="0" tIns="0" bIns="0" anchor="ctr">
+          <a:bodyPr lIns="0" tIns="0" rIns="0" bIns="0" anchor="ctr">
             <a:noAutofit/>
           </a:bodyPr>
-          <a:p>
-            <a:endParaRPr b="0" lang="en-US" sz="1800" spc="-1" strike="noStrike">
+          <a:lstStyle/>
+          <a:p>
+            <a:endParaRPr lang="en-US" sz="1800" b="0" strike="noStrike" spc="-1">
               <a:solidFill>
                 <a:srgbClr val="000000"/>
               </a:solidFill>
@@ -875,11 +1011,12 @@
           </a:prstGeom>
         </p:spPr>
         <p:txBody>
-          <a:bodyPr lIns="0" rIns="0" tIns="0" bIns="0">
+          <a:bodyPr lIns="0" tIns="0" rIns="0" bIns="0">
             <a:normAutofit/>
           </a:bodyPr>
-          <a:p>
-            <a:endParaRPr b="0" lang="en-US" sz="2000" spc="-1" strike="noStrike">
+          <a:lstStyle/>
+          <a:p>
+            <a:endParaRPr lang="en-US" sz="2000" b="0" strike="noStrike" spc="-1">
               <a:solidFill>
                 <a:srgbClr val="404040"/>
               </a:solidFill>
@@ -908,11 +1045,12 @@
           </a:prstGeom>
         </p:spPr>
         <p:txBody>
-          <a:bodyPr lIns="0" rIns="0" tIns="0" bIns="0">
+          <a:bodyPr lIns="0" tIns="0" rIns="0" bIns="0">
             <a:normAutofit/>
           </a:bodyPr>
-          <a:p>
-            <a:endParaRPr b="0" lang="en-US" sz="2000" spc="-1" strike="noStrike">
+          <a:lstStyle/>
+          <a:p>
+            <a:endParaRPr lang="en-US" sz="2000" b="0" strike="noStrike" spc="-1">
               <a:solidFill>
                 <a:srgbClr val="404040"/>
               </a:solidFill>
@@ -923,11 +1061,14 @@
       </p:sp>
     </p:spTree>
   </p:cSld>
+  <p:clrMapOvr>
+    <a:masterClrMapping/>
+  </p:clrMapOvr>
 </p:sldLayout>
 </file>
 
 <file path=ppt/slideLayouts/slideLayout17.xml><?xml version="1.0" encoding="utf-8"?>
-<p:sldLayout xmlns:a="http://schemas.openxmlformats.org/drawingml/2006/main" xmlns:p="http://schemas.openxmlformats.org/presentationml/2006/main" xmlns:r="http://schemas.openxmlformats.org/officeDocument/2006/relationships" xmlns:p14="http://schemas.microsoft.com/office/powerpoint/2010/main" xmlns:p15="http://schemas.microsoft.com/office/powerpoint/2012/main" xmlns:mc="http://schemas.openxmlformats.org/markup-compatibility/2006" type="titleOnly" preserve="1">
+<p:sldLayout xmlns:a="http://schemas.openxmlformats.org/drawingml/2006/main" xmlns:r="http://schemas.openxmlformats.org/officeDocument/2006/relationships" xmlns:p="http://schemas.openxmlformats.org/presentationml/2006/main" type="titleOnly" preserve="1">
   <p:cSld name="Title Only">
     <p:spTree>
       <p:nvGrpSpPr>
@@ -963,11 +1104,12 @@
           </a:prstGeom>
         </p:spPr>
         <p:txBody>
-          <a:bodyPr lIns="0" rIns="0" tIns="0" bIns="0" anchor="ctr">
+          <a:bodyPr lIns="0" tIns="0" rIns="0" bIns="0" anchor="ctr">
             <a:noAutofit/>
           </a:bodyPr>
-          <a:p>
-            <a:endParaRPr b="0" lang="en-US" sz="1800" spc="-1" strike="noStrike">
+          <a:lstStyle/>
+          <a:p>
+            <a:endParaRPr lang="en-US" sz="1800" b="0" strike="noStrike" spc="-1">
               <a:solidFill>
                 <a:srgbClr val="000000"/>
               </a:solidFill>
@@ -978,11 +1120,14 @@
       </p:sp>
     </p:spTree>
   </p:cSld>
+  <p:clrMapOvr>
+    <a:masterClrMapping/>
+  </p:clrMapOvr>
 </p:sldLayout>
 </file>
 
 <file path=ppt/slideLayouts/slideLayout18.xml><?xml version="1.0" encoding="utf-8"?>
-<p:sldLayout xmlns:a="http://schemas.openxmlformats.org/drawingml/2006/main" xmlns:p="http://schemas.openxmlformats.org/presentationml/2006/main" xmlns:r="http://schemas.openxmlformats.org/officeDocument/2006/relationships" xmlns:p14="http://schemas.microsoft.com/office/powerpoint/2010/main" xmlns:p15="http://schemas.microsoft.com/office/powerpoint/2012/main" xmlns:mc="http://schemas.openxmlformats.org/markup-compatibility/2006" type="objOnly" preserve="1">
+<p:sldLayout xmlns:a="http://schemas.openxmlformats.org/drawingml/2006/main" xmlns:r="http://schemas.openxmlformats.org/officeDocument/2006/relationships" xmlns:p="http://schemas.openxmlformats.org/presentationml/2006/main" type="objOnly" preserve="1">
   <p:cSld name="Centered Text">
     <p:spTree>
       <p:nvGrpSpPr>
@@ -1018,12 +1163,13 @@
           </a:prstGeom>
         </p:spPr>
         <p:txBody>
-          <a:bodyPr lIns="0" rIns="0" tIns="0" bIns="0" anchor="ctr">
+          <a:bodyPr lIns="0" tIns="0" rIns="0" bIns="0" anchor="ctr">
             <a:noAutofit/>
           </a:bodyPr>
+          <a:lstStyle/>
           <a:p>
             <a:pPr algn="ctr"/>
-            <a:endParaRPr b="0" lang="en-US" sz="3200" spc="-1" strike="noStrike">
+            <a:endParaRPr lang="en-US" sz="3200" b="0" strike="noStrike" spc="-1">
               <a:latin typeface="Arial"/>
             </a:endParaRPr>
           </a:p>
@@ -1031,11 +1177,14 @@
       </p:sp>
     </p:spTree>
   </p:cSld>
+  <p:clrMapOvr>
+    <a:masterClrMapping/>
+  </p:clrMapOvr>
 </p:sldLayout>
 </file>
 
 <file path=ppt/slideLayouts/slideLayout19.xml><?xml version="1.0" encoding="utf-8"?>
-<p:sldLayout xmlns:a="http://schemas.openxmlformats.org/drawingml/2006/main" xmlns:p="http://schemas.openxmlformats.org/presentationml/2006/main" xmlns:r="http://schemas.openxmlformats.org/officeDocument/2006/relationships" xmlns:p14="http://schemas.microsoft.com/office/powerpoint/2010/main" xmlns:p15="http://schemas.microsoft.com/office/powerpoint/2012/main" xmlns:mc="http://schemas.openxmlformats.org/markup-compatibility/2006" type="twoObjAndObj" preserve="1">
+<p:sldLayout xmlns:a="http://schemas.openxmlformats.org/drawingml/2006/main" xmlns:r="http://schemas.openxmlformats.org/officeDocument/2006/relationships" xmlns:p="http://schemas.openxmlformats.org/presentationml/2006/main" type="twoObjAndObj" preserve="1">
   <p:cSld name="Title, 2 Content and Content">
     <p:spTree>
       <p:nvGrpSpPr>
@@ -1071,11 +1220,12 @@
           </a:prstGeom>
         </p:spPr>
         <p:txBody>
-          <a:bodyPr lIns="0" rIns="0" tIns="0" bIns="0" anchor="ctr">
+          <a:bodyPr lIns="0" tIns="0" rIns="0" bIns="0" anchor="ctr">
             <a:noAutofit/>
           </a:bodyPr>
-          <a:p>
-            <a:endParaRPr b="0" lang="en-US" sz="1800" spc="-1" strike="noStrike">
+          <a:lstStyle/>
+          <a:p>
+            <a:endParaRPr lang="en-US" sz="1800" b="0" strike="noStrike" spc="-1">
               <a:solidFill>
                 <a:srgbClr val="000000"/>
               </a:solidFill>
@@ -1104,11 +1254,12 @@
           </a:prstGeom>
         </p:spPr>
         <p:txBody>
-          <a:bodyPr lIns="0" rIns="0" tIns="0" bIns="0">
+          <a:bodyPr lIns="0" tIns="0" rIns="0" bIns="0">
             <a:normAutofit/>
           </a:bodyPr>
-          <a:p>
-            <a:endParaRPr b="0" lang="en-US" sz="2000" spc="-1" strike="noStrike">
+          <a:lstStyle/>
+          <a:p>
+            <a:endParaRPr lang="en-US" sz="2000" b="0" strike="noStrike" spc="-1">
               <a:solidFill>
                 <a:srgbClr val="404040"/>
               </a:solidFill>
@@ -1137,11 +1288,12 @@
           </a:prstGeom>
         </p:spPr>
         <p:txBody>
-          <a:bodyPr lIns="0" rIns="0" tIns="0" bIns="0">
+          <a:bodyPr lIns="0" tIns="0" rIns="0" bIns="0">
             <a:normAutofit/>
           </a:bodyPr>
-          <a:p>
-            <a:endParaRPr b="0" lang="en-US" sz="2000" spc="-1" strike="noStrike">
+          <a:lstStyle/>
+          <a:p>
+            <a:endParaRPr lang="en-US" sz="2000" b="0" strike="noStrike" spc="-1">
               <a:solidFill>
                 <a:srgbClr val="404040"/>
               </a:solidFill>
@@ -1170,11 +1322,12 @@
           </a:prstGeom>
         </p:spPr>
         <p:txBody>
-          <a:bodyPr lIns="0" rIns="0" tIns="0" bIns="0">
+          <a:bodyPr lIns="0" tIns="0" rIns="0" bIns="0">
             <a:normAutofit/>
           </a:bodyPr>
-          <a:p>
-            <a:endParaRPr b="0" lang="en-US" sz="2000" spc="-1" strike="noStrike">
+          <a:lstStyle/>
+          <a:p>
+            <a:endParaRPr lang="en-US" sz="2000" b="0" strike="noStrike" spc="-1">
               <a:solidFill>
                 <a:srgbClr val="404040"/>
               </a:solidFill>
@@ -1185,11 +1338,14 @@
       </p:sp>
     </p:spTree>
   </p:cSld>
+  <p:clrMapOvr>
+    <a:masterClrMapping/>
+  </p:clrMapOvr>
 </p:sldLayout>
 </file>
 
 <file path=ppt/slideLayouts/slideLayout2.xml><?xml version="1.0" encoding="utf-8"?>
-<p:sldLayout xmlns:a="http://schemas.openxmlformats.org/drawingml/2006/main" xmlns:p="http://schemas.openxmlformats.org/presentationml/2006/main" xmlns:r="http://schemas.openxmlformats.org/officeDocument/2006/relationships" xmlns:p14="http://schemas.microsoft.com/office/powerpoint/2010/main" xmlns:p15="http://schemas.microsoft.com/office/powerpoint/2012/main" xmlns:mc="http://schemas.openxmlformats.org/markup-compatibility/2006" type="tx" preserve="1">
+<p:sldLayout xmlns:a="http://schemas.openxmlformats.org/drawingml/2006/main" xmlns:r="http://schemas.openxmlformats.org/officeDocument/2006/relationships" xmlns:p="http://schemas.openxmlformats.org/presentationml/2006/main" type="tx" preserve="1">
   <p:cSld name="Title Slide">
     <p:spTree>
       <p:nvGrpSpPr>
@@ -1225,11 +1381,12 @@
           </a:prstGeom>
         </p:spPr>
         <p:txBody>
-          <a:bodyPr lIns="0" rIns="0" tIns="0" bIns="0" anchor="ctr">
+          <a:bodyPr lIns="0" tIns="0" rIns="0" bIns="0" anchor="ctr">
             <a:noAutofit/>
           </a:bodyPr>
-          <a:p>
-            <a:endParaRPr b="0" lang="en-US" sz="1800" spc="-1" strike="noStrike">
+          <a:lstStyle/>
+          <a:p>
+            <a:endParaRPr lang="en-US" sz="1800" b="0" strike="noStrike" spc="-1">
               <a:solidFill>
                 <a:srgbClr val="000000"/>
               </a:solidFill>
@@ -1258,12 +1415,13 @@
           </a:prstGeom>
         </p:spPr>
         <p:txBody>
-          <a:bodyPr lIns="0" rIns="0" tIns="0" bIns="0" anchor="ctr">
+          <a:bodyPr lIns="0" tIns="0" rIns="0" bIns="0" anchor="ctr">
             <a:noAutofit/>
           </a:bodyPr>
+          <a:lstStyle/>
           <a:p>
             <a:pPr algn="ctr"/>
-            <a:endParaRPr b="0" lang="en-US" sz="3200" spc="-1" strike="noStrike">
+            <a:endParaRPr lang="en-US" sz="3200" b="0" strike="noStrike" spc="-1">
               <a:latin typeface="Arial"/>
             </a:endParaRPr>
           </a:p>
@@ -1271,11 +1429,14 @@
       </p:sp>
     </p:spTree>
   </p:cSld>
+  <p:clrMapOvr>
+    <a:masterClrMapping/>
+  </p:clrMapOvr>
 </p:sldLayout>
 </file>
 
 <file path=ppt/slideLayouts/slideLayout20.xml><?xml version="1.0" encoding="utf-8"?>
-<p:sldLayout xmlns:a="http://schemas.openxmlformats.org/drawingml/2006/main" xmlns:p="http://schemas.openxmlformats.org/presentationml/2006/main" xmlns:r="http://schemas.openxmlformats.org/officeDocument/2006/relationships" xmlns:p14="http://schemas.microsoft.com/office/powerpoint/2010/main" xmlns:p15="http://schemas.microsoft.com/office/powerpoint/2012/main" xmlns:mc="http://schemas.openxmlformats.org/markup-compatibility/2006" type="objAndTwoObj" preserve="1">
+<p:sldLayout xmlns:a="http://schemas.openxmlformats.org/drawingml/2006/main" xmlns:r="http://schemas.openxmlformats.org/officeDocument/2006/relationships" xmlns:p="http://schemas.openxmlformats.org/presentationml/2006/main" type="objAndTwoObj" preserve="1">
   <p:cSld name="Title Content and 2 Content">
     <p:spTree>
       <p:nvGrpSpPr>
@@ -1311,11 +1472,12 @@
           </a:prstGeom>
         </p:spPr>
         <p:txBody>
-          <a:bodyPr lIns="0" rIns="0" tIns="0" bIns="0" anchor="ctr">
+          <a:bodyPr lIns="0" tIns="0" rIns="0" bIns="0" anchor="ctr">
             <a:noAutofit/>
           </a:bodyPr>
-          <a:p>
-            <a:endParaRPr b="0" lang="en-US" sz="1800" spc="-1" strike="noStrike">
+          <a:lstStyle/>
+          <a:p>
+            <a:endParaRPr lang="en-US" sz="1800" b="0" strike="noStrike" spc="-1">
               <a:solidFill>
                 <a:srgbClr val="000000"/>
               </a:solidFill>
@@ -1344,11 +1506,12 @@
           </a:prstGeom>
         </p:spPr>
         <p:txBody>
-          <a:bodyPr lIns="0" rIns="0" tIns="0" bIns="0">
+          <a:bodyPr lIns="0" tIns="0" rIns="0" bIns="0">
             <a:normAutofit/>
           </a:bodyPr>
-          <a:p>
-            <a:endParaRPr b="0" lang="en-US" sz="2000" spc="-1" strike="noStrike">
+          <a:lstStyle/>
+          <a:p>
+            <a:endParaRPr lang="en-US" sz="2000" b="0" strike="noStrike" spc="-1">
               <a:solidFill>
                 <a:srgbClr val="404040"/>
               </a:solidFill>
@@ -1377,11 +1540,12 @@
           </a:prstGeom>
         </p:spPr>
         <p:txBody>
-          <a:bodyPr lIns="0" rIns="0" tIns="0" bIns="0">
+          <a:bodyPr lIns="0" tIns="0" rIns="0" bIns="0">
             <a:normAutofit/>
           </a:bodyPr>
-          <a:p>
-            <a:endParaRPr b="0" lang="en-US" sz="2000" spc="-1" strike="noStrike">
+          <a:lstStyle/>
+          <a:p>
+            <a:endParaRPr lang="en-US" sz="2000" b="0" strike="noStrike" spc="-1">
               <a:solidFill>
                 <a:srgbClr val="404040"/>
               </a:solidFill>
@@ -1410,11 +1574,12 @@
           </a:prstGeom>
         </p:spPr>
         <p:txBody>
-          <a:bodyPr lIns="0" rIns="0" tIns="0" bIns="0">
+          <a:bodyPr lIns="0" tIns="0" rIns="0" bIns="0">
             <a:normAutofit/>
           </a:bodyPr>
-          <a:p>
-            <a:endParaRPr b="0" lang="en-US" sz="2000" spc="-1" strike="noStrike">
+          <a:lstStyle/>
+          <a:p>
+            <a:endParaRPr lang="en-US" sz="2000" b="0" strike="noStrike" spc="-1">
               <a:solidFill>
                 <a:srgbClr val="404040"/>
               </a:solidFill>
@@ -1425,11 +1590,14 @@
       </p:sp>
     </p:spTree>
   </p:cSld>
+  <p:clrMapOvr>
+    <a:masterClrMapping/>
+  </p:clrMapOvr>
 </p:sldLayout>
 </file>
 
 <file path=ppt/slideLayouts/slideLayout21.xml><?xml version="1.0" encoding="utf-8"?>
-<p:sldLayout xmlns:a="http://schemas.openxmlformats.org/drawingml/2006/main" xmlns:p="http://schemas.openxmlformats.org/presentationml/2006/main" xmlns:r="http://schemas.openxmlformats.org/officeDocument/2006/relationships" xmlns:p14="http://schemas.microsoft.com/office/powerpoint/2010/main" xmlns:p15="http://schemas.microsoft.com/office/powerpoint/2012/main" xmlns:mc="http://schemas.openxmlformats.org/markup-compatibility/2006" type="twoObjOverTx" preserve="1">
+<p:sldLayout xmlns:a="http://schemas.openxmlformats.org/drawingml/2006/main" xmlns:r="http://schemas.openxmlformats.org/officeDocument/2006/relationships" xmlns:p="http://schemas.openxmlformats.org/presentationml/2006/main" type="twoObjOverTx" preserve="1">
   <p:cSld name="Title, 2 Content over Content">
     <p:spTree>
       <p:nvGrpSpPr>
@@ -1465,11 +1633,12 @@
           </a:prstGeom>
         </p:spPr>
         <p:txBody>
-          <a:bodyPr lIns="0" rIns="0" tIns="0" bIns="0" anchor="ctr">
+          <a:bodyPr lIns="0" tIns="0" rIns="0" bIns="0" anchor="ctr">
             <a:noAutofit/>
           </a:bodyPr>
-          <a:p>
-            <a:endParaRPr b="0" lang="en-US" sz="1800" spc="-1" strike="noStrike">
+          <a:lstStyle/>
+          <a:p>
+            <a:endParaRPr lang="en-US" sz="1800" b="0" strike="noStrike" spc="-1">
               <a:solidFill>
                 <a:srgbClr val="000000"/>
               </a:solidFill>
@@ -1498,11 +1667,12 @@
           </a:prstGeom>
         </p:spPr>
         <p:txBody>
-          <a:bodyPr lIns="0" rIns="0" tIns="0" bIns="0">
+          <a:bodyPr lIns="0" tIns="0" rIns="0" bIns="0">
             <a:normAutofit/>
           </a:bodyPr>
-          <a:p>
-            <a:endParaRPr b="0" lang="en-US" sz="2000" spc="-1" strike="noStrike">
+          <a:lstStyle/>
+          <a:p>
+            <a:endParaRPr lang="en-US" sz="2000" b="0" strike="noStrike" spc="-1">
               <a:solidFill>
                 <a:srgbClr val="404040"/>
               </a:solidFill>
@@ -1531,11 +1701,12 @@
           </a:prstGeom>
         </p:spPr>
         <p:txBody>
-          <a:bodyPr lIns="0" rIns="0" tIns="0" bIns="0">
+          <a:bodyPr lIns="0" tIns="0" rIns="0" bIns="0">
             <a:normAutofit/>
           </a:bodyPr>
-          <a:p>
-            <a:endParaRPr b="0" lang="en-US" sz="2000" spc="-1" strike="noStrike">
+          <a:lstStyle/>
+          <a:p>
+            <a:endParaRPr lang="en-US" sz="2000" b="0" strike="noStrike" spc="-1">
               <a:solidFill>
                 <a:srgbClr val="404040"/>
               </a:solidFill>
@@ -1564,11 +1735,12 @@
           </a:prstGeom>
         </p:spPr>
         <p:txBody>
-          <a:bodyPr lIns="0" rIns="0" tIns="0" bIns="0">
+          <a:bodyPr lIns="0" tIns="0" rIns="0" bIns="0">
             <a:normAutofit/>
           </a:bodyPr>
-          <a:p>
-            <a:endParaRPr b="0" lang="en-US" sz="2000" spc="-1" strike="noStrike">
+          <a:lstStyle/>
+          <a:p>
+            <a:endParaRPr lang="en-US" sz="2000" b="0" strike="noStrike" spc="-1">
               <a:solidFill>
                 <a:srgbClr val="404040"/>
               </a:solidFill>
@@ -1579,11 +1751,14 @@
       </p:sp>
     </p:spTree>
   </p:cSld>
+  <p:clrMapOvr>
+    <a:masterClrMapping/>
+  </p:clrMapOvr>
 </p:sldLayout>
 </file>
 
 <file path=ppt/slideLayouts/slideLayout22.xml><?xml version="1.0" encoding="utf-8"?>
-<p:sldLayout xmlns:a="http://schemas.openxmlformats.org/drawingml/2006/main" xmlns:p="http://schemas.openxmlformats.org/presentationml/2006/main" xmlns:r="http://schemas.openxmlformats.org/officeDocument/2006/relationships" xmlns:p14="http://schemas.microsoft.com/office/powerpoint/2010/main" xmlns:p15="http://schemas.microsoft.com/office/powerpoint/2012/main" xmlns:mc="http://schemas.openxmlformats.org/markup-compatibility/2006" type="objOverTx" preserve="1">
+<p:sldLayout xmlns:a="http://schemas.openxmlformats.org/drawingml/2006/main" xmlns:r="http://schemas.openxmlformats.org/officeDocument/2006/relationships" xmlns:p="http://schemas.openxmlformats.org/presentationml/2006/main" type="objOverTx" preserve="1">
   <p:cSld name="Title, Content over Content">
     <p:spTree>
       <p:nvGrpSpPr>
@@ -1619,11 +1794,12 @@
           </a:prstGeom>
         </p:spPr>
         <p:txBody>
-          <a:bodyPr lIns="0" rIns="0" tIns="0" bIns="0" anchor="ctr">
+          <a:bodyPr lIns="0" tIns="0" rIns="0" bIns="0" anchor="ctr">
             <a:noAutofit/>
           </a:bodyPr>
-          <a:p>
-            <a:endParaRPr b="0" lang="en-US" sz="1800" spc="-1" strike="noStrike">
+          <a:lstStyle/>
+          <a:p>
+            <a:endParaRPr lang="en-US" sz="1800" b="0" strike="noStrike" spc="-1">
               <a:solidFill>
                 <a:srgbClr val="000000"/>
               </a:solidFill>
@@ -1652,11 +1828,12 @@
           </a:prstGeom>
         </p:spPr>
         <p:txBody>
-          <a:bodyPr lIns="0" rIns="0" tIns="0" bIns="0">
+          <a:bodyPr lIns="0" tIns="0" rIns="0" bIns="0">
             <a:normAutofit/>
           </a:bodyPr>
-          <a:p>
-            <a:endParaRPr b="0" lang="en-US" sz="2000" spc="-1" strike="noStrike">
+          <a:lstStyle/>
+          <a:p>
+            <a:endParaRPr lang="en-US" sz="2000" b="0" strike="noStrike" spc="-1">
               <a:solidFill>
                 <a:srgbClr val="404040"/>
               </a:solidFill>
@@ -1685,11 +1862,12 @@
           </a:prstGeom>
         </p:spPr>
         <p:txBody>
-          <a:bodyPr lIns="0" rIns="0" tIns="0" bIns="0">
+          <a:bodyPr lIns="0" tIns="0" rIns="0" bIns="0">
             <a:normAutofit/>
           </a:bodyPr>
-          <a:p>
-            <a:endParaRPr b="0" lang="en-US" sz="2000" spc="-1" strike="noStrike">
+          <a:lstStyle/>
+          <a:p>
+            <a:endParaRPr lang="en-US" sz="2000" b="0" strike="noStrike" spc="-1">
               <a:solidFill>
                 <a:srgbClr val="404040"/>
               </a:solidFill>
@@ -1700,11 +1878,14 @@
       </p:sp>
     </p:spTree>
   </p:cSld>
+  <p:clrMapOvr>
+    <a:masterClrMapping/>
+  </p:clrMapOvr>
 </p:sldLayout>
 </file>
 
 <file path=ppt/slideLayouts/slideLayout23.xml><?xml version="1.0" encoding="utf-8"?>
-<p:sldLayout xmlns:a="http://schemas.openxmlformats.org/drawingml/2006/main" xmlns:p="http://schemas.openxmlformats.org/presentationml/2006/main" xmlns:r="http://schemas.openxmlformats.org/officeDocument/2006/relationships" xmlns:p14="http://schemas.microsoft.com/office/powerpoint/2010/main" xmlns:p15="http://schemas.microsoft.com/office/powerpoint/2012/main" xmlns:mc="http://schemas.openxmlformats.org/markup-compatibility/2006" type="fourObj" preserve="1">
+<p:sldLayout xmlns:a="http://schemas.openxmlformats.org/drawingml/2006/main" xmlns:r="http://schemas.openxmlformats.org/officeDocument/2006/relationships" xmlns:p="http://schemas.openxmlformats.org/presentationml/2006/main" type="fourObj" preserve="1">
   <p:cSld name="Title, 4 Content">
     <p:spTree>
       <p:nvGrpSpPr>
@@ -1740,11 +1921,12 @@
           </a:prstGeom>
         </p:spPr>
         <p:txBody>
-          <a:bodyPr lIns="0" rIns="0" tIns="0" bIns="0" anchor="ctr">
+          <a:bodyPr lIns="0" tIns="0" rIns="0" bIns="0" anchor="ctr">
             <a:noAutofit/>
           </a:bodyPr>
-          <a:p>
-            <a:endParaRPr b="0" lang="en-US" sz="1800" spc="-1" strike="noStrike">
+          <a:lstStyle/>
+          <a:p>
+            <a:endParaRPr lang="en-US" sz="1800" b="0" strike="noStrike" spc="-1">
               <a:solidFill>
                 <a:srgbClr val="000000"/>
               </a:solidFill>
@@ -1773,11 +1955,12 @@
           </a:prstGeom>
         </p:spPr>
         <p:txBody>
-          <a:bodyPr lIns="0" rIns="0" tIns="0" bIns="0">
+          <a:bodyPr lIns="0" tIns="0" rIns="0" bIns="0">
             <a:normAutofit/>
           </a:bodyPr>
-          <a:p>
-            <a:endParaRPr b="0" lang="en-US" sz="2000" spc="-1" strike="noStrike">
+          <a:lstStyle/>
+          <a:p>
+            <a:endParaRPr lang="en-US" sz="2000" b="0" strike="noStrike" spc="-1">
               <a:solidFill>
                 <a:srgbClr val="404040"/>
               </a:solidFill>
@@ -1806,11 +1989,12 @@
           </a:prstGeom>
         </p:spPr>
         <p:txBody>
-          <a:bodyPr lIns="0" rIns="0" tIns="0" bIns="0">
+          <a:bodyPr lIns="0" tIns="0" rIns="0" bIns="0">
             <a:normAutofit/>
           </a:bodyPr>
-          <a:p>
-            <a:endParaRPr b="0" lang="en-US" sz="2000" spc="-1" strike="noStrike">
+          <a:lstStyle/>
+          <a:p>
+            <a:endParaRPr lang="en-US" sz="2000" b="0" strike="noStrike" spc="-1">
               <a:solidFill>
                 <a:srgbClr val="404040"/>
               </a:solidFill>
@@ -1839,11 +2023,12 @@
           </a:prstGeom>
         </p:spPr>
         <p:txBody>
-          <a:bodyPr lIns="0" rIns="0" tIns="0" bIns="0">
+          <a:bodyPr lIns="0" tIns="0" rIns="0" bIns="0">
             <a:normAutofit/>
           </a:bodyPr>
-          <a:p>
-            <a:endParaRPr b="0" lang="en-US" sz="2000" spc="-1" strike="noStrike">
+          <a:lstStyle/>
+          <a:p>
+            <a:endParaRPr lang="en-US" sz="2000" b="0" strike="noStrike" spc="-1">
               <a:solidFill>
                 <a:srgbClr val="404040"/>
               </a:solidFill>
@@ -1872,11 +2057,12 @@
           </a:prstGeom>
         </p:spPr>
         <p:txBody>
-          <a:bodyPr lIns="0" rIns="0" tIns="0" bIns="0">
+          <a:bodyPr lIns="0" tIns="0" rIns="0" bIns="0">
             <a:normAutofit/>
           </a:bodyPr>
-          <a:p>
-            <a:endParaRPr b="0" lang="en-US" sz="2000" spc="-1" strike="noStrike">
+          <a:lstStyle/>
+          <a:p>
+            <a:endParaRPr lang="en-US" sz="2000" b="0" strike="noStrike" spc="-1">
               <a:solidFill>
                 <a:srgbClr val="404040"/>
               </a:solidFill>
@@ -1887,11 +2073,14 @@
       </p:sp>
     </p:spTree>
   </p:cSld>
+  <p:clrMapOvr>
+    <a:masterClrMapping/>
+  </p:clrMapOvr>
 </p:sldLayout>
 </file>
 
 <file path=ppt/slideLayouts/slideLayout24.xml><?xml version="1.0" encoding="utf-8"?>
-<p:sldLayout xmlns:a="http://schemas.openxmlformats.org/drawingml/2006/main" xmlns:p="http://schemas.openxmlformats.org/presentationml/2006/main" xmlns:r="http://schemas.openxmlformats.org/officeDocument/2006/relationships" xmlns:p14="http://schemas.microsoft.com/office/powerpoint/2010/main" xmlns:p15="http://schemas.microsoft.com/office/powerpoint/2012/main" xmlns:mc="http://schemas.openxmlformats.org/markup-compatibility/2006" type="blank" preserve="1">
+<p:sldLayout xmlns:a="http://schemas.openxmlformats.org/drawingml/2006/main" xmlns:r="http://schemas.openxmlformats.org/officeDocument/2006/relationships" xmlns:p="http://schemas.openxmlformats.org/presentationml/2006/main" type="blank" preserve="1">
   <p:cSld name="Title, 6 Content">
     <p:spTree>
       <p:nvGrpSpPr>
@@ -1927,11 +2116,12 @@
           </a:prstGeom>
         </p:spPr>
         <p:txBody>
-          <a:bodyPr lIns="0" rIns="0" tIns="0" bIns="0" anchor="ctr">
+          <a:bodyPr lIns="0" tIns="0" rIns="0" bIns="0" anchor="ctr">
             <a:noAutofit/>
           </a:bodyPr>
-          <a:p>
-            <a:endParaRPr b="0" lang="en-US" sz="1800" spc="-1" strike="noStrike">
+          <a:lstStyle/>
+          <a:p>
+            <a:endParaRPr lang="en-US" sz="1800" b="0" strike="noStrike" spc="-1">
               <a:solidFill>
                 <a:srgbClr val="000000"/>
               </a:solidFill>
@@ -1960,11 +2150,12 @@
           </a:prstGeom>
         </p:spPr>
         <p:txBody>
-          <a:bodyPr lIns="0" rIns="0" tIns="0" bIns="0">
+          <a:bodyPr lIns="0" tIns="0" rIns="0" bIns="0">
             <a:normAutofit/>
           </a:bodyPr>
-          <a:p>
-            <a:endParaRPr b="0" lang="en-US" sz="2000" spc="-1" strike="noStrike">
+          <a:lstStyle/>
+          <a:p>
+            <a:endParaRPr lang="en-US" sz="2000" b="0" strike="noStrike" spc="-1">
               <a:solidFill>
                 <a:srgbClr val="404040"/>
               </a:solidFill>
@@ -1993,11 +2184,12 @@
           </a:prstGeom>
         </p:spPr>
         <p:txBody>
-          <a:bodyPr lIns="0" rIns="0" tIns="0" bIns="0">
+          <a:bodyPr lIns="0" tIns="0" rIns="0" bIns="0">
             <a:normAutofit/>
           </a:bodyPr>
-          <a:p>
-            <a:endParaRPr b="0" lang="en-US" sz="2000" spc="-1" strike="noStrike">
+          <a:lstStyle/>
+          <a:p>
+            <a:endParaRPr lang="en-US" sz="2000" b="0" strike="noStrike" spc="-1">
               <a:solidFill>
                 <a:srgbClr val="404040"/>
               </a:solidFill>
@@ -2026,11 +2218,12 @@
           </a:prstGeom>
         </p:spPr>
         <p:txBody>
-          <a:bodyPr lIns="0" rIns="0" tIns="0" bIns="0">
+          <a:bodyPr lIns="0" tIns="0" rIns="0" bIns="0">
             <a:normAutofit/>
           </a:bodyPr>
-          <a:p>
-            <a:endParaRPr b="0" lang="en-US" sz="2000" spc="-1" strike="noStrike">
+          <a:lstStyle/>
+          <a:p>
+            <a:endParaRPr lang="en-US" sz="2000" b="0" strike="noStrike" spc="-1">
               <a:solidFill>
                 <a:srgbClr val="404040"/>
               </a:solidFill>
@@ -2059,11 +2252,12 @@
           </a:prstGeom>
         </p:spPr>
         <p:txBody>
-          <a:bodyPr lIns="0" rIns="0" tIns="0" bIns="0">
+          <a:bodyPr lIns="0" tIns="0" rIns="0" bIns="0">
             <a:normAutofit/>
           </a:bodyPr>
-          <a:p>
-            <a:endParaRPr b="0" lang="en-US" sz="2000" spc="-1" strike="noStrike">
+          <a:lstStyle/>
+          <a:p>
+            <a:endParaRPr lang="en-US" sz="2000" b="0" strike="noStrike" spc="-1">
               <a:solidFill>
                 <a:srgbClr val="404040"/>
               </a:solidFill>
@@ -2092,11 +2286,12 @@
           </a:prstGeom>
         </p:spPr>
         <p:txBody>
-          <a:bodyPr lIns="0" rIns="0" tIns="0" bIns="0">
+          <a:bodyPr lIns="0" tIns="0" rIns="0" bIns="0">
             <a:normAutofit/>
           </a:bodyPr>
-          <a:p>
-            <a:endParaRPr b="0" lang="en-US" sz="2000" spc="-1" strike="noStrike">
+          <a:lstStyle/>
+          <a:p>
+            <a:endParaRPr lang="en-US" sz="2000" b="0" strike="noStrike" spc="-1">
               <a:solidFill>
                 <a:srgbClr val="404040"/>
               </a:solidFill>
@@ -2125,11 +2320,12 @@
           </a:prstGeom>
         </p:spPr>
         <p:txBody>
-          <a:bodyPr lIns="0" rIns="0" tIns="0" bIns="0">
+          <a:bodyPr lIns="0" tIns="0" rIns="0" bIns="0">
             <a:normAutofit/>
           </a:bodyPr>
-          <a:p>
-            <a:endParaRPr b="0" lang="en-US" sz="2000" spc="-1" strike="noStrike">
+          <a:lstStyle/>
+          <a:p>
+            <a:endParaRPr lang="en-US" sz="2000" b="0" strike="noStrike" spc="-1">
               <a:solidFill>
                 <a:srgbClr val="404040"/>
               </a:solidFill>
@@ -2140,11 +2336,14 @@
       </p:sp>
     </p:spTree>
   </p:cSld>
+  <p:clrMapOvr>
+    <a:masterClrMapping/>
+  </p:clrMapOvr>
 </p:sldLayout>
 </file>
 
 <file path=ppt/slideLayouts/slideLayout25.xml><?xml version="1.0" encoding="utf-8"?>
-<p:sldLayout xmlns:a="http://schemas.openxmlformats.org/drawingml/2006/main" xmlns:p="http://schemas.openxmlformats.org/presentationml/2006/main" xmlns:r="http://schemas.openxmlformats.org/officeDocument/2006/relationships" xmlns:p14="http://schemas.microsoft.com/office/powerpoint/2010/main" xmlns:p15="http://schemas.microsoft.com/office/powerpoint/2012/main" xmlns:mc="http://schemas.openxmlformats.org/markup-compatibility/2006" type="blank" preserve="1">
+<p:sldLayout xmlns:a="http://schemas.openxmlformats.org/drawingml/2006/main" xmlns:r="http://schemas.openxmlformats.org/officeDocument/2006/relationships" xmlns:p="http://schemas.openxmlformats.org/presentationml/2006/main" type="blank" preserve="1">
   <p:cSld name="Blank Slide">
     <p:spTree>
       <p:nvGrpSpPr>
@@ -2162,11 +2361,14 @@
       </p:grpSpPr>
     </p:spTree>
   </p:cSld>
+  <p:clrMapOvr>
+    <a:masterClrMapping/>
+  </p:clrMapOvr>
 </p:sldLayout>
 </file>
 
 <file path=ppt/slideLayouts/slideLayout26.xml><?xml version="1.0" encoding="utf-8"?>
-<p:sldLayout xmlns:a="http://schemas.openxmlformats.org/drawingml/2006/main" xmlns:p="http://schemas.openxmlformats.org/presentationml/2006/main" xmlns:r="http://schemas.openxmlformats.org/officeDocument/2006/relationships" xmlns:p14="http://schemas.microsoft.com/office/powerpoint/2010/main" xmlns:p15="http://schemas.microsoft.com/office/powerpoint/2012/main" xmlns:mc="http://schemas.openxmlformats.org/markup-compatibility/2006" type="tx" preserve="1">
+<p:sldLayout xmlns:a="http://schemas.openxmlformats.org/drawingml/2006/main" xmlns:r="http://schemas.openxmlformats.org/officeDocument/2006/relationships" xmlns:p="http://schemas.openxmlformats.org/presentationml/2006/main" type="tx" preserve="1">
   <p:cSld name="Title Slide">
     <p:spTree>
       <p:nvGrpSpPr>
@@ -2202,11 +2404,12 @@
           </a:prstGeom>
         </p:spPr>
         <p:txBody>
-          <a:bodyPr lIns="0" rIns="0" tIns="0" bIns="0" anchor="ctr">
+          <a:bodyPr lIns="0" tIns="0" rIns="0" bIns="0" anchor="ctr">
             <a:noAutofit/>
           </a:bodyPr>
-          <a:p>
-            <a:endParaRPr b="0" lang="en-US" sz="1800" spc="-1" strike="noStrike">
+          <a:lstStyle/>
+          <a:p>
+            <a:endParaRPr lang="en-US" sz="1800" b="0" strike="noStrike" spc="-1">
               <a:solidFill>
                 <a:srgbClr val="000000"/>
               </a:solidFill>
@@ -2235,12 +2438,13 @@
           </a:prstGeom>
         </p:spPr>
         <p:txBody>
-          <a:bodyPr lIns="0" rIns="0" tIns="0" bIns="0" anchor="ctr">
+          <a:bodyPr lIns="0" tIns="0" rIns="0" bIns="0" anchor="ctr">
             <a:noAutofit/>
           </a:bodyPr>
+          <a:lstStyle/>
           <a:p>
             <a:pPr algn="ctr"/>
-            <a:endParaRPr b="0" lang="en-US" sz="3200" spc="-1" strike="noStrike">
+            <a:endParaRPr lang="en-US" sz="3200" b="0" strike="noStrike" spc="-1">
               <a:latin typeface="Arial"/>
             </a:endParaRPr>
           </a:p>
@@ -2248,11 +2452,14 @@
       </p:sp>
     </p:spTree>
   </p:cSld>
+  <p:clrMapOvr>
+    <a:masterClrMapping/>
+  </p:clrMapOvr>
 </p:sldLayout>
 </file>
 
 <file path=ppt/slideLayouts/slideLayout27.xml><?xml version="1.0" encoding="utf-8"?>
-<p:sldLayout xmlns:a="http://schemas.openxmlformats.org/drawingml/2006/main" xmlns:p="http://schemas.openxmlformats.org/presentationml/2006/main" xmlns:r="http://schemas.openxmlformats.org/officeDocument/2006/relationships" xmlns:p14="http://schemas.microsoft.com/office/powerpoint/2010/main" xmlns:p15="http://schemas.microsoft.com/office/powerpoint/2012/main" xmlns:mc="http://schemas.openxmlformats.org/markup-compatibility/2006" type="obj" preserve="1">
+<p:sldLayout xmlns:a="http://schemas.openxmlformats.org/drawingml/2006/main" xmlns:r="http://schemas.openxmlformats.org/officeDocument/2006/relationships" xmlns:p="http://schemas.openxmlformats.org/presentationml/2006/main" type="obj" preserve="1">
   <p:cSld name="Title, Content">
     <p:spTree>
       <p:nvGrpSpPr>
@@ -2288,11 +2495,12 @@
           </a:prstGeom>
         </p:spPr>
         <p:txBody>
-          <a:bodyPr lIns="0" rIns="0" tIns="0" bIns="0" anchor="ctr">
+          <a:bodyPr lIns="0" tIns="0" rIns="0" bIns="0" anchor="ctr">
             <a:noAutofit/>
           </a:bodyPr>
-          <a:p>
-            <a:endParaRPr b="0" lang="en-US" sz="1800" spc="-1" strike="noStrike">
+          <a:lstStyle/>
+          <a:p>
+            <a:endParaRPr lang="en-US" sz="1800" b="0" strike="noStrike" spc="-1">
               <a:solidFill>
                 <a:srgbClr val="000000"/>
               </a:solidFill>
@@ -2321,11 +2529,12 @@
           </a:prstGeom>
         </p:spPr>
         <p:txBody>
-          <a:bodyPr lIns="0" rIns="0" tIns="0" bIns="0">
+          <a:bodyPr lIns="0" tIns="0" rIns="0" bIns="0">
             <a:normAutofit/>
           </a:bodyPr>
-          <a:p>
-            <a:endParaRPr b="0" lang="en-US" sz="2000" spc="-1" strike="noStrike">
+          <a:lstStyle/>
+          <a:p>
+            <a:endParaRPr lang="en-US" sz="2000" b="0" strike="noStrike" spc="-1">
               <a:solidFill>
                 <a:srgbClr val="404040"/>
               </a:solidFill>
@@ -2336,11 +2545,14 @@
       </p:sp>
     </p:spTree>
   </p:cSld>
+  <p:clrMapOvr>
+    <a:masterClrMapping/>
+  </p:clrMapOvr>
 </p:sldLayout>
 </file>
 
 <file path=ppt/slideLayouts/slideLayout28.xml><?xml version="1.0" encoding="utf-8"?>
-<p:sldLayout xmlns:a="http://schemas.openxmlformats.org/drawingml/2006/main" xmlns:p="http://schemas.openxmlformats.org/presentationml/2006/main" xmlns:r="http://schemas.openxmlformats.org/officeDocument/2006/relationships" xmlns:p14="http://schemas.microsoft.com/office/powerpoint/2010/main" xmlns:p15="http://schemas.microsoft.com/office/powerpoint/2012/main" xmlns:mc="http://schemas.openxmlformats.org/markup-compatibility/2006" type="twoObj" preserve="1">
+<p:sldLayout xmlns:a="http://schemas.openxmlformats.org/drawingml/2006/main" xmlns:r="http://schemas.openxmlformats.org/officeDocument/2006/relationships" xmlns:p="http://schemas.openxmlformats.org/presentationml/2006/main" type="twoObj" preserve="1">
   <p:cSld name="Title, 2 Content">
     <p:spTree>
       <p:nvGrpSpPr>
@@ -2376,11 +2588,12 @@
           </a:prstGeom>
         </p:spPr>
         <p:txBody>
-          <a:bodyPr lIns="0" rIns="0" tIns="0" bIns="0" anchor="ctr">
+          <a:bodyPr lIns="0" tIns="0" rIns="0" bIns="0" anchor="ctr">
             <a:noAutofit/>
           </a:bodyPr>
-          <a:p>
-            <a:endParaRPr b="0" lang="en-US" sz="1800" spc="-1" strike="noStrike">
+          <a:lstStyle/>
+          <a:p>
+            <a:endParaRPr lang="en-US" sz="1800" b="0" strike="noStrike" spc="-1">
               <a:solidFill>
                 <a:srgbClr val="000000"/>
               </a:solidFill>
@@ -2409,11 +2622,12 @@
           </a:prstGeom>
         </p:spPr>
         <p:txBody>
-          <a:bodyPr lIns="0" rIns="0" tIns="0" bIns="0">
+          <a:bodyPr lIns="0" tIns="0" rIns="0" bIns="0">
             <a:normAutofit/>
           </a:bodyPr>
-          <a:p>
-            <a:endParaRPr b="0" lang="en-US" sz="2000" spc="-1" strike="noStrike">
+          <a:lstStyle/>
+          <a:p>
+            <a:endParaRPr lang="en-US" sz="2000" b="0" strike="noStrike" spc="-1">
               <a:solidFill>
                 <a:srgbClr val="404040"/>
               </a:solidFill>
@@ -2442,11 +2656,12 @@
           </a:prstGeom>
         </p:spPr>
         <p:txBody>
-          <a:bodyPr lIns="0" rIns="0" tIns="0" bIns="0">
+          <a:bodyPr lIns="0" tIns="0" rIns="0" bIns="0">
             <a:normAutofit/>
           </a:bodyPr>
-          <a:p>
-            <a:endParaRPr b="0" lang="en-US" sz="2000" spc="-1" strike="noStrike">
+          <a:lstStyle/>
+          <a:p>
+            <a:endParaRPr lang="en-US" sz="2000" b="0" strike="noStrike" spc="-1">
               <a:solidFill>
                 <a:srgbClr val="404040"/>
               </a:solidFill>
@@ -2457,11 +2672,14 @@
       </p:sp>
     </p:spTree>
   </p:cSld>
+  <p:clrMapOvr>
+    <a:masterClrMapping/>
+  </p:clrMapOvr>
 </p:sldLayout>
 </file>
 
 <file path=ppt/slideLayouts/slideLayout29.xml><?xml version="1.0" encoding="utf-8"?>
-<p:sldLayout xmlns:a="http://schemas.openxmlformats.org/drawingml/2006/main" xmlns:p="http://schemas.openxmlformats.org/presentationml/2006/main" xmlns:r="http://schemas.openxmlformats.org/officeDocument/2006/relationships" xmlns:p14="http://schemas.microsoft.com/office/powerpoint/2010/main" xmlns:p15="http://schemas.microsoft.com/office/powerpoint/2012/main" xmlns:mc="http://schemas.openxmlformats.org/markup-compatibility/2006" type="titleOnly" preserve="1">
+<p:sldLayout xmlns:a="http://schemas.openxmlformats.org/drawingml/2006/main" xmlns:r="http://schemas.openxmlformats.org/officeDocument/2006/relationships" xmlns:p="http://schemas.openxmlformats.org/presentationml/2006/main" type="titleOnly" preserve="1">
   <p:cSld name="Title Only">
     <p:spTree>
       <p:nvGrpSpPr>
@@ -2497,11 +2715,12 @@
           </a:prstGeom>
         </p:spPr>
         <p:txBody>
-          <a:bodyPr lIns="0" rIns="0" tIns="0" bIns="0" anchor="ctr">
+          <a:bodyPr lIns="0" tIns="0" rIns="0" bIns="0" anchor="ctr">
             <a:noAutofit/>
           </a:bodyPr>
-          <a:p>
-            <a:endParaRPr b="0" lang="en-US" sz="1800" spc="-1" strike="noStrike">
+          <a:lstStyle/>
+          <a:p>
+            <a:endParaRPr lang="en-US" sz="1800" b="0" strike="noStrike" spc="-1">
               <a:solidFill>
                 <a:srgbClr val="000000"/>
               </a:solidFill>
@@ -2512,11 +2731,14 @@
       </p:sp>
     </p:spTree>
   </p:cSld>
+  <p:clrMapOvr>
+    <a:masterClrMapping/>
+  </p:clrMapOvr>
 </p:sldLayout>
 </file>
 
 <file path=ppt/slideLayouts/slideLayout3.xml><?xml version="1.0" encoding="utf-8"?>
-<p:sldLayout xmlns:a="http://schemas.openxmlformats.org/drawingml/2006/main" xmlns:p="http://schemas.openxmlformats.org/presentationml/2006/main" xmlns:r="http://schemas.openxmlformats.org/officeDocument/2006/relationships" xmlns:p14="http://schemas.microsoft.com/office/powerpoint/2010/main" xmlns:p15="http://schemas.microsoft.com/office/powerpoint/2012/main" xmlns:mc="http://schemas.openxmlformats.org/markup-compatibility/2006" type="obj" preserve="1">
+<p:sldLayout xmlns:a="http://schemas.openxmlformats.org/drawingml/2006/main" xmlns:r="http://schemas.openxmlformats.org/officeDocument/2006/relationships" xmlns:p="http://schemas.openxmlformats.org/presentationml/2006/main" type="obj" preserve="1">
   <p:cSld name="Title, Content">
     <p:spTree>
       <p:nvGrpSpPr>
@@ -2552,11 +2774,12 @@
           </a:prstGeom>
         </p:spPr>
         <p:txBody>
-          <a:bodyPr lIns="0" rIns="0" tIns="0" bIns="0" anchor="ctr">
+          <a:bodyPr lIns="0" tIns="0" rIns="0" bIns="0" anchor="ctr">
             <a:noAutofit/>
           </a:bodyPr>
-          <a:p>
-            <a:endParaRPr b="0" lang="en-US" sz="1800" spc="-1" strike="noStrike">
+          <a:lstStyle/>
+          <a:p>
+            <a:endParaRPr lang="en-US" sz="1800" b="0" strike="noStrike" spc="-1">
               <a:solidFill>
                 <a:srgbClr val="000000"/>
               </a:solidFill>
@@ -2585,11 +2808,12 @@
           </a:prstGeom>
         </p:spPr>
         <p:txBody>
-          <a:bodyPr lIns="0" rIns="0" tIns="0" bIns="0">
+          <a:bodyPr lIns="0" tIns="0" rIns="0" bIns="0">
             <a:normAutofit/>
           </a:bodyPr>
-          <a:p>
-            <a:endParaRPr b="0" lang="en-US" sz="2000" spc="-1" strike="noStrike">
+          <a:lstStyle/>
+          <a:p>
+            <a:endParaRPr lang="en-US" sz="2000" b="0" strike="noStrike" spc="-1">
               <a:solidFill>
                 <a:srgbClr val="404040"/>
               </a:solidFill>
@@ -2600,11 +2824,14 @@
       </p:sp>
     </p:spTree>
   </p:cSld>
+  <p:clrMapOvr>
+    <a:masterClrMapping/>
+  </p:clrMapOvr>
 </p:sldLayout>
 </file>
 
 <file path=ppt/slideLayouts/slideLayout30.xml><?xml version="1.0" encoding="utf-8"?>
-<p:sldLayout xmlns:a="http://schemas.openxmlformats.org/drawingml/2006/main" xmlns:p="http://schemas.openxmlformats.org/presentationml/2006/main" xmlns:r="http://schemas.openxmlformats.org/officeDocument/2006/relationships" xmlns:p14="http://schemas.microsoft.com/office/powerpoint/2010/main" xmlns:p15="http://schemas.microsoft.com/office/powerpoint/2012/main" xmlns:mc="http://schemas.openxmlformats.org/markup-compatibility/2006" type="objOnly" preserve="1">
+<p:sldLayout xmlns:a="http://schemas.openxmlformats.org/drawingml/2006/main" xmlns:r="http://schemas.openxmlformats.org/officeDocument/2006/relationships" xmlns:p="http://schemas.openxmlformats.org/presentationml/2006/main" type="objOnly" preserve="1">
   <p:cSld name="Centered Text">
     <p:spTree>
       <p:nvGrpSpPr>
@@ -2640,12 +2867,13 @@
           </a:prstGeom>
         </p:spPr>
         <p:txBody>
-          <a:bodyPr lIns="0" rIns="0" tIns="0" bIns="0" anchor="ctr">
+          <a:bodyPr lIns="0" tIns="0" rIns="0" bIns="0" anchor="ctr">
             <a:noAutofit/>
           </a:bodyPr>
+          <a:lstStyle/>
           <a:p>
             <a:pPr algn="ctr"/>
-            <a:endParaRPr b="0" lang="en-US" sz="3200" spc="-1" strike="noStrike">
+            <a:endParaRPr lang="en-US" sz="3200" b="0" strike="noStrike" spc="-1">
               <a:latin typeface="Arial"/>
             </a:endParaRPr>
           </a:p>
@@ -2653,11 +2881,14 @@
       </p:sp>
     </p:spTree>
   </p:cSld>
+  <p:clrMapOvr>
+    <a:masterClrMapping/>
+  </p:clrMapOvr>
 </p:sldLayout>
 </file>
 
 <file path=ppt/slideLayouts/slideLayout31.xml><?xml version="1.0" encoding="utf-8"?>
-<p:sldLayout xmlns:a="http://schemas.openxmlformats.org/drawingml/2006/main" xmlns:p="http://schemas.openxmlformats.org/presentationml/2006/main" xmlns:r="http://schemas.openxmlformats.org/officeDocument/2006/relationships" xmlns:p14="http://schemas.microsoft.com/office/powerpoint/2010/main" xmlns:p15="http://schemas.microsoft.com/office/powerpoint/2012/main" xmlns:mc="http://schemas.openxmlformats.org/markup-compatibility/2006" type="twoObjAndObj" preserve="1">
+<p:sldLayout xmlns:a="http://schemas.openxmlformats.org/drawingml/2006/main" xmlns:r="http://schemas.openxmlformats.org/officeDocument/2006/relationships" xmlns:p="http://schemas.openxmlformats.org/presentationml/2006/main" type="twoObjAndObj" preserve="1">
   <p:cSld name="Title, 2 Content and Content">
     <p:spTree>
       <p:nvGrpSpPr>
@@ -2693,11 +2924,12 @@
           </a:prstGeom>
         </p:spPr>
         <p:txBody>
-          <a:bodyPr lIns="0" rIns="0" tIns="0" bIns="0" anchor="ctr">
+          <a:bodyPr lIns="0" tIns="0" rIns="0" bIns="0" anchor="ctr">
             <a:noAutofit/>
           </a:bodyPr>
-          <a:p>
-            <a:endParaRPr b="0" lang="en-US" sz="1800" spc="-1" strike="noStrike">
+          <a:lstStyle/>
+          <a:p>
+            <a:endParaRPr lang="en-US" sz="1800" b="0" strike="noStrike" spc="-1">
               <a:solidFill>
                 <a:srgbClr val="000000"/>
               </a:solidFill>
@@ -2726,11 +2958,12 @@
           </a:prstGeom>
         </p:spPr>
         <p:txBody>
-          <a:bodyPr lIns="0" rIns="0" tIns="0" bIns="0">
+          <a:bodyPr lIns="0" tIns="0" rIns="0" bIns="0">
             <a:normAutofit/>
           </a:bodyPr>
-          <a:p>
-            <a:endParaRPr b="0" lang="en-US" sz="2000" spc="-1" strike="noStrike">
+          <a:lstStyle/>
+          <a:p>
+            <a:endParaRPr lang="en-US" sz="2000" b="0" strike="noStrike" spc="-1">
               <a:solidFill>
                 <a:srgbClr val="404040"/>
               </a:solidFill>
@@ -2759,11 +2992,12 @@
           </a:prstGeom>
         </p:spPr>
         <p:txBody>
-          <a:bodyPr lIns="0" rIns="0" tIns="0" bIns="0">
+          <a:bodyPr lIns="0" tIns="0" rIns="0" bIns="0">
             <a:normAutofit/>
           </a:bodyPr>
-          <a:p>
-            <a:endParaRPr b="0" lang="en-US" sz="2000" spc="-1" strike="noStrike">
+          <a:lstStyle/>
+          <a:p>
+            <a:endParaRPr lang="en-US" sz="2000" b="0" strike="noStrike" spc="-1">
               <a:solidFill>
                 <a:srgbClr val="404040"/>
               </a:solidFill>
@@ -2792,11 +3026,12 @@
           </a:prstGeom>
         </p:spPr>
         <p:txBody>
-          <a:bodyPr lIns="0" rIns="0" tIns="0" bIns="0">
+          <a:bodyPr lIns="0" tIns="0" rIns="0" bIns="0">
             <a:normAutofit/>
           </a:bodyPr>
-          <a:p>
-            <a:endParaRPr b="0" lang="en-US" sz="2000" spc="-1" strike="noStrike">
+          <a:lstStyle/>
+          <a:p>
+            <a:endParaRPr lang="en-US" sz="2000" b="0" strike="noStrike" spc="-1">
               <a:solidFill>
                 <a:srgbClr val="404040"/>
               </a:solidFill>
@@ -2807,11 +3042,14 @@
       </p:sp>
     </p:spTree>
   </p:cSld>
+  <p:clrMapOvr>
+    <a:masterClrMapping/>
+  </p:clrMapOvr>
 </p:sldLayout>
 </file>
 
 <file path=ppt/slideLayouts/slideLayout32.xml><?xml version="1.0" encoding="utf-8"?>
-<p:sldLayout xmlns:a="http://schemas.openxmlformats.org/drawingml/2006/main" xmlns:p="http://schemas.openxmlformats.org/presentationml/2006/main" xmlns:r="http://schemas.openxmlformats.org/officeDocument/2006/relationships" xmlns:p14="http://schemas.microsoft.com/office/powerpoint/2010/main" xmlns:p15="http://schemas.microsoft.com/office/powerpoint/2012/main" xmlns:mc="http://schemas.openxmlformats.org/markup-compatibility/2006" type="objAndTwoObj" preserve="1">
+<p:sldLayout xmlns:a="http://schemas.openxmlformats.org/drawingml/2006/main" xmlns:r="http://schemas.openxmlformats.org/officeDocument/2006/relationships" xmlns:p="http://schemas.openxmlformats.org/presentationml/2006/main" type="objAndTwoObj" preserve="1">
   <p:cSld name="Title Content and 2 Content">
     <p:spTree>
       <p:nvGrpSpPr>
@@ -2847,11 +3085,12 @@
           </a:prstGeom>
         </p:spPr>
         <p:txBody>
-          <a:bodyPr lIns="0" rIns="0" tIns="0" bIns="0" anchor="ctr">
+          <a:bodyPr lIns="0" tIns="0" rIns="0" bIns="0" anchor="ctr">
             <a:noAutofit/>
           </a:bodyPr>
-          <a:p>
-            <a:endParaRPr b="0" lang="en-US" sz="1800" spc="-1" strike="noStrike">
+          <a:lstStyle/>
+          <a:p>
+            <a:endParaRPr lang="en-US" sz="1800" b="0" strike="noStrike" spc="-1">
               <a:solidFill>
                 <a:srgbClr val="000000"/>
               </a:solidFill>
@@ -2880,11 +3119,12 @@
           </a:prstGeom>
         </p:spPr>
         <p:txBody>
-          <a:bodyPr lIns="0" rIns="0" tIns="0" bIns="0">
+          <a:bodyPr lIns="0" tIns="0" rIns="0" bIns="0">
             <a:normAutofit/>
           </a:bodyPr>
-          <a:p>
-            <a:endParaRPr b="0" lang="en-US" sz="2000" spc="-1" strike="noStrike">
+          <a:lstStyle/>
+          <a:p>
+            <a:endParaRPr lang="en-US" sz="2000" b="0" strike="noStrike" spc="-1">
               <a:solidFill>
                 <a:srgbClr val="404040"/>
               </a:solidFill>
@@ -2913,11 +3153,12 @@
           </a:prstGeom>
         </p:spPr>
         <p:txBody>
-          <a:bodyPr lIns="0" rIns="0" tIns="0" bIns="0">
+          <a:bodyPr lIns="0" tIns="0" rIns="0" bIns="0">
             <a:normAutofit/>
           </a:bodyPr>
-          <a:p>
-            <a:endParaRPr b="0" lang="en-US" sz="2000" spc="-1" strike="noStrike">
+          <a:lstStyle/>
+          <a:p>
+            <a:endParaRPr lang="en-US" sz="2000" b="0" strike="noStrike" spc="-1">
               <a:solidFill>
                 <a:srgbClr val="404040"/>
               </a:solidFill>
@@ -2946,11 +3187,12 @@
           </a:prstGeom>
         </p:spPr>
         <p:txBody>
-          <a:bodyPr lIns="0" rIns="0" tIns="0" bIns="0">
+          <a:bodyPr lIns="0" tIns="0" rIns="0" bIns="0">
             <a:normAutofit/>
           </a:bodyPr>
-          <a:p>
-            <a:endParaRPr b="0" lang="en-US" sz="2000" spc="-1" strike="noStrike">
+          <a:lstStyle/>
+          <a:p>
+            <a:endParaRPr lang="en-US" sz="2000" b="0" strike="noStrike" spc="-1">
               <a:solidFill>
                 <a:srgbClr val="404040"/>
               </a:solidFill>
@@ -2961,11 +3203,14 @@
       </p:sp>
     </p:spTree>
   </p:cSld>
+  <p:clrMapOvr>
+    <a:masterClrMapping/>
+  </p:clrMapOvr>
 </p:sldLayout>
 </file>
 
 <file path=ppt/slideLayouts/slideLayout33.xml><?xml version="1.0" encoding="utf-8"?>
-<p:sldLayout xmlns:a="http://schemas.openxmlformats.org/drawingml/2006/main" xmlns:p="http://schemas.openxmlformats.org/presentationml/2006/main" xmlns:r="http://schemas.openxmlformats.org/officeDocument/2006/relationships" xmlns:p14="http://schemas.microsoft.com/office/powerpoint/2010/main" xmlns:p15="http://schemas.microsoft.com/office/powerpoint/2012/main" xmlns:mc="http://schemas.openxmlformats.org/markup-compatibility/2006" type="twoObjOverTx" preserve="1">
+<p:sldLayout xmlns:a="http://schemas.openxmlformats.org/drawingml/2006/main" xmlns:r="http://schemas.openxmlformats.org/officeDocument/2006/relationships" xmlns:p="http://schemas.openxmlformats.org/presentationml/2006/main" type="twoObjOverTx" preserve="1">
   <p:cSld name="Title, 2 Content over Content">
     <p:spTree>
       <p:nvGrpSpPr>
@@ -3001,11 +3246,12 @@
           </a:prstGeom>
         </p:spPr>
         <p:txBody>
-          <a:bodyPr lIns="0" rIns="0" tIns="0" bIns="0" anchor="ctr">
+          <a:bodyPr lIns="0" tIns="0" rIns="0" bIns="0" anchor="ctr">
             <a:noAutofit/>
           </a:bodyPr>
-          <a:p>
-            <a:endParaRPr b="0" lang="en-US" sz="1800" spc="-1" strike="noStrike">
+          <a:lstStyle/>
+          <a:p>
+            <a:endParaRPr lang="en-US" sz="1800" b="0" strike="noStrike" spc="-1">
               <a:solidFill>
                 <a:srgbClr val="000000"/>
               </a:solidFill>
@@ -3034,11 +3280,12 @@
           </a:prstGeom>
         </p:spPr>
         <p:txBody>
-          <a:bodyPr lIns="0" rIns="0" tIns="0" bIns="0">
+          <a:bodyPr lIns="0" tIns="0" rIns="0" bIns="0">
             <a:normAutofit/>
           </a:bodyPr>
-          <a:p>
-            <a:endParaRPr b="0" lang="en-US" sz="2000" spc="-1" strike="noStrike">
+          <a:lstStyle/>
+          <a:p>
+            <a:endParaRPr lang="en-US" sz="2000" b="0" strike="noStrike" spc="-1">
               <a:solidFill>
                 <a:srgbClr val="404040"/>
               </a:solidFill>
@@ -3067,11 +3314,12 @@
           </a:prstGeom>
         </p:spPr>
         <p:txBody>
-          <a:bodyPr lIns="0" rIns="0" tIns="0" bIns="0">
+          <a:bodyPr lIns="0" tIns="0" rIns="0" bIns="0">
             <a:normAutofit/>
           </a:bodyPr>
-          <a:p>
-            <a:endParaRPr b="0" lang="en-US" sz="2000" spc="-1" strike="noStrike">
+          <a:lstStyle/>
+          <a:p>
+            <a:endParaRPr lang="en-US" sz="2000" b="0" strike="noStrike" spc="-1">
               <a:solidFill>
                 <a:srgbClr val="404040"/>
               </a:solidFill>
@@ -3100,11 +3348,12 @@
           </a:prstGeom>
         </p:spPr>
         <p:txBody>
-          <a:bodyPr lIns="0" rIns="0" tIns="0" bIns="0">
+          <a:bodyPr lIns="0" tIns="0" rIns="0" bIns="0">
             <a:normAutofit/>
           </a:bodyPr>
-          <a:p>
-            <a:endParaRPr b="0" lang="en-US" sz="2000" spc="-1" strike="noStrike">
+          <a:lstStyle/>
+          <a:p>
+            <a:endParaRPr lang="en-US" sz="2000" b="0" strike="noStrike" spc="-1">
               <a:solidFill>
                 <a:srgbClr val="404040"/>
               </a:solidFill>
@@ -3115,11 +3364,14 @@
       </p:sp>
     </p:spTree>
   </p:cSld>
+  <p:clrMapOvr>
+    <a:masterClrMapping/>
+  </p:clrMapOvr>
 </p:sldLayout>
 </file>
 
 <file path=ppt/slideLayouts/slideLayout34.xml><?xml version="1.0" encoding="utf-8"?>
-<p:sldLayout xmlns:a="http://schemas.openxmlformats.org/drawingml/2006/main" xmlns:p="http://schemas.openxmlformats.org/presentationml/2006/main" xmlns:r="http://schemas.openxmlformats.org/officeDocument/2006/relationships" xmlns:p14="http://schemas.microsoft.com/office/powerpoint/2010/main" xmlns:p15="http://schemas.microsoft.com/office/powerpoint/2012/main" xmlns:mc="http://schemas.openxmlformats.org/markup-compatibility/2006" type="objOverTx" preserve="1">
+<p:sldLayout xmlns:a="http://schemas.openxmlformats.org/drawingml/2006/main" xmlns:r="http://schemas.openxmlformats.org/officeDocument/2006/relationships" xmlns:p="http://schemas.openxmlformats.org/presentationml/2006/main" type="objOverTx" preserve="1">
   <p:cSld name="Title, Content over Content">
     <p:spTree>
       <p:nvGrpSpPr>
@@ -3155,11 +3407,12 @@
           </a:prstGeom>
         </p:spPr>
         <p:txBody>
-          <a:bodyPr lIns="0" rIns="0" tIns="0" bIns="0" anchor="ctr">
+          <a:bodyPr lIns="0" tIns="0" rIns="0" bIns="0" anchor="ctr">
             <a:noAutofit/>
           </a:bodyPr>
-          <a:p>
-            <a:endParaRPr b="0" lang="en-US" sz="1800" spc="-1" strike="noStrike">
+          <a:lstStyle/>
+          <a:p>
+            <a:endParaRPr lang="en-US" sz="1800" b="0" strike="noStrike" spc="-1">
               <a:solidFill>
                 <a:srgbClr val="000000"/>
               </a:solidFill>
@@ -3188,11 +3441,12 @@
           </a:prstGeom>
         </p:spPr>
         <p:txBody>
-          <a:bodyPr lIns="0" rIns="0" tIns="0" bIns="0">
+          <a:bodyPr lIns="0" tIns="0" rIns="0" bIns="0">
             <a:normAutofit/>
           </a:bodyPr>
-          <a:p>
-            <a:endParaRPr b="0" lang="en-US" sz="2000" spc="-1" strike="noStrike">
+          <a:lstStyle/>
+          <a:p>
+            <a:endParaRPr lang="en-US" sz="2000" b="0" strike="noStrike" spc="-1">
               <a:solidFill>
                 <a:srgbClr val="404040"/>
               </a:solidFill>
@@ -3221,11 +3475,12 @@
           </a:prstGeom>
         </p:spPr>
         <p:txBody>
-          <a:bodyPr lIns="0" rIns="0" tIns="0" bIns="0">
+          <a:bodyPr lIns="0" tIns="0" rIns="0" bIns="0">
             <a:normAutofit/>
           </a:bodyPr>
-          <a:p>
-            <a:endParaRPr b="0" lang="en-US" sz="2000" spc="-1" strike="noStrike">
+          <a:lstStyle/>
+          <a:p>
+            <a:endParaRPr lang="en-US" sz="2000" b="0" strike="noStrike" spc="-1">
               <a:solidFill>
                 <a:srgbClr val="404040"/>
               </a:solidFill>
@@ -3236,11 +3491,14 @@
       </p:sp>
     </p:spTree>
   </p:cSld>
+  <p:clrMapOvr>
+    <a:masterClrMapping/>
+  </p:clrMapOvr>
 </p:sldLayout>
 </file>
 
 <file path=ppt/slideLayouts/slideLayout35.xml><?xml version="1.0" encoding="utf-8"?>
-<p:sldLayout xmlns:a="http://schemas.openxmlformats.org/drawingml/2006/main" xmlns:p="http://schemas.openxmlformats.org/presentationml/2006/main" xmlns:r="http://schemas.openxmlformats.org/officeDocument/2006/relationships" xmlns:p14="http://schemas.microsoft.com/office/powerpoint/2010/main" xmlns:p15="http://schemas.microsoft.com/office/powerpoint/2012/main" xmlns:mc="http://schemas.openxmlformats.org/markup-compatibility/2006" type="fourObj" preserve="1">
+<p:sldLayout xmlns:a="http://schemas.openxmlformats.org/drawingml/2006/main" xmlns:r="http://schemas.openxmlformats.org/officeDocument/2006/relationships" xmlns:p="http://schemas.openxmlformats.org/presentationml/2006/main" type="fourObj" preserve="1">
   <p:cSld name="Title, 4 Content">
     <p:spTree>
       <p:nvGrpSpPr>
@@ -3276,11 +3534,12 @@
           </a:prstGeom>
         </p:spPr>
         <p:txBody>
-          <a:bodyPr lIns="0" rIns="0" tIns="0" bIns="0" anchor="ctr">
+          <a:bodyPr lIns="0" tIns="0" rIns="0" bIns="0" anchor="ctr">
             <a:noAutofit/>
           </a:bodyPr>
-          <a:p>
-            <a:endParaRPr b="0" lang="en-US" sz="1800" spc="-1" strike="noStrike">
+          <a:lstStyle/>
+          <a:p>
+            <a:endParaRPr lang="en-US" sz="1800" b="0" strike="noStrike" spc="-1">
               <a:solidFill>
                 <a:srgbClr val="000000"/>
               </a:solidFill>
@@ -3309,11 +3568,12 @@
           </a:prstGeom>
         </p:spPr>
         <p:txBody>
-          <a:bodyPr lIns="0" rIns="0" tIns="0" bIns="0">
+          <a:bodyPr lIns="0" tIns="0" rIns="0" bIns="0">
             <a:normAutofit/>
           </a:bodyPr>
-          <a:p>
-            <a:endParaRPr b="0" lang="en-US" sz="2000" spc="-1" strike="noStrike">
+          <a:lstStyle/>
+          <a:p>
+            <a:endParaRPr lang="en-US" sz="2000" b="0" strike="noStrike" spc="-1">
               <a:solidFill>
                 <a:srgbClr val="404040"/>
               </a:solidFill>
@@ -3342,11 +3602,12 @@
           </a:prstGeom>
         </p:spPr>
         <p:txBody>
-          <a:bodyPr lIns="0" rIns="0" tIns="0" bIns="0">
+          <a:bodyPr lIns="0" tIns="0" rIns="0" bIns="0">
             <a:normAutofit/>
           </a:bodyPr>
-          <a:p>
-            <a:endParaRPr b="0" lang="en-US" sz="2000" spc="-1" strike="noStrike">
+          <a:lstStyle/>
+          <a:p>
+            <a:endParaRPr lang="en-US" sz="2000" b="0" strike="noStrike" spc="-1">
               <a:solidFill>
                 <a:srgbClr val="404040"/>
               </a:solidFill>
@@ -3375,11 +3636,12 @@
           </a:prstGeom>
         </p:spPr>
         <p:txBody>
-          <a:bodyPr lIns="0" rIns="0" tIns="0" bIns="0">
+          <a:bodyPr lIns="0" tIns="0" rIns="0" bIns="0">
             <a:normAutofit/>
           </a:bodyPr>
-          <a:p>
-            <a:endParaRPr b="0" lang="en-US" sz="2000" spc="-1" strike="noStrike">
+          <a:lstStyle/>
+          <a:p>
+            <a:endParaRPr lang="en-US" sz="2000" b="0" strike="noStrike" spc="-1">
               <a:solidFill>
                 <a:srgbClr val="404040"/>
               </a:solidFill>
@@ -3408,11 +3670,12 @@
           </a:prstGeom>
         </p:spPr>
         <p:txBody>
-          <a:bodyPr lIns="0" rIns="0" tIns="0" bIns="0">
+          <a:bodyPr lIns="0" tIns="0" rIns="0" bIns="0">
             <a:normAutofit/>
           </a:bodyPr>
-          <a:p>
-            <a:endParaRPr b="0" lang="en-US" sz="2000" spc="-1" strike="noStrike">
+          <a:lstStyle/>
+          <a:p>
+            <a:endParaRPr lang="en-US" sz="2000" b="0" strike="noStrike" spc="-1">
               <a:solidFill>
                 <a:srgbClr val="404040"/>
               </a:solidFill>
@@ -3423,11 +3686,14 @@
       </p:sp>
     </p:spTree>
   </p:cSld>
+  <p:clrMapOvr>
+    <a:masterClrMapping/>
+  </p:clrMapOvr>
 </p:sldLayout>
 </file>
 
 <file path=ppt/slideLayouts/slideLayout36.xml><?xml version="1.0" encoding="utf-8"?>
-<p:sldLayout xmlns:a="http://schemas.openxmlformats.org/drawingml/2006/main" xmlns:p="http://schemas.openxmlformats.org/presentationml/2006/main" xmlns:r="http://schemas.openxmlformats.org/officeDocument/2006/relationships" xmlns:p14="http://schemas.microsoft.com/office/powerpoint/2010/main" xmlns:p15="http://schemas.microsoft.com/office/powerpoint/2012/main" xmlns:mc="http://schemas.openxmlformats.org/markup-compatibility/2006" type="blank" preserve="1">
+<p:sldLayout xmlns:a="http://schemas.openxmlformats.org/drawingml/2006/main" xmlns:r="http://schemas.openxmlformats.org/officeDocument/2006/relationships" xmlns:p="http://schemas.openxmlformats.org/presentationml/2006/main" type="blank" preserve="1">
   <p:cSld name="Title, 6 Content">
     <p:spTree>
       <p:nvGrpSpPr>
@@ -3463,11 +3729,12 @@
           </a:prstGeom>
         </p:spPr>
         <p:txBody>
-          <a:bodyPr lIns="0" rIns="0" tIns="0" bIns="0" anchor="ctr">
+          <a:bodyPr lIns="0" tIns="0" rIns="0" bIns="0" anchor="ctr">
             <a:noAutofit/>
           </a:bodyPr>
-          <a:p>
-            <a:endParaRPr b="0" lang="en-US" sz="1800" spc="-1" strike="noStrike">
+          <a:lstStyle/>
+          <a:p>
+            <a:endParaRPr lang="en-US" sz="1800" b="0" strike="noStrike" spc="-1">
               <a:solidFill>
                 <a:srgbClr val="000000"/>
               </a:solidFill>
@@ -3496,11 +3763,12 @@
           </a:prstGeom>
         </p:spPr>
         <p:txBody>
-          <a:bodyPr lIns="0" rIns="0" tIns="0" bIns="0">
+          <a:bodyPr lIns="0" tIns="0" rIns="0" bIns="0">
             <a:normAutofit/>
           </a:bodyPr>
-          <a:p>
-            <a:endParaRPr b="0" lang="en-US" sz="2000" spc="-1" strike="noStrike">
+          <a:lstStyle/>
+          <a:p>
+            <a:endParaRPr lang="en-US" sz="2000" b="0" strike="noStrike" spc="-1">
               <a:solidFill>
                 <a:srgbClr val="404040"/>
               </a:solidFill>
@@ -3529,11 +3797,12 @@
           </a:prstGeom>
         </p:spPr>
         <p:txBody>
-          <a:bodyPr lIns="0" rIns="0" tIns="0" bIns="0">
+          <a:bodyPr lIns="0" tIns="0" rIns="0" bIns="0">
             <a:normAutofit/>
           </a:bodyPr>
-          <a:p>
-            <a:endParaRPr b="0" lang="en-US" sz="2000" spc="-1" strike="noStrike">
+          <a:lstStyle/>
+          <a:p>
+            <a:endParaRPr lang="en-US" sz="2000" b="0" strike="noStrike" spc="-1">
               <a:solidFill>
                 <a:srgbClr val="404040"/>
               </a:solidFill>
@@ -3562,11 +3831,12 @@
           </a:prstGeom>
         </p:spPr>
         <p:txBody>
-          <a:bodyPr lIns="0" rIns="0" tIns="0" bIns="0">
+          <a:bodyPr lIns="0" tIns="0" rIns="0" bIns="0">
             <a:normAutofit/>
           </a:bodyPr>
-          <a:p>
-            <a:endParaRPr b="0" lang="en-US" sz="2000" spc="-1" strike="noStrike">
+          <a:lstStyle/>
+          <a:p>
+            <a:endParaRPr lang="en-US" sz="2000" b="0" strike="noStrike" spc="-1">
               <a:solidFill>
                 <a:srgbClr val="404040"/>
               </a:solidFill>
@@ -3595,11 +3865,12 @@
           </a:prstGeom>
         </p:spPr>
         <p:txBody>
-          <a:bodyPr lIns="0" rIns="0" tIns="0" bIns="0">
+          <a:bodyPr lIns="0" tIns="0" rIns="0" bIns="0">
             <a:normAutofit/>
           </a:bodyPr>
-          <a:p>
-            <a:endParaRPr b="0" lang="en-US" sz="2000" spc="-1" strike="noStrike">
+          <a:lstStyle/>
+          <a:p>
+            <a:endParaRPr lang="en-US" sz="2000" b="0" strike="noStrike" spc="-1">
               <a:solidFill>
                 <a:srgbClr val="404040"/>
               </a:solidFill>
@@ -3628,11 +3899,12 @@
           </a:prstGeom>
         </p:spPr>
         <p:txBody>
-          <a:bodyPr lIns="0" rIns="0" tIns="0" bIns="0">
+          <a:bodyPr lIns="0" tIns="0" rIns="0" bIns="0">
             <a:normAutofit/>
           </a:bodyPr>
-          <a:p>
-            <a:endParaRPr b="0" lang="en-US" sz="2000" spc="-1" strike="noStrike">
+          <a:lstStyle/>
+          <a:p>
+            <a:endParaRPr lang="en-US" sz="2000" b="0" strike="noStrike" spc="-1">
               <a:solidFill>
                 <a:srgbClr val="404040"/>
               </a:solidFill>
@@ -3661,11 +3933,12 @@
           </a:prstGeom>
         </p:spPr>
         <p:txBody>
-          <a:bodyPr lIns="0" rIns="0" tIns="0" bIns="0">
+          <a:bodyPr lIns="0" tIns="0" rIns="0" bIns="0">
             <a:normAutofit/>
           </a:bodyPr>
-          <a:p>
-            <a:endParaRPr b="0" lang="en-US" sz="2000" spc="-1" strike="noStrike">
+          <a:lstStyle/>
+          <a:p>
+            <a:endParaRPr lang="en-US" sz="2000" b="0" strike="noStrike" spc="-1">
               <a:solidFill>
                 <a:srgbClr val="404040"/>
               </a:solidFill>
@@ -3676,11 +3949,14 @@
       </p:sp>
     </p:spTree>
   </p:cSld>
+  <p:clrMapOvr>
+    <a:masterClrMapping/>
+  </p:clrMapOvr>
 </p:sldLayout>
 </file>
 
 <file path=ppt/slideLayouts/slideLayout37.xml><?xml version="1.0" encoding="utf-8"?>
-<p:sldLayout xmlns:a="http://schemas.openxmlformats.org/drawingml/2006/main" xmlns:p="http://schemas.openxmlformats.org/presentationml/2006/main" xmlns:r="http://schemas.openxmlformats.org/officeDocument/2006/relationships" xmlns:p14="http://schemas.microsoft.com/office/powerpoint/2010/main" xmlns:p15="http://schemas.microsoft.com/office/powerpoint/2012/main" xmlns:mc="http://schemas.openxmlformats.org/markup-compatibility/2006" type="blank" preserve="1">
+<p:sldLayout xmlns:a="http://schemas.openxmlformats.org/drawingml/2006/main" xmlns:r="http://schemas.openxmlformats.org/officeDocument/2006/relationships" xmlns:p="http://schemas.openxmlformats.org/presentationml/2006/main" type="blank" preserve="1">
   <p:cSld name="Blank Slide">
     <p:spTree>
       <p:nvGrpSpPr>
@@ -3698,11 +3974,14 @@
       </p:grpSpPr>
     </p:spTree>
   </p:cSld>
+  <p:clrMapOvr>
+    <a:masterClrMapping/>
+  </p:clrMapOvr>
 </p:sldLayout>
 </file>
 
 <file path=ppt/slideLayouts/slideLayout38.xml><?xml version="1.0" encoding="utf-8"?>
-<p:sldLayout xmlns:a="http://schemas.openxmlformats.org/drawingml/2006/main" xmlns:p="http://schemas.openxmlformats.org/presentationml/2006/main" xmlns:r="http://schemas.openxmlformats.org/officeDocument/2006/relationships" xmlns:p14="http://schemas.microsoft.com/office/powerpoint/2010/main" xmlns:p15="http://schemas.microsoft.com/office/powerpoint/2012/main" xmlns:mc="http://schemas.openxmlformats.org/markup-compatibility/2006" type="tx" preserve="1">
+<p:sldLayout xmlns:a="http://schemas.openxmlformats.org/drawingml/2006/main" xmlns:r="http://schemas.openxmlformats.org/officeDocument/2006/relationships" xmlns:p="http://schemas.openxmlformats.org/presentationml/2006/main" type="tx" preserve="1">
   <p:cSld name="Title Slide">
     <p:spTree>
       <p:nvGrpSpPr>
@@ -3738,11 +4017,12 @@
           </a:prstGeom>
         </p:spPr>
         <p:txBody>
-          <a:bodyPr lIns="0" rIns="0" tIns="0" bIns="0" anchor="ctr">
+          <a:bodyPr lIns="0" tIns="0" rIns="0" bIns="0" anchor="ctr">
             <a:noAutofit/>
           </a:bodyPr>
-          <a:p>
-            <a:endParaRPr b="0" lang="en-US" sz="1800" spc="-1" strike="noStrike">
+          <a:lstStyle/>
+          <a:p>
+            <a:endParaRPr lang="en-US" sz="1800" b="0" strike="noStrike" spc="-1">
               <a:solidFill>
                 <a:srgbClr val="000000"/>
               </a:solidFill>
@@ -3771,12 +4051,13 @@
           </a:prstGeom>
         </p:spPr>
         <p:txBody>
-          <a:bodyPr lIns="0" rIns="0" tIns="0" bIns="0" anchor="ctr">
+          <a:bodyPr lIns="0" tIns="0" rIns="0" bIns="0" anchor="ctr">
             <a:noAutofit/>
           </a:bodyPr>
+          <a:lstStyle/>
           <a:p>
             <a:pPr algn="ctr"/>
-            <a:endParaRPr b="0" lang="en-US" sz="3200" spc="-1" strike="noStrike">
+            <a:endParaRPr lang="en-US" sz="3200" b="0" strike="noStrike" spc="-1">
               <a:latin typeface="Arial"/>
             </a:endParaRPr>
           </a:p>
@@ -3784,11 +4065,14 @@
       </p:sp>
     </p:spTree>
   </p:cSld>
+  <p:clrMapOvr>
+    <a:masterClrMapping/>
+  </p:clrMapOvr>
 </p:sldLayout>
 </file>
 
 <file path=ppt/slideLayouts/slideLayout39.xml><?xml version="1.0" encoding="utf-8"?>
-<p:sldLayout xmlns:a="http://schemas.openxmlformats.org/drawingml/2006/main" xmlns:p="http://schemas.openxmlformats.org/presentationml/2006/main" xmlns:r="http://schemas.openxmlformats.org/officeDocument/2006/relationships" xmlns:p14="http://schemas.microsoft.com/office/powerpoint/2010/main" xmlns:p15="http://schemas.microsoft.com/office/powerpoint/2012/main" xmlns:mc="http://schemas.openxmlformats.org/markup-compatibility/2006" type="obj" preserve="1">
+<p:sldLayout xmlns:a="http://schemas.openxmlformats.org/drawingml/2006/main" xmlns:r="http://schemas.openxmlformats.org/officeDocument/2006/relationships" xmlns:p="http://schemas.openxmlformats.org/presentationml/2006/main" type="obj" preserve="1">
   <p:cSld name="Title, Content">
     <p:spTree>
       <p:nvGrpSpPr>
@@ -3824,11 +4108,12 @@
           </a:prstGeom>
         </p:spPr>
         <p:txBody>
-          <a:bodyPr lIns="0" rIns="0" tIns="0" bIns="0" anchor="ctr">
+          <a:bodyPr lIns="0" tIns="0" rIns="0" bIns="0" anchor="ctr">
             <a:noAutofit/>
           </a:bodyPr>
-          <a:p>
-            <a:endParaRPr b="0" lang="en-US" sz="1800" spc="-1" strike="noStrike">
+          <a:lstStyle/>
+          <a:p>
+            <a:endParaRPr lang="en-US" sz="1800" b="0" strike="noStrike" spc="-1">
               <a:solidFill>
                 <a:srgbClr val="000000"/>
               </a:solidFill>
@@ -3857,11 +4142,12 @@
           </a:prstGeom>
         </p:spPr>
         <p:txBody>
-          <a:bodyPr lIns="0" rIns="0" tIns="0" bIns="0">
+          <a:bodyPr lIns="0" tIns="0" rIns="0" bIns="0">
             <a:normAutofit/>
           </a:bodyPr>
-          <a:p>
-            <a:endParaRPr b="0" lang="en-US" sz="2000" spc="-1" strike="noStrike">
+          <a:lstStyle/>
+          <a:p>
+            <a:endParaRPr lang="en-US" sz="2000" b="0" strike="noStrike" spc="-1">
               <a:solidFill>
                 <a:srgbClr val="404040"/>
               </a:solidFill>
@@ -3872,11 +4158,14 @@
       </p:sp>
     </p:spTree>
   </p:cSld>
+  <p:clrMapOvr>
+    <a:masterClrMapping/>
+  </p:clrMapOvr>
 </p:sldLayout>
 </file>
 
 <file path=ppt/slideLayouts/slideLayout4.xml><?xml version="1.0" encoding="utf-8"?>
-<p:sldLayout xmlns:a="http://schemas.openxmlformats.org/drawingml/2006/main" xmlns:p="http://schemas.openxmlformats.org/presentationml/2006/main" xmlns:r="http://schemas.openxmlformats.org/officeDocument/2006/relationships" xmlns:p14="http://schemas.microsoft.com/office/powerpoint/2010/main" xmlns:p15="http://schemas.microsoft.com/office/powerpoint/2012/main" xmlns:mc="http://schemas.openxmlformats.org/markup-compatibility/2006" type="twoObj" preserve="1">
+<p:sldLayout xmlns:a="http://schemas.openxmlformats.org/drawingml/2006/main" xmlns:r="http://schemas.openxmlformats.org/officeDocument/2006/relationships" xmlns:p="http://schemas.openxmlformats.org/presentationml/2006/main" type="twoObj" preserve="1">
   <p:cSld name="Title, 2 Content">
     <p:spTree>
       <p:nvGrpSpPr>
@@ -3912,11 +4201,12 @@
           </a:prstGeom>
         </p:spPr>
         <p:txBody>
-          <a:bodyPr lIns="0" rIns="0" tIns="0" bIns="0" anchor="ctr">
+          <a:bodyPr lIns="0" tIns="0" rIns="0" bIns="0" anchor="ctr">
             <a:noAutofit/>
           </a:bodyPr>
-          <a:p>
-            <a:endParaRPr b="0" lang="en-US" sz="1800" spc="-1" strike="noStrike">
+          <a:lstStyle/>
+          <a:p>
+            <a:endParaRPr lang="en-US" sz="1800" b="0" strike="noStrike" spc="-1">
               <a:solidFill>
                 <a:srgbClr val="000000"/>
               </a:solidFill>
@@ -3945,11 +4235,12 @@
           </a:prstGeom>
         </p:spPr>
         <p:txBody>
-          <a:bodyPr lIns="0" rIns="0" tIns="0" bIns="0">
+          <a:bodyPr lIns="0" tIns="0" rIns="0" bIns="0">
             <a:normAutofit/>
           </a:bodyPr>
-          <a:p>
-            <a:endParaRPr b="0" lang="en-US" sz="2000" spc="-1" strike="noStrike">
+          <a:lstStyle/>
+          <a:p>
+            <a:endParaRPr lang="en-US" sz="2000" b="0" strike="noStrike" spc="-1">
               <a:solidFill>
                 <a:srgbClr val="404040"/>
               </a:solidFill>
@@ -3978,11 +4269,12 @@
           </a:prstGeom>
         </p:spPr>
         <p:txBody>
-          <a:bodyPr lIns="0" rIns="0" tIns="0" bIns="0">
+          <a:bodyPr lIns="0" tIns="0" rIns="0" bIns="0">
             <a:normAutofit/>
           </a:bodyPr>
-          <a:p>
-            <a:endParaRPr b="0" lang="en-US" sz="2000" spc="-1" strike="noStrike">
+          <a:lstStyle/>
+          <a:p>
+            <a:endParaRPr lang="en-US" sz="2000" b="0" strike="noStrike" spc="-1">
               <a:solidFill>
                 <a:srgbClr val="404040"/>
               </a:solidFill>
@@ -3993,11 +4285,14 @@
       </p:sp>
     </p:spTree>
   </p:cSld>
+  <p:clrMapOvr>
+    <a:masterClrMapping/>
+  </p:clrMapOvr>
 </p:sldLayout>
 </file>
 
 <file path=ppt/slideLayouts/slideLayout40.xml><?xml version="1.0" encoding="utf-8"?>
-<p:sldLayout xmlns:a="http://schemas.openxmlformats.org/drawingml/2006/main" xmlns:p="http://schemas.openxmlformats.org/presentationml/2006/main" xmlns:r="http://schemas.openxmlformats.org/officeDocument/2006/relationships" xmlns:p14="http://schemas.microsoft.com/office/powerpoint/2010/main" xmlns:p15="http://schemas.microsoft.com/office/powerpoint/2012/main" xmlns:mc="http://schemas.openxmlformats.org/markup-compatibility/2006" type="twoObj" preserve="1">
+<p:sldLayout xmlns:a="http://schemas.openxmlformats.org/drawingml/2006/main" xmlns:r="http://schemas.openxmlformats.org/officeDocument/2006/relationships" xmlns:p="http://schemas.openxmlformats.org/presentationml/2006/main" type="twoObj" preserve="1">
   <p:cSld name="Title, 2 Content">
     <p:spTree>
       <p:nvGrpSpPr>
@@ -4033,11 +4328,12 @@
           </a:prstGeom>
         </p:spPr>
         <p:txBody>
-          <a:bodyPr lIns="0" rIns="0" tIns="0" bIns="0" anchor="ctr">
+          <a:bodyPr lIns="0" tIns="0" rIns="0" bIns="0" anchor="ctr">
             <a:noAutofit/>
           </a:bodyPr>
-          <a:p>
-            <a:endParaRPr b="0" lang="en-US" sz="1800" spc="-1" strike="noStrike">
+          <a:lstStyle/>
+          <a:p>
+            <a:endParaRPr lang="en-US" sz="1800" b="0" strike="noStrike" spc="-1">
               <a:solidFill>
                 <a:srgbClr val="000000"/>
               </a:solidFill>
@@ -4066,11 +4362,12 @@
           </a:prstGeom>
         </p:spPr>
         <p:txBody>
-          <a:bodyPr lIns="0" rIns="0" tIns="0" bIns="0">
+          <a:bodyPr lIns="0" tIns="0" rIns="0" bIns="0">
             <a:normAutofit/>
           </a:bodyPr>
-          <a:p>
-            <a:endParaRPr b="0" lang="en-US" sz="2000" spc="-1" strike="noStrike">
+          <a:lstStyle/>
+          <a:p>
+            <a:endParaRPr lang="en-US" sz="2000" b="0" strike="noStrike" spc="-1">
               <a:solidFill>
                 <a:srgbClr val="404040"/>
               </a:solidFill>
@@ -4099,11 +4396,12 @@
           </a:prstGeom>
         </p:spPr>
         <p:txBody>
-          <a:bodyPr lIns="0" rIns="0" tIns="0" bIns="0">
+          <a:bodyPr lIns="0" tIns="0" rIns="0" bIns="0">
             <a:normAutofit/>
           </a:bodyPr>
-          <a:p>
-            <a:endParaRPr b="0" lang="en-US" sz="2000" spc="-1" strike="noStrike">
+          <a:lstStyle/>
+          <a:p>
+            <a:endParaRPr lang="en-US" sz="2000" b="0" strike="noStrike" spc="-1">
               <a:solidFill>
                 <a:srgbClr val="404040"/>
               </a:solidFill>
@@ -4114,11 +4412,14 @@
       </p:sp>
     </p:spTree>
   </p:cSld>
+  <p:clrMapOvr>
+    <a:masterClrMapping/>
+  </p:clrMapOvr>
 </p:sldLayout>
 </file>
 
 <file path=ppt/slideLayouts/slideLayout41.xml><?xml version="1.0" encoding="utf-8"?>
-<p:sldLayout xmlns:a="http://schemas.openxmlformats.org/drawingml/2006/main" xmlns:p="http://schemas.openxmlformats.org/presentationml/2006/main" xmlns:r="http://schemas.openxmlformats.org/officeDocument/2006/relationships" xmlns:p14="http://schemas.microsoft.com/office/powerpoint/2010/main" xmlns:p15="http://schemas.microsoft.com/office/powerpoint/2012/main" xmlns:mc="http://schemas.openxmlformats.org/markup-compatibility/2006" type="titleOnly" preserve="1">
+<p:sldLayout xmlns:a="http://schemas.openxmlformats.org/drawingml/2006/main" xmlns:r="http://schemas.openxmlformats.org/officeDocument/2006/relationships" xmlns:p="http://schemas.openxmlformats.org/presentationml/2006/main" type="titleOnly" preserve="1">
   <p:cSld name="Title Only">
     <p:spTree>
       <p:nvGrpSpPr>
@@ -4154,11 +4455,12 @@
           </a:prstGeom>
         </p:spPr>
         <p:txBody>
-          <a:bodyPr lIns="0" rIns="0" tIns="0" bIns="0" anchor="ctr">
+          <a:bodyPr lIns="0" tIns="0" rIns="0" bIns="0" anchor="ctr">
             <a:noAutofit/>
           </a:bodyPr>
-          <a:p>
-            <a:endParaRPr b="0" lang="en-US" sz="1800" spc="-1" strike="noStrike">
+          <a:lstStyle/>
+          <a:p>
+            <a:endParaRPr lang="en-US" sz="1800" b="0" strike="noStrike" spc="-1">
               <a:solidFill>
                 <a:srgbClr val="000000"/>
               </a:solidFill>
@@ -4169,11 +4471,14 @@
       </p:sp>
     </p:spTree>
   </p:cSld>
+  <p:clrMapOvr>
+    <a:masterClrMapping/>
+  </p:clrMapOvr>
 </p:sldLayout>
 </file>
 
 <file path=ppt/slideLayouts/slideLayout42.xml><?xml version="1.0" encoding="utf-8"?>
-<p:sldLayout xmlns:a="http://schemas.openxmlformats.org/drawingml/2006/main" xmlns:p="http://schemas.openxmlformats.org/presentationml/2006/main" xmlns:r="http://schemas.openxmlformats.org/officeDocument/2006/relationships" xmlns:p14="http://schemas.microsoft.com/office/powerpoint/2010/main" xmlns:p15="http://schemas.microsoft.com/office/powerpoint/2012/main" xmlns:mc="http://schemas.openxmlformats.org/markup-compatibility/2006" type="objOnly" preserve="1">
+<p:sldLayout xmlns:a="http://schemas.openxmlformats.org/drawingml/2006/main" xmlns:r="http://schemas.openxmlformats.org/officeDocument/2006/relationships" xmlns:p="http://schemas.openxmlformats.org/presentationml/2006/main" type="objOnly" preserve="1">
   <p:cSld name="Centered Text">
     <p:spTree>
       <p:nvGrpSpPr>
@@ -4209,12 +4514,13 @@
           </a:prstGeom>
         </p:spPr>
         <p:txBody>
-          <a:bodyPr lIns="0" rIns="0" tIns="0" bIns="0" anchor="ctr">
+          <a:bodyPr lIns="0" tIns="0" rIns="0" bIns="0" anchor="ctr">
             <a:noAutofit/>
           </a:bodyPr>
+          <a:lstStyle/>
           <a:p>
             <a:pPr algn="ctr"/>
-            <a:endParaRPr b="0" lang="en-US" sz="3200" spc="-1" strike="noStrike">
+            <a:endParaRPr lang="en-US" sz="3200" b="0" strike="noStrike" spc="-1">
               <a:latin typeface="Arial"/>
             </a:endParaRPr>
           </a:p>
@@ -4222,11 +4528,14 @@
       </p:sp>
     </p:spTree>
   </p:cSld>
+  <p:clrMapOvr>
+    <a:masterClrMapping/>
+  </p:clrMapOvr>
 </p:sldLayout>
 </file>
 
 <file path=ppt/slideLayouts/slideLayout43.xml><?xml version="1.0" encoding="utf-8"?>
-<p:sldLayout xmlns:a="http://schemas.openxmlformats.org/drawingml/2006/main" xmlns:p="http://schemas.openxmlformats.org/presentationml/2006/main" xmlns:r="http://schemas.openxmlformats.org/officeDocument/2006/relationships" xmlns:p14="http://schemas.microsoft.com/office/powerpoint/2010/main" xmlns:p15="http://schemas.microsoft.com/office/powerpoint/2012/main" xmlns:mc="http://schemas.openxmlformats.org/markup-compatibility/2006" type="twoObjAndObj" preserve="1">
+<p:sldLayout xmlns:a="http://schemas.openxmlformats.org/drawingml/2006/main" xmlns:r="http://schemas.openxmlformats.org/officeDocument/2006/relationships" xmlns:p="http://schemas.openxmlformats.org/presentationml/2006/main" type="twoObjAndObj" preserve="1">
   <p:cSld name="Title, 2 Content and Content">
     <p:spTree>
       <p:nvGrpSpPr>
@@ -4262,11 +4571,12 @@
           </a:prstGeom>
         </p:spPr>
         <p:txBody>
-          <a:bodyPr lIns="0" rIns="0" tIns="0" bIns="0" anchor="ctr">
+          <a:bodyPr lIns="0" tIns="0" rIns="0" bIns="0" anchor="ctr">
             <a:noAutofit/>
           </a:bodyPr>
-          <a:p>
-            <a:endParaRPr b="0" lang="en-US" sz="1800" spc="-1" strike="noStrike">
+          <a:lstStyle/>
+          <a:p>
+            <a:endParaRPr lang="en-US" sz="1800" b="0" strike="noStrike" spc="-1">
               <a:solidFill>
                 <a:srgbClr val="000000"/>
               </a:solidFill>
@@ -4295,11 +4605,12 @@
           </a:prstGeom>
         </p:spPr>
         <p:txBody>
-          <a:bodyPr lIns="0" rIns="0" tIns="0" bIns="0">
+          <a:bodyPr lIns="0" tIns="0" rIns="0" bIns="0">
             <a:normAutofit/>
           </a:bodyPr>
-          <a:p>
-            <a:endParaRPr b="0" lang="en-US" sz="2000" spc="-1" strike="noStrike">
+          <a:lstStyle/>
+          <a:p>
+            <a:endParaRPr lang="en-US" sz="2000" b="0" strike="noStrike" spc="-1">
               <a:solidFill>
                 <a:srgbClr val="404040"/>
               </a:solidFill>
@@ -4328,11 +4639,12 @@
           </a:prstGeom>
         </p:spPr>
         <p:txBody>
-          <a:bodyPr lIns="0" rIns="0" tIns="0" bIns="0">
+          <a:bodyPr lIns="0" tIns="0" rIns="0" bIns="0">
             <a:normAutofit/>
           </a:bodyPr>
-          <a:p>
-            <a:endParaRPr b="0" lang="en-US" sz="2000" spc="-1" strike="noStrike">
+          <a:lstStyle/>
+          <a:p>
+            <a:endParaRPr lang="en-US" sz="2000" b="0" strike="noStrike" spc="-1">
               <a:solidFill>
                 <a:srgbClr val="404040"/>
               </a:solidFill>
@@ -4361,11 +4673,12 @@
           </a:prstGeom>
         </p:spPr>
         <p:txBody>
-          <a:bodyPr lIns="0" rIns="0" tIns="0" bIns="0">
+          <a:bodyPr lIns="0" tIns="0" rIns="0" bIns="0">
             <a:normAutofit/>
           </a:bodyPr>
-          <a:p>
-            <a:endParaRPr b="0" lang="en-US" sz="2000" spc="-1" strike="noStrike">
+          <a:lstStyle/>
+          <a:p>
+            <a:endParaRPr lang="en-US" sz="2000" b="0" strike="noStrike" spc="-1">
               <a:solidFill>
                 <a:srgbClr val="404040"/>
               </a:solidFill>
@@ -4376,11 +4689,14 @@
       </p:sp>
     </p:spTree>
   </p:cSld>
+  <p:clrMapOvr>
+    <a:masterClrMapping/>
+  </p:clrMapOvr>
 </p:sldLayout>
 </file>
 
 <file path=ppt/slideLayouts/slideLayout44.xml><?xml version="1.0" encoding="utf-8"?>
-<p:sldLayout xmlns:a="http://schemas.openxmlformats.org/drawingml/2006/main" xmlns:p="http://schemas.openxmlformats.org/presentationml/2006/main" xmlns:r="http://schemas.openxmlformats.org/officeDocument/2006/relationships" xmlns:p14="http://schemas.microsoft.com/office/powerpoint/2010/main" xmlns:p15="http://schemas.microsoft.com/office/powerpoint/2012/main" xmlns:mc="http://schemas.openxmlformats.org/markup-compatibility/2006" type="objAndTwoObj" preserve="1">
+<p:sldLayout xmlns:a="http://schemas.openxmlformats.org/drawingml/2006/main" xmlns:r="http://schemas.openxmlformats.org/officeDocument/2006/relationships" xmlns:p="http://schemas.openxmlformats.org/presentationml/2006/main" type="objAndTwoObj" preserve="1">
   <p:cSld name="Title Content and 2 Content">
     <p:spTree>
       <p:nvGrpSpPr>
@@ -4416,11 +4732,12 @@
           </a:prstGeom>
         </p:spPr>
         <p:txBody>
-          <a:bodyPr lIns="0" rIns="0" tIns="0" bIns="0" anchor="ctr">
+          <a:bodyPr lIns="0" tIns="0" rIns="0" bIns="0" anchor="ctr">
             <a:noAutofit/>
           </a:bodyPr>
-          <a:p>
-            <a:endParaRPr b="0" lang="en-US" sz="1800" spc="-1" strike="noStrike">
+          <a:lstStyle/>
+          <a:p>
+            <a:endParaRPr lang="en-US" sz="1800" b="0" strike="noStrike" spc="-1">
               <a:solidFill>
                 <a:srgbClr val="000000"/>
               </a:solidFill>
@@ -4449,11 +4766,12 @@
           </a:prstGeom>
         </p:spPr>
         <p:txBody>
-          <a:bodyPr lIns="0" rIns="0" tIns="0" bIns="0">
+          <a:bodyPr lIns="0" tIns="0" rIns="0" bIns="0">
             <a:normAutofit/>
           </a:bodyPr>
-          <a:p>
-            <a:endParaRPr b="0" lang="en-US" sz="2000" spc="-1" strike="noStrike">
+          <a:lstStyle/>
+          <a:p>
+            <a:endParaRPr lang="en-US" sz="2000" b="0" strike="noStrike" spc="-1">
               <a:solidFill>
                 <a:srgbClr val="404040"/>
               </a:solidFill>
@@ -4482,11 +4800,12 @@
           </a:prstGeom>
         </p:spPr>
         <p:txBody>
-          <a:bodyPr lIns="0" rIns="0" tIns="0" bIns="0">
+          <a:bodyPr lIns="0" tIns="0" rIns="0" bIns="0">
             <a:normAutofit/>
           </a:bodyPr>
-          <a:p>
-            <a:endParaRPr b="0" lang="en-US" sz="2000" spc="-1" strike="noStrike">
+          <a:lstStyle/>
+          <a:p>
+            <a:endParaRPr lang="en-US" sz="2000" b="0" strike="noStrike" spc="-1">
               <a:solidFill>
                 <a:srgbClr val="404040"/>
               </a:solidFill>
@@ -4515,11 +4834,12 @@
           </a:prstGeom>
         </p:spPr>
         <p:txBody>
-          <a:bodyPr lIns="0" rIns="0" tIns="0" bIns="0">
+          <a:bodyPr lIns="0" tIns="0" rIns="0" bIns="0">
             <a:normAutofit/>
           </a:bodyPr>
-          <a:p>
-            <a:endParaRPr b="0" lang="en-US" sz="2000" spc="-1" strike="noStrike">
+          <a:lstStyle/>
+          <a:p>
+            <a:endParaRPr lang="en-US" sz="2000" b="0" strike="noStrike" spc="-1">
               <a:solidFill>
                 <a:srgbClr val="404040"/>
               </a:solidFill>
@@ -4530,11 +4850,14 @@
       </p:sp>
     </p:spTree>
   </p:cSld>
+  <p:clrMapOvr>
+    <a:masterClrMapping/>
+  </p:clrMapOvr>
 </p:sldLayout>
 </file>
 
 <file path=ppt/slideLayouts/slideLayout45.xml><?xml version="1.0" encoding="utf-8"?>
-<p:sldLayout xmlns:a="http://schemas.openxmlformats.org/drawingml/2006/main" xmlns:p="http://schemas.openxmlformats.org/presentationml/2006/main" xmlns:r="http://schemas.openxmlformats.org/officeDocument/2006/relationships" xmlns:p14="http://schemas.microsoft.com/office/powerpoint/2010/main" xmlns:p15="http://schemas.microsoft.com/office/powerpoint/2012/main" xmlns:mc="http://schemas.openxmlformats.org/markup-compatibility/2006" type="twoObjOverTx" preserve="1">
+<p:sldLayout xmlns:a="http://schemas.openxmlformats.org/drawingml/2006/main" xmlns:r="http://schemas.openxmlformats.org/officeDocument/2006/relationships" xmlns:p="http://schemas.openxmlformats.org/presentationml/2006/main" type="twoObjOverTx" preserve="1">
   <p:cSld name="Title, 2 Content over Content">
     <p:spTree>
       <p:nvGrpSpPr>
@@ -4570,11 +4893,12 @@
           </a:prstGeom>
         </p:spPr>
         <p:txBody>
-          <a:bodyPr lIns="0" rIns="0" tIns="0" bIns="0" anchor="ctr">
+          <a:bodyPr lIns="0" tIns="0" rIns="0" bIns="0" anchor="ctr">
             <a:noAutofit/>
           </a:bodyPr>
-          <a:p>
-            <a:endParaRPr b="0" lang="en-US" sz="1800" spc="-1" strike="noStrike">
+          <a:lstStyle/>
+          <a:p>
+            <a:endParaRPr lang="en-US" sz="1800" b="0" strike="noStrike" spc="-1">
               <a:solidFill>
                 <a:srgbClr val="000000"/>
               </a:solidFill>
@@ -4603,11 +4927,12 @@
           </a:prstGeom>
         </p:spPr>
         <p:txBody>
-          <a:bodyPr lIns="0" rIns="0" tIns="0" bIns="0">
+          <a:bodyPr lIns="0" tIns="0" rIns="0" bIns="0">
             <a:normAutofit/>
           </a:bodyPr>
-          <a:p>
-            <a:endParaRPr b="0" lang="en-US" sz="2000" spc="-1" strike="noStrike">
+          <a:lstStyle/>
+          <a:p>
+            <a:endParaRPr lang="en-US" sz="2000" b="0" strike="noStrike" spc="-1">
               <a:solidFill>
                 <a:srgbClr val="404040"/>
               </a:solidFill>
@@ -4636,11 +4961,12 @@
           </a:prstGeom>
         </p:spPr>
         <p:txBody>
-          <a:bodyPr lIns="0" rIns="0" tIns="0" bIns="0">
+          <a:bodyPr lIns="0" tIns="0" rIns="0" bIns="0">
             <a:normAutofit/>
           </a:bodyPr>
-          <a:p>
-            <a:endParaRPr b="0" lang="en-US" sz="2000" spc="-1" strike="noStrike">
+          <a:lstStyle/>
+          <a:p>
+            <a:endParaRPr lang="en-US" sz="2000" b="0" strike="noStrike" spc="-1">
               <a:solidFill>
                 <a:srgbClr val="404040"/>
               </a:solidFill>
@@ -4669,11 +4995,12 @@
           </a:prstGeom>
         </p:spPr>
         <p:txBody>
-          <a:bodyPr lIns="0" rIns="0" tIns="0" bIns="0">
+          <a:bodyPr lIns="0" tIns="0" rIns="0" bIns="0">
             <a:normAutofit/>
           </a:bodyPr>
-          <a:p>
-            <a:endParaRPr b="0" lang="en-US" sz="2000" spc="-1" strike="noStrike">
+          <a:lstStyle/>
+          <a:p>
+            <a:endParaRPr lang="en-US" sz="2000" b="0" strike="noStrike" spc="-1">
               <a:solidFill>
                 <a:srgbClr val="404040"/>
               </a:solidFill>
@@ -4684,11 +5011,14 @@
       </p:sp>
     </p:spTree>
   </p:cSld>
+  <p:clrMapOvr>
+    <a:masterClrMapping/>
+  </p:clrMapOvr>
 </p:sldLayout>
 </file>
 
 <file path=ppt/slideLayouts/slideLayout46.xml><?xml version="1.0" encoding="utf-8"?>
-<p:sldLayout xmlns:a="http://schemas.openxmlformats.org/drawingml/2006/main" xmlns:p="http://schemas.openxmlformats.org/presentationml/2006/main" xmlns:r="http://schemas.openxmlformats.org/officeDocument/2006/relationships" xmlns:p14="http://schemas.microsoft.com/office/powerpoint/2010/main" xmlns:p15="http://schemas.microsoft.com/office/powerpoint/2012/main" xmlns:mc="http://schemas.openxmlformats.org/markup-compatibility/2006" type="objOverTx" preserve="1">
+<p:sldLayout xmlns:a="http://schemas.openxmlformats.org/drawingml/2006/main" xmlns:r="http://schemas.openxmlformats.org/officeDocument/2006/relationships" xmlns:p="http://schemas.openxmlformats.org/presentationml/2006/main" type="objOverTx" preserve="1">
   <p:cSld name="Title, Content over Content">
     <p:spTree>
       <p:nvGrpSpPr>
@@ -4724,11 +5054,12 @@
           </a:prstGeom>
         </p:spPr>
         <p:txBody>
-          <a:bodyPr lIns="0" rIns="0" tIns="0" bIns="0" anchor="ctr">
+          <a:bodyPr lIns="0" tIns="0" rIns="0" bIns="0" anchor="ctr">
             <a:noAutofit/>
           </a:bodyPr>
-          <a:p>
-            <a:endParaRPr b="0" lang="en-US" sz="1800" spc="-1" strike="noStrike">
+          <a:lstStyle/>
+          <a:p>
+            <a:endParaRPr lang="en-US" sz="1800" b="0" strike="noStrike" spc="-1">
               <a:solidFill>
                 <a:srgbClr val="000000"/>
               </a:solidFill>
@@ -4757,11 +5088,12 @@
           </a:prstGeom>
         </p:spPr>
         <p:txBody>
-          <a:bodyPr lIns="0" rIns="0" tIns="0" bIns="0">
+          <a:bodyPr lIns="0" tIns="0" rIns="0" bIns="0">
             <a:normAutofit/>
           </a:bodyPr>
-          <a:p>
-            <a:endParaRPr b="0" lang="en-US" sz="2000" spc="-1" strike="noStrike">
+          <a:lstStyle/>
+          <a:p>
+            <a:endParaRPr lang="en-US" sz="2000" b="0" strike="noStrike" spc="-1">
               <a:solidFill>
                 <a:srgbClr val="404040"/>
               </a:solidFill>
@@ -4790,11 +5122,12 @@
           </a:prstGeom>
         </p:spPr>
         <p:txBody>
-          <a:bodyPr lIns="0" rIns="0" tIns="0" bIns="0">
+          <a:bodyPr lIns="0" tIns="0" rIns="0" bIns="0">
             <a:normAutofit/>
           </a:bodyPr>
-          <a:p>
-            <a:endParaRPr b="0" lang="en-US" sz="2000" spc="-1" strike="noStrike">
+          <a:lstStyle/>
+          <a:p>
+            <a:endParaRPr lang="en-US" sz="2000" b="0" strike="noStrike" spc="-1">
               <a:solidFill>
                 <a:srgbClr val="404040"/>
               </a:solidFill>
@@ -4805,11 +5138,14 @@
       </p:sp>
     </p:spTree>
   </p:cSld>
+  <p:clrMapOvr>
+    <a:masterClrMapping/>
+  </p:clrMapOvr>
 </p:sldLayout>
 </file>
 
 <file path=ppt/slideLayouts/slideLayout47.xml><?xml version="1.0" encoding="utf-8"?>
-<p:sldLayout xmlns:a="http://schemas.openxmlformats.org/drawingml/2006/main" xmlns:p="http://schemas.openxmlformats.org/presentationml/2006/main" xmlns:r="http://schemas.openxmlformats.org/officeDocument/2006/relationships" xmlns:p14="http://schemas.microsoft.com/office/powerpoint/2010/main" xmlns:p15="http://schemas.microsoft.com/office/powerpoint/2012/main" xmlns:mc="http://schemas.openxmlformats.org/markup-compatibility/2006" type="fourObj" preserve="1">
+<p:sldLayout xmlns:a="http://schemas.openxmlformats.org/drawingml/2006/main" xmlns:r="http://schemas.openxmlformats.org/officeDocument/2006/relationships" xmlns:p="http://schemas.openxmlformats.org/presentationml/2006/main" type="fourObj" preserve="1">
   <p:cSld name="Title, 4 Content">
     <p:spTree>
       <p:nvGrpSpPr>
@@ -4845,11 +5181,12 @@
           </a:prstGeom>
         </p:spPr>
         <p:txBody>
-          <a:bodyPr lIns="0" rIns="0" tIns="0" bIns="0" anchor="ctr">
+          <a:bodyPr lIns="0" tIns="0" rIns="0" bIns="0" anchor="ctr">
             <a:noAutofit/>
           </a:bodyPr>
-          <a:p>
-            <a:endParaRPr b="0" lang="en-US" sz="1800" spc="-1" strike="noStrike">
+          <a:lstStyle/>
+          <a:p>
+            <a:endParaRPr lang="en-US" sz="1800" b="0" strike="noStrike" spc="-1">
               <a:solidFill>
                 <a:srgbClr val="000000"/>
               </a:solidFill>
@@ -4878,11 +5215,12 @@
           </a:prstGeom>
         </p:spPr>
         <p:txBody>
-          <a:bodyPr lIns="0" rIns="0" tIns="0" bIns="0">
+          <a:bodyPr lIns="0" tIns="0" rIns="0" bIns="0">
             <a:normAutofit/>
           </a:bodyPr>
-          <a:p>
-            <a:endParaRPr b="0" lang="en-US" sz="2000" spc="-1" strike="noStrike">
+          <a:lstStyle/>
+          <a:p>
+            <a:endParaRPr lang="en-US" sz="2000" b="0" strike="noStrike" spc="-1">
               <a:solidFill>
                 <a:srgbClr val="404040"/>
               </a:solidFill>
@@ -4911,11 +5249,12 @@
           </a:prstGeom>
         </p:spPr>
         <p:txBody>
-          <a:bodyPr lIns="0" rIns="0" tIns="0" bIns="0">
+          <a:bodyPr lIns="0" tIns="0" rIns="0" bIns="0">
             <a:normAutofit/>
           </a:bodyPr>
-          <a:p>
-            <a:endParaRPr b="0" lang="en-US" sz="2000" spc="-1" strike="noStrike">
+          <a:lstStyle/>
+          <a:p>
+            <a:endParaRPr lang="en-US" sz="2000" b="0" strike="noStrike" spc="-1">
               <a:solidFill>
                 <a:srgbClr val="404040"/>
               </a:solidFill>
@@ -4944,11 +5283,12 @@
           </a:prstGeom>
         </p:spPr>
         <p:txBody>
-          <a:bodyPr lIns="0" rIns="0" tIns="0" bIns="0">
+          <a:bodyPr lIns="0" tIns="0" rIns="0" bIns="0">
             <a:normAutofit/>
           </a:bodyPr>
-          <a:p>
-            <a:endParaRPr b="0" lang="en-US" sz="2000" spc="-1" strike="noStrike">
+          <a:lstStyle/>
+          <a:p>
+            <a:endParaRPr lang="en-US" sz="2000" b="0" strike="noStrike" spc="-1">
               <a:solidFill>
                 <a:srgbClr val="404040"/>
               </a:solidFill>
@@ -4977,11 +5317,12 @@
           </a:prstGeom>
         </p:spPr>
         <p:txBody>
-          <a:bodyPr lIns="0" rIns="0" tIns="0" bIns="0">
+          <a:bodyPr lIns="0" tIns="0" rIns="0" bIns="0">
             <a:normAutofit/>
           </a:bodyPr>
-          <a:p>
-            <a:endParaRPr b="0" lang="en-US" sz="2000" spc="-1" strike="noStrike">
+          <a:lstStyle/>
+          <a:p>
+            <a:endParaRPr lang="en-US" sz="2000" b="0" strike="noStrike" spc="-1">
               <a:solidFill>
                 <a:srgbClr val="404040"/>
               </a:solidFill>
@@ -4992,11 +5333,14 @@
       </p:sp>
     </p:spTree>
   </p:cSld>
+  <p:clrMapOvr>
+    <a:masterClrMapping/>
+  </p:clrMapOvr>
 </p:sldLayout>
 </file>
 
 <file path=ppt/slideLayouts/slideLayout48.xml><?xml version="1.0" encoding="utf-8"?>
-<p:sldLayout xmlns:a="http://schemas.openxmlformats.org/drawingml/2006/main" xmlns:p="http://schemas.openxmlformats.org/presentationml/2006/main" xmlns:r="http://schemas.openxmlformats.org/officeDocument/2006/relationships" xmlns:p14="http://schemas.microsoft.com/office/powerpoint/2010/main" xmlns:p15="http://schemas.microsoft.com/office/powerpoint/2012/main" xmlns:mc="http://schemas.openxmlformats.org/markup-compatibility/2006" type="blank" preserve="1">
+<p:sldLayout xmlns:a="http://schemas.openxmlformats.org/drawingml/2006/main" xmlns:r="http://schemas.openxmlformats.org/officeDocument/2006/relationships" xmlns:p="http://schemas.openxmlformats.org/presentationml/2006/main" type="blank" preserve="1">
   <p:cSld name="Title, 6 Content">
     <p:spTree>
       <p:nvGrpSpPr>
@@ -5032,11 +5376,12 @@
           </a:prstGeom>
         </p:spPr>
         <p:txBody>
-          <a:bodyPr lIns="0" rIns="0" tIns="0" bIns="0" anchor="ctr">
+          <a:bodyPr lIns="0" tIns="0" rIns="0" bIns="0" anchor="ctr">
             <a:noAutofit/>
           </a:bodyPr>
-          <a:p>
-            <a:endParaRPr b="0" lang="en-US" sz="1800" spc="-1" strike="noStrike">
+          <a:lstStyle/>
+          <a:p>
+            <a:endParaRPr lang="en-US" sz="1800" b="0" strike="noStrike" spc="-1">
               <a:solidFill>
                 <a:srgbClr val="000000"/>
               </a:solidFill>
@@ -5065,11 +5410,12 @@
           </a:prstGeom>
         </p:spPr>
         <p:txBody>
-          <a:bodyPr lIns="0" rIns="0" tIns="0" bIns="0">
+          <a:bodyPr lIns="0" tIns="0" rIns="0" bIns="0">
             <a:normAutofit/>
           </a:bodyPr>
-          <a:p>
-            <a:endParaRPr b="0" lang="en-US" sz="2000" spc="-1" strike="noStrike">
+          <a:lstStyle/>
+          <a:p>
+            <a:endParaRPr lang="en-US" sz="2000" b="0" strike="noStrike" spc="-1">
               <a:solidFill>
                 <a:srgbClr val="404040"/>
               </a:solidFill>
@@ -5098,11 +5444,12 @@
           </a:prstGeom>
         </p:spPr>
         <p:txBody>
-          <a:bodyPr lIns="0" rIns="0" tIns="0" bIns="0">
+          <a:bodyPr lIns="0" tIns="0" rIns="0" bIns="0">
             <a:normAutofit/>
           </a:bodyPr>
-          <a:p>
-            <a:endParaRPr b="0" lang="en-US" sz="2000" spc="-1" strike="noStrike">
+          <a:lstStyle/>
+          <a:p>
+            <a:endParaRPr lang="en-US" sz="2000" b="0" strike="noStrike" spc="-1">
               <a:solidFill>
                 <a:srgbClr val="404040"/>
               </a:solidFill>
@@ -5131,11 +5478,12 @@
           </a:prstGeom>
         </p:spPr>
         <p:txBody>
-          <a:bodyPr lIns="0" rIns="0" tIns="0" bIns="0">
+          <a:bodyPr lIns="0" tIns="0" rIns="0" bIns="0">
             <a:normAutofit/>
           </a:bodyPr>
-          <a:p>
-            <a:endParaRPr b="0" lang="en-US" sz="2000" spc="-1" strike="noStrike">
+          <a:lstStyle/>
+          <a:p>
+            <a:endParaRPr lang="en-US" sz="2000" b="0" strike="noStrike" spc="-1">
               <a:solidFill>
                 <a:srgbClr val="404040"/>
               </a:solidFill>
@@ -5164,11 +5512,12 @@
           </a:prstGeom>
         </p:spPr>
         <p:txBody>
-          <a:bodyPr lIns="0" rIns="0" tIns="0" bIns="0">
+          <a:bodyPr lIns="0" tIns="0" rIns="0" bIns="0">
             <a:normAutofit/>
           </a:bodyPr>
-          <a:p>
-            <a:endParaRPr b="0" lang="en-US" sz="2000" spc="-1" strike="noStrike">
+          <a:lstStyle/>
+          <a:p>
+            <a:endParaRPr lang="en-US" sz="2000" b="0" strike="noStrike" spc="-1">
               <a:solidFill>
                 <a:srgbClr val="404040"/>
               </a:solidFill>
@@ -5197,11 +5546,12 @@
           </a:prstGeom>
         </p:spPr>
         <p:txBody>
-          <a:bodyPr lIns="0" rIns="0" tIns="0" bIns="0">
+          <a:bodyPr lIns="0" tIns="0" rIns="0" bIns="0">
             <a:normAutofit/>
           </a:bodyPr>
-          <a:p>
-            <a:endParaRPr b="0" lang="en-US" sz="2000" spc="-1" strike="noStrike">
+          <a:lstStyle/>
+          <a:p>
+            <a:endParaRPr lang="en-US" sz="2000" b="0" strike="noStrike" spc="-1">
               <a:solidFill>
                 <a:srgbClr val="404040"/>
               </a:solidFill>
@@ -5230,11 +5580,12 @@
           </a:prstGeom>
         </p:spPr>
         <p:txBody>
-          <a:bodyPr lIns="0" rIns="0" tIns="0" bIns="0">
+          <a:bodyPr lIns="0" tIns="0" rIns="0" bIns="0">
             <a:normAutofit/>
           </a:bodyPr>
-          <a:p>
-            <a:endParaRPr b="0" lang="en-US" sz="2000" spc="-1" strike="noStrike">
+          <a:lstStyle/>
+          <a:p>
+            <a:endParaRPr lang="en-US" sz="2000" b="0" strike="noStrike" spc="-1">
               <a:solidFill>
                 <a:srgbClr val="404040"/>
               </a:solidFill>
@@ -5245,11 +5596,14 @@
       </p:sp>
     </p:spTree>
   </p:cSld>
+  <p:clrMapOvr>
+    <a:masterClrMapping/>
+  </p:clrMapOvr>
 </p:sldLayout>
 </file>
 
 <file path=ppt/slideLayouts/slideLayout49.xml><?xml version="1.0" encoding="utf-8"?>
-<p:sldLayout xmlns:a="http://schemas.openxmlformats.org/drawingml/2006/main" xmlns:p="http://schemas.openxmlformats.org/presentationml/2006/main" xmlns:r="http://schemas.openxmlformats.org/officeDocument/2006/relationships" xmlns:p14="http://schemas.microsoft.com/office/powerpoint/2010/main" xmlns:p15="http://schemas.microsoft.com/office/powerpoint/2012/main" xmlns:mc="http://schemas.openxmlformats.org/markup-compatibility/2006" type="blank" preserve="1">
+<p:sldLayout xmlns:a="http://schemas.openxmlformats.org/drawingml/2006/main" xmlns:r="http://schemas.openxmlformats.org/officeDocument/2006/relationships" xmlns:p="http://schemas.openxmlformats.org/presentationml/2006/main" type="blank" preserve="1">
   <p:cSld name="Blank Slide">
     <p:spTree>
       <p:nvGrpSpPr>
@@ -5267,11 +5621,14 @@
       </p:grpSpPr>
     </p:spTree>
   </p:cSld>
+  <p:clrMapOvr>
+    <a:masterClrMapping/>
+  </p:clrMapOvr>
 </p:sldLayout>
 </file>
 
 <file path=ppt/slideLayouts/slideLayout5.xml><?xml version="1.0" encoding="utf-8"?>
-<p:sldLayout xmlns:a="http://schemas.openxmlformats.org/drawingml/2006/main" xmlns:p="http://schemas.openxmlformats.org/presentationml/2006/main" xmlns:r="http://schemas.openxmlformats.org/officeDocument/2006/relationships" xmlns:p14="http://schemas.microsoft.com/office/powerpoint/2010/main" xmlns:p15="http://schemas.microsoft.com/office/powerpoint/2012/main" xmlns:mc="http://schemas.openxmlformats.org/markup-compatibility/2006" type="titleOnly" preserve="1">
+<p:sldLayout xmlns:a="http://schemas.openxmlformats.org/drawingml/2006/main" xmlns:r="http://schemas.openxmlformats.org/officeDocument/2006/relationships" xmlns:p="http://schemas.openxmlformats.org/presentationml/2006/main" type="titleOnly" preserve="1">
   <p:cSld name="Title Only">
     <p:spTree>
       <p:nvGrpSpPr>
@@ -5307,11 +5664,12 @@
           </a:prstGeom>
         </p:spPr>
         <p:txBody>
-          <a:bodyPr lIns="0" rIns="0" tIns="0" bIns="0" anchor="ctr">
+          <a:bodyPr lIns="0" tIns="0" rIns="0" bIns="0" anchor="ctr">
             <a:noAutofit/>
           </a:bodyPr>
-          <a:p>
-            <a:endParaRPr b="0" lang="en-US" sz="1800" spc="-1" strike="noStrike">
+          <a:lstStyle/>
+          <a:p>
+            <a:endParaRPr lang="en-US" sz="1800" b="0" strike="noStrike" spc="-1">
               <a:solidFill>
                 <a:srgbClr val="000000"/>
               </a:solidFill>
@@ -5322,11 +5680,14 @@
       </p:sp>
     </p:spTree>
   </p:cSld>
+  <p:clrMapOvr>
+    <a:masterClrMapping/>
+  </p:clrMapOvr>
 </p:sldLayout>
 </file>
 
 <file path=ppt/slideLayouts/slideLayout50.xml><?xml version="1.0" encoding="utf-8"?>
-<p:sldLayout xmlns:a="http://schemas.openxmlformats.org/drawingml/2006/main" xmlns:p="http://schemas.openxmlformats.org/presentationml/2006/main" xmlns:r="http://schemas.openxmlformats.org/officeDocument/2006/relationships" xmlns:p14="http://schemas.microsoft.com/office/powerpoint/2010/main" xmlns:p15="http://schemas.microsoft.com/office/powerpoint/2012/main" xmlns:mc="http://schemas.openxmlformats.org/markup-compatibility/2006" type="tx" preserve="1">
+<p:sldLayout xmlns:a="http://schemas.openxmlformats.org/drawingml/2006/main" xmlns:r="http://schemas.openxmlformats.org/officeDocument/2006/relationships" xmlns:p="http://schemas.openxmlformats.org/presentationml/2006/main" type="tx" preserve="1">
   <p:cSld name="Title Slide">
     <p:spTree>
       <p:nvGrpSpPr>
@@ -5362,11 +5723,12 @@
           </a:prstGeom>
         </p:spPr>
         <p:txBody>
-          <a:bodyPr lIns="0" rIns="0" tIns="0" bIns="0" anchor="ctr">
+          <a:bodyPr lIns="0" tIns="0" rIns="0" bIns="0" anchor="ctr">
             <a:noAutofit/>
           </a:bodyPr>
-          <a:p>
-            <a:endParaRPr b="0" lang="en-US" sz="1800" spc="-1" strike="noStrike">
+          <a:lstStyle/>
+          <a:p>
+            <a:endParaRPr lang="en-US" sz="1800" b="0" strike="noStrike" spc="-1">
               <a:solidFill>
                 <a:srgbClr val="000000"/>
               </a:solidFill>
@@ -5395,12 +5757,13 @@
           </a:prstGeom>
         </p:spPr>
         <p:txBody>
-          <a:bodyPr lIns="0" rIns="0" tIns="0" bIns="0" anchor="ctr">
+          <a:bodyPr lIns="0" tIns="0" rIns="0" bIns="0" anchor="ctr">
             <a:noAutofit/>
           </a:bodyPr>
+          <a:lstStyle/>
           <a:p>
             <a:pPr algn="ctr"/>
-            <a:endParaRPr b="0" lang="en-US" sz="3200" spc="-1" strike="noStrike">
+            <a:endParaRPr lang="en-US" sz="3200" b="0" strike="noStrike" spc="-1">
               <a:latin typeface="Arial"/>
             </a:endParaRPr>
           </a:p>
@@ -5408,11 +5771,14 @@
       </p:sp>
     </p:spTree>
   </p:cSld>
+  <p:clrMapOvr>
+    <a:masterClrMapping/>
+  </p:clrMapOvr>
 </p:sldLayout>
 </file>
 
 <file path=ppt/slideLayouts/slideLayout51.xml><?xml version="1.0" encoding="utf-8"?>
-<p:sldLayout xmlns:a="http://schemas.openxmlformats.org/drawingml/2006/main" xmlns:p="http://schemas.openxmlformats.org/presentationml/2006/main" xmlns:r="http://schemas.openxmlformats.org/officeDocument/2006/relationships" xmlns:p14="http://schemas.microsoft.com/office/powerpoint/2010/main" xmlns:p15="http://schemas.microsoft.com/office/powerpoint/2012/main" xmlns:mc="http://schemas.openxmlformats.org/markup-compatibility/2006" type="obj" preserve="1">
+<p:sldLayout xmlns:a="http://schemas.openxmlformats.org/drawingml/2006/main" xmlns:r="http://schemas.openxmlformats.org/officeDocument/2006/relationships" xmlns:p="http://schemas.openxmlformats.org/presentationml/2006/main" type="obj" preserve="1">
   <p:cSld name="Title, Content">
     <p:spTree>
       <p:nvGrpSpPr>
@@ -5448,11 +5814,12 @@
           </a:prstGeom>
         </p:spPr>
         <p:txBody>
-          <a:bodyPr lIns="0" rIns="0" tIns="0" bIns="0" anchor="ctr">
+          <a:bodyPr lIns="0" tIns="0" rIns="0" bIns="0" anchor="ctr">
             <a:noAutofit/>
           </a:bodyPr>
-          <a:p>
-            <a:endParaRPr b="0" lang="en-US" sz="1800" spc="-1" strike="noStrike">
+          <a:lstStyle/>
+          <a:p>
+            <a:endParaRPr lang="en-US" sz="1800" b="0" strike="noStrike" spc="-1">
               <a:solidFill>
                 <a:srgbClr val="000000"/>
               </a:solidFill>
@@ -5481,11 +5848,12 @@
           </a:prstGeom>
         </p:spPr>
         <p:txBody>
-          <a:bodyPr lIns="0" rIns="0" tIns="0" bIns="0">
+          <a:bodyPr lIns="0" tIns="0" rIns="0" bIns="0">
             <a:normAutofit/>
           </a:bodyPr>
-          <a:p>
-            <a:endParaRPr b="0" lang="en-US" sz="2000" spc="-1" strike="noStrike">
+          <a:lstStyle/>
+          <a:p>
+            <a:endParaRPr lang="en-US" sz="2000" b="0" strike="noStrike" spc="-1">
               <a:solidFill>
                 <a:srgbClr val="404040"/>
               </a:solidFill>
@@ -5496,11 +5864,14 @@
       </p:sp>
     </p:spTree>
   </p:cSld>
+  <p:clrMapOvr>
+    <a:masterClrMapping/>
+  </p:clrMapOvr>
 </p:sldLayout>
 </file>
 
 <file path=ppt/slideLayouts/slideLayout52.xml><?xml version="1.0" encoding="utf-8"?>
-<p:sldLayout xmlns:a="http://schemas.openxmlformats.org/drawingml/2006/main" xmlns:p="http://schemas.openxmlformats.org/presentationml/2006/main" xmlns:r="http://schemas.openxmlformats.org/officeDocument/2006/relationships" xmlns:p14="http://schemas.microsoft.com/office/powerpoint/2010/main" xmlns:p15="http://schemas.microsoft.com/office/powerpoint/2012/main" xmlns:mc="http://schemas.openxmlformats.org/markup-compatibility/2006" type="twoObj" preserve="1">
+<p:sldLayout xmlns:a="http://schemas.openxmlformats.org/drawingml/2006/main" xmlns:r="http://schemas.openxmlformats.org/officeDocument/2006/relationships" xmlns:p="http://schemas.openxmlformats.org/presentationml/2006/main" type="twoObj" preserve="1">
   <p:cSld name="Title, 2 Content">
     <p:spTree>
       <p:nvGrpSpPr>
@@ -5536,11 +5907,12 @@
           </a:prstGeom>
         </p:spPr>
         <p:txBody>
-          <a:bodyPr lIns="0" rIns="0" tIns="0" bIns="0" anchor="ctr">
+          <a:bodyPr lIns="0" tIns="0" rIns="0" bIns="0" anchor="ctr">
             <a:noAutofit/>
           </a:bodyPr>
-          <a:p>
-            <a:endParaRPr b="0" lang="en-US" sz="1800" spc="-1" strike="noStrike">
+          <a:lstStyle/>
+          <a:p>
+            <a:endParaRPr lang="en-US" sz="1800" b="0" strike="noStrike" spc="-1">
               <a:solidFill>
                 <a:srgbClr val="000000"/>
               </a:solidFill>
@@ -5569,11 +5941,12 @@
           </a:prstGeom>
         </p:spPr>
         <p:txBody>
-          <a:bodyPr lIns="0" rIns="0" tIns="0" bIns="0">
+          <a:bodyPr lIns="0" tIns="0" rIns="0" bIns="0">
             <a:normAutofit/>
           </a:bodyPr>
-          <a:p>
-            <a:endParaRPr b="0" lang="en-US" sz="2000" spc="-1" strike="noStrike">
+          <a:lstStyle/>
+          <a:p>
+            <a:endParaRPr lang="en-US" sz="2000" b="0" strike="noStrike" spc="-1">
               <a:solidFill>
                 <a:srgbClr val="404040"/>
               </a:solidFill>
@@ -5602,11 +5975,12 @@
           </a:prstGeom>
         </p:spPr>
         <p:txBody>
-          <a:bodyPr lIns="0" rIns="0" tIns="0" bIns="0">
+          <a:bodyPr lIns="0" tIns="0" rIns="0" bIns="0">
             <a:normAutofit/>
           </a:bodyPr>
-          <a:p>
-            <a:endParaRPr b="0" lang="en-US" sz="2000" spc="-1" strike="noStrike">
+          <a:lstStyle/>
+          <a:p>
+            <a:endParaRPr lang="en-US" sz="2000" b="0" strike="noStrike" spc="-1">
               <a:solidFill>
                 <a:srgbClr val="404040"/>
               </a:solidFill>
@@ -5617,11 +5991,14 @@
       </p:sp>
     </p:spTree>
   </p:cSld>
+  <p:clrMapOvr>
+    <a:masterClrMapping/>
+  </p:clrMapOvr>
 </p:sldLayout>
 </file>
 
 <file path=ppt/slideLayouts/slideLayout53.xml><?xml version="1.0" encoding="utf-8"?>
-<p:sldLayout xmlns:a="http://schemas.openxmlformats.org/drawingml/2006/main" xmlns:p="http://schemas.openxmlformats.org/presentationml/2006/main" xmlns:r="http://schemas.openxmlformats.org/officeDocument/2006/relationships" xmlns:p14="http://schemas.microsoft.com/office/powerpoint/2010/main" xmlns:p15="http://schemas.microsoft.com/office/powerpoint/2012/main" xmlns:mc="http://schemas.openxmlformats.org/markup-compatibility/2006" type="titleOnly" preserve="1">
+<p:sldLayout xmlns:a="http://schemas.openxmlformats.org/drawingml/2006/main" xmlns:r="http://schemas.openxmlformats.org/officeDocument/2006/relationships" xmlns:p="http://schemas.openxmlformats.org/presentationml/2006/main" type="titleOnly" preserve="1">
   <p:cSld name="Title Only">
     <p:spTree>
       <p:nvGrpSpPr>
@@ -5657,11 +6034,12 @@
           </a:prstGeom>
         </p:spPr>
         <p:txBody>
-          <a:bodyPr lIns="0" rIns="0" tIns="0" bIns="0" anchor="ctr">
+          <a:bodyPr lIns="0" tIns="0" rIns="0" bIns="0" anchor="ctr">
             <a:noAutofit/>
           </a:bodyPr>
-          <a:p>
-            <a:endParaRPr b="0" lang="en-US" sz="1800" spc="-1" strike="noStrike">
+          <a:lstStyle/>
+          <a:p>
+            <a:endParaRPr lang="en-US" sz="1800" b="0" strike="noStrike" spc="-1">
               <a:solidFill>
                 <a:srgbClr val="000000"/>
               </a:solidFill>
@@ -5672,11 +6050,14 @@
       </p:sp>
     </p:spTree>
   </p:cSld>
+  <p:clrMapOvr>
+    <a:masterClrMapping/>
+  </p:clrMapOvr>
 </p:sldLayout>
 </file>
 
 <file path=ppt/slideLayouts/slideLayout54.xml><?xml version="1.0" encoding="utf-8"?>
-<p:sldLayout xmlns:a="http://schemas.openxmlformats.org/drawingml/2006/main" xmlns:p="http://schemas.openxmlformats.org/presentationml/2006/main" xmlns:r="http://schemas.openxmlformats.org/officeDocument/2006/relationships" xmlns:p14="http://schemas.microsoft.com/office/powerpoint/2010/main" xmlns:p15="http://schemas.microsoft.com/office/powerpoint/2012/main" xmlns:mc="http://schemas.openxmlformats.org/markup-compatibility/2006" type="objOnly" preserve="1">
+<p:sldLayout xmlns:a="http://schemas.openxmlformats.org/drawingml/2006/main" xmlns:r="http://schemas.openxmlformats.org/officeDocument/2006/relationships" xmlns:p="http://schemas.openxmlformats.org/presentationml/2006/main" type="objOnly" preserve="1">
   <p:cSld name="Centered Text">
     <p:spTree>
       <p:nvGrpSpPr>
@@ -5712,12 +6093,13 @@
           </a:prstGeom>
         </p:spPr>
         <p:txBody>
-          <a:bodyPr lIns="0" rIns="0" tIns="0" bIns="0" anchor="ctr">
+          <a:bodyPr lIns="0" tIns="0" rIns="0" bIns="0" anchor="ctr">
             <a:noAutofit/>
           </a:bodyPr>
+          <a:lstStyle/>
           <a:p>
             <a:pPr algn="ctr"/>
-            <a:endParaRPr b="0" lang="en-US" sz="3200" spc="-1" strike="noStrike">
+            <a:endParaRPr lang="en-US" sz="3200" b="0" strike="noStrike" spc="-1">
               <a:latin typeface="Arial"/>
             </a:endParaRPr>
           </a:p>
@@ -5725,11 +6107,14 @@
       </p:sp>
     </p:spTree>
   </p:cSld>
+  <p:clrMapOvr>
+    <a:masterClrMapping/>
+  </p:clrMapOvr>
 </p:sldLayout>
 </file>
 
 <file path=ppt/slideLayouts/slideLayout55.xml><?xml version="1.0" encoding="utf-8"?>
-<p:sldLayout xmlns:a="http://schemas.openxmlformats.org/drawingml/2006/main" xmlns:p="http://schemas.openxmlformats.org/presentationml/2006/main" xmlns:r="http://schemas.openxmlformats.org/officeDocument/2006/relationships" xmlns:p14="http://schemas.microsoft.com/office/powerpoint/2010/main" xmlns:p15="http://schemas.microsoft.com/office/powerpoint/2012/main" xmlns:mc="http://schemas.openxmlformats.org/markup-compatibility/2006" type="twoObjAndObj" preserve="1">
+<p:sldLayout xmlns:a="http://schemas.openxmlformats.org/drawingml/2006/main" xmlns:r="http://schemas.openxmlformats.org/officeDocument/2006/relationships" xmlns:p="http://schemas.openxmlformats.org/presentationml/2006/main" type="twoObjAndObj" preserve="1">
   <p:cSld name="Title, 2 Content and Content">
     <p:spTree>
       <p:nvGrpSpPr>
@@ -5765,11 +6150,12 @@
           </a:prstGeom>
         </p:spPr>
         <p:txBody>
-          <a:bodyPr lIns="0" rIns="0" tIns="0" bIns="0" anchor="ctr">
+          <a:bodyPr lIns="0" tIns="0" rIns="0" bIns="0" anchor="ctr">
             <a:noAutofit/>
           </a:bodyPr>
-          <a:p>
-            <a:endParaRPr b="0" lang="en-US" sz="1800" spc="-1" strike="noStrike">
+          <a:lstStyle/>
+          <a:p>
+            <a:endParaRPr lang="en-US" sz="1800" b="0" strike="noStrike" spc="-1">
               <a:solidFill>
                 <a:srgbClr val="000000"/>
               </a:solidFill>
@@ -5798,11 +6184,12 @@
           </a:prstGeom>
         </p:spPr>
         <p:txBody>
-          <a:bodyPr lIns="0" rIns="0" tIns="0" bIns="0">
+          <a:bodyPr lIns="0" tIns="0" rIns="0" bIns="0">
             <a:normAutofit/>
           </a:bodyPr>
-          <a:p>
-            <a:endParaRPr b="0" lang="en-US" sz="2000" spc="-1" strike="noStrike">
+          <a:lstStyle/>
+          <a:p>
+            <a:endParaRPr lang="en-US" sz="2000" b="0" strike="noStrike" spc="-1">
               <a:solidFill>
                 <a:srgbClr val="404040"/>
               </a:solidFill>
@@ -5831,11 +6218,12 @@
           </a:prstGeom>
         </p:spPr>
         <p:txBody>
-          <a:bodyPr lIns="0" rIns="0" tIns="0" bIns="0">
+          <a:bodyPr lIns="0" tIns="0" rIns="0" bIns="0">
             <a:normAutofit/>
           </a:bodyPr>
-          <a:p>
-            <a:endParaRPr b="0" lang="en-US" sz="2000" spc="-1" strike="noStrike">
+          <a:lstStyle/>
+          <a:p>
+            <a:endParaRPr lang="en-US" sz="2000" b="0" strike="noStrike" spc="-1">
               <a:solidFill>
                 <a:srgbClr val="404040"/>
               </a:solidFill>
@@ -5864,11 +6252,12 @@
           </a:prstGeom>
         </p:spPr>
         <p:txBody>
-          <a:bodyPr lIns="0" rIns="0" tIns="0" bIns="0">
+          <a:bodyPr lIns="0" tIns="0" rIns="0" bIns="0">
             <a:normAutofit/>
           </a:bodyPr>
-          <a:p>
-            <a:endParaRPr b="0" lang="en-US" sz="2000" spc="-1" strike="noStrike">
+          <a:lstStyle/>
+          <a:p>
+            <a:endParaRPr lang="en-US" sz="2000" b="0" strike="noStrike" spc="-1">
               <a:solidFill>
                 <a:srgbClr val="404040"/>
               </a:solidFill>
@@ -5879,11 +6268,14 @@
       </p:sp>
     </p:spTree>
   </p:cSld>
+  <p:clrMapOvr>
+    <a:masterClrMapping/>
+  </p:clrMapOvr>
 </p:sldLayout>
 </file>
 
 <file path=ppt/slideLayouts/slideLayout56.xml><?xml version="1.0" encoding="utf-8"?>
-<p:sldLayout xmlns:a="http://schemas.openxmlformats.org/drawingml/2006/main" xmlns:p="http://schemas.openxmlformats.org/presentationml/2006/main" xmlns:r="http://schemas.openxmlformats.org/officeDocument/2006/relationships" xmlns:p14="http://schemas.microsoft.com/office/powerpoint/2010/main" xmlns:p15="http://schemas.microsoft.com/office/powerpoint/2012/main" xmlns:mc="http://schemas.openxmlformats.org/markup-compatibility/2006" type="objAndTwoObj" preserve="1">
+<p:sldLayout xmlns:a="http://schemas.openxmlformats.org/drawingml/2006/main" xmlns:r="http://schemas.openxmlformats.org/officeDocument/2006/relationships" xmlns:p="http://schemas.openxmlformats.org/presentationml/2006/main" type="objAndTwoObj" preserve="1">
   <p:cSld name="Title Content and 2 Content">
     <p:spTree>
       <p:nvGrpSpPr>
@@ -5919,11 +6311,12 @@
           </a:prstGeom>
         </p:spPr>
         <p:txBody>
-          <a:bodyPr lIns="0" rIns="0" tIns="0" bIns="0" anchor="ctr">
+          <a:bodyPr lIns="0" tIns="0" rIns="0" bIns="0" anchor="ctr">
             <a:noAutofit/>
           </a:bodyPr>
-          <a:p>
-            <a:endParaRPr b="0" lang="en-US" sz="1800" spc="-1" strike="noStrike">
+          <a:lstStyle/>
+          <a:p>
+            <a:endParaRPr lang="en-US" sz="1800" b="0" strike="noStrike" spc="-1">
               <a:solidFill>
                 <a:srgbClr val="000000"/>
               </a:solidFill>
@@ -5952,11 +6345,12 @@
           </a:prstGeom>
         </p:spPr>
         <p:txBody>
-          <a:bodyPr lIns="0" rIns="0" tIns="0" bIns="0">
+          <a:bodyPr lIns="0" tIns="0" rIns="0" bIns="0">
             <a:normAutofit/>
           </a:bodyPr>
-          <a:p>
-            <a:endParaRPr b="0" lang="en-US" sz="2000" spc="-1" strike="noStrike">
+          <a:lstStyle/>
+          <a:p>
+            <a:endParaRPr lang="en-US" sz="2000" b="0" strike="noStrike" spc="-1">
               <a:solidFill>
                 <a:srgbClr val="404040"/>
               </a:solidFill>
@@ -5985,11 +6379,12 @@
           </a:prstGeom>
         </p:spPr>
         <p:txBody>
-          <a:bodyPr lIns="0" rIns="0" tIns="0" bIns="0">
+          <a:bodyPr lIns="0" tIns="0" rIns="0" bIns="0">
             <a:normAutofit/>
           </a:bodyPr>
-          <a:p>
-            <a:endParaRPr b="0" lang="en-US" sz="2000" spc="-1" strike="noStrike">
+          <a:lstStyle/>
+          <a:p>
+            <a:endParaRPr lang="en-US" sz="2000" b="0" strike="noStrike" spc="-1">
               <a:solidFill>
                 <a:srgbClr val="404040"/>
               </a:solidFill>
@@ -6018,11 +6413,12 @@
           </a:prstGeom>
         </p:spPr>
         <p:txBody>
-          <a:bodyPr lIns="0" rIns="0" tIns="0" bIns="0">
+          <a:bodyPr lIns="0" tIns="0" rIns="0" bIns="0">
             <a:normAutofit/>
           </a:bodyPr>
-          <a:p>
-            <a:endParaRPr b="0" lang="en-US" sz="2000" spc="-1" strike="noStrike">
+          <a:lstStyle/>
+          <a:p>
+            <a:endParaRPr lang="en-US" sz="2000" b="0" strike="noStrike" spc="-1">
               <a:solidFill>
                 <a:srgbClr val="404040"/>
               </a:solidFill>
@@ -6033,11 +6429,14 @@
       </p:sp>
     </p:spTree>
   </p:cSld>
+  <p:clrMapOvr>
+    <a:masterClrMapping/>
+  </p:clrMapOvr>
 </p:sldLayout>
 </file>
 
 <file path=ppt/slideLayouts/slideLayout57.xml><?xml version="1.0" encoding="utf-8"?>
-<p:sldLayout xmlns:a="http://schemas.openxmlformats.org/drawingml/2006/main" xmlns:p="http://schemas.openxmlformats.org/presentationml/2006/main" xmlns:r="http://schemas.openxmlformats.org/officeDocument/2006/relationships" xmlns:p14="http://schemas.microsoft.com/office/powerpoint/2010/main" xmlns:p15="http://schemas.microsoft.com/office/powerpoint/2012/main" xmlns:mc="http://schemas.openxmlformats.org/markup-compatibility/2006" type="twoObjOverTx" preserve="1">
+<p:sldLayout xmlns:a="http://schemas.openxmlformats.org/drawingml/2006/main" xmlns:r="http://schemas.openxmlformats.org/officeDocument/2006/relationships" xmlns:p="http://schemas.openxmlformats.org/presentationml/2006/main" type="twoObjOverTx" preserve="1">
   <p:cSld name="Title, 2 Content over Content">
     <p:spTree>
       <p:nvGrpSpPr>
@@ -6073,11 +6472,12 @@
           </a:prstGeom>
         </p:spPr>
         <p:txBody>
-          <a:bodyPr lIns="0" rIns="0" tIns="0" bIns="0" anchor="ctr">
+          <a:bodyPr lIns="0" tIns="0" rIns="0" bIns="0" anchor="ctr">
             <a:noAutofit/>
           </a:bodyPr>
-          <a:p>
-            <a:endParaRPr b="0" lang="en-US" sz="1800" spc="-1" strike="noStrike">
+          <a:lstStyle/>
+          <a:p>
+            <a:endParaRPr lang="en-US" sz="1800" b="0" strike="noStrike" spc="-1">
               <a:solidFill>
                 <a:srgbClr val="000000"/>
               </a:solidFill>
@@ -6106,11 +6506,12 @@
           </a:prstGeom>
         </p:spPr>
         <p:txBody>
-          <a:bodyPr lIns="0" rIns="0" tIns="0" bIns="0">
+          <a:bodyPr lIns="0" tIns="0" rIns="0" bIns="0">
             <a:normAutofit/>
           </a:bodyPr>
-          <a:p>
-            <a:endParaRPr b="0" lang="en-US" sz="2000" spc="-1" strike="noStrike">
+          <a:lstStyle/>
+          <a:p>
+            <a:endParaRPr lang="en-US" sz="2000" b="0" strike="noStrike" spc="-1">
               <a:solidFill>
                 <a:srgbClr val="404040"/>
               </a:solidFill>
@@ -6139,11 +6540,12 @@
           </a:prstGeom>
         </p:spPr>
         <p:txBody>
-          <a:bodyPr lIns="0" rIns="0" tIns="0" bIns="0">
+          <a:bodyPr lIns="0" tIns="0" rIns="0" bIns="0">
             <a:normAutofit/>
           </a:bodyPr>
-          <a:p>
-            <a:endParaRPr b="0" lang="en-US" sz="2000" spc="-1" strike="noStrike">
+          <a:lstStyle/>
+          <a:p>
+            <a:endParaRPr lang="en-US" sz="2000" b="0" strike="noStrike" spc="-1">
               <a:solidFill>
                 <a:srgbClr val="404040"/>
               </a:solidFill>
@@ -6172,11 +6574,12 @@
           </a:prstGeom>
         </p:spPr>
         <p:txBody>
-          <a:bodyPr lIns="0" rIns="0" tIns="0" bIns="0">
+          <a:bodyPr lIns="0" tIns="0" rIns="0" bIns="0">
             <a:normAutofit/>
           </a:bodyPr>
-          <a:p>
-            <a:endParaRPr b="0" lang="en-US" sz="2000" spc="-1" strike="noStrike">
+          <a:lstStyle/>
+          <a:p>
+            <a:endParaRPr lang="en-US" sz="2000" b="0" strike="noStrike" spc="-1">
               <a:solidFill>
                 <a:srgbClr val="404040"/>
               </a:solidFill>
@@ -6187,11 +6590,14 @@
       </p:sp>
     </p:spTree>
   </p:cSld>
+  <p:clrMapOvr>
+    <a:masterClrMapping/>
+  </p:clrMapOvr>
 </p:sldLayout>
 </file>
 
 <file path=ppt/slideLayouts/slideLayout58.xml><?xml version="1.0" encoding="utf-8"?>
-<p:sldLayout xmlns:a="http://schemas.openxmlformats.org/drawingml/2006/main" xmlns:p="http://schemas.openxmlformats.org/presentationml/2006/main" xmlns:r="http://schemas.openxmlformats.org/officeDocument/2006/relationships" xmlns:p14="http://schemas.microsoft.com/office/powerpoint/2010/main" xmlns:p15="http://schemas.microsoft.com/office/powerpoint/2012/main" xmlns:mc="http://schemas.openxmlformats.org/markup-compatibility/2006" type="objOverTx" preserve="1">
+<p:sldLayout xmlns:a="http://schemas.openxmlformats.org/drawingml/2006/main" xmlns:r="http://schemas.openxmlformats.org/officeDocument/2006/relationships" xmlns:p="http://schemas.openxmlformats.org/presentationml/2006/main" type="objOverTx" preserve="1">
   <p:cSld name="Title, Content over Content">
     <p:spTree>
       <p:nvGrpSpPr>
@@ -6227,11 +6633,12 @@
           </a:prstGeom>
         </p:spPr>
         <p:txBody>
-          <a:bodyPr lIns="0" rIns="0" tIns="0" bIns="0" anchor="ctr">
+          <a:bodyPr lIns="0" tIns="0" rIns="0" bIns="0" anchor="ctr">
             <a:noAutofit/>
           </a:bodyPr>
-          <a:p>
-            <a:endParaRPr b="0" lang="en-US" sz="1800" spc="-1" strike="noStrike">
+          <a:lstStyle/>
+          <a:p>
+            <a:endParaRPr lang="en-US" sz="1800" b="0" strike="noStrike" spc="-1">
               <a:solidFill>
                 <a:srgbClr val="000000"/>
               </a:solidFill>
@@ -6260,11 +6667,12 @@
           </a:prstGeom>
         </p:spPr>
         <p:txBody>
-          <a:bodyPr lIns="0" rIns="0" tIns="0" bIns="0">
+          <a:bodyPr lIns="0" tIns="0" rIns="0" bIns="0">
             <a:normAutofit/>
           </a:bodyPr>
-          <a:p>
-            <a:endParaRPr b="0" lang="en-US" sz="2000" spc="-1" strike="noStrike">
+          <a:lstStyle/>
+          <a:p>
+            <a:endParaRPr lang="en-US" sz="2000" b="0" strike="noStrike" spc="-1">
               <a:solidFill>
                 <a:srgbClr val="404040"/>
               </a:solidFill>
@@ -6293,11 +6701,12 @@
           </a:prstGeom>
         </p:spPr>
         <p:txBody>
-          <a:bodyPr lIns="0" rIns="0" tIns="0" bIns="0">
+          <a:bodyPr lIns="0" tIns="0" rIns="0" bIns="0">
             <a:normAutofit/>
           </a:bodyPr>
-          <a:p>
-            <a:endParaRPr b="0" lang="en-US" sz="2000" spc="-1" strike="noStrike">
+          <a:lstStyle/>
+          <a:p>
+            <a:endParaRPr lang="en-US" sz="2000" b="0" strike="noStrike" spc="-1">
               <a:solidFill>
                 <a:srgbClr val="404040"/>
               </a:solidFill>
@@ -6308,11 +6717,14 @@
       </p:sp>
     </p:spTree>
   </p:cSld>
+  <p:clrMapOvr>
+    <a:masterClrMapping/>
+  </p:clrMapOvr>
 </p:sldLayout>
 </file>
 
 <file path=ppt/slideLayouts/slideLayout59.xml><?xml version="1.0" encoding="utf-8"?>
-<p:sldLayout xmlns:a="http://schemas.openxmlformats.org/drawingml/2006/main" xmlns:p="http://schemas.openxmlformats.org/presentationml/2006/main" xmlns:r="http://schemas.openxmlformats.org/officeDocument/2006/relationships" xmlns:p14="http://schemas.microsoft.com/office/powerpoint/2010/main" xmlns:p15="http://schemas.microsoft.com/office/powerpoint/2012/main" xmlns:mc="http://schemas.openxmlformats.org/markup-compatibility/2006" type="fourObj" preserve="1">
+<p:sldLayout xmlns:a="http://schemas.openxmlformats.org/drawingml/2006/main" xmlns:r="http://schemas.openxmlformats.org/officeDocument/2006/relationships" xmlns:p="http://schemas.openxmlformats.org/presentationml/2006/main" type="fourObj" preserve="1">
   <p:cSld name="Title, 4 Content">
     <p:spTree>
       <p:nvGrpSpPr>
@@ -6348,11 +6760,12 @@
           </a:prstGeom>
         </p:spPr>
         <p:txBody>
-          <a:bodyPr lIns="0" rIns="0" tIns="0" bIns="0" anchor="ctr">
+          <a:bodyPr lIns="0" tIns="0" rIns="0" bIns="0" anchor="ctr">
             <a:noAutofit/>
           </a:bodyPr>
-          <a:p>
-            <a:endParaRPr b="0" lang="en-US" sz="1800" spc="-1" strike="noStrike">
+          <a:lstStyle/>
+          <a:p>
+            <a:endParaRPr lang="en-US" sz="1800" b="0" strike="noStrike" spc="-1">
               <a:solidFill>
                 <a:srgbClr val="000000"/>
               </a:solidFill>
@@ -6381,11 +6794,12 @@
           </a:prstGeom>
         </p:spPr>
         <p:txBody>
-          <a:bodyPr lIns="0" rIns="0" tIns="0" bIns="0">
+          <a:bodyPr lIns="0" tIns="0" rIns="0" bIns="0">
             <a:normAutofit/>
           </a:bodyPr>
-          <a:p>
-            <a:endParaRPr b="0" lang="en-US" sz="2000" spc="-1" strike="noStrike">
+          <a:lstStyle/>
+          <a:p>
+            <a:endParaRPr lang="en-US" sz="2000" b="0" strike="noStrike" spc="-1">
               <a:solidFill>
                 <a:srgbClr val="404040"/>
               </a:solidFill>
@@ -6414,11 +6828,12 @@
           </a:prstGeom>
         </p:spPr>
         <p:txBody>
-          <a:bodyPr lIns="0" rIns="0" tIns="0" bIns="0">
+          <a:bodyPr lIns="0" tIns="0" rIns="0" bIns="0">
             <a:normAutofit/>
           </a:bodyPr>
-          <a:p>
-            <a:endParaRPr b="0" lang="en-US" sz="2000" spc="-1" strike="noStrike">
+          <a:lstStyle/>
+          <a:p>
+            <a:endParaRPr lang="en-US" sz="2000" b="0" strike="noStrike" spc="-1">
               <a:solidFill>
                 <a:srgbClr val="404040"/>
               </a:solidFill>
@@ -6447,11 +6862,12 @@
           </a:prstGeom>
         </p:spPr>
         <p:txBody>
-          <a:bodyPr lIns="0" rIns="0" tIns="0" bIns="0">
+          <a:bodyPr lIns="0" tIns="0" rIns="0" bIns="0">
             <a:normAutofit/>
           </a:bodyPr>
-          <a:p>
-            <a:endParaRPr b="0" lang="en-US" sz="2000" spc="-1" strike="noStrike">
+          <a:lstStyle/>
+          <a:p>
+            <a:endParaRPr lang="en-US" sz="2000" b="0" strike="noStrike" spc="-1">
               <a:solidFill>
                 <a:srgbClr val="404040"/>
               </a:solidFill>
@@ -6480,11 +6896,12 @@
           </a:prstGeom>
         </p:spPr>
         <p:txBody>
-          <a:bodyPr lIns="0" rIns="0" tIns="0" bIns="0">
+          <a:bodyPr lIns="0" tIns="0" rIns="0" bIns="0">
             <a:normAutofit/>
           </a:bodyPr>
-          <a:p>
-            <a:endParaRPr b="0" lang="en-US" sz="2000" spc="-1" strike="noStrike">
+          <a:lstStyle/>
+          <a:p>
+            <a:endParaRPr lang="en-US" sz="2000" b="0" strike="noStrike" spc="-1">
               <a:solidFill>
                 <a:srgbClr val="404040"/>
               </a:solidFill>
@@ -6495,11 +6912,14 @@
       </p:sp>
     </p:spTree>
   </p:cSld>
+  <p:clrMapOvr>
+    <a:masterClrMapping/>
+  </p:clrMapOvr>
 </p:sldLayout>
 </file>
 
 <file path=ppt/slideLayouts/slideLayout6.xml><?xml version="1.0" encoding="utf-8"?>
-<p:sldLayout xmlns:a="http://schemas.openxmlformats.org/drawingml/2006/main" xmlns:p="http://schemas.openxmlformats.org/presentationml/2006/main" xmlns:r="http://schemas.openxmlformats.org/officeDocument/2006/relationships" xmlns:p14="http://schemas.microsoft.com/office/powerpoint/2010/main" xmlns:p15="http://schemas.microsoft.com/office/powerpoint/2012/main" xmlns:mc="http://schemas.openxmlformats.org/markup-compatibility/2006" type="objOnly" preserve="1">
+<p:sldLayout xmlns:a="http://schemas.openxmlformats.org/drawingml/2006/main" xmlns:r="http://schemas.openxmlformats.org/officeDocument/2006/relationships" xmlns:p="http://schemas.openxmlformats.org/presentationml/2006/main" type="objOnly" preserve="1">
   <p:cSld name="Centered Text">
     <p:spTree>
       <p:nvGrpSpPr>
@@ -6535,12 +6955,13 @@
           </a:prstGeom>
         </p:spPr>
         <p:txBody>
-          <a:bodyPr lIns="0" rIns="0" tIns="0" bIns="0" anchor="ctr">
+          <a:bodyPr lIns="0" tIns="0" rIns="0" bIns="0" anchor="ctr">
             <a:noAutofit/>
           </a:bodyPr>
+          <a:lstStyle/>
           <a:p>
             <a:pPr algn="ctr"/>
-            <a:endParaRPr b="0" lang="en-US" sz="3200" spc="-1" strike="noStrike">
+            <a:endParaRPr lang="en-US" sz="3200" b="0" strike="noStrike" spc="-1">
               <a:latin typeface="Arial"/>
             </a:endParaRPr>
           </a:p>
@@ -6548,11 +6969,14 @@
       </p:sp>
     </p:spTree>
   </p:cSld>
+  <p:clrMapOvr>
+    <a:masterClrMapping/>
+  </p:clrMapOvr>
 </p:sldLayout>
 </file>
 
 <file path=ppt/slideLayouts/slideLayout60.xml><?xml version="1.0" encoding="utf-8"?>
-<p:sldLayout xmlns:a="http://schemas.openxmlformats.org/drawingml/2006/main" xmlns:p="http://schemas.openxmlformats.org/presentationml/2006/main" xmlns:r="http://schemas.openxmlformats.org/officeDocument/2006/relationships" xmlns:p14="http://schemas.microsoft.com/office/powerpoint/2010/main" xmlns:p15="http://schemas.microsoft.com/office/powerpoint/2012/main" xmlns:mc="http://schemas.openxmlformats.org/markup-compatibility/2006" type="blank" preserve="1">
+<p:sldLayout xmlns:a="http://schemas.openxmlformats.org/drawingml/2006/main" xmlns:r="http://schemas.openxmlformats.org/officeDocument/2006/relationships" xmlns:p="http://schemas.openxmlformats.org/presentationml/2006/main" type="blank" preserve="1">
   <p:cSld name="Title, 6 Content">
     <p:spTree>
       <p:nvGrpSpPr>
@@ -6588,11 +7012,12 @@
           </a:prstGeom>
         </p:spPr>
         <p:txBody>
-          <a:bodyPr lIns="0" rIns="0" tIns="0" bIns="0" anchor="ctr">
+          <a:bodyPr lIns="0" tIns="0" rIns="0" bIns="0" anchor="ctr">
             <a:noAutofit/>
           </a:bodyPr>
-          <a:p>
-            <a:endParaRPr b="0" lang="en-US" sz="1800" spc="-1" strike="noStrike">
+          <a:lstStyle/>
+          <a:p>
+            <a:endParaRPr lang="en-US" sz="1800" b="0" strike="noStrike" spc="-1">
               <a:solidFill>
                 <a:srgbClr val="000000"/>
               </a:solidFill>
@@ -6621,11 +7046,12 @@
           </a:prstGeom>
         </p:spPr>
         <p:txBody>
-          <a:bodyPr lIns="0" rIns="0" tIns="0" bIns="0">
+          <a:bodyPr lIns="0" tIns="0" rIns="0" bIns="0">
             <a:normAutofit/>
           </a:bodyPr>
-          <a:p>
-            <a:endParaRPr b="0" lang="en-US" sz="2000" spc="-1" strike="noStrike">
+          <a:lstStyle/>
+          <a:p>
+            <a:endParaRPr lang="en-US" sz="2000" b="0" strike="noStrike" spc="-1">
               <a:solidFill>
                 <a:srgbClr val="404040"/>
               </a:solidFill>
@@ -6654,11 +7080,12 @@
           </a:prstGeom>
         </p:spPr>
         <p:txBody>
-          <a:bodyPr lIns="0" rIns="0" tIns="0" bIns="0">
+          <a:bodyPr lIns="0" tIns="0" rIns="0" bIns="0">
             <a:normAutofit/>
           </a:bodyPr>
-          <a:p>
-            <a:endParaRPr b="0" lang="en-US" sz="2000" spc="-1" strike="noStrike">
+          <a:lstStyle/>
+          <a:p>
+            <a:endParaRPr lang="en-US" sz="2000" b="0" strike="noStrike" spc="-1">
               <a:solidFill>
                 <a:srgbClr val="404040"/>
               </a:solidFill>
@@ -6687,11 +7114,12 @@
           </a:prstGeom>
         </p:spPr>
         <p:txBody>
-          <a:bodyPr lIns="0" rIns="0" tIns="0" bIns="0">
+          <a:bodyPr lIns="0" tIns="0" rIns="0" bIns="0">
             <a:normAutofit/>
           </a:bodyPr>
-          <a:p>
-            <a:endParaRPr b="0" lang="en-US" sz="2000" spc="-1" strike="noStrike">
+          <a:lstStyle/>
+          <a:p>
+            <a:endParaRPr lang="en-US" sz="2000" b="0" strike="noStrike" spc="-1">
               <a:solidFill>
                 <a:srgbClr val="404040"/>
               </a:solidFill>
@@ -6720,11 +7148,12 @@
           </a:prstGeom>
         </p:spPr>
         <p:txBody>
-          <a:bodyPr lIns="0" rIns="0" tIns="0" bIns="0">
+          <a:bodyPr lIns="0" tIns="0" rIns="0" bIns="0">
             <a:normAutofit/>
           </a:bodyPr>
-          <a:p>
-            <a:endParaRPr b="0" lang="en-US" sz="2000" spc="-1" strike="noStrike">
+          <a:lstStyle/>
+          <a:p>
+            <a:endParaRPr lang="en-US" sz="2000" b="0" strike="noStrike" spc="-1">
               <a:solidFill>
                 <a:srgbClr val="404040"/>
               </a:solidFill>
@@ -6753,11 +7182,12 @@
           </a:prstGeom>
         </p:spPr>
         <p:txBody>
-          <a:bodyPr lIns="0" rIns="0" tIns="0" bIns="0">
+          <a:bodyPr lIns="0" tIns="0" rIns="0" bIns="0">
             <a:normAutofit/>
           </a:bodyPr>
-          <a:p>
-            <a:endParaRPr b="0" lang="en-US" sz="2000" spc="-1" strike="noStrike">
+          <a:lstStyle/>
+          <a:p>
+            <a:endParaRPr lang="en-US" sz="2000" b="0" strike="noStrike" spc="-1">
               <a:solidFill>
                 <a:srgbClr val="404040"/>
               </a:solidFill>
@@ -6786,11 +7216,12 @@
           </a:prstGeom>
         </p:spPr>
         <p:txBody>
-          <a:bodyPr lIns="0" rIns="0" tIns="0" bIns="0">
+          <a:bodyPr lIns="0" tIns="0" rIns="0" bIns="0">
             <a:normAutofit/>
           </a:bodyPr>
-          <a:p>
-            <a:endParaRPr b="0" lang="en-US" sz="2000" spc="-1" strike="noStrike">
+          <a:lstStyle/>
+          <a:p>
+            <a:endParaRPr lang="en-US" sz="2000" b="0" strike="noStrike" spc="-1">
               <a:solidFill>
                 <a:srgbClr val="404040"/>
               </a:solidFill>
@@ -6801,11 +7232,14 @@
       </p:sp>
     </p:spTree>
   </p:cSld>
+  <p:clrMapOvr>
+    <a:masterClrMapping/>
+  </p:clrMapOvr>
 </p:sldLayout>
 </file>
 
 <file path=ppt/slideLayouts/slideLayout7.xml><?xml version="1.0" encoding="utf-8"?>
-<p:sldLayout xmlns:a="http://schemas.openxmlformats.org/drawingml/2006/main" xmlns:p="http://schemas.openxmlformats.org/presentationml/2006/main" xmlns:r="http://schemas.openxmlformats.org/officeDocument/2006/relationships" xmlns:p14="http://schemas.microsoft.com/office/powerpoint/2010/main" xmlns:p15="http://schemas.microsoft.com/office/powerpoint/2012/main" xmlns:mc="http://schemas.openxmlformats.org/markup-compatibility/2006" type="twoObjAndObj" preserve="1">
+<p:sldLayout xmlns:a="http://schemas.openxmlformats.org/drawingml/2006/main" xmlns:r="http://schemas.openxmlformats.org/officeDocument/2006/relationships" xmlns:p="http://schemas.openxmlformats.org/presentationml/2006/main" type="twoObjAndObj" preserve="1">
   <p:cSld name="Title, 2 Content and Content">
     <p:spTree>
       <p:nvGrpSpPr>
@@ -6841,11 +7275,12 @@
           </a:prstGeom>
         </p:spPr>
         <p:txBody>
-          <a:bodyPr lIns="0" rIns="0" tIns="0" bIns="0" anchor="ctr">
+          <a:bodyPr lIns="0" tIns="0" rIns="0" bIns="0" anchor="ctr">
             <a:noAutofit/>
           </a:bodyPr>
-          <a:p>
-            <a:endParaRPr b="0" lang="en-US" sz="1800" spc="-1" strike="noStrike">
+          <a:lstStyle/>
+          <a:p>
+            <a:endParaRPr lang="en-US" sz="1800" b="0" strike="noStrike" spc="-1">
               <a:solidFill>
                 <a:srgbClr val="000000"/>
               </a:solidFill>
@@ -6874,11 +7309,12 @@
           </a:prstGeom>
         </p:spPr>
         <p:txBody>
-          <a:bodyPr lIns="0" rIns="0" tIns="0" bIns="0">
+          <a:bodyPr lIns="0" tIns="0" rIns="0" bIns="0">
             <a:normAutofit/>
           </a:bodyPr>
-          <a:p>
-            <a:endParaRPr b="0" lang="en-US" sz="2000" spc="-1" strike="noStrike">
+          <a:lstStyle/>
+          <a:p>
+            <a:endParaRPr lang="en-US" sz="2000" b="0" strike="noStrike" spc="-1">
               <a:solidFill>
                 <a:srgbClr val="404040"/>
               </a:solidFill>
@@ -6907,11 +7343,12 @@
           </a:prstGeom>
         </p:spPr>
         <p:txBody>
-          <a:bodyPr lIns="0" rIns="0" tIns="0" bIns="0">
+          <a:bodyPr lIns="0" tIns="0" rIns="0" bIns="0">
             <a:normAutofit/>
           </a:bodyPr>
-          <a:p>
-            <a:endParaRPr b="0" lang="en-US" sz="2000" spc="-1" strike="noStrike">
+          <a:lstStyle/>
+          <a:p>
+            <a:endParaRPr lang="en-US" sz="2000" b="0" strike="noStrike" spc="-1">
               <a:solidFill>
                 <a:srgbClr val="404040"/>
               </a:solidFill>
@@ -6940,11 +7377,12 @@
           </a:prstGeom>
         </p:spPr>
         <p:txBody>
-          <a:bodyPr lIns="0" rIns="0" tIns="0" bIns="0">
+          <a:bodyPr lIns="0" tIns="0" rIns="0" bIns="0">
             <a:normAutofit/>
           </a:bodyPr>
-          <a:p>
-            <a:endParaRPr b="0" lang="en-US" sz="2000" spc="-1" strike="noStrike">
+          <a:lstStyle/>
+          <a:p>
+            <a:endParaRPr lang="en-US" sz="2000" b="0" strike="noStrike" spc="-1">
               <a:solidFill>
                 <a:srgbClr val="404040"/>
               </a:solidFill>
@@ -6955,11 +7393,14 @@
       </p:sp>
     </p:spTree>
   </p:cSld>
+  <p:clrMapOvr>
+    <a:masterClrMapping/>
+  </p:clrMapOvr>
 </p:sldLayout>
 </file>
 
 <file path=ppt/slideLayouts/slideLayout8.xml><?xml version="1.0" encoding="utf-8"?>
-<p:sldLayout xmlns:a="http://schemas.openxmlformats.org/drawingml/2006/main" xmlns:p="http://schemas.openxmlformats.org/presentationml/2006/main" xmlns:r="http://schemas.openxmlformats.org/officeDocument/2006/relationships" xmlns:p14="http://schemas.microsoft.com/office/powerpoint/2010/main" xmlns:p15="http://schemas.microsoft.com/office/powerpoint/2012/main" xmlns:mc="http://schemas.openxmlformats.org/markup-compatibility/2006" type="objAndTwoObj" preserve="1">
+<p:sldLayout xmlns:a="http://schemas.openxmlformats.org/drawingml/2006/main" xmlns:r="http://schemas.openxmlformats.org/officeDocument/2006/relationships" xmlns:p="http://schemas.openxmlformats.org/presentationml/2006/main" type="objAndTwoObj" preserve="1">
   <p:cSld name="Title Content and 2 Content">
     <p:spTree>
       <p:nvGrpSpPr>
@@ -6995,11 +7436,12 @@
           </a:prstGeom>
         </p:spPr>
         <p:txBody>
-          <a:bodyPr lIns="0" rIns="0" tIns="0" bIns="0" anchor="ctr">
+          <a:bodyPr lIns="0" tIns="0" rIns="0" bIns="0" anchor="ctr">
             <a:noAutofit/>
           </a:bodyPr>
-          <a:p>
-            <a:endParaRPr b="0" lang="en-US" sz="1800" spc="-1" strike="noStrike">
+          <a:lstStyle/>
+          <a:p>
+            <a:endParaRPr lang="en-US" sz="1800" b="0" strike="noStrike" spc="-1">
               <a:solidFill>
                 <a:srgbClr val="000000"/>
               </a:solidFill>
@@ -7028,11 +7470,12 @@
           </a:prstGeom>
         </p:spPr>
         <p:txBody>
-          <a:bodyPr lIns="0" rIns="0" tIns="0" bIns="0">
+          <a:bodyPr lIns="0" tIns="0" rIns="0" bIns="0">
             <a:normAutofit/>
           </a:bodyPr>
-          <a:p>
-            <a:endParaRPr b="0" lang="en-US" sz="2000" spc="-1" strike="noStrike">
+          <a:lstStyle/>
+          <a:p>
+            <a:endParaRPr lang="en-US" sz="2000" b="0" strike="noStrike" spc="-1">
               <a:solidFill>
                 <a:srgbClr val="404040"/>
               </a:solidFill>
@@ -7061,11 +7504,12 @@
           </a:prstGeom>
         </p:spPr>
         <p:txBody>
-          <a:bodyPr lIns="0" rIns="0" tIns="0" bIns="0">
+          <a:bodyPr lIns="0" tIns="0" rIns="0" bIns="0">
             <a:normAutofit/>
           </a:bodyPr>
-          <a:p>
-            <a:endParaRPr b="0" lang="en-US" sz="2000" spc="-1" strike="noStrike">
+          <a:lstStyle/>
+          <a:p>
+            <a:endParaRPr lang="en-US" sz="2000" b="0" strike="noStrike" spc="-1">
               <a:solidFill>
                 <a:srgbClr val="404040"/>
               </a:solidFill>
@@ -7094,11 +7538,12 @@
           </a:prstGeom>
         </p:spPr>
         <p:txBody>
-          <a:bodyPr lIns="0" rIns="0" tIns="0" bIns="0">
+          <a:bodyPr lIns="0" tIns="0" rIns="0" bIns="0">
             <a:normAutofit/>
           </a:bodyPr>
-          <a:p>
-            <a:endParaRPr b="0" lang="en-US" sz="2000" spc="-1" strike="noStrike">
+          <a:lstStyle/>
+          <a:p>
+            <a:endParaRPr lang="en-US" sz="2000" b="0" strike="noStrike" spc="-1">
               <a:solidFill>
                 <a:srgbClr val="404040"/>
               </a:solidFill>
@@ -7109,11 +7554,14 @@
       </p:sp>
     </p:spTree>
   </p:cSld>
+  <p:clrMapOvr>
+    <a:masterClrMapping/>
+  </p:clrMapOvr>
 </p:sldLayout>
 </file>
 
 <file path=ppt/slideLayouts/slideLayout9.xml><?xml version="1.0" encoding="utf-8"?>
-<p:sldLayout xmlns:a="http://schemas.openxmlformats.org/drawingml/2006/main" xmlns:p="http://schemas.openxmlformats.org/presentationml/2006/main" xmlns:r="http://schemas.openxmlformats.org/officeDocument/2006/relationships" xmlns:p14="http://schemas.microsoft.com/office/powerpoint/2010/main" xmlns:p15="http://schemas.microsoft.com/office/powerpoint/2012/main" xmlns:mc="http://schemas.openxmlformats.org/markup-compatibility/2006" type="twoObjOverTx" preserve="1">
+<p:sldLayout xmlns:a="http://schemas.openxmlformats.org/drawingml/2006/main" xmlns:r="http://schemas.openxmlformats.org/officeDocument/2006/relationships" xmlns:p="http://schemas.openxmlformats.org/presentationml/2006/main" type="twoObjOverTx" preserve="1">
   <p:cSld name="Title, 2 Content over Content">
     <p:spTree>
       <p:nvGrpSpPr>
@@ -7149,11 +7597,12 @@
           </a:prstGeom>
         </p:spPr>
         <p:txBody>
-          <a:bodyPr lIns="0" rIns="0" tIns="0" bIns="0" anchor="ctr">
+          <a:bodyPr lIns="0" tIns="0" rIns="0" bIns="0" anchor="ctr">
             <a:noAutofit/>
           </a:bodyPr>
-          <a:p>
-            <a:endParaRPr b="0" lang="en-US" sz="1800" spc="-1" strike="noStrike">
+          <a:lstStyle/>
+          <a:p>
+            <a:endParaRPr lang="en-US" sz="1800" b="0" strike="noStrike" spc="-1">
               <a:solidFill>
                 <a:srgbClr val="000000"/>
               </a:solidFill>
@@ -7182,11 +7631,12 @@
           </a:prstGeom>
         </p:spPr>
         <p:txBody>
-          <a:bodyPr lIns="0" rIns="0" tIns="0" bIns="0">
+          <a:bodyPr lIns="0" tIns="0" rIns="0" bIns="0">
             <a:normAutofit/>
           </a:bodyPr>
-          <a:p>
-            <a:endParaRPr b="0" lang="en-US" sz="2000" spc="-1" strike="noStrike">
+          <a:lstStyle/>
+          <a:p>
+            <a:endParaRPr lang="en-US" sz="2000" b="0" strike="noStrike" spc="-1">
               <a:solidFill>
                 <a:srgbClr val="404040"/>
               </a:solidFill>
@@ -7215,11 +7665,12 @@
           </a:prstGeom>
         </p:spPr>
         <p:txBody>
-          <a:bodyPr lIns="0" rIns="0" tIns="0" bIns="0">
+          <a:bodyPr lIns="0" tIns="0" rIns="0" bIns="0">
             <a:normAutofit/>
           </a:bodyPr>
-          <a:p>
-            <a:endParaRPr b="0" lang="en-US" sz="2000" spc="-1" strike="noStrike">
+          <a:lstStyle/>
+          <a:p>
+            <a:endParaRPr lang="en-US" sz="2000" b="0" strike="noStrike" spc="-1">
               <a:solidFill>
                 <a:srgbClr val="404040"/>
               </a:solidFill>
@@ -7248,11 +7699,12 @@
           </a:prstGeom>
         </p:spPr>
         <p:txBody>
-          <a:bodyPr lIns="0" rIns="0" tIns="0" bIns="0">
+          <a:bodyPr lIns="0" tIns="0" rIns="0" bIns="0">
             <a:normAutofit/>
           </a:bodyPr>
-          <a:p>
-            <a:endParaRPr b="0" lang="en-US" sz="2000" spc="-1" strike="noStrike">
+          <a:lstStyle/>
+          <a:p>
+            <a:endParaRPr lang="en-US" sz="2000" b="0" strike="noStrike" spc="-1">
               <a:solidFill>
                 <a:srgbClr val="404040"/>
               </a:solidFill>
@@ -7263,17 +7715,21 @@
       </p:sp>
     </p:spTree>
   </p:cSld>
+  <p:clrMapOvr>
+    <a:masterClrMapping/>
+  </p:clrMapOvr>
 </p:sldLayout>
 </file>
 
 <file path=ppt/slideMasters/slideMaster1.xml><?xml version="1.0" encoding="utf-8"?>
-<p:sldMaster xmlns:a="http://schemas.openxmlformats.org/drawingml/2006/main" xmlns:p="http://schemas.openxmlformats.org/presentationml/2006/main" xmlns:r="http://schemas.openxmlformats.org/officeDocument/2006/relationships" xmlns:p14="http://schemas.microsoft.com/office/powerpoint/2010/main" xmlns:p15="http://schemas.microsoft.com/office/powerpoint/2012/main" xmlns:mc="http://schemas.openxmlformats.org/markup-compatibility/2006">
+<p:sldMaster xmlns:a="http://schemas.openxmlformats.org/drawingml/2006/main" xmlns:r="http://schemas.openxmlformats.org/officeDocument/2006/relationships" xmlns:p="http://schemas.openxmlformats.org/presentationml/2006/main">
   <p:cSld>
     <p:bg>
       <p:bgPr>
         <a:solidFill>
-          <a:srgbClr val="ffffff"/>
+          <a:srgbClr val="FFFFFF"/>
         </a:solidFill>
+        <a:effectLst/>
       </p:bgPr>
     </p:bg>
     <p:spTree>
@@ -7292,7 +7748,7 @@
       </p:grpSpPr>
       <p:sp>
         <p:nvSpPr>
-          <p:cNvPr id="0" name="CustomShape 1" hidden="1"/>
+          <p:cNvPr id="11" name="CustomShape 1" hidden="1"/>
           <p:cNvSpPr/>
           <p:nvPr/>
         </p:nvSpPr>
@@ -7328,7 +7784,7 @@
       </p:sp>
       <p:sp>
         <p:nvSpPr>
-          <p:cNvPr id="1" name="CustomShape 2" hidden="1"/>
+          <p:cNvPr id="12" name="CustomShape 2" hidden="1"/>
           <p:cNvSpPr/>
           <p:nvPr/>
         </p:nvSpPr>
@@ -7494,6 +7950,7 @@
           <a:bodyPr anchor="b">
             <a:normAutofit/>
           </a:bodyPr>
+          <a:lstStyle/>
           <a:p>
             <a:pPr>
               <a:lnSpc>
@@ -7501,7 +7958,7 @@
               </a:lnSpc>
             </a:pPr>
             <a:r>
-              <a:rPr b="0" lang="en-US" sz="8000" spc="-52" strike="noStrike">
+              <a:rPr lang="en-US" sz="8000" b="0" strike="noStrike" spc="-52">
                 <a:solidFill>
                   <a:srgbClr val="262626"/>
                 </a:solidFill>
@@ -7509,7 +7966,7 @@
               </a:rPr>
               <a:t>Click to edit Master title style</a:t>
             </a:r>
-            <a:endParaRPr b="0" lang="en-US" sz="8000" spc="-1" strike="noStrike">
+            <a:endParaRPr lang="en-US" sz="8000" b="0" strike="noStrike" spc="-1">
               <a:solidFill>
                 <a:srgbClr val="000000"/>
               </a:solidFill>
@@ -7541,6 +7998,7 @@
           <a:bodyPr anchor="ctr">
             <a:noAutofit/>
           </a:bodyPr>
+          <a:lstStyle/>
           <a:p>
             <a:pPr>
               <a:lnSpc>
@@ -7548,15 +8006,15 @@
               </a:lnSpc>
             </a:pPr>
             <a:fld id="{8AA06DB6-6A2C-45EA-BFE0-5C5D64919E3E}" type="datetime">
-              <a:rPr b="0" lang="en-US" sz="900" spc="-1" strike="noStrike">
+              <a:rPr lang="en-US" sz="900" b="0" strike="noStrike" spc="-1">
                 <a:solidFill>
-                  <a:srgbClr val="ffffff"/>
+                  <a:srgbClr val="FFFFFF"/>
                 </a:solidFill>
                 <a:latin typeface="Calibri"/>
               </a:rPr>
-              <a:t>9/23/20</a:t>
+              <a:t>11/17/2020</a:t>
             </a:fld>
-            <a:endParaRPr b="0" lang="en-US" sz="900" spc="-1" strike="noStrike">
+            <a:endParaRPr lang="en-US" sz="900" b="0" strike="noStrike" spc="-1">
               <a:latin typeface="Times New Roman"/>
             </a:endParaRPr>
           </a:p>
@@ -7585,8 +8043,9 @@
           <a:bodyPr anchor="ctr">
             <a:noAutofit/>
           </a:bodyPr>
-          <a:p>
-            <a:endParaRPr b="0" lang="en-US" sz="2400" spc="-1" strike="noStrike">
+          <a:lstStyle/>
+          <a:p>
+            <a:endParaRPr lang="en-US" sz="2400" b="0" strike="noStrike" spc="-1">
               <a:latin typeface="Times New Roman"/>
             </a:endParaRPr>
           </a:p>
@@ -7615,6 +8074,7 @@
           <a:bodyPr anchor="ctr">
             <a:noAutofit/>
           </a:bodyPr>
+          <a:lstStyle/>
           <a:p>
             <a:pPr algn="r">
               <a:lnSpc>
@@ -7622,15 +8082,15 @@
               </a:lnSpc>
             </a:pPr>
             <a:fld id="{94CC4122-B58D-439D-9D98-981C2C1E5655}" type="slidenum">
-              <a:rPr b="0" lang="en-US" sz="1050" spc="-1" strike="noStrike">
+              <a:rPr lang="en-US" sz="1050" b="0" strike="noStrike" spc="-1">
                 <a:solidFill>
-                  <a:srgbClr val="ffffff"/>
+                  <a:srgbClr val="FFFFFF"/>
                 </a:solidFill>
                 <a:latin typeface="Calibri"/>
               </a:rPr>
-              <a:t>&lt;number&gt;</a:t>
+              <a:t>‹#›</a:t>
             </a:fld>
-            <a:endParaRPr b="0" lang="en-US" sz="1050" spc="-1" strike="noStrike">
+            <a:endParaRPr lang="en-US" sz="1050" b="0" strike="noStrike" spc="-1">
               <a:latin typeface="Times New Roman"/>
             </a:endParaRPr>
           </a:p>
@@ -7693,9 +8153,10 @@
           </a:prstGeom>
         </p:spPr>
         <p:txBody>
-          <a:bodyPr lIns="0" rIns="0" tIns="0" bIns="0">
+          <a:bodyPr lIns="0" tIns="0" rIns="0" bIns="0">
             <a:normAutofit/>
           </a:bodyPr>
+          <a:lstStyle/>
           <a:p>
             <a:pPr marL="432000" indent="-324000">
               <a:spcBef>
@@ -7709,7 +8170,7 @@
               <a:buChar char=""/>
             </a:pPr>
             <a:r>
-              <a:rPr b="0" lang="en-US" sz="2000" spc="-1" strike="noStrike">
+              <a:rPr lang="en-US" sz="2000" b="0" strike="noStrike" spc="-1">
                 <a:solidFill>
                   <a:srgbClr val="404040"/>
                 </a:solidFill>
@@ -7717,15 +8178,9 @@
               </a:rPr>
               <a:t>Click to edit the outline text format</a:t>
             </a:r>
-            <a:endParaRPr b="0" lang="en-US" sz="2000" spc="-1" strike="noStrike">
-              <a:solidFill>
-                <a:srgbClr val="404040"/>
-              </a:solidFill>
-              <a:latin typeface="Calibri"/>
-            </a:endParaRPr>
-          </a:p>
-          <a:p>
-            <a:pPr lvl="1" marL="864000" indent="-324000">
+          </a:p>
+          <a:p>
+            <a:pPr marL="864000" lvl="1" indent="-324000">
               <a:spcBef>
                 <a:spcPts val="1134"/>
               </a:spcBef>
@@ -7737,7 +8192,7 @@
               <a:buChar char=""/>
             </a:pPr>
             <a:r>
-              <a:rPr b="0" lang="en-US" sz="1400" spc="-1" strike="noStrike">
+              <a:rPr lang="en-US" sz="1400" b="0" strike="noStrike" spc="-1">
                 <a:solidFill>
                   <a:srgbClr val="404040"/>
                 </a:solidFill>
@@ -7745,15 +8200,9 @@
               </a:rPr>
               <a:t>Second Outline Level</a:t>
             </a:r>
-            <a:endParaRPr b="0" lang="en-US" sz="1400" spc="-1" strike="noStrike">
-              <a:solidFill>
-                <a:srgbClr val="404040"/>
-              </a:solidFill>
-              <a:latin typeface="Calibri"/>
-            </a:endParaRPr>
-          </a:p>
-          <a:p>
-            <a:pPr lvl="2" marL="1296000" indent="-288000">
+          </a:p>
+          <a:p>
+            <a:pPr marL="1296000" lvl="2" indent="-288000">
               <a:spcBef>
                 <a:spcPts val="850"/>
               </a:spcBef>
@@ -7765,7 +8214,7 @@
               <a:buChar char=""/>
             </a:pPr>
             <a:r>
-              <a:rPr b="0" lang="en-US" sz="1400" spc="-1" strike="noStrike">
+              <a:rPr lang="en-US" sz="1400" b="0" strike="noStrike" spc="-1">
                 <a:solidFill>
                   <a:srgbClr val="404040"/>
                 </a:solidFill>
@@ -7773,15 +8222,9 @@
               </a:rPr>
               <a:t>Third Outline Level</a:t>
             </a:r>
-            <a:endParaRPr b="0" lang="en-US" sz="1400" spc="-1" strike="noStrike">
-              <a:solidFill>
-                <a:srgbClr val="404040"/>
-              </a:solidFill>
-              <a:latin typeface="Calibri"/>
-            </a:endParaRPr>
-          </a:p>
-          <a:p>
-            <a:pPr lvl="3" marL="1728000" indent="-216000">
+          </a:p>
+          <a:p>
+            <a:pPr marL="1728000" lvl="3" indent="-216000">
               <a:spcBef>
                 <a:spcPts val="567"/>
               </a:spcBef>
@@ -7793,7 +8236,7 @@
               <a:buChar char=""/>
             </a:pPr>
             <a:r>
-              <a:rPr b="0" lang="en-US" sz="1400" spc="-1" strike="noStrike">
+              <a:rPr lang="en-US" sz="1400" b="0" strike="noStrike" spc="-1">
                 <a:solidFill>
                   <a:srgbClr val="404040"/>
                 </a:solidFill>
@@ -7801,15 +8244,9 @@
               </a:rPr>
               <a:t>Fourth Outline Level</a:t>
             </a:r>
-            <a:endParaRPr b="0" lang="en-US" sz="1400" spc="-1" strike="noStrike">
-              <a:solidFill>
-                <a:srgbClr val="404040"/>
-              </a:solidFill>
-              <a:latin typeface="Calibri"/>
-            </a:endParaRPr>
-          </a:p>
-          <a:p>
-            <a:pPr lvl="4" marL="2160000" indent="-216000">
+          </a:p>
+          <a:p>
+            <a:pPr marL="2160000" lvl="4" indent="-216000">
               <a:spcBef>
                 <a:spcPts val="283"/>
               </a:spcBef>
@@ -7821,7 +8258,7 @@
               <a:buChar char=""/>
             </a:pPr>
             <a:r>
-              <a:rPr b="0" lang="en-US" sz="2000" spc="-1" strike="noStrike">
+              <a:rPr lang="en-US" sz="2000" b="0" strike="noStrike" spc="-1">
                 <a:solidFill>
                   <a:srgbClr val="404040"/>
                 </a:solidFill>
@@ -7829,15 +8266,9 @@
               </a:rPr>
               <a:t>Fifth Outline Level</a:t>
             </a:r>
-            <a:endParaRPr b="0" lang="en-US" sz="2000" spc="-1" strike="noStrike">
-              <a:solidFill>
-                <a:srgbClr val="404040"/>
-              </a:solidFill>
-              <a:latin typeface="Calibri"/>
-            </a:endParaRPr>
-          </a:p>
-          <a:p>
-            <a:pPr lvl="5" marL="2592000" indent="-216000">
+          </a:p>
+          <a:p>
+            <a:pPr marL="2592000" lvl="5" indent="-216000">
               <a:spcBef>
                 <a:spcPts val="283"/>
               </a:spcBef>
@@ -7849,7 +8280,7 @@
               <a:buChar char=""/>
             </a:pPr>
             <a:r>
-              <a:rPr b="0" lang="en-US" sz="2000" spc="-1" strike="noStrike">
+              <a:rPr lang="en-US" sz="2000" b="0" strike="noStrike" spc="-1">
                 <a:solidFill>
                   <a:srgbClr val="404040"/>
                 </a:solidFill>
@@ -7857,15 +8288,9 @@
               </a:rPr>
               <a:t>Sixth Outline Level</a:t>
             </a:r>
-            <a:endParaRPr b="0" lang="en-US" sz="2000" spc="-1" strike="noStrike">
-              <a:solidFill>
-                <a:srgbClr val="404040"/>
-              </a:solidFill>
-              <a:latin typeface="Calibri"/>
-            </a:endParaRPr>
-          </a:p>
-          <a:p>
-            <a:pPr lvl="6" marL="3024000" indent="-216000">
+          </a:p>
+          <a:p>
+            <a:pPr marL="3024000" lvl="6" indent="-216000">
               <a:spcBef>
                 <a:spcPts val="283"/>
               </a:spcBef>
@@ -7877,7 +8302,7 @@
               <a:buChar char=""/>
             </a:pPr>
             <a:r>
-              <a:rPr b="0" lang="en-US" sz="2000" spc="-1" strike="noStrike">
+              <a:rPr lang="en-US" sz="2000" b="0" strike="noStrike" spc="-1">
                 <a:solidFill>
                   <a:srgbClr val="404040"/>
                 </a:solidFill>
@@ -7885,43 +8310,318 @@
               </a:rPr>
               <a:t>Seventh Outline Level</a:t>
             </a:r>
-            <a:endParaRPr b="0" lang="en-US" sz="2000" spc="-1" strike="noStrike">
-              <a:solidFill>
-                <a:srgbClr val="404040"/>
-              </a:solidFill>
-              <a:latin typeface="Calibri"/>
-            </a:endParaRPr>
           </a:p>
         </p:txBody>
       </p:sp>
     </p:spTree>
   </p:cSld>
-  <p:clrMap bg1="lt1" bg2="lt2" tx1="dk1" tx2="dk2" accent1="accent1" accent2="accent2" accent3="accent3" accent4="accent4" accent5="accent5" accent6="accent6" hlink="hlink" folHlink="folHlink"/>
+  <p:clrMap bg1="lt1" tx1="dk1" bg2="lt2" tx2="dk2" accent1="accent1" accent2="accent2" accent3="accent3" accent4="accent4" accent5="accent5" accent6="accent6" hlink="hlink" folHlink="folHlink"/>
   <p:sldLayoutIdLst>
-    <p:sldLayoutId id="2147483649" r:id="rId2"/>
-    <p:sldLayoutId id="2147483650" r:id="rId3"/>
-    <p:sldLayoutId id="2147483651" r:id="rId4"/>
-    <p:sldLayoutId id="2147483652" r:id="rId5"/>
-    <p:sldLayoutId id="2147483653" r:id="rId6"/>
-    <p:sldLayoutId id="2147483654" r:id="rId7"/>
-    <p:sldLayoutId id="2147483655" r:id="rId8"/>
-    <p:sldLayoutId id="2147483656" r:id="rId9"/>
-    <p:sldLayoutId id="2147483657" r:id="rId10"/>
-    <p:sldLayoutId id="2147483658" r:id="rId11"/>
-    <p:sldLayoutId id="2147483659" r:id="rId12"/>
-    <p:sldLayoutId id="2147483660" r:id="rId13"/>
+    <p:sldLayoutId id="2147483649" r:id="rId1"/>
+    <p:sldLayoutId id="2147483650" r:id="rId2"/>
+    <p:sldLayoutId id="2147483651" r:id="rId3"/>
+    <p:sldLayoutId id="2147483652" r:id="rId4"/>
+    <p:sldLayoutId id="2147483653" r:id="rId5"/>
+    <p:sldLayoutId id="2147483654" r:id="rId6"/>
+    <p:sldLayoutId id="2147483655" r:id="rId7"/>
+    <p:sldLayoutId id="2147483656" r:id="rId8"/>
+    <p:sldLayoutId id="2147483657" r:id="rId9"/>
+    <p:sldLayoutId id="2147483658" r:id="rId10"/>
+    <p:sldLayoutId id="2147483659" r:id="rId11"/>
+    <p:sldLayoutId id="2147483660" r:id="rId12"/>
   </p:sldLayoutIdLst>
+  <p:txStyles>
+    <p:titleStyle>
+      <a:lvl1pPr algn="l" defTabSz="914400" rtl="0" eaLnBrk="1" latinLnBrk="0" hangingPunct="1">
+        <a:lnSpc>
+          <a:spcPct val="90000"/>
+        </a:lnSpc>
+        <a:spcBef>
+          <a:spcPct val="0"/>
+        </a:spcBef>
+        <a:buNone/>
+        <a:defRPr sz="4400" kern="1200">
+          <a:solidFill>
+            <a:schemeClr val="tx1"/>
+          </a:solidFill>
+          <a:latin typeface="+mj-lt"/>
+          <a:ea typeface="+mj-ea"/>
+          <a:cs typeface="+mj-cs"/>
+        </a:defRPr>
+      </a:lvl1pPr>
+    </p:titleStyle>
+    <p:bodyStyle>
+      <a:lvl1pPr marL="228600" indent="-228600" algn="l" defTabSz="914400" rtl="0" eaLnBrk="1" latinLnBrk="0" hangingPunct="1">
+        <a:lnSpc>
+          <a:spcPct val="90000"/>
+        </a:lnSpc>
+        <a:spcBef>
+          <a:spcPts val="1000"/>
+        </a:spcBef>
+        <a:buFont typeface="Arial" panose="020B0604020202020204" pitchFamily="34" charset="0"/>
+        <a:buChar char="•"/>
+        <a:defRPr sz="2800" kern="1200">
+          <a:solidFill>
+            <a:schemeClr val="tx1"/>
+          </a:solidFill>
+          <a:latin typeface="+mn-lt"/>
+          <a:ea typeface="+mn-ea"/>
+          <a:cs typeface="+mn-cs"/>
+        </a:defRPr>
+      </a:lvl1pPr>
+      <a:lvl2pPr marL="685800" indent="-228600" algn="l" defTabSz="914400" rtl="0" eaLnBrk="1" latinLnBrk="0" hangingPunct="1">
+        <a:lnSpc>
+          <a:spcPct val="90000"/>
+        </a:lnSpc>
+        <a:spcBef>
+          <a:spcPts val="500"/>
+        </a:spcBef>
+        <a:buFont typeface="Arial" panose="020B0604020202020204" pitchFamily="34" charset="0"/>
+        <a:buChar char="•"/>
+        <a:defRPr sz="2400" kern="1200">
+          <a:solidFill>
+            <a:schemeClr val="tx1"/>
+          </a:solidFill>
+          <a:latin typeface="+mn-lt"/>
+          <a:ea typeface="+mn-ea"/>
+          <a:cs typeface="+mn-cs"/>
+        </a:defRPr>
+      </a:lvl2pPr>
+      <a:lvl3pPr marL="1143000" indent="-228600" algn="l" defTabSz="914400" rtl="0" eaLnBrk="1" latinLnBrk="0" hangingPunct="1">
+        <a:lnSpc>
+          <a:spcPct val="90000"/>
+        </a:lnSpc>
+        <a:spcBef>
+          <a:spcPts val="500"/>
+        </a:spcBef>
+        <a:buFont typeface="Arial" panose="020B0604020202020204" pitchFamily="34" charset="0"/>
+        <a:buChar char="•"/>
+        <a:defRPr sz="2000" kern="1200">
+          <a:solidFill>
+            <a:schemeClr val="tx1"/>
+          </a:solidFill>
+          <a:latin typeface="+mn-lt"/>
+          <a:ea typeface="+mn-ea"/>
+          <a:cs typeface="+mn-cs"/>
+        </a:defRPr>
+      </a:lvl3pPr>
+      <a:lvl4pPr marL="1600200" indent="-228600" algn="l" defTabSz="914400" rtl="0" eaLnBrk="1" latinLnBrk="0" hangingPunct="1">
+        <a:lnSpc>
+          <a:spcPct val="90000"/>
+        </a:lnSpc>
+        <a:spcBef>
+          <a:spcPts val="500"/>
+        </a:spcBef>
+        <a:buFont typeface="Arial" panose="020B0604020202020204" pitchFamily="34" charset="0"/>
+        <a:buChar char="•"/>
+        <a:defRPr sz="1800" kern="1200">
+          <a:solidFill>
+            <a:schemeClr val="tx1"/>
+          </a:solidFill>
+          <a:latin typeface="+mn-lt"/>
+          <a:ea typeface="+mn-ea"/>
+          <a:cs typeface="+mn-cs"/>
+        </a:defRPr>
+      </a:lvl4pPr>
+      <a:lvl5pPr marL="2057400" indent="-228600" algn="l" defTabSz="914400" rtl="0" eaLnBrk="1" latinLnBrk="0" hangingPunct="1">
+        <a:lnSpc>
+          <a:spcPct val="90000"/>
+        </a:lnSpc>
+        <a:spcBef>
+          <a:spcPts val="500"/>
+        </a:spcBef>
+        <a:buFont typeface="Arial" panose="020B0604020202020204" pitchFamily="34" charset="0"/>
+        <a:buChar char="•"/>
+        <a:defRPr sz="1800" kern="1200">
+          <a:solidFill>
+            <a:schemeClr val="tx1"/>
+          </a:solidFill>
+          <a:latin typeface="+mn-lt"/>
+          <a:ea typeface="+mn-ea"/>
+          <a:cs typeface="+mn-cs"/>
+        </a:defRPr>
+      </a:lvl5pPr>
+      <a:lvl6pPr marL="2514600" indent="-228600" algn="l" defTabSz="914400" rtl="0" eaLnBrk="1" latinLnBrk="0" hangingPunct="1">
+        <a:lnSpc>
+          <a:spcPct val="90000"/>
+        </a:lnSpc>
+        <a:spcBef>
+          <a:spcPts val="500"/>
+        </a:spcBef>
+        <a:buFont typeface="Arial" panose="020B0604020202020204" pitchFamily="34" charset="0"/>
+        <a:buChar char="•"/>
+        <a:defRPr sz="1800" kern="1200">
+          <a:solidFill>
+            <a:schemeClr val="tx1"/>
+          </a:solidFill>
+          <a:latin typeface="+mn-lt"/>
+          <a:ea typeface="+mn-ea"/>
+          <a:cs typeface="+mn-cs"/>
+        </a:defRPr>
+      </a:lvl6pPr>
+      <a:lvl7pPr marL="2971800" indent="-228600" algn="l" defTabSz="914400" rtl="0" eaLnBrk="1" latinLnBrk="0" hangingPunct="1">
+        <a:lnSpc>
+          <a:spcPct val="90000"/>
+        </a:lnSpc>
+        <a:spcBef>
+          <a:spcPts val="500"/>
+        </a:spcBef>
+        <a:buFont typeface="Arial" panose="020B0604020202020204" pitchFamily="34" charset="0"/>
+        <a:buChar char="•"/>
+        <a:defRPr sz="1800" kern="1200">
+          <a:solidFill>
+            <a:schemeClr val="tx1"/>
+          </a:solidFill>
+          <a:latin typeface="+mn-lt"/>
+          <a:ea typeface="+mn-ea"/>
+          <a:cs typeface="+mn-cs"/>
+        </a:defRPr>
+      </a:lvl7pPr>
+      <a:lvl8pPr marL="3429000" indent="-228600" algn="l" defTabSz="914400" rtl="0" eaLnBrk="1" latinLnBrk="0" hangingPunct="1">
+        <a:lnSpc>
+          <a:spcPct val="90000"/>
+        </a:lnSpc>
+        <a:spcBef>
+          <a:spcPts val="500"/>
+        </a:spcBef>
+        <a:buFont typeface="Arial" panose="020B0604020202020204" pitchFamily="34" charset="0"/>
+        <a:buChar char="•"/>
+        <a:defRPr sz="1800" kern="1200">
+          <a:solidFill>
+            <a:schemeClr val="tx1"/>
+          </a:solidFill>
+          <a:latin typeface="+mn-lt"/>
+          <a:ea typeface="+mn-ea"/>
+          <a:cs typeface="+mn-cs"/>
+        </a:defRPr>
+      </a:lvl8pPr>
+      <a:lvl9pPr marL="3886200" indent="-228600" algn="l" defTabSz="914400" rtl="0" eaLnBrk="1" latinLnBrk="0" hangingPunct="1">
+        <a:lnSpc>
+          <a:spcPct val="90000"/>
+        </a:lnSpc>
+        <a:spcBef>
+          <a:spcPts val="500"/>
+        </a:spcBef>
+        <a:buFont typeface="Arial" panose="020B0604020202020204" pitchFamily="34" charset="0"/>
+        <a:buChar char="•"/>
+        <a:defRPr sz="1800" kern="1200">
+          <a:solidFill>
+            <a:schemeClr val="tx1"/>
+          </a:solidFill>
+          <a:latin typeface="+mn-lt"/>
+          <a:ea typeface="+mn-ea"/>
+          <a:cs typeface="+mn-cs"/>
+        </a:defRPr>
+      </a:lvl9pPr>
+    </p:bodyStyle>
+    <p:otherStyle>
+      <a:defPPr>
+        <a:defRPr lang="en-US"/>
+      </a:defPPr>
+      <a:lvl1pPr marL="0" algn="l" defTabSz="914400" rtl="0" eaLnBrk="1" latinLnBrk="0" hangingPunct="1">
+        <a:defRPr sz="1800" kern="1200">
+          <a:solidFill>
+            <a:schemeClr val="tx1"/>
+          </a:solidFill>
+          <a:latin typeface="+mn-lt"/>
+          <a:ea typeface="+mn-ea"/>
+          <a:cs typeface="+mn-cs"/>
+        </a:defRPr>
+      </a:lvl1pPr>
+      <a:lvl2pPr marL="457200" algn="l" defTabSz="914400" rtl="0" eaLnBrk="1" latinLnBrk="0" hangingPunct="1">
+        <a:defRPr sz="1800" kern="1200">
+          <a:solidFill>
+            <a:schemeClr val="tx1"/>
+          </a:solidFill>
+          <a:latin typeface="+mn-lt"/>
+          <a:ea typeface="+mn-ea"/>
+          <a:cs typeface="+mn-cs"/>
+        </a:defRPr>
+      </a:lvl2pPr>
+      <a:lvl3pPr marL="914400" algn="l" defTabSz="914400" rtl="0" eaLnBrk="1" latinLnBrk="0" hangingPunct="1">
+        <a:defRPr sz="1800" kern="1200">
+          <a:solidFill>
+            <a:schemeClr val="tx1"/>
+          </a:solidFill>
+          <a:latin typeface="+mn-lt"/>
+          <a:ea typeface="+mn-ea"/>
+          <a:cs typeface="+mn-cs"/>
+        </a:defRPr>
+      </a:lvl3pPr>
+      <a:lvl4pPr marL="1371600" algn="l" defTabSz="914400" rtl="0" eaLnBrk="1" latinLnBrk="0" hangingPunct="1">
+        <a:defRPr sz="1800" kern="1200">
+          <a:solidFill>
+            <a:schemeClr val="tx1"/>
+          </a:solidFill>
+          <a:latin typeface="+mn-lt"/>
+          <a:ea typeface="+mn-ea"/>
+          <a:cs typeface="+mn-cs"/>
+        </a:defRPr>
+      </a:lvl4pPr>
+      <a:lvl5pPr marL="1828800" algn="l" defTabSz="914400" rtl="0" eaLnBrk="1" latinLnBrk="0" hangingPunct="1">
+        <a:defRPr sz="1800" kern="1200">
+          <a:solidFill>
+            <a:schemeClr val="tx1"/>
+          </a:solidFill>
+          <a:latin typeface="+mn-lt"/>
+          <a:ea typeface="+mn-ea"/>
+          <a:cs typeface="+mn-cs"/>
+        </a:defRPr>
+      </a:lvl5pPr>
+      <a:lvl6pPr marL="2286000" algn="l" defTabSz="914400" rtl="0" eaLnBrk="1" latinLnBrk="0" hangingPunct="1">
+        <a:defRPr sz="1800" kern="1200">
+          <a:solidFill>
+            <a:schemeClr val="tx1"/>
+          </a:solidFill>
+          <a:latin typeface="+mn-lt"/>
+          <a:ea typeface="+mn-ea"/>
+          <a:cs typeface="+mn-cs"/>
+        </a:defRPr>
+      </a:lvl6pPr>
+      <a:lvl7pPr marL="2743200" algn="l" defTabSz="914400" rtl="0" eaLnBrk="1" latinLnBrk="0" hangingPunct="1">
+        <a:defRPr sz="1800" kern="1200">
+          <a:solidFill>
+            <a:schemeClr val="tx1"/>
+          </a:solidFill>
+          <a:latin typeface="+mn-lt"/>
+          <a:ea typeface="+mn-ea"/>
+          <a:cs typeface="+mn-cs"/>
+        </a:defRPr>
+      </a:lvl7pPr>
+      <a:lvl8pPr marL="3200400" algn="l" defTabSz="914400" rtl="0" eaLnBrk="1" latinLnBrk="0" hangingPunct="1">
+        <a:defRPr sz="1800" kern="1200">
+          <a:solidFill>
+            <a:schemeClr val="tx1"/>
+          </a:solidFill>
+          <a:latin typeface="+mn-lt"/>
+          <a:ea typeface="+mn-ea"/>
+          <a:cs typeface="+mn-cs"/>
+        </a:defRPr>
+      </a:lvl8pPr>
+      <a:lvl9pPr marL="3657600" algn="l" defTabSz="914400" rtl="0" eaLnBrk="1" latinLnBrk="0" hangingPunct="1">
+        <a:defRPr sz="1800" kern="1200">
+          <a:solidFill>
+            <a:schemeClr val="tx1"/>
+          </a:solidFill>
+          <a:latin typeface="+mn-lt"/>
+          <a:ea typeface="+mn-ea"/>
+          <a:cs typeface="+mn-cs"/>
+        </a:defRPr>
+      </a:lvl9pPr>
+    </p:otherStyle>
+  </p:txStyles>
 </p:sldMaster>
 </file>
 
 <file path=ppt/slideMasters/slideMaster2.xml><?xml version="1.0" encoding="utf-8"?>
-<p:sldMaster xmlns:a="http://schemas.openxmlformats.org/drawingml/2006/main" xmlns:p="http://schemas.openxmlformats.org/presentationml/2006/main" xmlns:r="http://schemas.openxmlformats.org/officeDocument/2006/relationships" xmlns:p14="http://schemas.microsoft.com/office/powerpoint/2010/main" xmlns:p15="http://schemas.microsoft.com/office/powerpoint/2012/main" xmlns:mc="http://schemas.openxmlformats.org/markup-compatibility/2006">
+<p:sldMaster xmlns:a="http://schemas.openxmlformats.org/drawingml/2006/main" xmlns:r="http://schemas.openxmlformats.org/officeDocument/2006/relationships" xmlns:p="http://schemas.openxmlformats.org/presentationml/2006/main">
   <p:cSld>
     <p:bg>
       <p:bgPr>
         <a:solidFill>
-          <a:srgbClr val="ffffff"/>
+          <a:srgbClr val="FFFFFF"/>
         </a:solidFill>
+        <a:effectLst/>
       </p:bgPr>
     </p:bg>
     <p:spTree>
@@ -8070,6 +8770,7 @@
           <a:bodyPr anchor="b">
             <a:noAutofit/>
           </a:bodyPr>
+          <a:lstStyle/>
           <a:p>
             <a:pPr>
               <a:lnSpc>
@@ -8077,7 +8778,7 @@
               </a:lnSpc>
             </a:pPr>
             <a:r>
-              <a:rPr b="0" lang="en-US" sz="4800" spc="-52" strike="noStrike">
+              <a:rPr lang="en-US" sz="4800" b="0" strike="noStrike" spc="-52">
                 <a:solidFill>
                   <a:srgbClr val="404040"/>
                 </a:solidFill>
@@ -8085,7 +8786,7 @@
               </a:rPr>
               <a:t>Click to edit Master title style</a:t>
             </a:r>
-            <a:endParaRPr b="0" lang="en-US" sz="4800" spc="-1" strike="noStrike">
+            <a:endParaRPr lang="en-US" sz="4800" b="0" strike="noStrike" spc="-1">
               <a:solidFill>
                 <a:srgbClr val="000000"/>
               </a:solidFill>
@@ -8117,6 +8818,7 @@
           <a:bodyPr lIns="0" rIns="0">
             <a:noAutofit/>
           </a:bodyPr>
+          <a:lstStyle/>
           <a:p>
             <a:pPr marL="91440" indent="-91080">
               <a:lnSpc>
@@ -8129,13 +8831,13 @@
                 <a:spcPts val="201"/>
               </a:spcAft>
               <a:buClr>
-                <a:srgbClr val="e48312"/>
+                <a:srgbClr val="E48312"/>
               </a:buClr>
               <a:buFont typeface="Calibri"/>
               <a:buChar char=" "/>
             </a:pPr>
             <a:r>
-              <a:rPr b="0" lang="en-US" sz="2000" spc="-1" strike="noStrike">
+              <a:rPr lang="en-US" sz="2000" b="0" strike="noStrike" spc="-1">
                 <a:solidFill>
                   <a:srgbClr val="404040"/>
                 </a:solidFill>
@@ -8143,15 +8845,9 @@
               </a:rPr>
               <a:t>Click to edit Master text styles</a:t>
             </a:r>
-            <a:endParaRPr b="0" lang="en-US" sz="2000" spc="-1" strike="noStrike">
-              <a:solidFill>
-                <a:srgbClr val="404040"/>
-              </a:solidFill>
-              <a:latin typeface="Calibri"/>
-            </a:endParaRPr>
-          </a:p>
-          <a:p>
-            <a:pPr lvl="1" marL="384120" indent="-182520">
+          </a:p>
+          <a:p>
+            <a:pPr marL="384120" lvl="1" indent="-182520">
               <a:lnSpc>
                 <a:spcPct val="90000"/>
               </a:lnSpc>
@@ -8162,13 +8858,13 @@
                 <a:spcPts val="400"/>
               </a:spcAft>
               <a:buClr>
-                <a:srgbClr val="e48312"/>
+                <a:srgbClr val="E48312"/>
               </a:buClr>
               <a:buFont typeface="Calibri"/>
               <a:buChar char="◦"/>
             </a:pPr>
             <a:r>
-              <a:rPr b="0" lang="en-US" sz="1800" spc="-1" strike="noStrike">
+              <a:rPr lang="en-US" sz="1800" b="0" strike="noStrike" spc="-1">
                 <a:solidFill>
                   <a:srgbClr val="404040"/>
                 </a:solidFill>
@@ -8176,15 +8872,9 @@
               </a:rPr>
               <a:t>Second level</a:t>
             </a:r>
-            <a:endParaRPr b="0" lang="en-US" sz="1800" spc="-1" strike="noStrike">
-              <a:solidFill>
-                <a:srgbClr val="404040"/>
-              </a:solidFill>
-              <a:latin typeface="Calibri"/>
-            </a:endParaRPr>
-          </a:p>
-          <a:p>
-            <a:pPr lvl="2" marL="567000" indent="-182520">
+          </a:p>
+          <a:p>
+            <a:pPr marL="567000" lvl="2" indent="-182520">
               <a:lnSpc>
                 <a:spcPct val="90000"/>
               </a:lnSpc>
@@ -8195,13 +8885,13 @@
                 <a:spcPts val="400"/>
               </a:spcAft>
               <a:buClr>
-                <a:srgbClr val="e48312"/>
+                <a:srgbClr val="E48312"/>
               </a:buClr>
               <a:buFont typeface="Calibri"/>
               <a:buChar char="◦"/>
             </a:pPr>
             <a:r>
-              <a:rPr b="0" lang="en-US" sz="1400" spc="-1" strike="noStrike">
+              <a:rPr lang="en-US" sz="1400" b="0" strike="noStrike" spc="-1">
                 <a:solidFill>
                   <a:srgbClr val="404040"/>
                 </a:solidFill>
@@ -8209,15 +8899,9 @@
               </a:rPr>
               <a:t>Third level</a:t>
             </a:r>
-            <a:endParaRPr b="0" lang="en-US" sz="1400" spc="-1" strike="noStrike">
-              <a:solidFill>
-                <a:srgbClr val="404040"/>
-              </a:solidFill>
-              <a:latin typeface="Calibri"/>
-            </a:endParaRPr>
-          </a:p>
-          <a:p>
-            <a:pPr lvl="3" marL="749880" indent="-182520">
+          </a:p>
+          <a:p>
+            <a:pPr marL="749880" lvl="3" indent="-182520">
               <a:lnSpc>
                 <a:spcPct val="90000"/>
               </a:lnSpc>
@@ -8228,13 +8912,13 @@
                 <a:spcPts val="400"/>
               </a:spcAft>
               <a:buClr>
-                <a:srgbClr val="e48312"/>
+                <a:srgbClr val="E48312"/>
               </a:buClr>
               <a:buFont typeface="Calibri"/>
               <a:buChar char="◦"/>
             </a:pPr>
             <a:r>
-              <a:rPr b="0" lang="en-US" sz="1400" spc="-1" strike="noStrike">
+              <a:rPr lang="en-US" sz="1400" b="0" strike="noStrike" spc="-1">
                 <a:solidFill>
                   <a:srgbClr val="404040"/>
                 </a:solidFill>
@@ -8242,15 +8926,9 @@
               </a:rPr>
               <a:t>Fourth level</a:t>
             </a:r>
-            <a:endParaRPr b="0" lang="en-US" sz="1400" spc="-1" strike="noStrike">
-              <a:solidFill>
-                <a:srgbClr val="404040"/>
-              </a:solidFill>
-              <a:latin typeface="Calibri"/>
-            </a:endParaRPr>
-          </a:p>
-          <a:p>
-            <a:pPr lvl="4" marL="932760" indent="-182520">
+          </a:p>
+          <a:p>
+            <a:pPr marL="932760" lvl="4" indent="-182520">
               <a:lnSpc>
                 <a:spcPct val="90000"/>
               </a:lnSpc>
@@ -8261,13 +8939,13 @@
                 <a:spcPts val="400"/>
               </a:spcAft>
               <a:buClr>
-                <a:srgbClr val="e48312"/>
+                <a:srgbClr val="E48312"/>
               </a:buClr>
               <a:buFont typeface="Calibri"/>
               <a:buChar char="◦"/>
             </a:pPr>
             <a:r>
-              <a:rPr b="0" lang="en-US" sz="1400" spc="-1" strike="noStrike">
+              <a:rPr lang="en-US" sz="1400" b="0" strike="noStrike" spc="-1">
                 <a:solidFill>
                   <a:srgbClr val="404040"/>
                 </a:solidFill>
@@ -8275,12 +8953,6 @@
               </a:rPr>
               <a:t>Fifth level</a:t>
             </a:r>
-            <a:endParaRPr b="0" lang="en-US" sz="1400" spc="-1" strike="noStrike">
-              <a:solidFill>
-                <a:srgbClr val="404040"/>
-              </a:solidFill>
-              <a:latin typeface="Calibri"/>
-            </a:endParaRPr>
           </a:p>
         </p:txBody>
       </p:sp>
@@ -8307,6 +8979,7 @@
           <a:bodyPr anchor="ctr">
             <a:noAutofit/>
           </a:bodyPr>
+          <a:lstStyle/>
           <a:p>
             <a:pPr>
               <a:lnSpc>
@@ -8314,15 +8987,15 @@
               </a:lnSpc>
             </a:pPr>
             <a:fld id="{4CD630EC-8757-4402-8CB2-6802DEE2B041}" type="datetime">
-              <a:rPr b="0" lang="en-US" sz="900" spc="-1" strike="noStrike">
+              <a:rPr lang="en-US" sz="900" b="0" strike="noStrike" spc="-1">
                 <a:solidFill>
-                  <a:srgbClr val="ffffff"/>
+                  <a:srgbClr val="FFFFFF"/>
                 </a:solidFill>
                 <a:latin typeface="Calibri"/>
               </a:rPr>
-              <a:t>9/23/20</a:t>
+              <a:t>11/17/2020</a:t>
             </a:fld>
-            <a:endParaRPr b="0" lang="en-US" sz="900" spc="-1" strike="noStrike">
+            <a:endParaRPr lang="en-US" sz="900" b="0" strike="noStrike" spc="-1">
               <a:latin typeface="Times New Roman"/>
             </a:endParaRPr>
           </a:p>
@@ -8351,8 +9024,9 @@
           <a:bodyPr anchor="ctr">
             <a:noAutofit/>
           </a:bodyPr>
-          <a:p>
-            <a:endParaRPr b="0" lang="en-US" sz="2400" spc="-1" strike="noStrike">
+          <a:lstStyle/>
+          <a:p>
+            <a:endParaRPr lang="en-US" sz="2400" b="0" strike="noStrike" spc="-1">
               <a:latin typeface="Times New Roman"/>
             </a:endParaRPr>
           </a:p>
@@ -8381,6 +9055,7 @@
           <a:bodyPr anchor="ctr">
             <a:noAutofit/>
           </a:bodyPr>
+          <a:lstStyle/>
           <a:p>
             <a:pPr algn="r">
               <a:lnSpc>
@@ -8388,15 +9063,15 @@
               </a:lnSpc>
             </a:pPr>
             <a:fld id="{55F7E419-B4F1-47B7-89C9-A34BA5F7BA4E}" type="slidenum">
-              <a:rPr b="0" lang="en-US" sz="1050" spc="-1" strike="noStrike">
+              <a:rPr lang="en-US" sz="1050" b="0" strike="noStrike" spc="-1">
                 <a:solidFill>
-                  <a:srgbClr val="ffffff"/>
+                  <a:srgbClr val="FFFFFF"/>
                 </a:solidFill>
                 <a:latin typeface="Calibri"/>
               </a:rPr>
-              <a:t>&lt;number&gt;</a:t>
+              <a:t>‹#›</a:t>
             </a:fld>
-            <a:endParaRPr b="0" lang="en-US" sz="1050" spc="-1" strike="noStrike">
+            <a:endParaRPr lang="en-US" sz="1050" b="0" strike="noStrike" spc="-1">
               <a:latin typeface="Times New Roman"/>
             </a:endParaRPr>
           </a:p>
@@ -8404,32 +9079,313 @@
       </p:sp>
     </p:spTree>
   </p:cSld>
-  <p:clrMap bg1="lt1" bg2="lt2" tx1="dk1" tx2="dk2" accent1="accent1" accent2="accent2" accent3="accent3" accent4="accent4" accent5="accent5" accent6="accent6" hlink="hlink" folHlink="folHlink"/>
+  <p:clrMap bg1="lt1" tx1="dk1" bg2="lt2" tx2="dk2" accent1="accent1" accent2="accent2" accent3="accent3" accent4="accent4" accent5="accent5" accent6="accent6" hlink="hlink" folHlink="folHlink"/>
   <p:sldLayoutIdLst>
-    <p:sldLayoutId id="2147483662" r:id="rId2"/>
-    <p:sldLayoutId id="2147483663" r:id="rId3"/>
-    <p:sldLayoutId id="2147483664" r:id="rId4"/>
-    <p:sldLayoutId id="2147483665" r:id="rId5"/>
-    <p:sldLayoutId id="2147483666" r:id="rId6"/>
-    <p:sldLayoutId id="2147483667" r:id="rId7"/>
-    <p:sldLayoutId id="2147483668" r:id="rId8"/>
-    <p:sldLayoutId id="2147483669" r:id="rId9"/>
-    <p:sldLayoutId id="2147483670" r:id="rId10"/>
-    <p:sldLayoutId id="2147483671" r:id="rId11"/>
-    <p:sldLayoutId id="2147483672" r:id="rId12"/>
-    <p:sldLayoutId id="2147483673" r:id="rId13"/>
+    <p:sldLayoutId id="2147483662" r:id="rId1"/>
+    <p:sldLayoutId id="2147483663" r:id="rId2"/>
+    <p:sldLayoutId id="2147483664" r:id="rId3"/>
+    <p:sldLayoutId id="2147483665" r:id="rId4"/>
+    <p:sldLayoutId id="2147483666" r:id="rId5"/>
+    <p:sldLayoutId id="2147483667" r:id="rId6"/>
+    <p:sldLayoutId id="2147483668" r:id="rId7"/>
+    <p:sldLayoutId id="2147483669" r:id="rId8"/>
+    <p:sldLayoutId id="2147483670" r:id="rId9"/>
+    <p:sldLayoutId id="2147483671" r:id="rId10"/>
+    <p:sldLayoutId id="2147483672" r:id="rId11"/>
+    <p:sldLayoutId id="2147483673" r:id="rId12"/>
   </p:sldLayoutIdLst>
+  <p:txStyles>
+    <p:titleStyle>
+      <a:lvl1pPr algn="l" defTabSz="914400" rtl="0" eaLnBrk="1" latinLnBrk="0" hangingPunct="1">
+        <a:lnSpc>
+          <a:spcPct val="90000"/>
+        </a:lnSpc>
+        <a:spcBef>
+          <a:spcPct val="0"/>
+        </a:spcBef>
+        <a:buNone/>
+        <a:defRPr sz="4400" kern="1200">
+          <a:solidFill>
+            <a:schemeClr val="tx1"/>
+          </a:solidFill>
+          <a:latin typeface="+mj-lt"/>
+          <a:ea typeface="+mj-ea"/>
+          <a:cs typeface="+mj-cs"/>
+        </a:defRPr>
+      </a:lvl1pPr>
+    </p:titleStyle>
+    <p:bodyStyle>
+      <a:lvl1pPr marL="228600" indent="-228600" algn="l" defTabSz="914400" rtl="0" eaLnBrk="1" latinLnBrk="0" hangingPunct="1">
+        <a:lnSpc>
+          <a:spcPct val="90000"/>
+        </a:lnSpc>
+        <a:spcBef>
+          <a:spcPts val="1000"/>
+        </a:spcBef>
+        <a:buFont typeface="Arial" panose="020B0604020202020204" pitchFamily="34" charset="0"/>
+        <a:buChar char="•"/>
+        <a:defRPr sz="2800" kern="1200">
+          <a:solidFill>
+            <a:schemeClr val="tx1"/>
+          </a:solidFill>
+          <a:latin typeface="+mn-lt"/>
+          <a:ea typeface="+mn-ea"/>
+          <a:cs typeface="+mn-cs"/>
+        </a:defRPr>
+      </a:lvl1pPr>
+      <a:lvl2pPr marL="685800" indent="-228600" algn="l" defTabSz="914400" rtl="0" eaLnBrk="1" latinLnBrk="0" hangingPunct="1">
+        <a:lnSpc>
+          <a:spcPct val="90000"/>
+        </a:lnSpc>
+        <a:spcBef>
+          <a:spcPts val="500"/>
+        </a:spcBef>
+        <a:buFont typeface="Arial" panose="020B0604020202020204" pitchFamily="34" charset="0"/>
+        <a:buChar char="•"/>
+        <a:defRPr sz="2400" kern="1200">
+          <a:solidFill>
+            <a:schemeClr val="tx1"/>
+          </a:solidFill>
+          <a:latin typeface="+mn-lt"/>
+          <a:ea typeface="+mn-ea"/>
+          <a:cs typeface="+mn-cs"/>
+        </a:defRPr>
+      </a:lvl2pPr>
+      <a:lvl3pPr marL="1143000" indent="-228600" algn="l" defTabSz="914400" rtl="0" eaLnBrk="1" latinLnBrk="0" hangingPunct="1">
+        <a:lnSpc>
+          <a:spcPct val="90000"/>
+        </a:lnSpc>
+        <a:spcBef>
+          <a:spcPts val="500"/>
+        </a:spcBef>
+        <a:buFont typeface="Arial" panose="020B0604020202020204" pitchFamily="34" charset="0"/>
+        <a:buChar char="•"/>
+        <a:defRPr sz="2000" kern="1200">
+          <a:solidFill>
+            <a:schemeClr val="tx1"/>
+          </a:solidFill>
+          <a:latin typeface="+mn-lt"/>
+          <a:ea typeface="+mn-ea"/>
+          <a:cs typeface="+mn-cs"/>
+        </a:defRPr>
+      </a:lvl3pPr>
+      <a:lvl4pPr marL="1600200" indent="-228600" algn="l" defTabSz="914400" rtl="0" eaLnBrk="1" latinLnBrk="0" hangingPunct="1">
+        <a:lnSpc>
+          <a:spcPct val="90000"/>
+        </a:lnSpc>
+        <a:spcBef>
+          <a:spcPts val="500"/>
+        </a:spcBef>
+        <a:buFont typeface="Arial" panose="020B0604020202020204" pitchFamily="34" charset="0"/>
+        <a:buChar char="•"/>
+        <a:defRPr sz="1800" kern="1200">
+          <a:solidFill>
+            <a:schemeClr val="tx1"/>
+          </a:solidFill>
+          <a:latin typeface="+mn-lt"/>
+          <a:ea typeface="+mn-ea"/>
+          <a:cs typeface="+mn-cs"/>
+        </a:defRPr>
+      </a:lvl4pPr>
+      <a:lvl5pPr marL="2057400" indent="-228600" algn="l" defTabSz="914400" rtl="0" eaLnBrk="1" latinLnBrk="0" hangingPunct="1">
+        <a:lnSpc>
+          <a:spcPct val="90000"/>
+        </a:lnSpc>
+        <a:spcBef>
+          <a:spcPts val="500"/>
+        </a:spcBef>
+        <a:buFont typeface="Arial" panose="020B0604020202020204" pitchFamily="34" charset="0"/>
+        <a:buChar char="•"/>
+        <a:defRPr sz="1800" kern="1200">
+          <a:solidFill>
+            <a:schemeClr val="tx1"/>
+          </a:solidFill>
+          <a:latin typeface="+mn-lt"/>
+          <a:ea typeface="+mn-ea"/>
+          <a:cs typeface="+mn-cs"/>
+        </a:defRPr>
+      </a:lvl5pPr>
+      <a:lvl6pPr marL="2514600" indent="-228600" algn="l" defTabSz="914400" rtl="0" eaLnBrk="1" latinLnBrk="0" hangingPunct="1">
+        <a:lnSpc>
+          <a:spcPct val="90000"/>
+        </a:lnSpc>
+        <a:spcBef>
+          <a:spcPts val="500"/>
+        </a:spcBef>
+        <a:buFont typeface="Arial" panose="020B0604020202020204" pitchFamily="34" charset="0"/>
+        <a:buChar char="•"/>
+        <a:defRPr sz="1800" kern="1200">
+          <a:solidFill>
+            <a:schemeClr val="tx1"/>
+          </a:solidFill>
+          <a:latin typeface="+mn-lt"/>
+          <a:ea typeface="+mn-ea"/>
+          <a:cs typeface="+mn-cs"/>
+        </a:defRPr>
+      </a:lvl6pPr>
+      <a:lvl7pPr marL="2971800" indent="-228600" algn="l" defTabSz="914400" rtl="0" eaLnBrk="1" latinLnBrk="0" hangingPunct="1">
+        <a:lnSpc>
+          <a:spcPct val="90000"/>
+        </a:lnSpc>
+        <a:spcBef>
+          <a:spcPts val="500"/>
+        </a:spcBef>
+        <a:buFont typeface="Arial" panose="020B0604020202020204" pitchFamily="34" charset="0"/>
+        <a:buChar char="•"/>
+        <a:defRPr sz="1800" kern="1200">
+          <a:solidFill>
+            <a:schemeClr val="tx1"/>
+          </a:solidFill>
+          <a:latin typeface="+mn-lt"/>
+          <a:ea typeface="+mn-ea"/>
+          <a:cs typeface="+mn-cs"/>
+        </a:defRPr>
+      </a:lvl7pPr>
+      <a:lvl8pPr marL="3429000" indent="-228600" algn="l" defTabSz="914400" rtl="0" eaLnBrk="1" latinLnBrk="0" hangingPunct="1">
+        <a:lnSpc>
+          <a:spcPct val="90000"/>
+        </a:lnSpc>
+        <a:spcBef>
+          <a:spcPts val="500"/>
+        </a:spcBef>
+        <a:buFont typeface="Arial" panose="020B0604020202020204" pitchFamily="34" charset="0"/>
+        <a:buChar char="•"/>
+        <a:defRPr sz="1800" kern="1200">
+          <a:solidFill>
+            <a:schemeClr val="tx1"/>
+          </a:solidFill>
+          <a:latin typeface="+mn-lt"/>
+          <a:ea typeface="+mn-ea"/>
+          <a:cs typeface="+mn-cs"/>
+        </a:defRPr>
+      </a:lvl8pPr>
+      <a:lvl9pPr marL="3886200" indent="-228600" algn="l" defTabSz="914400" rtl="0" eaLnBrk="1" latinLnBrk="0" hangingPunct="1">
+        <a:lnSpc>
+          <a:spcPct val="90000"/>
+        </a:lnSpc>
+        <a:spcBef>
+          <a:spcPts val="500"/>
+        </a:spcBef>
+        <a:buFont typeface="Arial" panose="020B0604020202020204" pitchFamily="34" charset="0"/>
+        <a:buChar char="•"/>
+        <a:defRPr sz="1800" kern="1200">
+          <a:solidFill>
+            <a:schemeClr val="tx1"/>
+          </a:solidFill>
+          <a:latin typeface="+mn-lt"/>
+          <a:ea typeface="+mn-ea"/>
+          <a:cs typeface="+mn-cs"/>
+        </a:defRPr>
+      </a:lvl9pPr>
+    </p:bodyStyle>
+    <p:otherStyle>
+      <a:defPPr>
+        <a:defRPr lang="en-US"/>
+      </a:defPPr>
+      <a:lvl1pPr marL="0" algn="l" defTabSz="914400" rtl="0" eaLnBrk="1" latinLnBrk="0" hangingPunct="1">
+        <a:defRPr sz="1800" kern="1200">
+          <a:solidFill>
+            <a:schemeClr val="tx1"/>
+          </a:solidFill>
+          <a:latin typeface="+mn-lt"/>
+          <a:ea typeface="+mn-ea"/>
+          <a:cs typeface="+mn-cs"/>
+        </a:defRPr>
+      </a:lvl1pPr>
+      <a:lvl2pPr marL="457200" algn="l" defTabSz="914400" rtl="0" eaLnBrk="1" latinLnBrk="0" hangingPunct="1">
+        <a:defRPr sz="1800" kern="1200">
+          <a:solidFill>
+            <a:schemeClr val="tx1"/>
+          </a:solidFill>
+          <a:latin typeface="+mn-lt"/>
+          <a:ea typeface="+mn-ea"/>
+          <a:cs typeface="+mn-cs"/>
+        </a:defRPr>
+      </a:lvl2pPr>
+      <a:lvl3pPr marL="914400" algn="l" defTabSz="914400" rtl="0" eaLnBrk="1" latinLnBrk="0" hangingPunct="1">
+        <a:defRPr sz="1800" kern="1200">
+          <a:solidFill>
+            <a:schemeClr val="tx1"/>
+          </a:solidFill>
+          <a:latin typeface="+mn-lt"/>
+          <a:ea typeface="+mn-ea"/>
+          <a:cs typeface="+mn-cs"/>
+        </a:defRPr>
+      </a:lvl3pPr>
+      <a:lvl4pPr marL="1371600" algn="l" defTabSz="914400" rtl="0" eaLnBrk="1" latinLnBrk="0" hangingPunct="1">
+        <a:defRPr sz="1800" kern="1200">
+          <a:solidFill>
+            <a:schemeClr val="tx1"/>
+          </a:solidFill>
+          <a:latin typeface="+mn-lt"/>
+          <a:ea typeface="+mn-ea"/>
+          <a:cs typeface="+mn-cs"/>
+        </a:defRPr>
+      </a:lvl4pPr>
+      <a:lvl5pPr marL="1828800" algn="l" defTabSz="914400" rtl="0" eaLnBrk="1" latinLnBrk="0" hangingPunct="1">
+        <a:defRPr sz="1800" kern="1200">
+          <a:solidFill>
+            <a:schemeClr val="tx1"/>
+          </a:solidFill>
+          <a:latin typeface="+mn-lt"/>
+          <a:ea typeface="+mn-ea"/>
+          <a:cs typeface="+mn-cs"/>
+        </a:defRPr>
+      </a:lvl5pPr>
+      <a:lvl6pPr marL="2286000" algn="l" defTabSz="914400" rtl="0" eaLnBrk="1" latinLnBrk="0" hangingPunct="1">
+        <a:defRPr sz="1800" kern="1200">
+          <a:solidFill>
+            <a:schemeClr val="tx1"/>
+          </a:solidFill>
+          <a:latin typeface="+mn-lt"/>
+          <a:ea typeface="+mn-ea"/>
+          <a:cs typeface="+mn-cs"/>
+        </a:defRPr>
+      </a:lvl6pPr>
+      <a:lvl7pPr marL="2743200" algn="l" defTabSz="914400" rtl="0" eaLnBrk="1" latinLnBrk="0" hangingPunct="1">
+        <a:defRPr sz="1800" kern="1200">
+          <a:solidFill>
+            <a:schemeClr val="tx1"/>
+          </a:solidFill>
+          <a:latin typeface="+mn-lt"/>
+          <a:ea typeface="+mn-ea"/>
+          <a:cs typeface="+mn-cs"/>
+        </a:defRPr>
+      </a:lvl7pPr>
+      <a:lvl8pPr marL="3200400" algn="l" defTabSz="914400" rtl="0" eaLnBrk="1" latinLnBrk="0" hangingPunct="1">
+        <a:defRPr sz="1800" kern="1200">
+          <a:solidFill>
+            <a:schemeClr val="tx1"/>
+          </a:solidFill>
+          <a:latin typeface="+mn-lt"/>
+          <a:ea typeface="+mn-ea"/>
+          <a:cs typeface="+mn-cs"/>
+        </a:defRPr>
+      </a:lvl8pPr>
+      <a:lvl9pPr marL="3657600" algn="l" defTabSz="914400" rtl="0" eaLnBrk="1" latinLnBrk="0" hangingPunct="1">
+        <a:defRPr sz="1800" kern="1200">
+          <a:solidFill>
+            <a:schemeClr val="tx1"/>
+          </a:solidFill>
+          <a:latin typeface="+mn-lt"/>
+          <a:ea typeface="+mn-ea"/>
+          <a:cs typeface="+mn-cs"/>
+        </a:defRPr>
+      </a:lvl9pPr>
+    </p:otherStyle>
+  </p:txStyles>
 </p:sldMaster>
 </file>
 
 <file path=ppt/slideMasters/slideMaster3.xml><?xml version="1.0" encoding="utf-8"?>
-<p:sldMaster xmlns:a="http://schemas.openxmlformats.org/drawingml/2006/main" xmlns:p="http://schemas.openxmlformats.org/presentationml/2006/main" xmlns:r="http://schemas.openxmlformats.org/officeDocument/2006/relationships" xmlns:p14="http://schemas.microsoft.com/office/powerpoint/2010/main" xmlns:p15="http://schemas.microsoft.com/office/powerpoint/2012/main" xmlns:mc="http://schemas.openxmlformats.org/markup-compatibility/2006">
+<p:sldMaster xmlns:a="http://schemas.openxmlformats.org/drawingml/2006/main" xmlns:r="http://schemas.openxmlformats.org/officeDocument/2006/relationships" xmlns:p="http://schemas.openxmlformats.org/presentationml/2006/main">
   <p:cSld>
     <p:bg>
       <p:bgPr>
         <a:solidFill>
-          <a:srgbClr val="ffffff"/>
+          <a:srgbClr val="FFFFFF"/>
         </a:solidFill>
+        <a:effectLst/>
       </p:bgPr>
     </p:bg>
     <p:spTree>
@@ -8578,6 +9534,7 @@
           <a:bodyPr anchor="b">
             <a:noAutofit/>
           </a:bodyPr>
+          <a:lstStyle/>
           <a:p>
             <a:pPr>
               <a:lnSpc>
@@ -8585,7 +9542,7 @@
               </a:lnSpc>
             </a:pPr>
             <a:r>
-              <a:rPr b="0" lang="en-US" sz="4800" spc="-52" strike="noStrike">
+              <a:rPr lang="en-US" sz="4800" b="0" strike="noStrike" spc="-52">
                 <a:solidFill>
                   <a:srgbClr val="404040"/>
                 </a:solidFill>
@@ -8593,7 +9550,7 @@
               </a:rPr>
               <a:t>Click to edit Master title style</a:t>
             </a:r>
-            <a:endParaRPr b="0" lang="en-US" sz="4800" spc="-1" strike="noStrike">
+            <a:endParaRPr lang="en-US" sz="4800" b="0" strike="noStrike" spc="-1">
               <a:solidFill>
                 <a:srgbClr val="000000"/>
               </a:solidFill>
@@ -8625,6 +9582,7 @@
           <a:bodyPr anchor="ctr">
             <a:noAutofit/>
           </a:bodyPr>
+          <a:lstStyle/>
           <a:p>
             <a:pPr>
               <a:lnSpc>
@@ -8632,15 +9590,15 @@
               </a:lnSpc>
             </a:pPr>
             <a:fld id="{F46B1B7A-C907-46FE-95FD-A9C13C54BA38}" type="datetime">
-              <a:rPr b="0" lang="en-US" sz="900" spc="-1" strike="noStrike">
+              <a:rPr lang="en-US" sz="900" b="0" strike="noStrike" spc="-1">
                 <a:solidFill>
-                  <a:srgbClr val="ffffff"/>
+                  <a:srgbClr val="FFFFFF"/>
                 </a:solidFill>
                 <a:latin typeface="Calibri"/>
               </a:rPr>
-              <a:t>9/23/20</a:t>
+              <a:t>11/17/2020</a:t>
             </a:fld>
-            <a:endParaRPr b="0" lang="en-US" sz="900" spc="-1" strike="noStrike">
+            <a:endParaRPr lang="en-US" sz="900" b="0" strike="noStrike" spc="-1">
               <a:latin typeface="Times New Roman"/>
             </a:endParaRPr>
           </a:p>
@@ -8669,8 +9627,9 @@
           <a:bodyPr anchor="ctr">
             <a:noAutofit/>
           </a:bodyPr>
-          <a:p>
-            <a:endParaRPr b="0" lang="en-US" sz="2400" spc="-1" strike="noStrike">
+          <a:lstStyle/>
+          <a:p>
+            <a:endParaRPr lang="en-US" sz="2400" b="0" strike="noStrike" spc="-1">
               <a:latin typeface="Times New Roman"/>
             </a:endParaRPr>
           </a:p>
@@ -8699,6 +9658,7 @@
           <a:bodyPr anchor="ctr">
             <a:noAutofit/>
           </a:bodyPr>
+          <a:lstStyle/>
           <a:p>
             <a:pPr algn="r">
               <a:lnSpc>
@@ -8706,15 +9666,15 @@
               </a:lnSpc>
             </a:pPr>
             <a:fld id="{FEB3F91F-B942-4B89-89DE-3CF2144E2928}" type="slidenum">
-              <a:rPr b="0" lang="en-US" sz="1050" spc="-1" strike="noStrike">
+              <a:rPr lang="en-US" sz="1050" b="0" strike="noStrike" spc="-1">
                 <a:solidFill>
-                  <a:srgbClr val="ffffff"/>
+                  <a:srgbClr val="FFFFFF"/>
                 </a:solidFill>
                 <a:latin typeface="Calibri"/>
               </a:rPr>
-              <a:t>&lt;number&gt;</a:t>
+              <a:t>‹#›</a:t>
             </a:fld>
-            <a:endParaRPr b="0" lang="en-US" sz="1050" spc="-1" strike="noStrike">
+            <a:endParaRPr lang="en-US" sz="1050" b="0" strike="noStrike" spc="-1">
               <a:latin typeface="Times New Roman"/>
             </a:endParaRPr>
           </a:p>
@@ -8740,9 +9700,10 @@
           </a:prstGeom>
         </p:spPr>
         <p:txBody>
-          <a:bodyPr lIns="0" rIns="0" tIns="0" bIns="0">
+          <a:bodyPr lIns="0" tIns="0" rIns="0" bIns="0">
             <a:normAutofit/>
           </a:bodyPr>
+          <a:lstStyle/>
           <a:p>
             <a:pPr marL="432000" indent="-324000">
               <a:spcBef>
@@ -8756,7 +9717,7 @@
               <a:buChar char=""/>
             </a:pPr>
             <a:r>
-              <a:rPr b="0" lang="en-US" sz="2000" spc="-1" strike="noStrike">
+              <a:rPr lang="en-US" sz="2000" b="0" strike="noStrike" spc="-1">
                 <a:solidFill>
                   <a:srgbClr val="404040"/>
                 </a:solidFill>
@@ -8764,15 +9725,9 @@
               </a:rPr>
               <a:t>Click to edit the outline text format</a:t>
             </a:r>
-            <a:endParaRPr b="0" lang="en-US" sz="2000" spc="-1" strike="noStrike">
-              <a:solidFill>
-                <a:srgbClr val="404040"/>
-              </a:solidFill>
-              <a:latin typeface="Calibri"/>
-            </a:endParaRPr>
-          </a:p>
-          <a:p>
-            <a:pPr lvl="1" marL="864000" indent="-324000">
+          </a:p>
+          <a:p>
+            <a:pPr marL="864000" lvl="1" indent="-324000">
               <a:spcBef>
                 <a:spcPts val="1134"/>
               </a:spcBef>
@@ -8784,7 +9739,7 @@
               <a:buChar char=""/>
             </a:pPr>
             <a:r>
-              <a:rPr b="0" lang="en-US" sz="1400" spc="-1" strike="noStrike">
+              <a:rPr lang="en-US" sz="1400" b="0" strike="noStrike" spc="-1">
                 <a:solidFill>
                   <a:srgbClr val="404040"/>
                 </a:solidFill>
@@ -8792,15 +9747,9 @@
               </a:rPr>
               <a:t>Second Outline Level</a:t>
             </a:r>
-            <a:endParaRPr b="0" lang="en-US" sz="1400" spc="-1" strike="noStrike">
-              <a:solidFill>
-                <a:srgbClr val="404040"/>
-              </a:solidFill>
-              <a:latin typeface="Calibri"/>
-            </a:endParaRPr>
-          </a:p>
-          <a:p>
-            <a:pPr lvl="2" marL="1296000" indent="-288000">
+          </a:p>
+          <a:p>
+            <a:pPr marL="1296000" lvl="2" indent="-288000">
               <a:spcBef>
                 <a:spcPts val="850"/>
               </a:spcBef>
@@ -8812,7 +9761,7 @@
               <a:buChar char=""/>
             </a:pPr>
             <a:r>
-              <a:rPr b="0" lang="en-US" sz="1400" spc="-1" strike="noStrike">
+              <a:rPr lang="en-US" sz="1400" b="0" strike="noStrike" spc="-1">
                 <a:solidFill>
                   <a:srgbClr val="404040"/>
                 </a:solidFill>
@@ -8820,15 +9769,9 @@
               </a:rPr>
               <a:t>Third Outline Level</a:t>
             </a:r>
-            <a:endParaRPr b="0" lang="en-US" sz="1400" spc="-1" strike="noStrike">
-              <a:solidFill>
-                <a:srgbClr val="404040"/>
-              </a:solidFill>
-              <a:latin typeface="Calibri"/>
-            </a:endParaRPr>
-          </a:p>
-          <a:p>
-            <a:pPr lvl="3" marL="1728000" indent="-216000">
+          </a:p>
+          <a:p>
+            <a:pPr marL="1728000" lvl="3" indent="-216000">
               <a:spcBef>
                 <a:spcPts val="567"/>
               </a:spcBef>
@@ -8840,7 +9783,7 @@
               <a:buChar char=""/>
             </a:pPr>
             <a:r>
-              <a:rPr b="0" lang="en-US" sz="1400" spc="-1" strike="noStrike">
+              <a:rPr lang="en-US" sz="1400" b="0" strike="noStrike" spc="-1">
                 <a:solidFill>
                   <a:srgbClr val="404040"/>
                 </a:solidFill>
@@ -8848,15 +9791,9 @@
               </a:rPr>
               <a:t>Fourth Outline Level</a:t>
             </a:r>
-            <a:endParaRPr b="0" lang="en-US" sz="1400" spc="-1" strike="noStrike">
-              <a:solidFill>
-                <a:srgbClr val="404040"/>
-              </a:solidFill>
-              <a:latin typeface="Calibri"/>
-            </a:endParaRPr>
-          </a:p>
-          <a:p>
-            <a:pPr lvl="4" marL="2160000" indent="-216000">
+          </a:p>
+          <a:p>
+            <a:pPr marL="2160000" lvl="4" indent="-216000">
               <a:spcBef>
                 <a:spcPts val="283"/>
               </a:spcBef>
@@ -8868,7 +9805,7 @@
               <a:buChar char=""/>
             </a:pPr>
             <a:r>
-              <a:rPr b="0" lang="en-US" sz="2000" spc="-1" strike="noStrike">
+              <a:rPr lang="en-US" sz="2000" b="0" strike="noStrike" spc="-1">
                 <a:solidFill>
                   <a:srgbClr val="404040"/>
                 </a:solidFill>
@@ -8876,15 +9813,9 @@
               </a:rPr>
               <a:t>Fifth Outline Level</a:t>
             </a:r>
-            <a:endParaRPr b="0" lang="en-US" sz="2000" spc="-1" strike="noStrike">
-              <a:solidFill>
-                <a:srgbClr val="404040"/>
-              </a:solidFill>
-              <a:latin typeface="Calibri"/>
-            </a:endParaRPr>
-          </a:p>
-          <a:p>
-            <a:pPr lvl="5" marL="2592000" indent="-216000">
+          </a:p>
+          <a:p>
+            <a:pPr marL="2592000" lvl="5" indent="-216000">
               <a:spcBef>
                 <a:spcPts val="283"/>
               </a:spcBef>
@@ -8896,7 +9827,7 @@
               <a:buChar char=""/>
             </a:pPr>
             <a:r>
-              <a:rPr b="0" lang="en-US" sz="2000" spc="-1" strike="noStrike">
+              <a:rPr lang="en-US" sz="2000" b="0" strike="noStrike" spc="-1">
                 <a:solidFill>
                   <a:srgbClr val="404040"/>
                 </a:solidFill>
@@ -8904,15 +9835,9 @@
               </a:rPr>
               <a:t>Sixth Outline Level</a:t>
             </a:r>
-            <a:endParaRPr b="0" lang="en-US" sz="2000" spc="-1" strike="noStrike">
-              <a:solidFill>
-                <a:srgbClr val="404040"/>
-              </a:solidFill>
-              <a:latin typeface="Calibri"/>
-            </a:endParaRPr>
-          </a:p>
-          <a:p>
-            <a:pPr lvl="6" marL="3024000" indent="-216000">
+          </a:p>
+          <a:p>
+            <a:pPr marL="3024000" lvl="6" indent="-216000">
               <a:spcBef>
                 <a:spcPts val="283"/>
               </a:spcBef>
@@ -8924,7 +9849,7 @@
               <a:buChar char=""/>
             </a:pPr>
             <a:r>
-              <a:rPr b="0" lang="en-US" sz="2000" spc="-1" strike="noStrike">
+              <a:rPr lang="en-US" sz="2000" b="0" strike="noStrike" spc="-1">
                 <a:solidFill>
                   <a:srgbClr val="404040"/>
                 </a:solidFill>
@@ -8932,43 +9857,318 @@
               </a:rPr>
               <a:t>Seventh Outline Level</a:t>
             </a:r>
-            <a:endParaRPr b="0" lang="en-US" sz="2000" spc="-1" strike="noStrike">
-              <a:solidFill>
-                <a:srgbClr val="404040"/>
-              </a:solidFill>
-              <a:latin typeface="Calibri"/>
-            </a:endParaRPr>
           </a:p>
         </p:txBody>
       </p:sp>
     </p:spTree>
   </p:cSld>
-  <p:clrMap bg1="lt1" bg2="lt2" tx1="dk1" tx2="dk2" accent1="accent1" accent2="accent2" accent3="accent3" accent4="accent4" accent5="accent5" accent6="accent6" hlink="hlink" folHlink="folHlink"/>
+  <p:clrMap bg1="lt1" tx1="dk1" bg2="lt2" tx2="dk2" accent1="accent1" accent2="accent2" accent3="accent3" accent4="accent4" accent5="accent5" accent6="accent6" hlink="hlink" folHlink="folHlink"/>
   <p:sldLayoutIdLst>
-    <p:sldLayoutId id="2147483675" r:id="rId2"/>
-    <p:sldLayoutId id="2147483676" r:id="rId3"/>
-    <p:sldLayoutId id="2147483677" r:id="rId4"/>
-    <p:sldLayoutId id="2147483678" r:id="rId5"/>
-    <p:sldLayoutId id="2147483679" r:id="rId6"/>
-    <p:sldLayoutId id="2147483680" r:id="rId7"/>
-    <p:sldLayoutId id="2147483681" r:id="rId8"/>
-    <p:sldLayoutId id="2147483682" r:id="rId9"/>
-    <p:sldLayoutId id="2147483683" r:id="rId10"/>
-    <p:sldLayoutId id="2147483684" r:id="rId11"/>
-    <p:sldLayoutId id="2147483685" r:id="rId12"/>
-    <p:sldLayoutId id="2147483686" r:id="rId13"/>
+    <p:sldLayoutId id="2147483675" r:id="rId1"/>
+    <p:sldLayoutId id="2147483676" r:id="rId2"/>
+    <p:sldLayoutId id="2147483677" r:id="rId3"/>
+    <p:sldLayoutId id="2147483678" r:id="rId4"/>
+    <p:sldLayoutId id="2147483679" r:id="rId5"/>
+    <p:sldLayoutId id="2147483680" r:id="rId6"/>
+    <p:sldLayoutId id="2147483681" r:id="rId7"/>
+    <p:sldLayoutId id="2147483682" r:id="rId8"/>
+    <p:sldLayoutId id="2147483683" r:id="rId9"/>
+    <p:sldLayoutId id="2147483684" r:id="rId10"/>
+    <p:sldLayoutId id="2147483685" r:id="rId11"/>
+    <p:sldLayoutId id="2147483686" r:id="rId12"/>
   </p:sldLayoutIdLst>
+  <p:txStyles>
+    <p:titleStyle>
+      <a:lvl1pPr algn="l" defTabSz="914400" rtl="0" eaLnBrk="1" latinLnBrk="0" hangingPunct="1">
+        <a:lnSpc>
+          <a:spcPct val="90000"/>
+        </a:lnSpc>
+        <a:spcBef>
+          <a:spcPct val="0"/>
+        </a:spcBef>
+        <a:buNone/>
+        <a:defRPr sz="4400" kern="1200">
+          <a:solidFill>
+            <a:schemeClr val="tx1"/>
+          </a:solidFill>
+          <a:latin typeface="+mj-lt"/>
+          <a:ea typeface="+mj-ea"/>
+          <a:cs typeface="+mj-cs"/>
+        </a:defRPr>
+      </a:lvl1pPr>
+    </p:titleStyle>
+    <p:bodyStyle>
+      <a:lvl1pPr marL="228600" indent="-228600" algn="l" defTabSz="914400" rtl="0" eaLnBrk="1" latinLnBrk="0" hangingPunct="1">
+        <a:lnSpc>
+          <a:spcPct val="90000"/>
+        </a:lnSpc>
+        <a:spcBef>
+          <a:spcPts val="1000"/>
+        </a:spcBef>
+        <a:buFont typeface="Arial" panose="020B0604020202020204" pitchFamily="34" charset="0"/>
+        <a:buChar char="•"/>
+        <a:defRPr sz="2800" kern="1200">
+          <a:solidFill>
+            <a:schemeClr val="tx1"/>
+          </a:solidFill>
+          <a:latin typeface="+mn-lt"/>
+          <a:ea typeface="+mn-ea"/>
+          <a:cs typeface="+mn-cs"/>
+        </a:defRPr>
+      </a:lvl1pPr>
+      <a:lvl2pPr marL="685800" indent="-228600" algn="l" defTabSz="914400" rtl="0" eaLnBrk="1" latinLnBrk="0" hangingPunct="1">
+        <a:lnSpc>
+          <a:spcPct val="90000"/>
+        </a:lnSpc>
+        <a:spcBef>
+          <a:spcPts val="500"/>
+        </a:spcBef>
+        <a:buFont typeface="Arial" panose="020B0604020202020204" pitchFamily="34" charset="0"/>
+        <a:buChar char="•"/>
+        <a:defRPr sz="2400" kern="1200">
+          <a:solidFill>
+            <a:schemeClr val="tx1"/>
+          </a:solidFill>
+          <a:latin typeface="+mn-lt"/>
+          <a:ea typeface="+mn-ea"/>
+          <a:cs typeface="+mn-cs"/>
+        </a:defRPr>
+      </a:lvl2pPr>
+      <a:lvl3pPr marL="1143000" indent="-228600" algn="l" defTabSz="914400" rtl="0" eaLnBrk="1" latinLnBrk="0" hangingPunct="1">
+        <a:lnSpc>
+          <a:spcPct val="90000"/>
+        </a:lnSpc>
+        <a:spcBef>
+          <a:spcPts val="500"/>
+        </a:spcBef>
+        <a:buFont typeface="Arial" panose="020B0604020202020204" pitchFamily="34" charset="0"/>
+        <a:buChar char="•"/>
+        <a:defRPr sz="2000" kern="1200">
+          <a:solidFill>
+            <a:schemeClr val="tx1"/>
+          </a:solidFill>
+          <a:latin typeface="+mn-lt"/>
+          <a:ea typeface="+mn-ea"/>
+          <a:cs typeface="+mn-cs"/>
+        </a:defRPr>
+      </a:lvl3pPr>
+      <a:lvl4pPr marL="1600200" indent="-228600" algn="l" defTabSz="914400" rtl="0" eaLnBrk="1" latinLnBrk="0" hangingPunct="1">
+        <a:lnSpc>
+          <a:spcPct val="90000"/>
+        </a:lnSpc>
+        <a:spcBef>
+          <a:spcPts val="500"/>
+        </a:spcBef>
+        <a:buFont typeface="Arial" panose="020B0604020202020204" pitchFamily="34" charset="0"/>
+        <a:buChar char="•"/>
+        <a:defRPr sz="1800" kern="1200">
+          <a:solidFill>
+            <a:schemeClr val="tx1"/>
+          </a:solidFill>
+          <a:latin typeface="+mn-lt"/>
+          <a:ea typeface="+mn-ea"/>
+          <a:cs typeface="+mn-cs"/>
+        </a:defRPr>
+      </a:lvl4pPr>
+      <a:lvl5pPr marL="2057400" indent="-228600" algn="l" defTabSz="914400" rtl="0" eaLnBrk="1" latinLnBrk="0" hangingPunct="1">
+        <a:lnSpc>
+          <a:spcPct val="90000"/>
+        </a:lnSpc>
+        <a:spcBef>
+          <a:spcPts val="500"/>
+        </a:spcBef>
+        <a:buFont typeface="Arial" panose="020B0604020202020204" pitchFamily="34" charset="0"/>
+        <a:buChar char="•"/>
+        <a:defRPr sz="1800" kern="1200">
+          <a:solidFill>
+            <a:schemeClr val="tx1"/>
+          </a:solidFill>
+          <a:latin typeface="+mn-lt"/>
+          <a:ea typeface="+mn-ea"/>
+          <a:cs typeface="+mn-cs"/>
+        </a:defRPr>
+      </a:lvl5pPr>
+      <a:lvl6pPr marL="2514600" indent="-228600" algn="l" defTabSz="914400" rtl="0" eaLnBrk="1" latinLnBrk="0" hangingPunct="1">
+        <a:lnSpc>
+          <a:spcPct val="90000"/>
+        </a:lnSpc>
+        <a:spcBef>
+          <a:spcPts val="500"/>
+        </a:spcBef>
+        <a:buFont typeface="Arial" panose="020B0604020202020204" pitchFamily="34" charset="0"/>
+        <a:buChar char="•"/>
+        <a:defRPr sz="1800" kern="1200">
+          <a:solidFill>
+            <a:schemeClr val="tx1"/>
+          </a:solidFill>
+          <a:latin typeface="+mn-lt"/>
+          <a:ea typeface="+mn-ea"/>
+          <a:cs typeface="+mn-cs"/>
+        </a:defRPr>
+      </a:lvl6pPr>
+      <a:lvl7pPr marL="2971800" indent="-228600" algn="l" defTabSz="914400" rtl="0" eaLnBrk="1" latinLnBrk="0" hangingPunct="1">
+        <a:lnSpc>
+          <a:spcPct val="90000"/>
+        </a:lnSpc>
+        <a:spcBef>
+          <a:spcPts val="500"/>
+        </a:spcBef>
+        <a:buFont typeface="Arial" panose="020B0604020202020204" pitchFamily="34" charset="0"/>
+        <a:buChar char="•"/>
+        <a:defRPr sz="1800" kern="1200">
+          <a:solidFill>
+            <a:schemeClr val="tx1"/>
+          </a:solidFill>
+          <a:latin typeface="+mn-lt"/>
+          <a:ea typeface="+mn-ea"/>
+          <a:cs typeface="+mn-cs"/>
+        </a:defRPr>
+      </a:lvl7pPr>
+      <a:lvl8pPr marL="3429000" indent="-228600" algn="l" defTabSz="914400" rtl="0" eaLnBrk="1" latinLnBrk="0" hangingPunct="1">
+        <a:lnSpc>
+          <a:spcPct val="90000"/>
+        </a:lnSpc>
+        <a:spcBef>
+          <a:spcPts val="500"/>
+        </a:spcBef>
+        <a:buFont typeface="Arial" panose="020B0604020202020204" pitchFamily="34" charset="0"/>
+        <a:buChar char="•"/>
+        <a:defRPr sz="1800" kern="1200">
+          <a:solidFill>
+            <a:schemeClr val="tx1"/>
+          </a:solidFill>
+          <a:latin typeface="+mn-lt"/>
+          <a:ea typeface="+mn-ea"/>
+          <a:cs typeface="+mn-cs"/>
+        </a:defRPr>
+      </a:lvl8pPr>
+      <a:lvl9pPr marL="3886200" indent="-228600" algn="l" defTabSz="914400" rtl="0" eaLnBrk="1" latinLnBrk="0" hangingPunct="1">
+        <a:lnSpc>
+          <a:spcPct val="90000"/>
+        </a:lnSpc>
+        <a:spcBef>
+          <a:spcPts val="500"/>
+        </a:spcBef>
+        <a:buFont typeface="Arial" panose="020B0604020202020204" pitchFamily="34" charset="0"/>
+        <a:buChar char="•"/>
+        <a:defRPr sz="1800" kern="1200">
+          <a:solidFill>
+            <a:schemeClr val="tx1"/>
+          </a:solidFill>
+          <a:latin typeface="+mn-lt"/>
+          <a:ea typeface="+mn-ea"/>
+          <a:cs typeface="+mn-cs"/>
+        </a:defRPr>
+      </a:lvl9pPr>
+    </p:bodyStyle>
+    <p:otherStyle>
+      <a:defPPr>
+        <a:defRPr lang="en-US"/>
+      </a:defPPr>
+      <a:lvl1pPr marL="0" algn="l" defTabSz="914400" rtl="0" eaLnBrk="1" latinLnBrk="0" hangingPunct="1">
+        <a:defRPr sz="1800" kern="1200">
+          <a:solidFill>
+            <a:schemeClr val="tx1"/>
+          </a:solidFill>
+          <a:latin typeface="+mn-lt"/>
+          <a:ea typeface="+mn-ea"/>
+          <a:cs typeface="+mn-cs"/>
+        </a:defRPr>
+      </a:lvl1pPr>
+      <a:lvl2pPr marL="457200" algn="l" defTabSz="914400" rtl="0" eaLnBrk="1" latinLnBrk="0" hangingPunct="1">
+        <a:defRPr sz="1800" kern="1200">
+          <a:solidFill>
+            <a:schemeClr val="tx1"/>
+          </a:solidFill>
+          <a:latin typeface="+mn-lt"/>
+          <a:ea typeface="+mn-ea"/>
+          <a:cs typeface="+mn-cs"/>
+        </a:defRPr>
+      </a:lvl2pPr>
+      <a:lvl3pPr marL="914400" algn="l" defTabSz="914400" rtl="0" eaLnBrk="1" latinLnBrk="0" hangingPunct="1">
+        <a:defRPr sz="1800" kern="1200">
+          <a:solidFill>
+            <a:schemeClr val="tx1"/>
+          </a:solidFill>
+          <a:latin typeface="+mn-lt"/>
+          <a:ea typeface="+mn-ea"/>
+          <a:cs typeface="+mn-cs"/>
+        </a:defRPr>
+      </a:lvl3pPr>
+      <a:lvl4pPr marL="1371600" algn="l" defTabSz="914400" rtl="0" eaLnBrk="1" latinLnBrk="0" hangingPunct="1">
+        <a:defRPr sz="1800" kern="1200">
+          <a:solidFill>
+            <a:schemeClr val="tx1"/>
+          </a:solidFill>
+          <a:latin typeface="+mn-lt"/>
+          <a:ea typeface="+mn-ea"/>
+          <a:cs typeface="+mn-cs"/>
+        </a:defRPr>
+      </a:lvl4pPr>
+      <a:lvl5pPr marL="1828800" algn="l" defTabSz="914400" rtl="0" eaLnBrk="1" latinLnBrk="0" hangingPunct="1">
+        <a:defRPr sz="1800" kern="1200">
+          <a:solidFill>
+            <a:schemeClr val="tx1"/>
+          </a:solidFill>
+          <a:latin typeface="+mn-lt"/>
+          <a:ea typeface="+mn-ea"/>
+          <a:cs typeface="+mn-cs"/>
+        </a:defRPr>
+      </a:lvl5pPr>
+      <a:lvl6pPr marL="2286000" algn="l" defTabSz="914400" rtl="0" eaLnBrk="1" latinLnBrk="0" hangingPunct="1">
+        <a:defRPr sz="1800" kern="1200">
+          <a:solidFill>
+            <a:schemeClr val="tx1"/>
+          </a:solidFill>
+          <a:latin typeface="+mn-lt"/>
+          <a:ea typeface="+mn-ea"/>
+          <a:cs typeface="+mn-cs"/>
+        </a:defRPr>
+      </a:lvl6pPr>
+      <a:lvl7pPr marL="2743200" algn="l" defTabSz="914400" rtl="0" eaLnBrk="1" latinLnBrk="0" hangingPunct="1">
+        <a:defRPr sz="1800" kern="1200">
+          <a:solidFill>
+            <a:schemeClr val="tx1"/>
+          </a:solidFill>
+          <a:latin typeface="+mn-lt"/>
+          <a:ea typeface="+mn-ea"/>
+          <a:cs typeface="+mn-cs"/>
+        </a:defRPr>
+      </a:lvl7pPr>
+      <a:lvl8pPr marL="3200400" algn="l" defTabSz="914400" rtl="0" eaLnBrk="1" latinLnBrk="0" hangingPunct="1">
+        <a:defRPr sz="1800" kern="1200">
+          <a:solidFill>
+            <a:schemeClr val="tx1"/>
+          </a:solidFill>
+          <a:latin typeface="+mn-lt"/>
+          <a:ea typeface="+mn-ea"/>
+          <a:cs typeface="+mn-cs"/>
+        </a:defRPr>
+      </a:lvl8pPr>
+      <a:lvl9pPr marL="3657600" algn="l" defTabSz="914400" rtl="0" eaLnBrk="1" latinLnBrk="0" hangingPunct="1">
+        <a:defRPr sz="1800" kern="1200">
+          <a:solidFill>
+            <a:schemeClr val="tx1"/>
+          </a:solidFill>
+          <a:latin typeface="+mn-lt"/>
+          <a:ea typeface="+mn-ea"/>
+          <a:cs typeface="+mn-cs"/>
+        </a:defRPr>
+      </a:lvl9pPr>
+    </p:otherStyle>
+  </p:txStyles>
 </p:sldMaster>
 </file>
 
 <file path=ppt/slideMasters/slideMaster4.xml><?xml version="1.0" encoding="utf-8"?>
-<p:sldMaster xmlns:a="http://schemas.openxmlformats.org/drawingml/2006/main" xmlns:p="http://schemas.openxmlformats.org/presentationml/2006/main" xmlns:r="http://schemas.openxmlformats.org/officeDocument/2006/relationships" xmlns:p14="http://schemas.microsoft.com/office/powerpoint/2010/main" xmlns:p15="http://schemas.microsoft.com/office/powerpoint/2012/main" xmlns:mc="http://schemas.openxmlformats.org/markup-compatibility/2006">
+<p:sldMaster xmlns:a="http://schemas.openxmlformats.org/drawingml/2006/main" xmlns:r="http://schemas.openxmlformats.org/officeDocument/2006/relationships" xmlns:p="http://schemas.openxmlformats.org/presentationml/2006/main">
   <p:cSld>
     <p:bg>
       <p:bgPr>
         <a:solidFill>
-          <a:srgbClr val="ffffff"/>
+          <a:srgbClr val="FFFFFF"/>
         </a:solidFill>
+        <a:effectLst/>
       </p:bgPr>
     </p:bg>
     <p:spTree>
@@ -9189,6 +10389,7 @@
           <a:bodyPr tIns="0" bIns="0" anchor="b">
             <a:noAutofit/>
           </a:bodyPr>
+          <a:lstStyle/>
           <a:p>
             <a:pPr>
               <a:lnSpc>
@@ -9196,15 +10397,15 @@
               </a:lnSpc>
             </a:pPr>
             <a:r>
-              <a:rPr b="0" lang="en-US" sz="3600" spc="-52" strike="noStrike">
+              <a:rPr lang="en-US" sz="3600" b="0" strike="noStrike" spc="-52">
                 <a:solidFill>
-                  <a:srgbClr val="ffffff"/>
+                  <a:srgbClr val="FFFFFF"/>
                 </a:solidFill>
                 <a:latin typeface="Calibri Light"/>
               </a:rPr>
               <a:t>Click to edit Master title style</a:t>
             </a:r>
-            <a:endParaRPr b="0" lang="en-US" sz="3600" spc="-1" strike="noStrike">
+            <a:endParaRPr lang="en-US" sz="3600" b="0" strike="noStrike" spc="-1">
               <a:solidFill>
                 <a:srgbClr val="000000"/>
               </a:solidFill>
@@ -9233,28 +10434,29 @@
           </a:prstGeom>
         </p:spPr>
         <p:txBody>
-          <a:bodyPr lIns="457200" rIns="90000" tIns="457200" bIns="45000">
+          <a:bodyPr lIns="457200" tIns="457200" rIns="90000" bIns="45000">
             <a:noAutofit/>
           </a:bodyPr>
+          <a:lstStyle/>
           <a:p>
             <a:pPr>
               <a:lnSpc>
                 <a:spcPct val="100000"/>
               </a:lnSpc>
               <a:tabLst>
-                <a:tab algn="l" pos="0"/>
+                <a:tab pos="0" algn="l"/>
               </a:tabLst>
             </a:pPr>
             <a:r>
-              <a:rPr b="0" lang="en-US" sz="3200" spc="-1" strike="noStrike">
+              <a:rPr lang="en-US" sz="3200" b="0" strike="noStrike" spc="-1">
                 <a:solidFill>
-                  <a:srgbClr val="ffffff"/>
+                  <a:srgbClr val="FFFFFF"/>
                 </a:solidFill>
                 <a:latin typeface="Calibri"/>
               </a:rPr>
               <a:t>Click icon to add picture</a:t>
             </a:r>
-            <a:endParaRPr b="0" lang="en-US" sz="3200" spc="-1" strike="noStrike">
+            <a:endParaRPr lang="en-US" sz="3200" b="0" strike="noStrike" spc="-1">
               <a:solidFill>
                 <a:srgbClr val="404040"/>
               </a:solidFill>
@@ -9286,6 +10488,7 @@
           <a:bodyPr tIns="0" bIns="0">
             <a:normAutofit/>
           </a:bodyPr>
+          <a:lstStyle/>
           <a:p>
             <a:pPr>
               <a:lnSpc>
@@ -9295,19 +10498,19 @@
                 <a:spcPts val="601"/>
               </a:spcAft>
               <a:tabLst>
-                <a:tab algn="l" pos="0"/>
+                <a:tab pos="0" algn="l"/>
               </a:tabLst>
             </a:pPr>
             <a:r>
-              <a:rPr b="0" lang="en-US" sz="1500" spc="-1" strike="noStrike">
+              <a:rPr lang="en-US" sz="1500" b="0" strike="noStrike" spc="-1">
                 <a:solidFill>
-                  <a:srgbClr val="ffffff"/>
+                  <a:srgbClr val="FFFFFF"/>
                 </a:solidFill>
                 <a:latin typeface="Calibri"/>
               </a:rPr>
               <a:t>Click to edit Master text styles</a:t>
             </a:r>
-            <a:endParaRPr b="0" lang="en-US" sz="1500" spc="-1" strike="noStrike">
+            <a:endParaRPr lang="en-US" sz="1500" b="0" strike="noStrike" spc="-1">
               <a:solidFill>
                 <a:srgbClr val="404040"/>
               </a:solidFill>
@@ -9339,6 +10542,7 @@
           <a:bodyPr anchor="ctr">
             <a:noAutofit/>
           </a:bodyPr>
+          <a:lstStyle/>
           <a:p>
             <a:pPr>
               <a:lnSpc>
@@ -9346,15 +10550,15 @@
               </a:lnSpc>
             </a:pPr>
             <a:fld id="{BB588191-EB54-46A5-9928-BF8FAEB9B585}" type="datetime">
-              <a:rPr b="0" lang="en-US" sz="900" spc="-1" strike="noStrike">
+              <a:rPr lang="en-US" sz="900" b="0" strike="noStrike" spc="-1">
                 <a:solidFill>
-                  <a:srgbClr val="ffffff"/>
+                  <a:srgbClr val="FFFFFF"/>
                 </a:solidFill>
                 <a:latin typeface="Calibri"/>
               </a:rPr>
-              <a:t>9/23/20</a:t>
+              <a:t>11/17/2020</a:t>
             </a:fld>
-            <a:endParaRPr b="0" lang="en-US" sz="900" spc="-1" strike="noStrike">
+            <a:endParaRPr lang="en-US" sz="900" b="0" strike="noStrike" spc="-1">
               <a:latin typeface="Times New Roman"/>
             </a:endParaRPr>
           </a:p>
@@ -9383,8 +10587,9 @@
           <a:bodyPr anchor="ctr">
             <a:noAutofit/>
           </a:bodyPr>
-          <a:p>
-            <a:endParaRPr b="0" lang="en-US" sz="2400" spc="-1" strike="noStrike">
+          <a:lstStyle/>
+          <a:p>
+            <a:endParaRPr lang="en-US" sz="2400" b="0" strike="noStrike" spc="-1">
               <a:latin typeface="Times New Roman"/>
             </a:endParaRPr>
           </a:p>
@@ -9413,6 +10618,7 @@
           <a:bodyPr anchor="ctr">
             <a:noAutofit/>
           </a:bodyPr>
+          <a:lstStyle/>
           <a:p>
             <a:pPr algn="r">
               <a:lnSpc>
@@ -9420,15 +10626,15 @@
               </a:lnSpc>
             </a:pPr>
             <a:fld id="{A163528F-C786-4CAE-AE70-5851358A2042}" type="slidenum">
-              <a:rPr b="0" lang="en-US" sz="1050" spc="-1" strike="noStrike">
+              <a:rPr lang="en-US" sz="1050" b="0" strike="noStrike" spc="-1">
                 <a:solidFill>
-                  <a:srgbClr val="ffffff"/>
+                  <a:srgbClr val="FFFFFF"/>
                 </a:solidFill>
                 <a:latin typeface="Calibri"/>
               </a:rPr>
-              <a:t>&lt;number&gt;</a:t>
+              <a:t>‹#›</a:t>
             </a:fld>
-            <a:endParaRPr b="0" lang="en-US" sz="1050" spc="-1" strike="noStrike">
+            <a:endParaRPr lang="en-US" sz="1050" b="0" strike="noStrike" spc="-1">
               <a:latin typeface="Times New Roman"/>
             </a:endParaRPr>
           </a:p>
@@ -9436,32 +10642,313 @@
       </p:sp>
     </p:spTree>
   </p:cSld>
-  <p:clrMap bg1="lt1" bg2="lt2" tx1="dk1" tx2="dk2" accent1="accent1" accent2="accent2" accent3="accent3" accent4="accent4" accent5="accent5" accent6="accent6" hlink="hlink" folHlink="folHlink"/>
+  <p:clrMap bg1="lt1" tx1="dk1" bg2="lt2" tx2="dk2" accent1="accent1" accent2="accent2" accent3="accent3" accent4="accent4" accent5="accent5" accent6="accent6" hlink="hlink" folHlink="folHlink"/>
   <p:sldLayoutIdLst>
-    <p:sldLayoutId id="2147483688" r:id="rId2"/>
-    <p:sldLayoutId id="2147483689" r:id="rId3"/>
-    <p:sldLayoutId id="2147483690" r:id="rId4"/>
-    <p:sldLayoutId id="2147483691" r:id="rId5"/>
-    <p:sldLayoutId id="2147483692" r:id="rId6"/>
-    <p:sldLayoutId id="2147483693" r:id="rId7"/>
-    <p:sldLayoutId id="2147483694" r:id="rId8"/>
-    <p:sldLayoutId id="2147483695" r:id="rId9"/>
-    <p:sldLayoutId id="2147483696" r:id="rId10"/>
-    <p:sldLayoutId id="2147483697" r:id="rId11"/>
-    <p:sldLayoutId id="2147483698" r:id="rId12"/>
-    <p:sldLayoutId id="2147483699" r:id="rId13"/>
+    <p:sldLayoutId id="2147483688" r:id="rId1"/>
+    <p:sldLayoutId id="2147483689" r:id="rId2"/>
+    <p:sldLayoutId id="2147483690" r:id="rId3"/>
+    <p:sldLayoutId id="2147483691" r:id="rId4"/>
+    <p:sldLayoutId id="2147483692" r:id="rId5"/>
+    <p:sldLayoutId id="2147483693" r:id="rId6"/>
+    <p:sldLayoutId id="2147483694" r:id="rId7"/>
+    <p:sldLayoutId id="2147483695" r:id="rId8"/>
+    <p:sldLayoutId id="2147483696" r:id="rId9"/>
+    <p:sldLayoutId id="2147483697" r:id="rId10"/>
+    <p:sldLayoutId id="2147483698" r:id="rId11"/>
+    <p:sldLayoutId id="2147483699" r:id="rId12"/>
   </p:sldLayoutIdLst>
+  <p:txStyles>
+    <p:titleStyle>
+      <a:lvl1pPr algn="l" defTabSz="914400" rtl="0" eaLnBrk="1" latinLnBrk="0" hangingPunct="1">
+        <a:lnSpc>
+          <a:spcPct val="90000"/>
+        </a:lnSpc>
+        <a:spcBef>
+          <a:spcPct val="0"/>
+        </a:spcBef>
+        <a:buNone/>
+        <a:defRPr sz="4400" kern="1200">
+          <a:solidFill>
+            <a:schemeClr val="tx1"/>
+          </a:solidFill>
+          <a:latin typeface="+mj-lt"/>
+          <a:ea typeface="+mj-ea"/>
+          <a:cs typeface="+mj-cs"/>
+        </a:defRPr>
+      </a:lvl1pPr>
+    </p:titleStyle>
+    <p:bodyStyle>
+      <a:lvl1pPr marL="228600" indent="-228600" algn="l" defTabSz="914400" rtl="0" eaLnBrk="1" latinLnBrk="0" hangingPunct="1">
+        <a:lnSpc>
+          <a:spcPct val="90000"/>
+        </a:lnSpc>
+        <a:spcBef>
+          <a:spcPts val="1000"/>
+        </a:spcBef>
+        <a:buFont typeface="Arial" panose="020B0604020202020204" pitchFamily="34" charset="0"/>
+        <a:buChar char="•"/>
+        <a:defRPr sz="2800" kern="1200">
+          <a:solidFill>
+            <a:schemeClr val="tx1"/>
+          </a:solidFill>
+          <a:latin typeface="+mn-lt"/>
+          <a:ea typeface="+mn-ea"/>
+          <a:cs typeface="+mn-cs"/>
+        </a:defRPr>
+      </a:lvl1pPr>
+      <a:lvl2pPr marL="685800" indent="-228600" algn="l" defTabSz="914400" rtl="0" eaLnBrk="1" latinLnBrk="0" hangingPunct="1">
+        <a:lnSpc>
+          <a:spcPct val="90000"/>
+        </a:lnSpc>
+        <a:spcBef>
+          <a:spcPts val="500"/>
+        </a:spcBef>
+        <a:buFont typeface="Arial" panose="020B0604020202020204" pitchFamily="34" charset="0"/>
+        <a:buChar char="•"/>
+        <a:defRPr sz="2400" kern="1200">
+          <a:solidFill>
+            <a:schemeClr val="tx1"/>
+          </a:solidFill>
+          <a:latin typeface="+mn-lt"/>
+          <a:ea typeface="+mn-ea"/>
+          <a:cs typeface="+mn-cs"/>
+        </a:defRPr>
+      </a:lvl2pPr>
+      <a:lvl3pPr marL="1143000" indent="-228600" algn="l" defTabSz="914400" rtl="0" eaLnBrk="1" latinLnBrk="0" hangingPunct="1">
+        <a:lnSpc>
+          <a:spcPct val="90000"/>
+        </a:lnSpc>
+        <a:spcBef>
+          <a:spcPts val="500"/>
+        </a:spcBef>
+        <a:buFont typeface="Arial" panose="020B0604020202020204" pitchFamily="34" charset="0"/>
+        <a:buChar char="•"/>
+        <a:defRPr sz="2000" kern="1200">
+          <a:solidFill>
+            <a:schemeClr val="tx1"/>
+          </a:solidFill>
+          <a:latin typeface="+mn-lt"/>
+          <a:ea typeface="+mn-ea"/>
+          <a:cs typeface="+mn-cs"/>
+        </a:defRPr>
+      </a:lvl3pPr>
+      <a:lvl4pPr marL="1600200" indent="-228600" algn="l" defTabSz="914400" rtl="0" eaLnBrk="1" latinLnBrk="0" hangingPunct="1">
+        <a:lnSpc>
+          <a:spcPct val="90000"/>
+        </a:lnSpc>
+        <a:spcBef>
+          <a:spcPts val="500"/>
+        </a:spcBef>
+        <a:buFont typeface="Arial" panose="020B0604020202020204" pitchFamily="34" charset="0"/>
+        <a:buChar char="•"/>
+        <a:defRPr sz="1800" kern="1200">
+          <a:solidFill>
+            <a:schemeClr val="tx1"/>
+          </a:solidFill>
+          <a:latin typeface="+mn-lt"/>
+          <a:ea typeface="+mn-ea"/>
+          <a:cs typeface="+mn-cs"/>
+        </a:defRPr>
+      </a:lvl4pPr>
+      <a:lvl5pPr marL="2057400" indent="-228600" algn="l" defTabSz="914400" rtl="0" eaLnBrk="1" latinLnBrk="0" hangingPunct="1">
+        <a:lnSpc>
+          <a:spcPct val="90000"/>
+        </a:lnSpc>
+        <a:spcBef>
+          <a:spcPts val="500"/>
+        </a:spcBef>
+        <a:buFont typeface="Arial" panose="020B0604020202020204" pitchFamily="34" charset="0"/>
+        <a:buChar char="•"/>
+        <a:defRPr sz="1800" kern="1200">
+          <a:solidFill>
+            <a:schemeClr val="tx1"/>
+          </a:solidFill>
+          <a:latin typeface="+mn-lt"/>
+          <a:ea typeface="+mn-ea"/>
+          <a:cs typeface="+mn-cs"/>
+        </a:defRPr>
+      </a:lvl5pPr>
+      <a:lvl6pPr marL="2514600" indent="-228600" algn="l" defTabSz="914400" rtl="0" eaLnBrk="1" latinLnBrk="0" hangingPunct="1">
+        <a:lnSpc>
+          <a:spcPct val="90000"/>
+        </a:lnSpc>
+        <a:spcBef>
+          <a:spcPts val="500"/>
+        </a:spcBef>
+        <a:buFont typeface="Arial" panose="020B0604020202020204" pitchFamily="34" charset="0"/>
+        <a:buChar char="•"/>
+        <a:defRPr sz="1800" kern="1200">
+          <a:solidFill>
+            <a:schemeClr val="tx1"/>
+          </a:solidFill>
+          <a:latin typeface="+mn-lt"/>
+          <a:ea typeface="+mn-ea"/>
+          <a:cs typeface="+mn-cs"/>
+        </a:defRPr>
+      </a:lvl6pPr>
+      <a:lvl7pPr marL="2971800" indent="-228600" algn="l" defTabSz="914400" rtl="0" eaLnBrk="1" latinLnBrk="0" hangingPunct="1">
+        <a:lnSpc>
+          <a:spcPct val="90000"/>
+        </a:lnSpc>
+        <a:spcBef>
+          <a:spcPts val="500"/>
+        </a:spcBef>
+        <a:buFont typeface="Arial" panose="020B0604020202020204" pitchFamily="34" charset="0"/>
+        <a:buChar char="•"/>
+        <a:defRPr sz="1800" kern="1200">
+          <a:solidFill>
+            <a:schemeClr val="tx1"/>
+          </a:solidFill>
+          <a:latin typeface="+mn-lt"/>
+          <a:ea typeface="+mn-ea"/>
+          <a:cs typeface="+mn-cs"/>
+        </a:defRPr>
+      </a:lvl7pPr>
+      <a:lvl8pPr marL="3429000" indent="-228600" algn="l" defTabSz="914400" rtl="0" eaLnBrk="1" latinLnBrk="0" hangingPunct="1">
+        <a:lnSpc>
+          <a:spcPct val="90000"/>
+        </a:lnSpc>
+        <a:spcBef>
+          <a:spcPts val="500"/>
+        </a:spcBef>
+        <a:buFont typeface="Arial" panose="020B0604020202020204" pitchFamily="34" charset="0"/>
+        <a:buChar char="•"/>
+        <a:defRPr sz="1800" kern="1200">
+          <a:solidFill>
+            <a:schemeClr val="tx1"/>
+          </a:solidFill>
+          <a:latin typeface="+mn-lt"/>
+          <a:ea typeface="+mn-ea"/>
+          <a:cs typeface="+mn-cs"/>
+        </a:defRPr>
+      </a:lvl8pPr>
+      <a:lvl9pPr marL="3886200" indent="-228600" algn="l" defTabSz="914400" rtl="0" eaLnBrk="1" latinLnBrk="0" hangingPunct="1">
+        <a:lnSpc>
+          <a:spcPct val="90000"/>
+        </a:lnSpc>
+        <a:spcBef>
+          <a:spcPts val="500"/>
+        </a:spcBef>
+        <a:buFont typeface="Arial" panose="020B0604020202020204" pitchFamily="34" charset="0"/>
+        <a:buChar char="•"/>
+        <a:defRPr sz="1800" kern="1200">
+          <a:solidFill>
+            <a:schemeClr val="tx1"/>
+          </a:solidFill>
+          <a:latin typeface="+mn-lt"/>
+          <a:ea typeface="+mn-ea"/>
+          <a:cs typeface="+mn-cs"/>
+        </a:defRPr>
+      </a:lvl9pPr>
+    </p:bodyStyle>
+    <p:otherStyle>
+      <a:defPPr>
+        <a:defRPr lang="en-US"/>
+      </a:defPPr>
+      <a:lvl1pPr marL="0" algn="l" defTabSz="914400" rtl="0" eaLnBrk="1" latinLnBrk="0" hangingPunct="1">
+        <a:defRPr sz="1800" kern="1200">
+          <a:solidFill>
+            <a:schemeClr val="tx1"/>
+          </a:solidFill>
+          <a:latin typeface="+mn-lt"/>
+          <a:ea typeface="+mn-ea"/>
+          <a:cs typeface="+mn-cs"/>
+        </a:defRPr>
+      </a:lvl1pPr>
+      <a:lvl2pPr marL="457200" algn="l" defTabSz="914400" rtl="0" eaLnBrk="1" latinLnBrk="0" hangingPunct="1">
+        <a:defRPr sz="1800" kern="1200">
+          <a:solidFill>
+            <a:schemeClr val="tx1"/>
+          </a:solidFill>
+          <a:latin typeface="+mn-lt"/>
+          <a:ea typeface="+mn-ea"/>
+          <a:cs typeface="+mn-cs"/>
+        </a:defRPr>
+      </a:lvl2pPr>
+      <a:lvl3pPr marL="914400" algn="l" defTabSz="914400" rtl="0" eaLnBrk="1" latinLnBrk="0" hangingPunct="1">
+        <a:defRPr sz="1800" kern="1200">
+          <a:solidFill>
+            <a:schemeClr val="tx1"/>
+          </a:solidFill>
+          <a:latin typeface="+mn-lt"/>
+          <a:ea typeface="+mn-ea"/>
+          <a:cs typeface="+mn-cs"/>
+        </a:defRPr>
+      </a:lvl3pPr>
+      <a:lvl4pPr marL="1371600" algn="l" defTabSz="914400" rtl="0" eaLnBrk="1" latinLnBrk="0" hangingPunct="1">
+        <a:defRPr sz="1800" kern="1200">
+          <a:solidFill>
+            <a:schemeClr val="tx1"/>
+          </a:solidFill>
+          <a:latin typeface="+mn-lt"/>
+          <a:ea typeface="+mn-ea"/>
+          <a:cs typeface="+mn-cs"/>
+        </a:defRPr>
+      </a:lvl4pPr>
+      <a:lvl5pPr marL="1828800" algn="l" defTabSz="914400" rtl="0" eaLnBrk="1" latinLnBrk="0" hangingPunct="1">
+        <a:defRPr sz="1800" kern="1200">
+          <a:solidFill>
+            <a:schemeClr val="tx1"/>
+          </a:solidFill>
+          <a:latin typeface="+mn-lt"/>
+          <a:ea typeface="+mn-ea"/>
+          <a:cs typeface="+mn-cs"/>
+        </a:defRPr>
+      </a:lvl5pPr>
+      <a:lvl6pPr marL="2286000" algn="l" defTabSz="914400" rtl="0" eaLnBrk="1" latinLnBrk="0" hangingPunct="1">
+        <a:defRPr sz="1800" kern="1200">
+          <a:solidFill>
+            <a:schemeClr val="tx1"/>
+          </a:solidFill>
+          <a:latin typeface="+mn-lt"/>
+          <a:ea typeface="+mn-ea"/>
+          <a:cs typeface="+mn-cs"/>
+        </a:defRPr>
+      </a:lvl6pPr>
+      <a:lvl7pPr marL="2743200" algn="l" defTabSz="914400" rtl="0" eaLnBrk="1" latinLnBrk="0" hangingPunct="1">
+        <a:defRPr sz="1800" kern="1200">
+          <a:solidFill>
+            <a:schemeClr val="tx1"/>
+          </a:solidFill>
+          <a:latin typeface="+mn-lt"/>
+          <a:ea typeface="+mn-ea"/>
+          <a:cs typeface="+mn-cs"/>
+        </a:defRPr>
+      </a:lvl7pPr>
+      <a:lvl8pPr marL="3200400" algn="l" defTabSz="914400" rtl="0" eaLnBrk="1" latinLnBrk="0" hangingPunct="1">
+        <a:defRPr sz="1800" kern="1200">
+          <a:solidFill>
+            <a:schemeClr val="tx1"/>
+          </a:solidFill>
+          <a:latin typeface="+mn-lt"/>
+          <a:ea typeface="+mn-ea"/>
+          <a:cs typeface="+mn-cs"/>
+        </a:defRPr>
+      </a:lvl8pPr>
+      <a:lvl9pPr marL="3657600" algn="l" defTabSz="914400" rtl="0" eaLnBrk="1" latinLnBrk="0" hangingPunct="1">
+        <a:defRPr sz="1800" kern="1200">
+          <a:solidFill>
+            <a:schemeClr val="tx1"/>
+          </a:solidFill>
+          <a:latin typeface="+mn-lt"/>
+          <a:ea typeface="+mn-ea"/>
+          <a:cs typeface="+mn-cs"/>
+        </a:defRPr>
+      </a:lvl9pPr>
+    </p:otherStyle>
+  </p:txStyles>
 </p:sldMaster>
 </file>
 
 <file path=ppt/slideMasters/slideMaster5.xml><?xml version="1.0" encoding="utf-8"?>
-<p:sldMaster xmlns:a="http://schemas.openxmlformats.org/drawingml/2006/main" xmlns:p="http://schemas.openxmlformats.org/presentationml/2006/main" xmlns:r="http://schemas.openxmlformats.org/officeDocument/2006/relationships" xmlns:p14="http://schemas.microsoft.com/office/powerpoint/2010/main" xmlns:p15="http://schemas.microsoft.com/office/powerpoint/2012/main" xmlns:mc="http://schemas.openxmlformats.org/markup-compatibility/2006">
+<p:sldMaster xmlns:a="http://schemas.openxmlformats.org/drawingml/2006/main" xmlns:r="http://schemas.openxmlformats.org/officeDocument/2006/relationships" xmlns:p="http://schemas.openxmlformats.org/presentationml/2006/main">
   <p:cSld>
     <p:bg>
       <p:bgPr>
         <a:solidFill>
-          <a:srgbClr val="ffffff"/>
+          <a:srgbClr val="FFFFFF"/>
         </a:solidFill>
+        <a:effectLst/>
       </p:bgPr>
     </p:bg>
     <p:spTree>
@@ -9610,6 +11097,7 @@
           <a:bodyPr anchor="b">
             <a:noAutofit/>
           </a:bodyPr>
+          <a:lstStyle/>
           <a:p>
             <a:pPr>
               <a:lnSpc>
@@ -9617,7 +11105,7 @@
               </a:lnSpc>
             </a:pPr>
             <a:r>
-              <a:rPr b="0" lang="en-US" sz="4800" spc="-52" strike="noStrike">
+              <a:rPr lang="en-US" sz="4800" b="0" strike="noStrike" spc="-52">
                 <a:solidFill>
                   <a:srgbClr val="404040"/>
                 </a:solidFill>
@@ -9625,7 +11113,7 @@
               </a:rPr>
               <a:t>Click to edit Master title style</a:t>
             </a:r>
-            <a:endParaRPr b="0" lang="en-US" sz="4800" spc="-1" strike="noStrike">
+            <a:endParaRPr lang="en-US" sz="4800" b="0" strike="noStrike" spc="-1">
               <a:solidFill>
                 <a:srgbClr val="000000"/>
               </a:solidFill>
@@ -9657,6 +11145,7 @@
           <a:bodyPr lIns="0" rIns="0">
             <a:noAutofit/>
           </a:bodyPr>
+          <a:lstStyle/>
           <a:p>
             <a:pPr marL="91440" indent="-91080">
               <a:lnSpc>
@@ -9669,13 +11158,13 @@
                 <a:spcPts val="201"/>
               </a:spcAft>
               <a:buClr>
-                <a:srgbClr val="e48312"/>
+                <a:srgbClr val="E48312"/>
               </a:buClr>
               <a:buFont typeface="Calibri"/>
               <a:buChar char=" "/>
             </a:pPr>
             <a:r>
-              <a:rPr b="0" lang="en-US" sz="2000" spc="-1" strike="noStrike">
+              <a:rPr lang="en-US" sz="2000" b="0" strike="noStrike" spc="-1">
                 <a:solidFill>
                   <a:srgbClr val="404040"/>
                 </a:solidFill>
@@ -9683,15 +11172,9 @@
               </a:rPr>
               <a:t>Click to edit Master text styles</a:t>
             </a:r>
-            <a:endParaRPr b="0" lang="en-US" sz="2000" spc="-1" strike="noStrike">
-              <a:solidFill>
-                <a:srgbClr val="404040"/>
-              </a:solidFill>
-              <a:latin typeface="Calibri"/>
-            </a:endParaRPr>
-          </a:p>
-          <a:p>
-            <a:pPr lvl="1" marL="384120" indent="-182520">
+          </a:p>
+          <a:p>
+            <a:pPr marL="384120" lvl="1" indent="-182520">
               <a:lnSpc>
                 <a:spcPct val="90000"/>
               </a:lnSpc>
@@ -9702,13 +11185,13 @@
                 <a:spcPts val="400"/>
               </a:spcAft>
               <a:buClr>
-                <a:srgbClr val="e48312"/>
+                <a:srgbClr val="E48312"/>
               </a:buClr>
               <a:buFont typeface="Calibri"/>
               <a:buChar char="◦"/>
             </a:pPr>
             <a:r>
-              <a:rPr b="0" lang="en-US" sz="1800" spc="-1" strike="noStrike">
+              <a:rPr lang="en-US" sz="1800" b="0" strike="noStrike" spc="-1">
                 <a:solidFill>
                   <a:srgbClr val="404040"/>
                 </a:solidFill>
@@ -9716,15 +11199,9 @@
               </a:rPr>
               <a:t>Second level</a:t>
             </a:r>
-            <a:endParaRPr b="0" lang="en-US" sz="1800" spc="-1" strike="noStrike">
-              <a:solidFill>
-                <a:srgbClr val="404040"/>
-              </a:solidFill>
-              <a:latin typeface="Calibri"/>
-            </a:endParaRPr>
-          </a:p>
-          <a:p>
-            <a:pPr lvl="2" marL="567000" indent="-182520">
+          </a:p>
+          <a:p>
+            <a:pPr marL="567000" lvl="2" indent="-182520">
               <a:lnSpc>
                 <a:spcPct val="90000"/>
               </a:lnSpc>
@@ -9735,13 +11212,13 @@
                 <a:spcPts val="400"/>
               </a:spcAft>
               <a:buClr>
-                <a:srgbClr val="e48312"/>
+                <a:srgbClr val="E48312"/>
               </a:buClr>
               <a:buFont typeface="Calibri"/>
               <a:buChar char="◦"/>
             </a:pPr>
             <a:r>
-              <a:rPr b="0" lang="en-US" sz="1400" spc="-1" strike="noStrike">
+              <a:rPr lang="en-US" sz="1400" b="0" strike="noStrike" spc="-1">
                 <a:solidFill>
                   <a:srgbClr val="404040"/>
                 </a:solidFill>
@@ -9749,15 +11226,9 @@
               </a:rPr>
               <a:t>Third level</a:t>
             </a:r>
-            <a:endParaRPr b="0" lang="en-US" sz="1400" spc="-1" strike="noStrike">
-              <a:solidFill>
-                <a:srgbClr val="404040"/>
-              </a:solidFill>
-              <a:latin typeface="Calibri"/>
-            </a:endParaRPr>
-          </a:p>
-          <a:p>
-            <a:pPr lvl="3" marL="749880" indent="-182520">
+          </a:p>
+          <a:p>
+            <a:pPr marL="749880" lvl="3" indent="-182520">
               <a:lnSpc>
                 <a:spcPct val="90000"/>
               </a:lnSpc>
@@ -9768,13 +11239,13 @@
                 <a:spcPts val="400"/>
               </a:spcAft>
               <a:buClr>
-                <a:srgbClr val="e48312"/>
+                <a:srgbClr val="E48312"/>
               </a:buClr>
               <a:buFont typeface="Calibri"/>
               <a:buChar char="◦"/>
             </a:pPr>
             <a:r>
-              <a:rPr b="0" lang="en-US" sz="1400" spc="-1" strike="noStrike">
+              <a:rPr lang="en-US" sz="1400" b="0" strike="noStrike" spc="-1">
                 <a:solidFill>
                   <a:srgbClr val="404040"/>
                 </a:solidFill>
@@ -9782,15 +11253,9 @@
               </a:rPr>
               <a:t>Fourth level</a:t>
             </a:r>
-            <a:endParaRPr b="0" lang="en-US" sz="1400" spc="-1" strike="noStrike">
-              <a:solidFill>
-                <a:srgbClr val="404040"/>
-              </a:solidFill>
-              <a:latin typeface="Calibri"/>
-            </a:endParaRPr>
-          </a:p>
-          <a:p>
-            <a:pPr lvl="4" marL="932760" indent="-182520">
+          </a:p>
+          <a:p>
+            <a:pPr marL="932760" lvl="4" indent="-182520">
               <a:lnSpc>
                 <a:spcPct val="90000"/>
               </a:lnSpc>
@@ -9801,13 +11266,13 @@
                 <a:spcPts val="400"/>
               </a:spcAft>
               <a:buClr>
-                <a:srgbClr val="e48312"/>
+                <a:srgbClr val="E48312"/>
               </a:buClr>
               <a:buFont typeface="Calibri"/>
               <a:buChar char="◦"/>
             </a:pPr>
             <a:r>
-              <a:rPr b="0" lang="en-US" sz="1400" spc="-1" strike="noStrike">
+              <a:rPr lang="en-US" sz="1400" b="0" strike="noStrike" spc="-1">
                 <a:solidFill>
                   <a:srgbClr val="404040"/>
                 </a:solidFill>
@@ -9815,12 +11280,6 @@
               </a:rPr>
               <a:t>Fifth level</a:t>
             </a:r>
-            <a:endParaRPr b="0" lang="en-US" sz="1400" spc="-1" strike="noStrike">
-              <a:solidFill>
-                <a:srgbClr val="404040"/>
-              </a:solidFill>
-              <a:latin typeface="Calibri"/>
-            </a:endParaRPr>
           </a:p>
         </p:txBody>
       </p:sp>
@@ -9847,6 +11306,7 @@
           <a:bodyPr lIns="0" rIns="0">
             <a:noAutofit/>
           </a:bodyPr>
+          <a:lstStyle/>
           <a:p>
             <a:pPr marL="91440" indent="-91080">
               <a:lnSpc>
@@ -9859,13 +11319,13 @@
                 <a:spcPts val="201"/>
               </a:spcAft>
               <a:buClr>
-                <a:srgbClr val="e48312"/>
+                <a:srgbClr val="E48312"/>
               </a:buClr>
               <a:buFont typeface="Calibri"/>
               <a:buChar char=" "/>
             </a:pPr>
             <a:r>
-              <a:rPr b="0" lang="en-US" sz="2000" spc="-1" strike="noStrike">
+              <a:rPr lang="en-US" sz="2000" b="0" strike="noStrike" spc="-1">
                 <a:solidFill>
                   <a:srgbClr val="404040"/>
                 </a:solidFill>
@@ -9873,15 +11333,9 @@
               </a:rPr>
               <a:t>Click to edit Master text styles</a:t>
             </a:r>
-            <a:endParaRPr b="0" lang="en-US" sz="2000" spc="-1" strike="noStrike">
-              <a:solidFill>
-                <a:srgbClr val="404040"/>
-              </a:solidFill>
-              <a:latin typeface="Calibri"/>
-            </a:endParaRPr>
-          </a:p>
-          <a:p>
-            <a:pPr lvl="1" marL="384120" indent="-182520">
+          </a:p>
+          <a:p>
+            <a:pPr marL="384120" lvl="1" indent="-182520">
               <a:lnSpc>
                 <a:spcPct val="90000"/>
               </a:lnSpc>
@@ -9892,13 +11346,13 @@
                 <a:spcPts val="400"/>
               </a:spcAft>
               <a:buClr>
-                <a:srgbClr val="e48312"/>
+                <a:srgbClr val="E48312"/>
               </a:buClr>
               <a:buFont typeface="Calibri"/>
               <a:buChar char="◦"/>
             </a:pPr>
             <a:r>
-              <a:rPr b="0" lang="en-US" sz="1800" spc="-1" strike="noStrike">
+              <a:rPr lang="en-US" sz="1800" b="0" strike="noStrike" spc="-1">
                 <a:solidFill>
                   <a:srgbClr val="404040"/>
                 </a:solidFill>
@@ -9906,15 +11360,9 @@
               </a:rPr>
               <a:t>Second level</a:t>
             </a:r>
-            <a:endParaRPr b="0" lang="en-US" sz="1800" spc="-1" strike="noStrike">
-              <a:solidFill>
-                <a:srgbClr val="404040"/>
-              </a:solidFill>
-              <a:latin typeface="Calibri"/>
-            </a:endParaRPr>
-          </a:p>
-          <a:p>
-            <a:pPr lvl="2" marL="567000" indent="-182520">
+          </a:p>
+          <a:p>
+            <a:pPr marL="567000" lvl="2" indent="-182520">
               <a:lnSpc>
                 <a:spcPct val="90000"/>
               </a:lnSpc>
@@ -9925,13 +11373,13 @@
                 <a:spcPts val="400"/>
               </a:spcAft>
               <a:buClr>
-                <a:srgbClr val="e48312"/>
+                <a:srgbClr val="E48312"/>
               </a:buClr>
               <a:buFont typeface="Calibri"/>
               <a:buChar char="◦"/>
             </a:pPr>
             <a:r>
-              <a:rPr b="0" lang="en-US" sz="1400" spc="-1" strike="noStrike">
+              <a:rPr lang="en-US" sz="1400" b="0" strike="noStrike" spc="-1">
                 <a:solidFill>
                   <a:srgbClr val="404040"/>
                 </a:solidFill>
@@ -9939,15 +11387,9 @@
               </a:rPr>
               <a:t>Third level</a:t>
             </a:r>
-            <a:endParaRPr b="0" lang="en-US" sz="1400" spc="-1" strike="noStrike">
-              <a:solidFill>
-                <a:srgbClr val="404040"/>
-              </a:solidFill>
-              <a:latin typeface="Calibri"/>
-            </a:endParaRPr>
-          </a:p>
-          <a:p>
-            <a:pPr lvl="3" marL="749880" indent="-182520">
+          </a:p>
+          <a:p>
+            <a:pPr marL="749880" lvl="3" indent="-182520">
               <a:lnSpc>
                 <a:spcPct val="90000"/>
               </a:lnSpc>
@@ -9958,13 +11400,13 @@
                 <a:spcPts val="400"/>
               </a:spcAft>
               <a:buClr>
-                <a:srgbClr val="e48312"/>
+                <a:srgbClr val="E48312"/>
               </a:buClr>
               <a:buFont typeface="Calibri"/>
               <a:buChar char="◦"/>
             </a:pPr>
             <a:r>
-              <a:rPr b="0" lang="en-US" sz="1400" spc="-1" strike="noStrike">
+              <a:rPr lang="en-US" sz="1400" b="0" strike="noStrike" spc="-1">
                 <a:solidFill>
                   <a:srgbClr val="404040"/>
                 </a:solidFill>
@@ -9972,15 +11414,9 @@
               </a:rPr>
               <a:t>Fourth level</a:t>
             </a:r>
-            <a:endParaRPr b="0" lang="en-US" sz="1400" spc="-1" strike="noStrike">
-              <a:solidFill>
-                <a:srgbClr val="404040"/>
-              </a:solidFill>
-              <a:latin typeface="Calibri"/>
-            </a:endParaRPr>
-          </a:p>
-          <a:p>
-            <a:pPr lvl="4" marL="932760" indent="-182520">
+          </a:p>
+          <a:p>
+            <a:pPr marL="932760" lvl="4" indent="-182520">
               <a:lnSpc>
                 <a:spcPct val="90000"/>
               </a:lnSpc>
@@ -9991,13 +11427,13 @@
                 <a:spcPts val="400"/>
               </a:spcAft>
               <a:buClr>
-                <a:srgbClr val="e48312"/>
+                <a:srgbClr val="E48312"/>
               </a:buClr>
               <a:buFont typeface="Calibri"/>
               <a:buChar char="◦"/>
             </a:pPr>
             <a:r>
-              <a:rPr b="0" lang="en-US" sz="1400" spc="-1" strike="noStrike">
+              <a:rPr lang="en-US" sz="1400" b="0" strike="noStrike" spc="-1">
                 <a:solidFill>
                   <a:srgbClr val="404040"/>
                 </a:solidFill>
@@ -10005,12 +11441,6 @@
               </a:rPr>
               <a:t>Fifth level</a:t>
             </a:r>
-            <a:endParaRPr b="0" lang="en-US" sz="1400" spc="-1" strike="noStrike">
-              <a:solidFill>
-                <a:srgbClr val="404040"/>
-              </a:solidFill>
-              <a:latin typeface="Calibri"/>
-            </a:endParaRPr>
           </a:p>
         </p:txBody>
       </p:sp>
@@ -10037,6 +11467,7 @@
           <a:bodyPr anchor="ctr">
             <a:noAutofit/>
           </a:bodyPr>
+          <a:lstStyle/>
           <a:p>
             <a:pPr>
               <a:lnSpc>
@@ -10044,15 +11475,15 @@
               </a:lnSpc>
             </a:pPr>
             <a:fld id="{2517A6BF-4CA1-4A4B-BE22-FB097E128425}" type="datetime">
-              <a:rPr b="0" lang="en-US" sz="900" spc="-1" strike="noStrike">
+              <a:rPr lang="en-US" sz="900" b="0" strike="noStrike" spc="-1">
                 <a:solidFill>
-                  <a:srgbClr val="ffffff"/>
+                  <a:srgbClr val="FFFFFF"/>
                 </a:solidFill>
                 <a:latin typeface="Calibri"/>
               </a:rPr>
-              <a:t>9/23/20</a:t>
+              <a:t>11/17/2020</a:t>
             </a:fld>
-            <a:endParaRPr b="0" lang="en-US" sz="900" spc="-1" strike="noStrike">
+            <a:endParaRPr lang="en-US" sz="900" b="0" strike="noStrike" spc="-1">
               <a:latin typeface="Times New Roman"/>
             </a:endParaRPr>
           </a:p>
@@ -10081,8 +11512,9 @@
           <a:bodyPr anchor="ctr">
             <a:noAutofit/>
           </a:bodyPr>
-          <a:p>
-            <a:endParaRPr b="0" lang="en-US" sz="2400" spc="-1" strike="noStrike">
+          <a:lstStyle/>
+          <a:p>
+            <a:endParaRPr lang="en-US" sz="2400" b="0" strike="noStrike" spc="-1">
               <a:latin typeface="Times New Roman"/>
             </a:endParaRPr>
           </a:p>
@@ -10111,6 +11543,7 @@
           <a:bodyPr anchor="ctr">
             <a:noAutofit/>
           </a:bodyPr>
+          <a:lstStyle/>
           <a:p>
             <a:pPr algn="r">
               <a:lnSpc>
@@ -10118,15 +11551,15 @@
               </a:lnSpc>
             </a:pPr>
             <a:fld id="{79540F32-C848-4DBA-96D8-1105E0004EC8}" type="slidenum">
-              <a:rPr b="0" lang="en-US" sz="1050" spc="-1" strike="noStrike">
+              <a:rPr lang="en-US" sz="1050" b="0" strike="noStrike" spc="-1">
                 <a:solidFill>
-                  <a:srgbClr val="ffffff"/>
+                  <a:srgbClr val="FFFFFF"/>
                 </a:solidFill>
                 <a:latin typeface="Calibri"/>
               </a:rPr>
-              <a:t>&lt;number&gt;</a:t>
+              <a:t>‹#›</a:t>
             </a:fld>
-            <a:endParaRPr b="0" lang="en-US" sz="1050" spc="-1" strike="noStrike">
+            <a:endParaRPr lang="en-US" sz="1050" b="0" strike="noStrike" spc="-1">
               <a:latin typeface="Times New Roman"/>
             </a:endParaRPr>
           </a:p>
@@ -10134,26 +11567,306 @@
       </p:sp>
     </p:spTree>
   </p:cSld>
-  <p:clrMap bg1="lt1" bg2="lt2" tx1="dk1" tx2="dk2" accent1="accent1" accent2="accent2" accent3="accent3" accent4="accent4" accent5="accent5" accent6="accent6" hlink="hlink" folHlink="folHlink"/>
+  <p:clrMap bg1="lt1" tx1="dk1" bg2="lt2" tx2="dk2" accent1="accent1" accent2="accent2" accent3="accent3" accent4="accent4" accent5="accent5" accent6="accent6" hlink="hlink" folHlink="folHlink"/>
   <p:sldLayoutIdLst>
-    <p:sldLayoutId id="2147483701" r:id="rId2"/>
-    <p:sldLayoutId id="2147483702" r:id="rId3"/>
-    <p:sldLayoutId id="2147483703" r:id="rId4"/>
-    <p:sldLayoutId id="2147483704" r:id="rId5"/>
-    <p:sldLayoutId id="2147483705" r:id="rId6"/>
-    <p:sldLayoutId id="2147483706" r:id="rId7"/>
-    <p:sldLayoutId id="2147483707" r:id="rId8"/>
-    <p:sldLayoutId id="2147483708" r:id="rId9"/>
-    <p:sldLayoutId id="2147483709" r:id="rId10"/>
-    <p:sldLayoutId id="2147483710" r:id="rId11"/>
-    <p:sldLayoutId id="2147483711" r:id="rId12"/>
-    <p:sldLayoutId id="2147483712" r:id="rId13"/>
+    <p:sldLayoutId id="2147483701" r:id="rId1"/>
+    <p:sldLayoutId id="2147483702" r:id="rId2"/>
+    <p:sldLayoutId id="2147483703" r:id="rId3"/>
+    <p:sldLayoutId id="2147483704" r:id="rId4"/>
+    <p:sldLayoutId id="2147483705" r:id="rId5"/>
+    <p:sldLayoutId id="2147483706" r:id="rId6"/>
+    <p:sldLayoutId id="2147483707" r:id="rId7"/>
+    <p:sldLayoutId id="2147483708" r:id="rId8"/>
+    <p:sldLayoutId id="2147483709" r:id="rId9"/>
+    <p:sldLayoutId id="2147483710" r:id="rId10"/>
+    <p:sldLayoutId id="2147483711" r:id="rId11"/>
+    <p:sldLayoutId id="2147483712" r:id="rId12"/>
   </p:sldLayoutIdLst>
+  <p:txStyles>
+    <p:titleStyle>
+      <a:lvl1pPr algn="l" defTabSz="914400" rtl="0" eaLnBrk="1" latinLnBrk="0" hangingPunct="1">
+        <a:lnSpc>
+          <a:spcPct val="90000"/>
+        </a:lnSpc>
+        <a:spcBef>
+          <a:spcPct val="0"/>
+        </a:spcBef>
+        <a:buNone/>
+        <a:defRPr sz="4400" kern="1200">
+          <a:solidFill>
+            <a:schemeClr val="tx1"/>
+          </a:solidFill>
+          <a:latin typeface="+mj-lt"/>
+          <a:ea typeface="+mj-ea"/>
+          <a:cs typeface="+mj-cs"/>
+        </a:defRPr>
+      </a:lvl1pPr>
+    </p:titleStyle>
+    <p:bodyStyle>
+      <a:lvl1pPr marL="228600" indent="-228600" algn="l" defTabSz="914400" rtl="0" eaLnBrk="1" latinLnBrk="0" hangingPunct="1">
+        <a:lnSpc>
+          <a:spcPct val="90000"/>
+        </a:lnSpc>
+        <a:spcBef>
+          <a:spcPts val="1000"/>
+        </a:spcBef>
+        <a:buFont typeface="Arial" panose="020B0604020202020204" pitchFamily="34" charset="0"/>
+        <a:buChar char="•"/>
+        <a:defRPr sz="2800" kern="1200">
+          <a:solidFill>
+            <a:schemeClr val="tx1"/>
+          </a:solidFill>
+          <a:latin typeface="+mn-lt"/>
+          <a:ea typeface="+mn-ea"/>
+          <a:cs typeface="+mn-cs"/>
+        </a:defRPr>
+      </a:lvl1pPr>
+      <a:lvl2pPr marL="685800" indent="-228600" algn="l" defTabSz="914400" rtl="0" eaLnBrk="1" latinLnBrk="0" hangingPunct="1">
+        <a:lnSpc>
+          <a:spcPct val="90000"/>
+        </a:lnSpc>
+        <a:spcBef>
+          <a:spcPts val="500"/>
+        </a:spcBef>
+        <a:buFont typeface="Arial" panose="020B0604020202020204" pitchFamily="34" charset="0"/>
+        <a:buChar char="•"/>
+        <a:defRPr sz="2400" kern="1200">
+          <a:solidFill>
+            <a:schemeClr val="tx1"/>
+          </a:solidFill>
+          <a:latin typeface="+mn-lt"/>
+          <a:ea typeface="+mn-ea"/>
+          <a:cs typeface="+mn-cs"/>
+        </a:defRPr>
+      </a:lvl2pPr>
+      <a:lvl3pPr marL="1143000" indent="-228600" algn="l" defTabSz="914400" rtl="0" eaLnBrk="1" latinLnBrk="0" hangingPunct="1">
+        <a:lnSpc>
+          <a:spcPct val="90000"/>
+        </a:lnSpc>
+        <a:spcBef>
+          <a:spcPts val="500"/>
+        </a:spcBef>
+        <a:buFont typeface="Arial" panose="020B0604020202020204" pitchFamily="34" charset="0"/>
+        <a:buChar char="•"/>
+        <a:defRPr sz="2000" kern="1200">
+          <a:solidFill>
+            <a:schemeClr val="tx1"/>
+          </a:solidFill>
+          <a:latin typeface="+mn-lt"/>
+          <a:ea typeface="+mn-ea"/>
+          <a:cs typeface="+mn-cs"/>
+        </a:defRPr>
+      </a:lvl3pPr>
+      <a:lvl4pPr marL="1600200" indent="-228600" algn="l" defTabSz="914400" rtl="0" eaLnBrk="1" latinLnBrk="0" hangingPunct="1">
+        <a:lnSpc>
+          <a:spcPct val="90000"/>
+        </a:lnSpc>
+        <a:spcBef>
+          <a:spcPts val="500"/>
+        </a:spcBef>
+        <a:buFont typeface="Arial" panose="020B0604020202020204" pitchFamily="34" charset="0"/>
+        <a:buChar char="•"/>
+        <a:defRPr sz="1800" kern="1200">
+          <a:solidFill>
+            <a:schemeClr val="tx1"/>
+          </a:solidFill>
+          <a:latin typeface="+mn-lt"/>
+          <a:ea typeface="+mn-ea"/>
+          <a:cs typeface="+mn-cs"/>
+        </a:defRPr>
+      </a:lvl4pPr>
+      <a:lvl5pPr marL="2057400" indent="-228600" algn="l" defTabSz="914400" rtl="0" eaLnBrk="1" latinLnBrk="0" hangingPunct="1">
+        <a:lnSpc>
+          <a:spcPct val="90000"/>
+        </a:lnSpc>
+        <a:spcBef>
+          <a:spcPts val="500"/>
+        </a:spcBef>
+        <a:buFont typeface="Arial" panose="020B0604020202020204" pitchFamily="34" charset="0"/>
+        <a:buChar char="•"/>
+        <a:defRPr sz="1800" kern="1200">
+          <a:solidFill>
+            <a:schemeClr val="tx1"/>
+          </a:solidFill>
+          <a:latin typeface="+mn-lt"/>
+          <a:ea typeface="+mn-ea"/>
+          <a:cs typeface="+mn-cs"/>
+        </a:defRPr>
+      </a:lvl5pPr>
+      <a:lvl6pPr marL="2514600" indent="-228600" algn="l" defTabSz="914400" rtl="0" eaLnBrk="1" latinLnBrk="0" hangingPunct="1">
+        <a:lnSpc>
+          <a:spcPct val="90000"/>
+        </a:lnSpc>
+        <a:spcBef>
+          <a:spcPts val="500"/>
+        </a:spcBef>
+        <a:buFont typeface="Arial" panose="020B0604020202020204" pitchFamily="34" charset="0"/>
+        <a:buChar char="•"/>
+        <a:defRPr sz="1800" kern="1200">
+          <a:solidFill>
+            <a:schemeClr val="tx1"/>
+          </a:solidFill>
+          <a:latin typeface="+mn-lt"/>
+          <a:ea typeface="+mn-ea"/>
+          <a:cs typeface="+mn-cs"/>
+        </a:defRPr>
+      </a:lvl6pPr>
+      <a:lvl7pPr marL="2971800" indent="-228600" algn="l" defTabSz="914400" rtl="0" eaLnBrk="1" latinLnBrk="0" hangingPunct="1">
+        <a:lnSpc>
+          <a:spcPct val="90000"/>
+        </a:lnSpc>
+        <a:spcBef>
+          <a:spcPts val="500"/>
+        </a:spcBef>
+        <a:buFont typeface="Arial" panose="020B0604020202020204" pitchFamily="34" charset="0"/>
+        <a:buChar char="•"/>
+        <a:defRPr sz="1800" kern="1200">
+          <a:solidFill>
+            <a:schemeClr val="tx1"/>
+          </a:solidFill>
+          <a:latin typeface="+mn-lt"/>
+          <a:ea typeface="+mn-ea"/>
+          <a:cs typeface="+mn-cs"/>
+        </a:defRPr>
+      </a:lvl7pPr>
+      <a:lvl8pPr marL="3429000" indent="-228600" algn="l" defTabSz="914400" rtl="0" eaLnBrk="1" latinLnBrk="0" hangingPunct="1">
+        <a:lnSpc>
+          <a:spcPct val="90000"/>
+        </a:lnSpc>
+        <a:spcBef>
+          <a:spcPts val="500"/>
+        </a:spcBef>
+        <a:buFont typeface="Arial" panose="020B0604020202020204" pitchFamily="34" charset="0"/>
+        <a:buChar char="•"/>
+        <a:defRPr sz="1800" kern="1200">
+          <a:solidFill>
+            <a:schemeClr val="tx1"/>
+          </a:solidFill>
+          <a:latin typeface="+mn-lt"/>
+          <a:ea typeface="+mn-ea"/>
+          <a:cs typeface="+mn-cs"/>
+        </a:defRPr>
+      </a:lvl8pPr>
+      <a:lvl9pPr marL="3886200" indent="-228600" algn="l" defTabSz="914400" rtl="0" eaLnBrk="1" latinLnBrk="0" hangingPunct="1">
+        <a:lnSpc>
+          <a:spcPct val="90000"/>
+        </a:lnSpc>
+        <a:spcBef>
+          <a:spcPts val="500"/>
+        </a:spcBef>
+        <a:buFont typeface="Arial" panose="020B0604020202020204" pitchFamily="34" charset="0"/>
+        <a:buChar char="•"/>
+        <a:defRPr sz="1800" kern="1200">
+          <a:solidFill>
+            <a:schemeClr val="tx1"/>
+          </a:solidFill>
+          <a:latin typeface="+mn-lt"/>
+          <a:ea typeface="+mn-ea"/>
+          <a:cs typeface="+mn-cs"/>
+        </a:defRPr>
+      </a:lvl9pPr>
+    </p:bodyStyle>
+    <p:otherStyle>
+      <a:defPPr>
+        <a:defRPr lang="en-US"/>
+      </a:defPPr>
+      <a:lvl1pPr marL="0" algn="l" defTabSz="914400" rtl="0" eaLnBrk="1" latinLnBrk="0" hangingPunct="1">
+        <a:defRPr sz="1800" kern="1200">
+          <a:solidFill>
+            <a:schemeClr val="tx1"/>
+          </a:solidFill>
+          <a:latin typeface="+mn-lt"/>
+          <a:ea typeface="+mn-ea"/>
+          <a:cs typeface="+mn-cs"/>
+        </a:defRPr>
+      </a:lvl1pPr>
+      <a:lvl2pPr marL="457200" algn="l" defTabSz="914400" rtl="0" eaLnBrk="1" latinLnBrk="0" hangingPunct="1">
+        <a:defRPr sz="1800" kern="1200">
+          <a:solidFill>
+            <a:schemeClr val="tx1"/>
+          </a:solidFill>
+          <a:latin typeface="+mn-lt"/>
+          <a:ea typeface="+mn-ea"/>
+          <a:cs typeface="+mn-cs"/>
+        </a:defRPr>
+      </a:lvl2pPr>
+      <a:lvl3pPr marL="914400" algn="l" defTabSz="914400" rtl="0" eaLnBrk="1" latinLnBrk="0" hangingPunct="1">
+        <a:defRPr sz="1800" kern="1200">
+          <a:solidFill>
+            <a:schemeClr val="tx1"/>
+          </a:solidFill>
+          <a:latin typeface="+mn-lt"/>
+          <a:ea typeface="+mn-ea"/>
+          <a:cs typeface="+mn-cs"/>
+        </a:defRPr>
+      </a:lvl3pPr>
+      <a:lvl4pPr marL="1371600" algn="l" defTabSz="914400" rtl="0" eaLnBrk="1" latinLnBrk="0" hangingPunct="1">
+        <a:defRPr sz="1800" kern="1200">
+          <a:solidFill>
+            <a:schemeClr val="tx1"/>
+          </a:solidFill>
+          <a:latin typeface="+mn-lt"/>
+          <a:ea typeface="+mn-ea"/>
+          <a:cs typeface="+mn-cs"/>
+        </a:defRPr>
+      </a:lvl4pPr>
+      <a:lvl5pPr marL="1828800" algn="l" defTabSz="914400" rtl="0" eaLnBrk="1" latinLnBrk="0" hangingPunct="1">
+        <a:defRPr sz="1800" kern="1200">
+          <a:solidFill>
+            <a:schemeClr val="tx1"/>
+          </a:solidFill>
+          <a:latin typeface="+mn-lt"/>
+          <a:ea typeface="+mn-ea"/>
+          <a:cs typeface="+mn-cs"/>
+        </a:defRPr>
+      </a:lvl5pPr>
+      <a:lvl6pPr marL="2286000" algn="l" defTabSz="914400" rtl="0" eaLnBrk="1" latinLnBrk="0" hangingPunct="1">
+        <a:defRPr sz="1800" kern="1200">
+          <a:solidFill>
+            <a:schemeClr val="tx1"/>
+          </a:solidFill>
+          <a:latin typeface="+mn-lt"/>
+          <a:ea typeface="+mn-ea"/>
+          <a:cs typeface="+mn-cs"/>
+        </a:defRPr>
+      </a:lvl6pPr>
+      <a:lvl7pPr marL="2743200" algn="l" defTabSz="914400" rtl="0" eaLnBrk="1" latinLnBrk="0" hangingPunct="1">
+        <a:defRPr sz="1800" kern="1200">
+          <a:solidFill>
+            <a:schemeClr val="tx1"/>
+          </a:solidFill>
+          <a:latin typeface="+mn-lt"/>
+          <a:ea typeface="+mn-ea"/>
+          <a:cs typeface="+mn-cs"/>
+        </a:defRPr>
+      </a:lvl7pPr>
+      <a:lvl8pPr marL="3200400" algn="l" defTabSz="914400" rtl="0" eaLnBrk="1" latinLnBrk="0" hangingPunct="1">
+        <a:defRPr sz="1800" kern="1200">
+          <a:solidFill>
+            <a:schemeClr val="tx1"/>
+          </a:solidFill>
+          <a:latin typeface="+mn-lt"/>
+          <a:ea typeface="+mn-ea"/>
+          <a:cs typeface="+mn-cs"/>
+        </a:defRPr>
+      </a:lvl8pPr>
+      <a:lvl9pPr marL="3657600" algn="l" defTabSz="914400" rtl="0" eaLnBrk="1" latinLnBrk="0" hangingPunct="1">
+        <a:defRPr sz="1800" kern="1200">
+          <a:solidFill>
+            <a:schemeClr val="tx1"/>
+          </a:solidFill>
+          <a:latin typeface="+mn-lt"/>
+          <a:ea typeface="+mn-ea"/>
+          <a:cs typeface="+mn-cs"/>
+        </a:defRPr>
+      </a:lvl9pPr>
+    </p:otherStyle>
+  </p:txStyles>
 </p:sldMaster>
 </file>
 
 <file path=ppt/slides/slide1.xml><?xml version="1.0" encoding="utf-8"?>
-<p:sld xmlns:a="http://schemas.openxmlformats.org/drawingml/2006/main" xmlns:p="http://schemas.openxmlformats.org/presentationml/2006/main" xmlns:r="http://schemas.openxmlformats.org/officeDocument/2006/relationships" xmlns:p14="http://schemas.microsoft.com/office/powerpoint/2010/main" xmlns:p15="http://schemas.microsoft.com/office/powerpoint/2012/main" xmlns:mc="http://schemas.openxmlformats.org/markup-compatibility/2006">
+<p:sld xmlns:a="http://schemas.openxmlformats.org/drawingml/2006/main" xmlns:r="http://schemas.openxmlformats.org/officeDocument/2006/relationships" xmlns:p="http://schemas.openxmlformats.org/presentationml/2006/main">
   <p:cSld>
     <p:spTree>
       <p:nvGrpSpPr>
@@ -10192,6 +11905,7 @@
           <a:bodyPr anchor="b">
             <a:noAutofit/>
           </a:bodyPr>
+          <a:lstStyle/>
           <a:p>
             <a:pPr algn="ctr">
               <a:lnSpc>
@@ -10199,7 +11913,7 @@
               </a:lnSpc>
             </a:pPr>
             <a:r>
-              <a:rPr b="0" lang="en-US" sz="8000" spc="-52" strike="noStrike">
+              <a:rPr lang="en-US" sz="8000" b="0" strike="noStrike" spc="-52">
                 <a:solidFill>
                   <a:srgbClr val="262626"/>
                 </a:solidFill>
@@ -10207,7 +11921,7 @@
               </a:rPr>
               <a:t>CS 341 Lab introduction</a:t>
             </a:r>
-            <a:endParaRPr b="0" lang="en-US" sz="8000" spc="-1" strike="noStrike">
+            <a:endParaRPr lang="en-US" sz="8000" b="0" strike="noStrike" spc="-1">
               <a:solidFill>
                 <a:srgbClr val="000000"/>
               </a:solidFill>
@@ -10239,6 +11953,7 @@
           <a:bodyPr>
             <a:noAutofit/>
           </a:bodyPr>
+          <a:lstStyle/>
           <a:p>
             <a:pPr>
               <a:lnSpc>
@@ -10251,11 +11966,11 @@
                 <a:spcPts val="201"/>
               </a:spcAft>
               <a:tabLst>
-                <a:tab algn="l" pos="0"/>
+                <a:tab pos="0" algn="l"/>
               </a:tabLst>
             </a:pPr>
             <a:r>
-              <a:rPr b="0" lang="en-US" sz="2400" spc="199" strike="noStrike" cap="all">
+              <a:rPr lang="en-US" sz="2400" b="0" strike="noStrike" cap="all" spc="199">
                 <a:solidFill>
                   <a:srgbClr val="637052"/>
                 </a:solidFill>
@@ -10263,7 +11978,7 @@
               </a:rPr>
               <a:t>Fall 2020</a:t>
             </a:r>
-            <a:endParaRPr b="0" lang="en-US" sz="2400" spc="-1" strike="noStrike">
+            <a:endParaRPr lang="en-US" sz="2400" b="0" strike="noStrike" spc="-1">
               <a:latin typeface="Arial"/>
             </a:endParaRPr>
           </a:p>
@@ -10271,25 +11986,21 @@
       </p:sp>
     </p:spTree>
   </p:cSld>
-  <mc:AlternateContent>
-    <mc:Choice Requires="p14">
-      <p:transition spd="slow" p14:dur="2000"/>
-    </mc:Choice>
-    <mc:Fallback>
-      <p:transition spd="slow"/>
-    </mc:Fallback>
-  </mc:AlternateContent>
+  <p:clrMapOvr>
+    <a:masterClrMapping/>
+  </p:clrMapOvr>
 </p:sld>
 </file>
 
 <file path=ppt/slides/slide10.xml><?xml version="1.0" encoding="utf-8"?>
-<p:sld xmlns:a="http://schemas.openxmlformats.org/drawingml/2006/main" xmlns:p="http://schemas.openxmlformats.org/presentationml/2006/main" xmlns:r="http://schemas.openxmlformats.org/officeDocument/2006/relationships" xmlns:p14="http://schemas.microsoft.com/office/powerpoint/2010/main" xmlns:p15="http://schemas.microsoft.com/office/powerpoint/2012/main" xmlns:mc="http://schemas.openxmlformats.org/markup-compatibility/2006">
+<p:sld xmlns:a="http://schemas.openxmlformats.org/drawingml/2006/main" xmlns:r="http://schemas.openxmlformats.org/officeDocument/2006/relationships" xmlns:p="http://schemas.openxmlformats.org/presentationml/2006/main">
   <p:cSld>
     <p:bg>
       <p:bgPr>
         <a:solidFill>
-          <a:srgbClr val="ffffff"/>
+          <a:srgbClr val="FFFFFF"/>
         </a:solidFill>
+        <a:effectLst/>
       </p:bgPr>
     </p:bg>
     <p:spTree>
@@ -10474,6 +12185,7 @@
           <a:bodyPr anchor="b">
             <a:normAutofit fontScale="64000"/>
           </a:bodyPr>
+          <a:lstStyle/>
           <a:p>
             <a:pPr>
               <a:lnSpc>
@@ -10481,7 +12193,7 @@
               </a:lnSpc>
             </a:pPr>
             <a:r>
-              <a:rPr b="0" lang="en-US" sz="4800" spc="-52" strike="noStrike">
+              <a:rPr lang="en-US" sz="4800" b="0" strike="noStrike" spc="-52">
                 <a:solidFill>
                   <a:srgbClr val="404040"/>
                 </a:solidFill>
@@ -10489,7 +12201,7 @@
               </a:rPr>
               <a:t>Background Information - Resistors</a:t>
             </a:r>
-            <a:endParaRPr b="0" lang="en-US" sz="4800" spc="-1" strike="noStrike">
+            <a:endParaRPr lang="en-US" sz="4800" b="0" strike="noStrike" spc="-1">
               <a:solidFill>
                 <a:srgbClr val="000000"/>
               </a:solidFill>
@@ -10500,12 +12212,12 @@
       </p:sp>
       <p:pic>
         <p:nvPicPr>
-          <p:cNvPr id="270" name="Content Placeholder 6" descr=""/>
+          <p:cNvPr id="270" name="Content Placeholder 6"/>
           <p:cNvPicPr/>
           <p:nvPr/>
         </p:nvPicPr>
         <p:blipFill>
-          <a:blip r:embed="rId1"/>
+          <a:blip r:embed="rId2"/>
           <a:stretch/>
         </p:blipFill>
         <p:spPr>
@@ -10582,6 +12294,7 @@
           <a:bodyPr lIns="0" rIns="0">
             <a:normAutofit/>
           </a:bodyPr>
+          <a:lstStyle/>
           <a:p>
             <a:pPr marL="91440" indent="-91080">
               <a:lnSpc>
@@ -10594,35 +12307,20 @@
                 <a:spcPts val="201"/>
               </a:spcAft>
               <a:buClr>
-                <a:srgbClr val="e48312"/>
+                <a:srgbClr val="E48312"/>
               </a:buClr>
               <a:buFont typeface="Wingdings" charset="2"/>
               <a:buChar char=""/>
             </a:pPr>
             <a:r>
-              <a:rPr b="0" lang="en-US" sz="2000" spc="-1" strike="noStrike">
+              <a:rPr lang="en-US" sz="2000" b="0" strike="noStrike" spc="-1">
                 <a:solidFill>
                   <a:srgbClr val="404040"/>
                 </a:solidFill>
                 <a:latin typeface="Calibri"/>
               </a:rPr>
-              <a:t> </a:t>
+              <a:t> Resistor</a:t>
             </a:r>
-            <a:r>
-              <a:rPr b="0" lang="en-US" sz="2000" spc="-1" strike="noStrike">
-                <a:solidFill>
-                  <a:srgbClr val="404040"/>
-                </a:solidFill>
-                <a:latin typeface="Calibri"/>
-              </a:rPr>
-              <a:t>Resistor</a:t>
-            </a:r>
-            <a:endParaRPr b="0" lang="en-US" sz="2000" spc="-1" strike="noStrike">
-              <a:solidFill>
-                <a:srgbClr val="404040"/>
-              </a:solidFill>
-              <a:latin typeface="Calibri"/>
-            </a:endParaRPr>
           </a:p>
           <a:p>
             <a:pPr marL="91440" indent="-91080">
@@ -10636,35 +12334,20 @@
                 <a:spcPts val="201"/>
               </a:spcAft>
               <a:buClr>
-                <a:srgbClr val="e48312"/>
+                <a:srgbClr val="E48312"/>
               </a:buClr>
               <a:buFont typeface="Wingdings" charset="2"/>
               <a:buChar char=""/>
             </a:pPr>
             <a:r>
-              <a:rPr b="0" lang="en-US" sz="2000" spc="-1" strike="noStrike">
+              <a:rPr lang="en-US" sz="2000" b="0" strike="noStrike" spc="-1">
                 <a:solidFill>
                   <a:srgbClr val="404040"/>
                 </a:solidFill>
                 <a:latin typeface="Calibri"/>
               </a:rPr>
-              <a:t> </a:t>
+              <a:t> reduces the amount of electricity flowing</a:t>
             </a:r>
-            <a:r>
-              <a:rPr b="0" lang="en-US" sz="2000" spc="-1" strike="noStrike">
-                <a:solidFill>
-                  <a:srgbClr val="404040"/>
-                </a:solidFill>
-                <a:latin typeface="Calibri"/>
-              </a:rPr>
-              <a:t>reduces the amount of electricity flowing</a:t>
-            </a:r>
-            <a:endParaRPr b="0" lang="en-US" sz="2000" spc="-1" strike="noStrike">
-              <a:solidFill>
-                <a:srgbClr val="404040"/>
-              </a:solidFill>
-              <a:latin typeface="Calibri"/>
-            </a:endParaRPr>
           </a:p>
           <a:p>
             <a:pPr marL="91440" indent="-91080">
@@ -10678,31 +12361,22 @@
                 <a:spcPts val="201"/>
               </a:spcAft>
               <a:buClr>
-                <a:srgbClr val="e48312"/>
+                <a:srgbClr val="E48312"/>
               </a:buClr>
               <a:buFont typeface="Wingdings" charset="2"/>
               <a:buChar char=""/>
             </a:pPr>
             <a:r>
-              <a:rPr b="0" lang="en-US" sz="2000" spc="-1" strike="noStrike">
+              <a:rPr lang="en-US" sz="2000" b="0" strike="noStrike" spc="-1">
                 <a:solidFill>
                   <a:srgbClr val="404040"/>
                 </a:solidFill>
                 <a:latin typeface="Calibri"/>
               </a:rPr>
-              <a:t> </a:t>
+              <a:t> Resistance is measured in ohms(</a:t>
             </a:r>
             <a:r>
-              <a:rPr b="0" lang="en-US" sz="2000" spc="-1" strike="noStrike">
-                <a:solidFill>
-                  <a:srgbClr val="404040"/>
-                </a:solidFill>
-                <a:latin typeface="Calibri"/>
-              </a:rPr>
-              <a:t>Resistance is measured in ohms(</a:t>
-            </a:r>
-            <a:r>
-              <a:rPr b="0" lang="el-GR" sz="2000" spc="-1" strike="noStrike">
+              <a:rPr lang="el-GR" sz="2000" b="0" strike="noStrike" spc="-1">
                 <a:solidFill>
                   <a:srgbClr val="404040"/>
                 </a:solidFill>
@@ -10711,7 +12385,7 @@
               <a:t>Ω</a:t>
             </a:r>
             <a:r>
-              <a:rPr b="0" lang="en-US" sz="2000" spc="-1" strike="noStrike">
+              <a:rPr lang="en-US" sz="2000" b="0" strike="noStrike" spc="-1">
                 <a:solidFill>
                   <a:srgbClr val="404040"/>
                 </a:solidFill>
@@ -10719,12 +12393,6 @@
               </a:rPr>
               <a:t>)</a:t>
             </a:r>
-            <a:endParaRPr b="0" lang="en-US" sz="2000" spc="-1" strike="noStrike">
-              <a:solidFill>
-                <a:srgbClr val="404040"/>
-              </a:solidFill>
-              <a:latin typeface="Calibri"/>
-            </a:endParaRPr>
           </a:p>
         </p:txBody>
       </p:sp>
@@ -10802,19 +12470,14 @@
       </p:sp>
     </p:spTree>
   </p:cSld>
-  <mc:AlternateContent>
-    <mc:Choice Requires="p14">
-      <p:transition spd="slow" p14:dur="2000"/>
-    </mc:Choice>
-    <mc:Fallback>
-      <p:transition spd="slow"/>
-    </mc:Fallback>
-  </mc:AlternateContent>
+  <p:clrMapOvr>
+    <a:masterClrMapping/>
+  </p:clrMapOvr>
 </p:sld>
 </file>
 
 <file path=ppt/slides/slide11.xml><?xml version="1.0" encoding="utf-8"?>
-<p:sld xmlns:a="http://schemas.openxmlformats.org/drawingml/2006/main" xmlns:p="http://schemas.openxmlformats.org/presentationml/2006/main" xmlns:r="http://schemas.openxmlformats.org/officeDocument/2006/relationships" xmlns:p14="http://schemas.microsoft.com/office/powerpoint/2010/main" xmlns:p15="http://schemas.microsoft.com/office/powerpoint/2012/main" xmlns:mc="http://schemas.openxmlformats.org/markup-compatibility/2006">
+<p:sld xmlns:a="http://schemas.openxmlformats.org/drawingml/2006/main" xmlns:r="http://schemas.openxmlformats.org/officeDocument/2006/relationships" xmlns:p="http://schemas.openxmlformats.org/presentationml/2006/main">
   <p:cSld>
     <p:spTree>
       <p:nvGrpSpPr>
@@ -10853,6 +12516,7 @@
           <a:bodyPr anchor="b">
             <a:noAutofit/>
           </a:bodyPr>
+          <a:lstStyle/>
           <a:p>
             <a:pPr>
               <a:lnSpc>
@@ -10860,7 +12524,7 @@
               </a:lnSpc>
             </a:pPr>
             <a:r>
-              <a:rPr b="0" lang="en-US" sz="4800" spc="-52" strike="noStrike">
+              <a:rPr lang="en-US" sz="4800" b="0" strike="noStrike" spc="-52">
                 <a:solidFill>
                   <a:srgbClr val="404040"/>
                 </a:solidFill>
@@ -10868,7 +12532,7 @@
               </a:rPr>
               <a:t>Background Information - Arduino</a:t>
             </a:r>
-            <a:endParaRPr b="0" lang="en-US" sz="4800" spc="-1" strike="noStrike">
+            <a:endParaRPr lang="en-US" sz="4800" b="0" strike="noStrike" spc="-1">
               <a:solidFill>
                 <a:srgbClr val="000000"/>
               </a:solidFill>
@@ -10884,7 +12548,7 @@
           <p:nvPr/>
         </p:nvPicPr>
         <p:blipFill>
-          <a:blip r:embed="rId1"/>
+          <a:blip r:embed="rId2"/>
           <a:stretch/>
         </p:blipFill>
         <p:spPr>
@@ -10923,6 +12587,7 @@
           <a:bodyPr lIns="0" rIns="0">
             <a:normAutofit fontScale="79000"/>
           </a:bodyPr>
+          <a:lstStyle/>
           <a:p>
             <a:pPr marL="91440" indent="-91080">
               <a:lnSpc>
@@ -10935,35 +12600,20 @@
                 <a:spcPts val="201"/>
               </a:spcAft>
               <a:buClr>
-                <a:srgbClr val="e48312"/>
+                <a:srgbClr val="E48312"/>
               </a:buClr>
               <a:buFont typeface="Wingdings" charset="2"/>
               <a:buChar char=""/>
             </a:pPr>
             <a:r>
-              <a:rPr b="0" lang="en-US" sz="2000" spc="-1" strike="noStrike">
+              <a:rPr lang="en-US" sz="2000" b="0" strike="noStrike" spc="-1">
                 <a:solidFill>
                   <a:srgbClr val="404040"/>
                 </a:solidFill>
                 <a:latin typeface="Calibri"/>
               </a:rPr>
-              <a:t> </a:t>
+              <a:t> Syntax is almost identical to C/C++</a:t>
             </a:r>
-            <a:r>
-              <a:rPr b="0" lang="en-US" sz="2000" spc="-1" strike="noStrike">
-                <a:solidFill>
-                  <a:srgbClr val="404040"/>
-                </a:solidFill>
-                <a:latin typeface="Calibri"/>
-              </a:rPr>
-              <a:t>Syntax is almost identical to C/C++</a:t>
-            </a:r>
-            <a:endParaRPr b="0" lang="en-US" sz="2000" spc="-1" strike="noStrike">
-              <a:solidFill>
-                <a:srgbClr val="404040"/>
-              </a:solidFill>
-              <a:latin typeface="Calibri"/>
-            </a:endParaRPr>
           </a:p>
           <a:p>
             <a:pPr marL="91440" indent="-91080">
@@ -10977,35 +12627,20 @@
                 <a:spcPts val="201"/>
               </a:spcAft>
               <a:buClr>
-                <a:srgbClr val="e48312"/>
+                <a:srgbClr val="E48312"/>
               </a:buClr>
               <a:buFont typeface="Wingdings" charset="2"/>
               <a:buChar char=""/>
             </a:pPr>
             <a:r>
-              <a:rPr b="0" lang="en-US" sz="2000" spc="-1" strike="noStrike">
+              <a:rPr lang="en-US" sz="2000" b="0" strike="noStrike" spc="-1">
                 <a:solidFill>
                   <a:srgbClr val="404040"/>
                 </a:solidFill>
                 <a:latin typeface="Calibri"/>
               </a:rPr>
-              <a:t> </a:t>
+              <a:t> setup() and loop() must always be present for Arduino code to compile</a:t>
             </a:r>
-            <a:r>
-              <a:rPr b="0" lang="en-US" sz="2000" spc="-1" strike="noStrike">
-                <a:solidFill>
-                  <a:srgbClr val="404040"/>
-                </a:solidFill>
-                <a:latin typeface="Calibri"/>
-              </a:rPr>
-              <a:t>setup() and loop() must always be present for Arduino code to compile</a:t>
-            </a:r>
-            <a:endParaRPr b="0" lang="en-US" sz="2000" spc="-1" strike="noStrike">
-              <a:solidFill>
-                <a:srgbClr val="404040"/>
-              </a:solidFill>
-              <a:latin typeface="Calibri"/>
-            </a:endParaRPr>
           </a:p>
           <a:p>
             <a:pPr marL="91440" indent="-91080">
@@ -11019,35 +12654,20 @@
                 <a:spcPts val="201"/>
               </a:spcAft>
               <a:buClr>
-                <a:srgbClr val="e48312"/>
+                <a:srgbClr val="E48312"/>
               </a:buClr>
               <a:buFont typeface="Wingdings" charset="2"/>
               <a:buChar char=""/>
             </a:pPr>
             <a:r>
-              <a:rPr b="0" lang="en-US" sz="2000" spc="-1" strike="noStrike">
+              <a:rPr lang="en-US" sz="2000" b="0" strike="noStrike" spc="-1">
                 <a:solidFill>
                   <a:srgbClr val="404040"/>
                 </a:solidFill>
                 <a:latin typeface="Calibri"/>
               </a:rPr>
-              <a:t> </a:t>
+              <a:t> setup() runs once, loop run repeatedly </a:t>
             </a:r>
-            <a:r>
-              <a:rPr b="0" lang="en-US" sz="2000" spc="-1" strike="noStrike">
-                <a:solidFill>
-                  <a:srgbClr val="404040"/>
-                </a:solidFill>
-                <a:latin typeface="Calibri"/>
-              </a:rPr>
-              <a:t>setup() runs once, loop run repeatedly </a:t>
-            </a:r>
-            <a:endParaRPr b="0" lang="en-US" sz="2000" spc="-1" strike="noStrike">
-              <a:solidFill>
-                <a:srgbClr val="404040"/>
-              </a:solidFill>
-              <a:latin typeface="Calibri"/>
-            </a:endParaRPr>
           </a:p>
           <a:p>
             <a:pPr marL="91440" indent="-91080">
@@ -11061,35 +12681,20 @@
                 <a:spcPts val="201"/>
               </a:spcAft>
               <a:buClr>
-                <a:srgbClr val="e48312"/>
+                <a:srgbClr val="E48312"/>
               </a:buClr>
               <a:buFont typeface="Wingdings" charset="2"/>
               <a:buChar char=""/>
             </a:pPr>
             <a:r>
-              <a:rPr b="0" lang="en-US" sz="2000" spc="-1" strike="noStrike">
+              <a:rPr lang="en-US" sz="2000" b="0" strike="noStrike" spc="-1">
                 <a:solidFill>
                   <a:srgbClr val="404040"/>
                 </a:solidFill>
                 <a:latin typeface="Calibri"/>
               </a:rPr>
-              <a:t> </a:t>
+              <a:t> Serial.begin(9600) initializes the Serial monitor (a text window that we can print to)</a:t>
             </a:r>
-            <a:r>
-              <a:rPr b="0" lang="en-US" sz="2000" spc="-1" strike="noStrike">
-                <a:solidFill>
-                  <a:srgbClr val="404040"/>
-                </a:solidFill>
-                <a:latin typeface="Calibri"/>
-              </a:rPr>
-              <a:t>Serial.begin(9600) initializes the Serial monitor (a text window that we can print to)</a:t>
-            </a:r>
-            <a:endParaRPr b="0" lang="en-US" sz="2000" spc="-1" strike="noStrike">
-              <a:solidFill>
-                <a:srgbClr val="404040"/>
-              </a:solidFill>
-              <a:latin typeface="Calibri"/>
-            </a:endParaRPr>
           </a:p>
           <a:p>
             <a:pPr marL="91440" indent="-91080">
@@ -11103,13 +12708,13 @@
                 <a:spcPts val="201"/>
               </a:spcAft>
               <a:buClr>
-                <a:srgbClr val="e48312"/>
+                <a:srgbClr val="E48312"/>
               </a:buClr>
               <a:buFont typeface="Wingdings" charset="2"/>
               <a:buChar char=""/>
             </a:pPr>
             <a:r>
-              <a:rPr b="0" lang="en-US" sz="2000" spc="-1" strike="noStrike">
+              <a:rPr lang="en-US" sz="2000" b="0" strike="noStrike" spc="-1">
                 <a:solidFill>
                   <a:srgbClr val="404040"/>
                 </a:solidFill>
@@ -11117,12 +12722,6 @@
               </a:rPr>
               <a:t>delay(int x) waits x milliseconds </a:t>
             </a:r>
-            <a:endParaRPr b="0" lang="en-US" sz="2000" spc="-1" strike="noStrike">
-              <a:solidFill>
-                <a:srgbClr val="404040"/>
-              </a:solidFill>
-              <a:latin typeface="Calibri"/>
-            </a:endParaRPr>
           </a:p>
           <a:p>
             <a:pPr marL="91440" indent="-91080">
@@ -11136,13 +12735,13 @@
                 <a:spcPts val="201"/>
               </a:spcAft>
               <a:buClr>
-                <a:srgbClr val="e48312"/>
+                <a:srgbClr val="E48312"/>
               </a:buClr>
               <a:buFont typeface="Wingdings" charset="2"/>
               <a:buChar char=""/>
             </a:pPr>
             <a:r>
-              <a:rPr b="0" lang="en-US" sz="2000" spc="-1" strike="noStrike">
+              <a:rPr lang="en-US" sz="2000" b="0" strike="noStrike" spc="-1">
                 <a:solidFill>
                   <a:srgbClr val="404040"/>
                 </a:solidFill>
@@ -11150,15 +12749,9 @@
               </a:rPr>
               <a:t>To use a pin:</a:t>
             </a:r>
-            <a:endParaRPr b="0" lang="en-US" sz="2000" spc="-1" strike="noStrike">
-              <a:solidFill>
-                <a:srgbClr val="404040"/>
-              </a:solidFill>
-              <a:latin typeface="Calibri"/>
-            </a:endParaRPr>
-          </a:p>
-          <a:p>
-            <a:pPr lvl="1" marL="384120" indent="-182520">
+          </a:p>
+          <a:p>
+            <a:pPr marL="384120" lvl="1" indent="-182520">
               <a:lnSpc>
                 <a:spcPct val="90000"/>
               </a:lnSpc>
@@ -11169,13 +12762,13 @@
                 <a:spcPts val="400"/>
               </a:spcAft>
               <a:buClr>
-                <a:srgbClr val="e48312"/>
+                <a:srgbClr val="E48312"/>
               </a:buClr>
               <a:buFont typeface="Wingdings" charset="2"/>
               <a:buChar char=""/>
             </a:pPr>
             <a:r>
-              <a:rPr b="0" lang="en-US" sz="1800" spc="-1" strike="noStrike">
+              <a:rPr lang="en-US" sz="1800" b="0" strike="noStrike" spc="-1">
                 <a:solidFill>
                   <a:srgbClr val="404040"/>
                 </a:solidFill>
@@ -11183,15 +12776,9 @@
               </a:rPr>
               <a:t>First initialize it as either INPUT or OUTPUT using pinMode()</a:t>
             </a:r>
-            <a:endParaRPr b="0" lang="en-US" sz="1800" spc="-1" strike="noStrike">
-              <a:solidFill>
-                <a:srgbClr val="404040"/>
-              </a:solidFill>
-              <a:latin typeface="Calibri"/>
-            </a:endParaRPr>
-          </a:p>
-          <a:p>
-            <a:pPr lvl="1" marL="384120" indent="-182520">
+          </a:p>
+          <a:p>
+            <a:pPr marL="384120" lvl="1" indent="-182520">
               <a:lnSpc>
                 <a:spcPct val="90000"/>
               </a:lnSpc>
@@ -11202,13 +12789,13 @@
                 <a:spcPts val="400"/>
               </a:spcAft>
               <a:buClr>
-                <a:srgbClr val="e48312"/>
+                <a:srgbClr val="E48312"/>
               </a:buClr>
               <a:buFont typeface="Wingdings" charset="2"/>
               <a:buChar char=""/>
             </a:pPr>
             <a:r>
-              <a:rPr b="0" lang="en-US" sz="1800" spc="-1" strike="noStrike">
+              <a:rPr lang="en-US" sz="1800" b="0" strike="noStrike" spc="-1">
                 <a:solidFill>
                   <a:srgbClr val="404040"/>
                 </a:solidFill>
@@ -11216,15 +12803,9 @@
               </a:rPr>
               <a:t>digitalWrite(int pinNumber, HIGH or LOW)</a:t>
             </a:r>
-            <a:endParaRPr b="0" lang="en-US" sz="1800" spc="-1" strike="noStrike">
-              <a:solidFill>
-                <a:srgbClr val="404040"/>
-              </a:solidFill>
-              <a:latin typeface="Calibri"/>
-            </a:endParaRPr>
-          </a:p>
-          <a:p>
-            <a:pPr lvl="1" marL="384120" indent="-182520">
+          </a:p>
+          <a:p>
+            <a:pPr marL="384120" lvl="1" indent="-182520">
               <a:lnSpc>
                 <a:spcPct val="90000"/>
               </a:lnSpc>
@@ -11235,13 +12816,13 @@
                 <a:spcPts val="400"/>
               </a:spcAft>
               <a:buClr>
-                <a:srgbClr val="e48312"/>
+                <a:srgbClr val="E48312"/>
               </a:buClr>
               <a:buFont typeface="Wingdings" charset="2"/>
               <a:buChar char=""/>
             </a:pPr>
             <a:r>
-              <a:rPr b="0" lang="en-US" sz="1800" spc="-1" strike="noStrike">
+              <a:rPr lang="en-US" sz="1800" b="0" strike="noStrike" spc="-1">
                 <a:solidFill>
                   <a:srgbClr val="404040"/>
                 </a:solidFill>
@@ -11249,15 +12830,9 @@
               </a:rPr>
               <a:t>More options will come in future labs</a:t>
             </a:r>
-            <a:endParaRPr b="0" lang="en-US" sz="1800" spc="-1" strike="noStrike">
-              <a:solidFill>
-                <a:srgbClr val="404040"/>
-              </a:solidFill>
-              <a:latin typeface="Calibri"/>
-            </a:endParaRPr>
-          </a:p>
-          <a:p>
-            <a:endParaRPr b="0" lang="en-US" sz="1800" spc="-1" strike="noStrike">
+          </a:p>
+          <a:p>
+            <a:endParaRPr lang="en-US" sz="1800" b="0" strike="noStrike" spc="-1">
               <a:solidFill>
                 <a:srgbClr val="404040"/>
               </a:solidFill>
@@ -11268,19 +12843,14 @@
       </p:sp>
     </p:spTree>
   </p:cSld>
-  <mc:AlternateContent>
-    <mc:Choice Requires="p14">
-      <p:transition spd="slow" p14:dur="2000"/>
-    </mc:Choice>
-    <mc:Fallback>
-      <p:transition spd="slow"/>
-    </mc:Fallback>
-  </mc:AlternateContent>
+  <p:clrMapOvr>
+    <a:masterClrMapping/>
+  </p:clrMapOvr>
 </p:sld>
 </file>
 
 <file path=ppt/slides/slide2.xml><?xml version="1.0" encoding="utf-8"?>
-<p:sld xmlns:a="http://schemas.openxmlformats.org/drawingml/2006/main" xmlns:p="http://schemas.openxmlformats.org/presentationml/2006/main" xmlns:r="http://schemas.openxmlformats.org/officeDocument/2006/relationships" xmlns:p14="http://schemas.microsoft.com/office/powerpoint/2010/main" xmlns:p15="http://schemas.microsoft.com/office/powerpoint/2012/main" xmlns:mc="http://schemas.openxmlformats.org/markup-compatibility/2006">
+<p:sld xmlns:a="http://schemas.openxmlformats.org/drawingml/2006/main" xmlns:r="http://schemas.openxmlformats.org/officeDocument/2006/relationships" xmlns:p="http://schemas.openxmlformats.org/presentationml/2006/main">
   <p:cSld>
     <p:spTree>
       <p:nvGrpSpPr>
@@ -11319,6 +12889,7 @@
           <a:bodyPr anchor="b">
             <a:noAutofit/>
           </a:bodyPr>
+          <a:lstStyle/>
           <a:p>
             <a:pPr>
               <a:lnSpc>
@@ -11326,7 +12897,7 @@
               </a:lnSpc>
             </a:pPr>
             <a:r>
-              <a:rPr b="0" lang="en-US" sz="4800" spc="-52" strike="noStrike">
+              <a:rPr lang="en-US" sz="4800" b="0" strike="noStrike" spc="-52">
                 <a:solidFill>
                   <a:srgbClr val="404040"/>
                 </a:solidFill>
@@ -11334,7 +12905,7 @@
               </a:rPr>
               <a:t>Contact Info + websites</a:t>
             </a:r>
-            <a:endParaRPr b="0" lang="en-US" sz="4800" spc="-1" strike="noStrike">
+            <a:endParaRPr lang="en-US" sz="4800" b="0" strike="noStrike" spc="-1">
               <a:solidFill>
                 <a:srgbClr val="000000"/>
               </a:solidFill>
@@ -11366,6 +12937,7 @@
           <a:bodyPr lIns="0" rIns="0">
             <a:noAutofit/>
           </a:bodyPr>
+          <a:lstStyle/>
           <a:p>
             <a:pPr marL="91440" indent="-91080">
               <a:lnSpc>
@@ -11378,42 +12950,33 @@
                 <a:spcPts val="201"/>
               </a:spcAft>
               <a:buClr>
-                <a:srgbClr val="e48312"/>
+                <a:srgbClr val="E48312"/>
               </a:buClr>
               <a:buFont typeface="Wingdings" charset="2"/>
               <a:buChar char=""/>
             </a:pPr>
             <a:r>
-              <a:rPr b="0" lang="en-US" sz="2000" spc="-1" strike="noStrike">
+              <a:rPr lang="en-US" sz="2000" b="0" strike="noStrike" spc="-1">
                 <a:solidFill>
                   <a:srgbClr val="404040"/>
                 </a:solidFill>
                 <a:latin typeface="Calibri"/>
               </a:rPr>
-              <a:t> </a:t>
+              <a:t> Email me for grades or if you would like to setup a 1:1 meeting (</a:t>
             </a:r>
             <a:r>
-              <a:rPr b="0" lang="en-US" sz="2000" spc="-1" strike="noStrike">
+              <a:rPr lang="en-US" sz="2000" b="0" u="sng" strike="noStrike" spc="-1">
                 <a:solidFill>
-                  <a:srgbClr val="404040"/>
-                </a:solidFill>
-                <a:latin typeface="Calibri"/>
-              </a:rPr>
-              <a:t>Email me for grades or if you would like to setup a 1:1 meeting (</a:t>
-            </a:r>
-            <a:r>
-              <a:rPr b="0" lang="en-US" sz="2000" spc="-1" strike="noStrike" u="sng">
-                <a:solidFill>
-                  <a:srgbClr val="5eb2ea"/>
+                  <a:srgbClr val="5EB2EA"/>
                 </a:solidFill>
                 <a:uFillTx/>
                 <a:latin typeface="Calibri"/>
-                <a:hlinkClick r:id="rId1"/>
+                <a:hlinkClick r:id="rId2"/>
               </a:rPr>
               <a:t>jack.davis001@umb.edu</a:t>
             </a:r>
             <a:r>
-              <a:rPr b="0" lang="en-US" sz="2000" spc="-1" strike="noStrike">
+              <a:rPr lang="en-US" sz="2000" b="0" strike="noStrike" spc="-1">
                 <a:solidFill>
                   <a:srgbClr val="404040"/>
                 </a:solidFill>
@@ -11421,12 +12984,6 @@
               </a:rPr>
               <a:t>)</a:t>
             </a:r>
-            <a:endParaRPr b="0" lang="en-US" sz="2000" spc="-1" strike="noStrike">
-              <a:solidFill>
-                <a:srgbClr val="404040"/>
-              </a:solidFill>
-              <a:latin typeface="Calibri"/>
-            </a:endParaRPr>
           </a:p>
           <a:p>
             <a:pPr marL="91440" indent="-91080">
@@ -11440,13 +12997,13 @@
                 <a:spcPts val="201"/>
               </a:spcAft>
               <a:buClr>
-                <a:srgbClr val="e48312"/>
+                <a:srgbClr val="E48312"/>
               </a:buClr>
               <a:buFont typeface="Wingdings" charset="2"/>
               <a:buChar char=""/>
             </a:pPr>
             <a:r>
-              <a:rPr b="0" lang="en-US" sz="2000" spc="-1" strike="noStrike">
+              <a:rPr lang="en-US" sz="2000" b="0" strike="noStrike" spc="-1">
                 <a:solidFill>
                   <a:srgbClr val="404040"/>
                 </a:solidFill>
@@ -11455,7 +13012,7 @@
               <a:t> </a:t>
             </a:r>
             <a:r>
-              <a:rPr b="1" lang="en-US" sz="2000" spc="-1" strike="noStrike">
+              <a:rPr lang="en-US" sz="2000" b="1" strike="noStrike" spc="-1">
                 <a:solidFill>
                   <a:srgbClr val="404040"/>
                 </a:solidFill>
@@ -11464,7 +13021,7 @@
               <a:t>Office Hours: </a:t>
             </a:r>
             <a:r>
-              <a:rPr b="0" lang="en-US" sz="2000" spc="-1" strike="noStrike">
+              <a:rPr lang="en-US" sz="2000" b="0" strike="noStrike" spc="-1">
                 <a:solidFill>
                   <a:srgbClr val="404040"/>
                 </a:solidFill>
@@ -11472,12 +13029,6 @@
               </a:rPr>
               <a:t>by appointment only (send an email and I will setup a zoom meeting)</a:t>
             </a:r>
-            <a:endParaRPr b="0" lang="en-US" sz="2000" spc="-1" strike="noStrike">
-              <a:solidFill>
-                <a:srgbClr val="404040"/>
-              </a:solidFill>
-              <a:latin typeface="Calibri"/>
-            </a:endParaRPr>
           </a:p>
           <a:p>
             <a:pPr>
@@ -11491,7 +13042,7 @@
                 <a:spcPts val="201"/>
               </a:spcAft>
             </a:pPr>
-            <a:endParaRPr b="0" lang="en-US" sz="2000" spc="-1" strike="noStrike">
+            <a:endParaRPr lang="en-US" sz="2000" b="0" strike="noStrike" spc="-1">
               <a:solidFill>
                 <a:srgbClr val="404040"/>
               </a:solidFill>
@@ -11510,35 +13061,20 @@
                 <a:spcPts val="201"/>
               </a:spcAft>
               <a:buClr>
-                <a:srgbClr val="e48312"/>
+                <a:srgbClr val="E48312"/>
               </a:buClr>
               <a:buFont typeface="Wingdings" charset="2"/>
               <a:buChar char=""/>
             </a:pPr>
             <a:r>
-              <a:rPr b="0" lang="en-US" sz="2000" spc="-1" strike="noStrike">
+              <a:rPr lang="en-US" sz="2000" b="0" strike="noStrike" spc="-1">
                 <a:solidFill>
                   <a:srgbClr val="404040"/>
                 </a:solidFill>
                 <a:latin typeface="Calibri"/>
               </a:rPr>
-              <a:t> </a:t>
+              <a:t> I will use piazza to post any class updates</a:t>
             </a:r>
-            <a:r>
-              <a:rPr b="0" lang="en-US" sz="2000" spc="-1" strike="noStrike">
-                <a:solidFill>
-                  <a:srgbClr val="404040"/>
-                </a:solidFill>
-                <a:latin typeface="Calibri"/>
-              </a:rPr>
-              <a:t>I will use piazza to post any class updates</a:t>
-            </a:r>
-            <a:endParaRPr b="0" lang="en-US" sz="2000" spc="-1" strike="noStrike">
-              <a:solidFill>
-                <a:srgbClr val="404040"/>
-              </a:solidFill>
-              <a:latin typeface="Calibri"/>
-            </a:endParaRPr>
           </a:p>
           <a:p>
             <a:pPr marL="91440" indent="-91080">
@@ -11552,35 +13088,20 @@
                 <a:spcPts val="201"/>
               </a:spcAft>
               <a:buClr>
-                <a:srgbClr val="e48312"/>
+                <a:srgbClr val="E48312"/>
               </a:buClr>
               <a:buFont typeface="Wingdings" charset="2"/>
               <a:buChar char=""/>
             </a:pPr>
             <a:r>
-              <a:rPr b="0" lang="en-US" sz="2000" spc="-1" strike="noStrike">
+              <a:rPr lang="en-US" sz="2000" b="0" strike="noStrike" spc="-1">
                 <a:solidFill>
                   <a:srgbClr val="404040"/>
                 </a:solidFill>
                 <a:latin typeface="Calibri"/>
               </a:rPr>
-              <a:t> </a:t>
+              <a:t> Zoom links are posted on piazza</a:t>
             </a:r>
-            <a:r>
-              <a:rPr b="0" lang="en-US" sz="2000" spc="-1" strike="noStrike">
-                <a:solidFill>
-                  <a:srgbClr val="404040"/>
-                </a:solidFill>
-                <a:latin typeface="Calibri"/>
-              </a:rPr>
-              <a:t>Zoom links are posted on piazza</a:t>
-            </a:r>
-            <a:endParaRPr b="0" lang="en-US" sz="2000" spc="-1" strike="noStrike">
-              <a:solidFill>
-                <a:srgbClr val="404040"/>
-              </a:solidFill>
-              <a:latin typeface="Calibri"/>
-            </a:endParaRPr>
           </a:p>
           <a:p>
             <a:pPr marL="91440" indent="-91080">
@@ -11594,13 +13115,33 @@
                 <a:spcPts val="201"/>
               </a:spcAft>
               <a:buClr>
-                <a:srgbClr val="e48312"/>
+                <a:srgbClr val="E48312"/>
               </a:buClr>
               <a:buFont typeface="Wingdings" charset="2"/>
               <a:buChar char=""/>
             </a:pPr>
             <a:r>
-              <a:rPr b="0" lang="en-US" sz="2000" spc="-1" strike="noStrike">
+              <a:rPr lang="en-US" sz="2000" b="0" strike="noStrike" spc="-1">
+                <a:solidFill>
+                  <a:srgbClr val="404040"/>
+                </a:solidFill>
+                <a:latin typeface="Calibri"/>
+              </a:rPr>
+              <a:t> My slides, starter codes, and instructions are available here: </a:t>
+            </a:r>
+            <a:r>
+              <a:rPr lang="en-US" sz="2000" b="0" u="sng" strike="noStrike" spc="-1">
+                <a:solidFill>
+                  <a:srgbClr val="5EB2EA"/>
+                </a:solidFill>
+                <a:uFillTx/>
+                <a:latin typeface="Calibri"/>
+                <a:hlinkClick r:id="rId3"/>
+              </a:rPr>
+              <a:t>github.com/jack17davis/cs341</a:t>
+            </a:r>
+            <a:r>
+              <a:rPr lang="en-US" sz="2000" b="0" strike="noStrike" spc="-1">
                 <a:solidFill>
                   <a:srgbClr val="404040"/>
                 </a:solidFill>
@@ -11608,59 +13149,19 @@
               </a:rPr>
               <a:t> </a:t>
             </a:r>
-            <a:r>
-              <a:rPr b="0" lang="en-US" sz="2000" spc="-1" strike="noStrike">
-                <a:solidFill>
-                  <a:srgbClr val="404040"/>
-                </a:solidFill>
-                <a:latin typeface="Calibri"/>
-              </a:rPr>
-              <a:t>My slides, starter codes, and instructions are available here: </a:t>
-            </a:r>
-            <a:r>
-              <a:rPr b="0" lang="en-US" sz="2000" spc="-1" strike="noStrike" u="sng">
-                <a:solidFill>
-                  <a:srgbClr val="5eb2ea"/>
-                </a:solidFill>
-                <a:uFillTx/>
-                <a:latin typeface="Calibri"/>
-                <a:hlinkClick r:id="rId2"/>
-              </a:rPr>
-              <a:t>github.com/jack17davis/cs341</a:t>
-            </a:r>
-            <a:r>
-              <a:rPr b="0" lang="en-US" sz="2000" spc="-1" strike="noStrike">
-                <a:solidFill>
-                  <a:srgbClr val="404040"/>
-                </a:solidFill>
-                <a:latin typeface="Calibri"/>
-              </a:rPr>
-              <a:t> </a:t>
-            </a:r>
-            <a:endParaRPr b="0" lang="en-US" sz="2000" spc="-1" strike="noStrike">
-              <a:solidFill>
-                <a:srgbClr val="404040"/>
-              </a:solidFill>
-              <a:latin typeface="Calibri"/>
-            </a:endParaRPr>
           </a:p>
         </p:txBody>
       </p:sp>
     </p:spTree>
   </p:cSld>
-  <mc:AlternateContent>
-    <mc:Choice Requires="p14">
-      <p:transition spd="slow" p14:dur="2000"/>
-    </mc:Choice>
-    <mc:Fallback>
-      <p:transition spd="slow"/>
-    </mc:Fallback>
-  </mc:AlternateContent>
+  <p:clrMapOvr>
+    <a:masterClrMapping/>
+  </p:clrMapOvr>
 </p:sld>
 </file>
 
 <file path=ppt/slides/slide3.xml><?xml version="1.0" encoding="utf-8"?>
-<p:sld xmlns:a="http://schemas.openxmlformats.org/drawingml/2006/main" xmlns:p="http://schemas.openxmlformats.org/presentationml/2006/main" xmlns:r="http://schemas.openxmlformats.org/officeDocument/2006/relationships" xmlns:p14="http://schemas.microsoft.com/office/powerpoint/2010/main" xmlns:p15="http://schemas.microsoft.com/office/powerpoint/2012/main" xmlns:mc="http://schemas.openxmlformats.org/markup-compatibility/2006">
+<p:sld xmlns:a="http://schemas.openxmlformats.org/drawingml/2006/main" xmlns:r="http://schemas.openxmlformats.org/officeDocument/2006/relationships" xmlns:p="http://schemas.openxmlformats.org/presentationml/2006/main">
   <p:cSld>
     <p:spTree>
       <p:nvGrpSpPr>
@@ -11699,6 +13200,7 @@
           <a:bodyPr anchor="b">
             <a:noAutofit/>
           </a:bodyPr>
+          <a:lstStyle/>
           <a:p>
             <a:pPr>
               <a:lnSpc>
@@ -11706,7 +13208,7 @@
               </a:lnSpc>
             </a:pPr>
             <a:r>
-              <a:rPr b="0" lang="en-US" sz="4800" spc="-52" strike="noStrike">
+              <a:rPr lang="en-US" sz="4800" b="0" strike="noStrike" spc="-52">
                 <a:solidFill>
                   <a:srgbClr val="404040"/>
                 </a:solidFill>
@@ -11714,7 +13216,7 @@
               </a:rPr>
               <a:t>Policies</a:t>
             </a:r>
-            <a:endParaRPr b="0" lang="en-US" sz="4800" spc="-1" strike="noStrike">
+            <a:endParaRPr lang="en-US" sz="4800" b="0" strike="noStrike" spc="-1">
               <a:solidFill>
                 <a:srgbClr val="000000"/>
               </a:solidFill>
@@ -11746,6 +13248,7 @@
           <a:bodyPr lIns="0" rIns="0">
             <a:noAutofit/>
           </a:bodyPr>
+          <a:lstStyle/>
           <a:p>
             <a:pPr marL="91440" indent="-91080">
               <a:lnSpc>
@@ -11758,35 +13261,20 @@
                 <a:spcPts val="201"/>
               </a:spcAft>
               <a:buClr>
-                <a:srgbClr val="e48312"/>
+                <a:srgbClr val="E48312"/>
               </a:buClr>
               <a:buFont typeface="Wingdings" charset="2"/>
               <a:buChar char=""/>
             </a:pPr>
             <a:r>
-              <a:rPr b="0" lang="en-US" sz="2000" spc="-1" strike="noStrike">
+              <a:rPr lang="en-US" sz="2000" b="0" strike="noStrike" spc="-1" dirty="0">
                 <a:solidFill>
                   <a:srgbClr val="404040"/>
                 </a:solidFill>
                 <a:latin typeface="Calibri"/>
               </a:rPr>
-              <a:t> </a:t>
+              <a:t> Work in groups of 1 or 2</a:t>
             </a:r>
-            <a:r>
-              <a:rPr b="0" lang="en-US" sz="2000" spc="-1" strike="noStrike">
-                <a:solidFill>
-                  <a:srgbClr val="404040"/>
-                </a:solidFill>
-                <a:latin typeface="Calibri"/>
-              </a:rPr>
-              <a:t>Work in groups of 1 or 2</a:t>
-            </a:r>
-            <a:endParaRPr b="0" lang="en-US" sz="2000" spc="-1" strike="noStrike">
-              <a:solidFill>
-                <a:srgbClr val="404040"/>
-              </a:solidFill>
-              <a:latin typeface="Calibri"/>
-            </a:endParaRPr>
           </a:p>
           <a:p>
             <a:pPr marL="91440" indent="-91080">
@@ -11800,35 +13288,20 @@
                 <a:spcPts val="201"/>
               </a:spcAft>
               <a:buClr>
-                <a:srgbClr val="e48312"/>
+                <a:srgbClr val="E48312"/>
               </a:buClr>
               <a:buFont typeface="Wingdings" charset="2"/>
               <a:buChar char=""/>
             </a:pPr>
             <a:r>
-              <a:rPr b="0" lang="en-US" sz="2000" spc="-1" strike="noStrike">
+              <a:rPr lang="en-US" sz="2000" b="0" strike="noStrike" spc="-1" dirty="0">
                 <a:solidFill>
                   <a:srgbClr val="404040"/>
                 </a:solidFill>
                 <a:latin typeface="Calibri"/>
               </a:rPr>
-              <a:t> </a:t>
+              <a:t> Post lab questions on Piazza with lab tag (privately if you need to share code) </a:t>
             </a:r>
-            <a:r>
-              <a:rPr b="0" lang="en-US" sz="2000" spc="-1" strike="noStrike">
-                <a:solidFill>
-                  <a:srgbClr val="404040"/>
-                </a:solidFill>
-                <a:latin typeface="Calibri"/>
-              </a:rPr>
-              <a:t>Post lab questions on Piazza with lab tag (privately if you need to share code) </a:t>
-            </a:r>
-            <a:endParaRPr b="0" lang="en-US" sz="2000" spc="-1" strike="noStrike">
-              <a:solidFill>
-                <a:srgbClr val="404040"/>
-              </a:solidFill>
-              <a:latin typeface="Calibri"/>
-            </a:endParaRPr>
           </a:p>
           <a:p>
             <a:pPr marL="91440" indent="-91080">
@@ -11842,53 +13315,65 @@
                 <a:spcPts val="201"/>
               </a:spcAft>
               <a:buClr>
-                <a:srgbClr val="e48312"/>
+                <a:srgbClr val="E48312"/>
               </a:buClr>
               <a:buFont typeface="Wingdings" charset="2"/>
               <a:buChar char=""/>
             </a:pPr>
             <a:r>
-              <a:rPr b="0" lang="en-US" sz="2000" spc="-1" strike="noStrike">
+              <a:rPr lang="en-US" sz="2000" b="0" strike="noStrike" spc="-1" dirty="0">
                 <a:solidFill>
                   <a:srgbClr val="404040"/>
                 </a:solidFill>
                 <a:latin typeface="Calibri"/>
               </a:rPr>
-              <a:t> </a:t>
+              <a:t> makeup labs are allowed (due by 11:59PM on December </a:t>
             </a:r>
             <a:r>
-              <a:rPr b="0" lang="en-US" sz="2000" spc="-1" strike="noStrike">
+              <a:rPr lang="en-US" sz="2000" b="0" strike="sngStrike" spc="-1" dirty="0">
                 <a:solidFill>
-                  <a:srgbClr val="404040"/>
+                  <a:srgbClr val="FF0000"/>
                 </a:solidFill>
                 <a:latin typeface="Calibri"/>
               </a:rPr>
-              <a:t>makeup labs are allowed (due by 11:59PM on December 11</a:t>
+              <a:t>11</a:t>
             </a:r>
             <a:r>
-              <a:rPr b="0" lang="en-US" sz="2000" spc="-1" strike="noStrike" baseline="30000">
+              <a:rPr lang="en-US" sz="2000" b="0" strike="sngStrike" spc="-1" baseline="30000" dirty="0">
                 <a:solidFill>
-                  <a:srgbClr val="404040"/>
+                  <a:srgbClr val="FF0000"/>
                 </a:solidFill>
                 <a:latin typeface="Calibri"/>
               </a:rPr>
               <a:t>th</a:t>
             </a:r>
             <a:r>
-              <a:rPr b="0" lang="en-US" sz="2000" spc="-1" strike="noStrike">
+              <a:rPr lang="en-US" sz="2000" b="0" spc="-1" dirty="0">
                 <a:solidFill>
-                  <a:srgbClr val="404040"/>
+                  <a:srgbClr val="FF0000"/>
                 </a:solidFill>
                 <a:latin typeface="Calibri"/>
               </a:rPr>
-              <a:t>)</a:t>
+              <a:t>18</a:t>
             </a:r>
-            <a:endParaRPr b="0" lang="en-US" sz="2000" spc="-1" strike="noStrike">
-              <a:solidFill>
-                <a:srgbClr val="404040"/>
-              </a:solidFill>
-              <a:latin typeface="Calibri"/>
-            </a:endParaRPr>
+            <a:r>
+              <a:rPr lang="en-US" sz="2000" b="0" spc="-1" baseline="30000" dirty="0">
+                <a:solidFill>
+                  <a:srgbClr val="FF0000"/>
+                </a:solidFill>
+                <a:latin typeface="Calibri"/>
+              </a:rPr>
+              <a:t>th </a:t>
+            </a:r>
+            <a:r>
+              <a:rPr lang="en-US" sz="2000" b="0" strike="noStrike" spc="-1" dirty="0">
+                <a:solidFill>
+                  <a:srgbClr val="FF0000"/>
+                </a:solidFill>
+                <a:latin typeface="Calibri"/>
+              </a:rPr>
+              <a:t>extended 1 week)</a:t>
+            </a:r>
           </a:p>
           <a:p>
             <a:pPr marL="91440" indent="-91080">
@@ -11902,35 +13387,20 @@
                 <a:spcPts val="201"/>
               </a:spcAft>
               <a:buClr>
-                <a:srgbClr val="e48312"/>
+                <a:srgbClr val="E48312"/>
               </a:buClr>
               <a:buFont typeface="Wingdings" charset="2"/>
               <a:buChar char=""/>
             </a:pPr>
             <a:r>
-              <a:rPr b="0" lang="en-US" sz="2000" spc="-1" strike="noStrike">
+              <a:rPr lang="en-US" sz="2000" b="0" strike="noStrike" spc="-1" dirty="0">
                 <a:solidFill>
                   <a:srgbClr val="404040"/>
                 </a:solidFill>
                 <a:latin typeface="Calibri"/>
               </a:rPr>
-              <a:t> </a:t>
+              <a:t> You may attend a different lab section if you need to</a:t>
             </a:r>
-            <a:r>
-              <a:rPr b="0" lang="en-US" sz="2000" spc="-1" strike="noStrike">
-                <a:solidFill>
-                  <a:srgbClr val="404040"/>
-                </a:solidFill>
-                <a:latin typeface="Calibri"/>
-              </a:rPr>
-              <a:t>You may attend a different lab section if you need to</a:t>
-            </a:r>
-            <a:endParaRPr b="0" lang="en-US" sz="2000" spc="-1" strike="noStrike">
-              <a:solidFill>
-                <a:srgbClr val="404040"/>
-              </a:solidFill>
-              <a:latin typeface="Calibri"/>
-            </a:endParaRPr>
           </a:p>
           <a:p>
             <a:pPr marL="91440" indent="-91080">
@@ -11944,53 +13414,33 @@
                 <a:spcPts val="201"/>
               </a:spcAft>
               <a:buClr>
-                <a:srgbClr val="e48312"/>
+                <a:srgbClr val="E48312"/>
               </a:buClr>
               <a:buFont typeface="Wingdings" charset="2"/>
               <a:buChar char=""/>
             </a:pPr>
             <a:r>
-              <a:rPr b="0" lang="en-US" sz="2000" spc="-1" strike="noStrike">
+              <a:rPr lang="en-US" sz="2000" b="0" strike="noStrike" spc="-1" dirty="0">
                 <a:solidFill>
                   <a:srgbClr val="404040"/>
                 </a:solidFill>
                 <a:latin typeface="Calibri"/>
               </a:rPr>
-              <a:t> </a:t>
+              <a:t> When using tinkercad, you should not use block code</a:t>
             </a:r>
-            <a:r>
-              <a:rPr b="0" lang="en-US" sz="2000" spc="-1" strike="noStrike">
-                <a:solidFill>
-                  <a:srgbClr val="404040"/>
-                </a:solidFill>
-                <a:latin typeface="Calibri"/>
-              </a:rPr>
-              <a:t>When using tinkercad, you should not use block code</a:t>
-            </a:r>
-            <a:endParaRPr b="0" lang="en-US" sz="2000" spc="-1" strike="noStrike">
-              <a:solidFill>
-                <a:srgbClr val="404040"/>
-              </a:solidFill>
-              <a:latin typeface="Calibri"/>
-            </a:endParaRPr>
           </a:p>
         </p:txBody>
       </p:sp>
     </p:spTree>
   </p:cSld>
-  <mc:AlternateContent>
-    <mc:Choice Requires="p14">
-      <p:transition spd="slow" p14:dur="2000"/>
-    </mc:Choice>
-    <mc:Fallback>
-      <p:transition spd="slow"/>
-    </mc:Fallback>
-  </mc:AlternateContent>
+  <p:clrMapOvr>
+    <a:masterClrMapping/>
+  </p:clrMapOvr>
 </p:sld>
 </file>
 
 <file path=ppt/slides/slide4.xml><?xml version="1.0" encoding="utf-8"?>
-<p:sld xmlns:a="http://schemas.openxmlformats.org/drawingml/2006/main" xmlns:p="http://schemas.openxmlformats.org/presentationml/2006/main" xmlns:r="http://schemas.openxmlformats.org/officeDocument/2006/relationships" xmlns:p14="http://schemas.microsoft.com/office/powerpoint/2010/main" xmlns:p15="http://schemas.microsoft.com/office/powerpoint/2012/main" xmlns:mc="http://schemas.openxmlformats.org/markup-compatibility/2006">
+<p:sld xmlns:a="http://schemas.openxmlformats.org/drawingml/2006/main" xmlns:r="http://schemas.openxmlformats.org/officeDocument/2006/relationships" xmlns:p="http://schemas.openxmlformats.org/presentationml/2006/main">
   <p:cSld>
     <p:spTree>
       <p:nvGrpSpPr>
@@ -12029,6 +13479,7 @@
           <a:bodyPr anchor="b">
             <a:noAutofit/>
           </a:bodyPr>
+          <a:lstStyle/>
           <a:p>
             <a:pPr>
               <a:lnSpc>
@@ -12036,7 +13487,7 @@
               </a:lnSpc>
             </a:pPr>
             <a:r>
-              <a:rPr b="0" lang="en-US" sz="4800" spc="-52" strike="noStrike">
+              <a:rPr lang="en-US" sz="4800" b="0" strike="noStrike" spc="-52">
                 <a:solidFill>
                   <a:srgbClr val="404040"/>
                 </a:solidFill>
@@ -12044,7 +13495,7 @@
               </a:rPr>
               <a:t>Weekly Meetings</a:t>
             </a:r>
-            <a:endParaRPr b="0" lang="en-US" sz="4800" spc="-1" strike="noStrike">
+            <a:endParaRPr lang="en-US" sz="4800" b="0" strike="noStrike" spc="-1">
               <a:solidFill>
                 <a:srgbClr val="000000"/>
               </a:solidFill>
@@ -12076,6 +13527,7 @@
           <a:bodyPr lIns="0" rIns="0">
             <a:noAutofit/>
           </a:bodyPr>
+          <a:lstStyle/>
           <a:p>
             <a:pPr marL="91440" indent="-91080">
               <a:lnSpc>
@@ -12088,41 +13540,32 @@
                 <a:spcPts val="201"/>
               </a:spcAft>
               <a:buClr>
-                <a:srgbClr val="e48312"/>
+                <a:srgbClr val="E48312"/>
               </a:buClr>
               <a:buFont typeface="Wingdings" charset="2"/>
               <a:buChar char=""/>
             </a:pPr>
             <a:r>
-              <a:rPr b="0" lang="en-US" sz="2000" spc="-1" strike="noStrike">
+              <a:rPr lang="en-US" sz="2000" b="0" strike="noStrike" spc="-1">
                 <a:solidFill>
                   <a:srgbClr val="404040"/>
                 </a:solidFill>
                 <a:latin typeface="Calibri"/>
               </a:rPr>
-              <a:t> </a:t>
+              <a:t> Starter code is available on GitHub: </a:t>
             </a:r>
             <a:r>
-              <a:rPr b="0" lang="en-US" sz="2000" spc="-1" strike="noStrike">
+              <a:rPr lang="en-US" sz="2000" b="0" u="sng" strike="noStrike" spc="-1">
                 <a:solidFill>
-                  <a:srgbClr val="404040"/>
-                </a:solidFill>
-                <a:latin typeface="Calibri"/>
-              </a:rPr>
-              <a:t>Starter code is available on GitHub: </a:t>
-            </a:r>
-            <a:r>
-              <a:rPr b="0" lang="en-US" sz="2000" spc="-1" strike="noStrike" u="sng">
-                <a:solidFill>
-                  <a:srgbClr val="5eb2ea"/>
+                  <a:srgbClr val="5EB2EA"/>
                 </a:solidFill>
                 <a:uFillTx/>
                 <a:latin typeface="Calibri"/>
-                <a:hlinkClick r:id="rId1"/>
+                <a:hlinkClick r:id="rId2"/>
               </a:rPr>
               <a:t>https://github.com/jack17davis/cs341</a:t>
             </a:r>
-            <a:endParaRPr b="0" lang="en-US" sz="2000" spc="-1" strike="noStrike">
+            <a:endParaRPr lang="en-US" sz="2000" b="0" strike="noStrike" spc="-1">
               <a:solidFill>
                 <a:srgbClr val="404040"/>
               </a:solidFill>
@@ -12141,42 +13584,33 @@
                 <a:spcPts val="201"/>
               </a:spcAft>
               <a:buClr>
-                <a:srgbClr val="e48312"/>
+                <a:srgbClr val="E48312"/>
               </a:buClr>
               <a:buFont typeface="Wingdings" charset="2"/>
               <a:buChar char=""/>
             </a:pPr>
             <a:r>
-              <a:rPr b="0" lang="en-US" sz="2000" spc="-1" strike="noStrike">
+              <a:rPr lang="en-US" sz="2000" b="0" strike="noStrike" spc="-1">
                 <a:solidFill>
                   <a:srgbClr val="404040"/>
                 </a:solidFill>
                 <a:latin typeface="Calibri"/>
               </a:rPr>
-              <a:t> </a:t>
+              <a:t> Step-by-step instructions will be posted on </a:t>
             </a:r>
             <a:r>
-              <a:rPr b="0" lang="en-US" sz="2000" spc="-1" strike="noStrike">
+              <a:rPr lang="en-US" sz="2000" b="0" u="sng" strike="noStrike" spc="-1">
                 <a:solidFill>
-                  <a:srgbClr val="404040"/>
-                </a:solidFill>
-                <a:latin typeface="Calibri"/>
-              </a:rPr>
-              <a:t>Step-by-step instructions will be posted on </a:t>
-            </a:r>
-            <a:r>
-              <a:rPr b="0" lang="en-US" sz="2000" spc="-1" strike="noStrike" u="sng">
-                <a:solidFill>
-                  <a:srgbClr val="5eb2ea"/>
+                  <a:srgbClr val="5EB2EA"/>
                 </a:solidFill>
                 <a:uFillTx/>
                 <a:latin typeface="Calibri"/>
-                <a:hlinkClick r:id="rId2"/>
+                <a:hlinkClick r:id="rId3"/>
               </a:rPr>
               <a:t>https://www.cs.umb.edu/~cheungr/cs341/</a:t>
             </a:r>
             <a:r>
-              <a:rPr b="0" lang="en-US" sz="2000" spc="-1" strike="noStrike">
+              <a:rPr lang="en-US" sz="2000" b="0" strike="noStrike" spc="-1">
                 <a:solidFill>
                   <a:srgbClr val="404040"/>
                 </a:solidFill>
@@ -12184,12 +13618,6 @@
               </a:rPr>
               <a:t>  </a:t>
             </a:r>
-            <a:endParaRPr b="0" lang="en-US" sz="2000" spc="-1" strike="noStrike">
-              <a:solidFill>
-                <a:srgbClr val="404040"/>
-              </a:solidFill>
-              <a:latin typeface="Calibri"/>
-            </a:endParaRPr>
           </a:p>
           <a:p>
             <a:pPr marL="91440" indent="-91080">
@@ -12203,35 +13631,20 @@
                 <a:spcPts val="201"/>
               </a:spcAft>
               <a:buClr>
-                <a:srgbClr val="e48312"/>
+                <a:srgbClr val="E48312"/>
               </a:buClr>
               <a:buFont typeface="Wingdings" charset="2"/>
               <a:buChar char=""/>
             </a:pPr>
             <a:r>
-              <a:rPr b="0" lang="en-US" sz="2000" spc="-1" strike="noStrike">
+              <a:rPr lang="en-US" sz="2000" b="0" strike="noStrike" spc="-1">
                 <a:solidFill>
                   <a:srgbClr val="404040"/>
                 </a:solidFill>
                 <a:latin typeface="Calibri"/>
               </a:rPr>
-              <a:t> </a:t>
+              <a:t> Lab introduction</a:t>
             </a:r>
-            <a:r>
-              <a:rPr b="0" lang="en-US" sz="2000" spc="-1" strike="noStrike">
-                <a:solidFill>
-                  <a:srgbClr val="404040"/>
-                </a:solidFill>
-                <a:latin typeface="Calibri"/>
-              </a:rPr>
-              <a:t>Lab introduction</a:t>
-            </a:r>
-            <a:endParaRPr b="0" lang="en-US" sz="2000" spc="-1" strike="noStrike">
-              <a:solidFill>
-                <a:srgbClr val="404040"/>
-              </a:solidFill>
-              <a:latin typeface="Calibri"/>
-            </a:endParaRPr>
           </a:p>
           <a:p>
             <a:pPr marL="91440" indent="-91080">
@@ -12245,35 +13658,20 @@
                 <a:spcPts val="201"/>
               </a:spcAft>
               <a:buClr>
-                <a:srgbClr val="e48312"/>
+                <a:srgbClr val="E48312"/>
               </a:buClr>
               <a:buFont typeface="Wingdings" charset="2"/>
               <a:buChar char=""/>
             </a:pPr>
             <a:r>
-              <a:rPr b="0" lang="en-US" sz="2000" spc="-1" strike="noStrike">
+              <a:rPr lang="en-US" sz="2000" b="0" strike="noStrike" spc="-1">
                 <a:solidFill>
                   <a:srgbClr val="404040"/>
                 </a:solidFill>
                 <a:latin typeface="Calibri"/>
               </a:rPr>
-              <a:t> </a:t>
+              <a:t> Working lab demonstration</a:t>
             </a:r>
-            <a:r>
-              <a:rPr b="0" lang="en-US" sz="2000" spc="-1" strike="noStrike">
-                <a:solidFill>
-                  <a:srgbClr val="404040"/>
-                </a:solidFill>
-                <a:latin typeface="Calibri"/>
-              </a:rPr>
-              <a:t>Working lab demonstration</a:t>
-            </a:r>
-            <a:endParaRPr b="0" lang="en-US" sz="2000" spc="-1" strike="noStrike">
-              <a:solidFill>
-                <a:srgbClr val="404040"/>
-              </a:solidFill>
-              <a:latin typeface="Calibri"/>
-            </a:endParaRPr>
           </a:p>
           <a:p>
             <a:pPr marL="91440" indent="-91080">
@@ -12287,35 +13685,20 @@
                 <a:spcPts val="201"/>
               </a:spcAft>
               <a:buClr>
-                <a:srgbClr val="e48312"/>
+                <a:srgbClr val="E48312"/>
               </a:buClr>
               <a:buFont typeface="Wingdings" charset="2"/>
               <a:buChar char=""/>
             </a:pPr>
             <a:r>
-              <a:rPr b="0" lang="en-US" sz="2000" spc="-1" strike="noStrike">
+              <a:rPr lang="en-US" sz="2000" b="0" strike="noStrike" spc="-1">
                 <a:solidFill>
                   <a:srgbClr val="404040"/>
                 </a:solidFill>
                 <a:latin typeface="Calibri"/>
               </a:rPr>
-              <a:t> </a:t>
+              <a:t> Q&amp;A</a:t>
             </a:r>
-            <a:r>
-              <a:rPr b="0" lang="en-US" sz="2000" spc="-1" strike="noStrike">
-                <a:solidFill>
-                  <a:srgbClr val="404040"/>
-                </a:solidFill>
-                <a:latin typeface="Calibri"/>
-              </a:rPr>
-              <a:t>Q&amp;A</a:t>
-            </a:r>
-            <a:endParaRPr b="0" lang="en-US" sz="2000" spc="-1" strike="noStrike">
-              <a:solidFill>
-                <a:srgbClr val="404040"/>
-              </a:solidFill>
-              <a:latin typeface="Calibri"/>
-            </a:endParaRPr>
           </a:p>
           <a:p>
             <a:pPr marL="91440" indent="-91080">
@@ -12329,38 +13712,23 @@
                 <a:spcPts val="201"/>
               </a:spcAft>
               <a:buClr>
-                <a:srgbClr val="e48312"/>
+                <a:srgbClr val="E48312"/>
               </a:buClr>
               <a:buFont typeface="Wingdings" charset="2"/>
               <a:buChar char=""/>
             </a:pPr>
             <a:r>
-              <a:rPr b="0" lang="en-US" sz="2000" spc="-1" strike="noStrike">
+              <a:rPr lang="en-US" sz="2000" b="0" strike="noStrike" spc="-1">
                 <a:solidFill>
                   <a:srgbClr val="404040"/>
                 </a:solidFill>
                 <a:latin typeface="Calibri"/>
               </a:rPr>
-              <a:t> </a:t>
+              <a:t> Breakout rooms for real-time labs</a:t>
             </a:r>
-            <a:r>
-              <a:rPr b="0" lang="en-US" sz="2000" spc="-1" strike="noStrike">
-                <a:solidFill>
-                  <a:srgbClr val="404040"/>
-                </a:solidFill>
-                <a:latin typeface="Calibri"/>
-              </a:rPr>
-              <a:t>Breakout rooms for real-time labs</a:t>
-            </a:r>
-            <a:endParaRPr b="0" lang="en-US" sz="2000" spc="-1" strike="noStrike">
-              <a:solidFill>
-                <a:srgbClr val="404040"/>
-              </a:solidFill>
-              <a:latin typeface="Calibri"/>
-            </a:endParaRPr>
-          </a:p>
-          <a:p>
-            <a:pPr lvl="1" marL="384120" indent="-182520">
+          </a:p>
+          <a:p>
+            <a:pPr marL="384120" lvl="1" indent="-182520">
               <a:lnSpc>
                 <a:spcPct val="90000"/>
               </a:lnSpc>
@@ -12371,13 +13739,13 @@
                 <a:spcPts val="400"/>
               </a:spcAft>
               <a:buClr>
-                <a:srgbClr val="e48312"/>
+                <a:srgbClr val="E48312"/>
               </a:buClr>
               <a:buFont typeface="Wingdings" charset="2"/>
               <a:buChar char=""/>
             </a:pPr>
             <a:r>
-              <a:rPr b="0" lang="en-US" sz="1800" spc="-1" strike="noStrike">
+              <a:rPr lang="en-US" sz="1800" b="0" strike="noStrike" spc="-1">
                 <a:solidFill>
                   <a:srgbClr val="404040"/>
                 </a:solidFill>
@@ -12385,15 +13753,9 @@
               </a:rPr>
               <a:t>Use the “help” button (under more) to get my attention</a:t>
             </a:r>
-            <a:endParaRPr b="0" lang="en-US" sz="1800" spc="-1" strike="noStrike">
-              <a:solidFill>
-                <a:srgbClr val="404040"/>
-              </a:solidFill>
-              <a:latin typeface="Calibri"/>
-            </a:endParaRPr>
-          </a:p>
-          <a:p>
-            <a:pPr lvl="1" marL="384120" indent="-182520">
+          </a:p>
+          <a:p>
+            <a:pPr marL="384120" lvl="1" indent="-182520">
               <a:lnSpc>
                 <a:spcPct val="90000"/>
               </a:lnSpc>
@@ -12404,13 +13766,13 @@
                 <a:spcPts val="400"/>
               </a:spcAft>
               <a:buClr>
-                <a:srgbClr val="e48312"/>
+                <a:srgbClr val="E48312"/>
               </a:buClr>
               <a:buFont typeface="Wingdings" charset="2"/>
               <a:buChar char=""/>
             </a:pPr>
             <a:r>
-              <a:rPr b="0" lang="en-US" sz="1800" spc="-1" strike="noStrike">
+              <a:rPr lang="en-US" sz="1800" b="0" strike="noStrike" spc="-1">
                 <a:solidFill>
                   <a:srgbClr val="404040"/>
                 </a:solidFill>
@@ -12418,12 +13780,6 @@
               </a:rPr>
               <a:t>You are welcome to take longer or leave early</a:t>
             </a:r>
-            <a:endParaRPr b="0" lang="en-US" sz="1800" spc="-1" strike="noStrike">
-              <a:solidFill>
-                <a:srgbClr val="404040"/>
-              </a:solidFill>
-              <a:latin typeface="Calibri"/>
-            </a:endParaRPr>
           </a:p>
           <a:p>
             <a:pPr marL="91440" indent="-91080">
@@ -12437,59 +13793,40 @@
                 <a:spcPts val="201"/>
               </a:spcAft>
               <a:buClr>
-                <a:srgbClr val="e48312"/>
+                <a:srgbClr val="E48312"/>
               </a:buClr>
               <a:buFont typeface="Wingdings" charset="2"/>
               <a:buChar char=""/>
             </a:pPr>
             <a:r>
-              <a:rPr b="0" lang="en-US" sz="2000" spc="-1" strike="noStrike">
+              <a:rPr lang="en-US" sz="2000" b="0" strike="noStrike" spc="-1">
                 <a:solidFill>
                   <a:srgbClr val="404040"/>
                 </a:solidFill>
                 <a:latin typeface="Calibri"/>
               </a:rPr>
-              <a:t> </a:t>
+              <a:t> Lab report is due by the start of the next lab (typically a week)</a:t>
             </a:r>
-            <a:r>
-              <a:rPr b="0" lang="en-US" sz="2000" spc="-1" strike="noStrike">
-                <a:solidFill>
-                  <a:srgbClr val="404040"/>
-                </a:solidFill>
-                <a:latin typeface="Calibri"/>
-              </a:rPr>
-              <a:t>Lab report is due by the start of the next lab (typically a week)</a:t>
-            </a:r>
-            <a:endParaRPr b="0" lang="en-US" sz="2000" spc="-1" strike="noStrike">
-              <a:solidFill>
-                <a:srgbClr val="404040"/>
-              </a:solidFill>
-              <a:latin typeface="Calibri"/>
-            </a:endParaRPr>
           </a:p>
         </p:txBody>
       </p:sp>
     </p:spTree>
   </p:cSld>
-  <mc:AlternateContent>
-    <mc:Choice Requires="p14">
-      <p:transition spd="slow" p14:dur="2000"/>
-    </mc:Choice>
-    <mc:Fallback>
-      <p:transition spd="slow"/>
-    </mc:Fallback>
-  </mc:AlternateContent>
+  <p:clrMapOvr>
+    <a:masterClrMapping/>
+  </p:clrMapOvr>
 </p:sld>
 </file>
 
 <file path=ppt/slides/slide5.xml><?xml version="1.0" encoding="utf-8"?>
-<p:sld xmlns:a="http://schemas.openxmlformats.org/drawingml/2006/main" xmlns:p="http://schemas.openxmlformats.org/presentationml/2006/main" xmlns:r="http://schemas.openxmlformats.org/officeDocument/2006/relationships" xmlns:p14="http://schemas.microsoft.com/office/powerpoint/2010/main" xmlns:p15="http://schemas.microsoft.com/office/powerpoint/2012/main" xmlns:mc="http://schemas.openxmlformats.org/markup-compatibility/2006">
+<p:sld xmlns:a="http://schemas.openxmlformats.org/drawingml/2006/main" xmlns:r="http://schemas.openxmlformats.org/officeDocument/2006/relationships" xmlns:p="http://schemas.openxmlformats.org/presentationml/2006/main">
   <p:cSld>
     <p:bg>
       <p:bgPr>
         <a:solidFill>
-          <a:srgbClr val="ffffff"/>
+          <a:srgbClr val="FFFFFF"/>
         </a:solidFill>
+        <a:effectLst/>
       </p:bgPr>
     </p:bg>
     <p:spTree>
@@ -12674,6 +14011,7 @@
           <a:bodyPr anchor="b">
             <a:normAutofit/>
           </a:bodyPr>
+          <a:lstStyle/>
           <a:p>
             <a:pPr>
               <a:lnSpc>
@@ -12681,7 +14019,7 @@
               </a:lnSpc>
             </a:pPr>
             <a:r>
-              <a:rPr b="0" lang="en-US" sz="4800" spc="-52" strike="noStrike">
+              <a:rPr lang="en-US" sz="4800" b="0" strike="noStrike" spc="-52">
                 <a:solidFill>
                   <a:srgbClr val="404040"/>
                 </a:solidFill>
@@ -12689,7 +14027,7 @@
               </a:rPr>
               <a:t>Lab Report Template</a:t>
             </a:r>
-            <a:endParaRPr b="0" lang="en-US" sz="4800" spc="-1" strike="noStrike">
+            <a:endParaRPr lang="en-US" sz="4800" b="0" strike="noStrike" spc="-1">
               <a:solidFill>
                 <a:srgbClr val="000000"/>
               </a:solidFill>
@@ -12705,7 +14043,7 @@
           <p:nvPr/>
         </p:nvPicPr>
         <p:blipFill>
-          <a:blip r:embed="rId1"/>
+          <a:blip r:embed="rId2"/>
           <a:stretch/>
         </p:blipFill>
         <p:spPr>
@@ -12782,6 +14120,7 @@
           <a:bodyPr lIns="0" rIns="0">
             <a:normAutofit/>
           </a:bodyPr>
+          <a:lstStyle/>
           <a:p>
             <a:pPr marL="91440" indent="-91080">
               <a:lnSpc>
@@ -12794,35 +14133,20 @@
                 <a:spcPts val="201"/>
               </a:spcAft>
               <a:buClr>
-                <a:srgbClr val="e48312"/>
+                <a:srgbClr val="E48312"/>
               </a:buClr>
               <a:buFont typeface="Wingdings" charset="2"/>
               <a:buChar char=""/>
             </a:pPr>
             <a:r>
-              <a:rPr b="0" lang="en-US" sz="1500" spc="-1" strike="noStrike">
+              <a:rPr lang="en-US" sz="1500" b="0" strike="noStrike" spc="-1">
                 <a:solidFill>
                   <a:srgbClr val="404040"/>
                 </a:solidFill>
                 <a:latin typeface="Calibri"/>
               </a:rPr>
-              <a:t> </a:t>
+              <a:t> Labs can be written and submitted as a team</a:t>
             </a:r>
-            <a:r>
-              <a:rPr b="0" lang="en-US" sz="1500" spc="-1" strike="noStrike">
-                <a:solidFill>
-                  <a:srgbClr val="404040"/>
-                </a:solidFill>
-                <a:latin typeface="Calibri"/>
-              </a:rPr>
-              <a:t>Labs can be written and submitted as a team</a:t>
-            </a:r>
-            <a:endParaRPr b="0" lang="en-US" sz="1500" spc="-1" strike="noStrike">
-              <a:solidFill>
-                <a:srgbClr val="404040"/>
-              </a:solidFill>
-              <a:latin typeface="Calibri"/>
-            </a:endParaRPr>
           </a:p>
           <a:p>
             <a:pPr marL="91440" indent="-91080">
@@ -12836,42 +14160,33 @@
                 <a:spcPts val="201"/>
               </a:spcAft>
               <a:buClr>
-                <a:srgbClr val="e48312"/>
+                <a:srgbClr val="E48312"/>
               </a:buClr>
               <a:buFont typeface="Wingdings" charset="2"/>
               <a:buChar char=""/>
             </a:pPr>
             <a:r>
-              <a:rPr b="0" lang="en-US" sz="1500" spc="-1" strike="noStrike">
+              <a:rPr lang="en-US" sz="1500" b="0" strike="noStrike" spc="-1">
                 <a:solidFill>
                   <a:srgbClr val="404040"/>
                 </a:solidFill>
                 <a:latin typeface="Calibri"/>
               </a:rPr>
-              <a:t> </a:t>
+              <a:t> Submit by email to </a:t>
             </a:r>
             <a:r>
-              <a:rPr b="0" lang="en-US" sz="1500" spc="-1" strike="noStrike">
+              <a:rPr lang="en-US" sz="1500" b="0" u="sng" strike="noStrike" spc="-1">
                 <a:solidFill>
-                  <a:srgbClr val="404040"/>
-                </a:solidFill>
-                <a:latin typeface="Calibri"/>
-              </a:rPr>
-              <a:t>Submit by email to </a:t>
-            </a:r>
-            <a:r>
-              <a:rPr b="0" lang="en-US" sz="1500" spc="-1" strike="noStrike" u="sng">
-                <a:solidFill>
-                  <a:srgbClr val="5eb2ea"/>
+                  <a:srgbClr val="5EB2EA"/>
                 </a:solidFill>
                 <a:uFillTx/>
                 <a:latin typeface="Calibri"/>
-                <a:hlinkClick r:id="rId2"/>
+                <a:hlinkClick r:id="rId3"/>
               </a:rPr>
               <a:t>jack.davis001@umb.edu</a:t>
             </a:r>
             <a:r>
-              <a:rPr b="0" lang="en-US" sz="1500" spc="-1" strike="noStrike">
+              <a:rPr lang="en-US" sz="1500" b="0" strike="noStrike" spc="-1">
                 <a:solidFill>
                   <a:srgbClr val="404040"/>
                 </a:solidFill>
@@ -12879,12 +14194,6 @@
               </a:rPr>
               <a:t> before your sections next meeting</a:t>
             </a:r>
-            <a:endParaRPr b="0" lang="en-US" sz="1500" spc="-1" strike="noStrike">
-              <a:solidFill>
-                <a:srgbClr val="404040"/>
-              </a:solidFill>
-              <a:latin typeface="Calibri"/>
-            </a:endParaRPr>
           </a:p>
           <a:p>
             <a:pPr marL="91440" indent="-91080">
@@ -12898,35 +14207,20 @@
                 <a:spcPts val="201"/>
               </a:spcAft>
               <a:buClr>
-                <a:srgbClr val="e48312"/>
+                <a:srgbClr val="E48312"/>
               </a:buClr>
               <a:buFont typeface="Wingdings" charset="2"/>
               <a:buChar char=""/>
             </a:pPr>
             <a:r>
-              <a:rPr b="0" lang="en-US" sz="1500" spc="-1" strike="noStrike">
+              <a:rPr lang="en-US" sz="1500" b="0" strike="noStrike" spc="-1">
                 <a:solidFill>
                   <a:srgbClr val="404040"/>
                 </a:solidFill>
                 <a:latin typeface="Calibri"/>
               </a:rPr>
-              <a:t> </a:t>
+              <a:t> There will be 10 labs</a:t>
             </a:r>
-            <a:r>
-              <a:rPr b="0" lang="en-US" sz="1500" spc="-1" strike="noStrike">
-                <a:solidFill>
-                  <a:srgbClr val="404040"/>
-                </a:solidFill>
-                <a:latin typeface="Calibri"/>
-              </a:rPr>
-              <a:t>There will be 10 labs</a:t>
-            </a:r>
-            <a:endParaRPr b="0" lang="en-US" sz="1500" spc="-1" strike="noStrike">
-              <a:solidFill>
-                <a:srgbClr val="404040"/>
-              </a:solidFill>
-              <a:latin typeface="Calibri"/>
-            </a:endParaRPr>
           </a:p>
           <a:p>
             <a:pPr marL="91440" indent="-91080">
@@ -12940,38 +14234,23 @@
                 <a:spcPts val="201"/>
               </a:spcAft>
               <a:buClr>
-                <a:srgbClr val="e48312"/>
+                <a:srgbClr val="E48312"/>
               </a:buClr>
               <a:buFont typeface="Wingdings" charset="2"/>
               <a:buChar char=""/>
             </a:pPr>
             <a:r>
-              <a:rPr b="0" lang="en-US" sz="1500" spc="-1" strike="noStrike">
+              <a:rPr lang="en-US" sz="1500" b="0" strike="noStrike" spc="-1">
                 <a:solidFill>
                   <a:srgbClr val="404040"/>
                 </a:solidFill>
                 <a:latin typeface="Calibri"/>
               </a:rPr>
-              <a:t> </a:t>
+              <a:t> I’ll be grading each lab out of 10:</a:t>
             </a:r>
-            <a:r>
-              <a:rPr b="0" lang="en-US" sz="1500" spc="-1" strike="noStrike">
-                <a:solidFill>
-                  <a:srgbClr val="404040"/>
-                </a:solidFill>
-                <a:latin typeface="Calibri"/>
-              </a:rPr>
-              <a:t>I’ll be grading each lab out of 10:</a:t>
-            </a:r>
-            <a:endParaRPr b="0" lang="en-US" sz="1500" spc="-1" strike="noStrike">
-              <a:solidFill>
-                <a:srgbClr val="404040"/>
-              </a:solidFill>
-              <a:latin typeface="Calibri"/>
-            </a:endParaRPr>
-          </a:p>
-          <a:p>
-            <a:pPr lvl="1" marL="384120" indent="-182520">
+          </a:p>
+          <a:p>
+            <a:pPr marL="384120" lvl="1" indent="-182520">
               <a:lnSpc>
                 <a:spcPct val="90000"/>
               </a:lnSpc>
@@ -12982,13 +14261,13 @@
                 <a:spcPts val="400"/>
               </a:spcAft>
               <a:buClr>
-                <a:srgbClr val="e48312"/>
+                <a:srgbClr val="E48312"/>
               </a:buClr>
               <a:buFont typeface="Wingdings" charset="2"/>
               <a:buChar char=""/>
             </a:pPr>
             <a:r>
-              <a:rPr b="0" lang="en-US" sz="1500" spc="-1" strike="noStrike">
+              <a:rPr lang="en-US" sz="1500" b="0" strike="noStrike" spc="-1">
                 <a:solidFill>
                   <a:srgbClr val="404040"/>
                 </a:solidFill>
@@ -12996,15 +14275,9 @@
               </a:rPr>
               <a:t>3 points for submitting the lab report on time</a:t>
             </a:r>
-            <a:endParaRPr b="0" lang="en-US" sz="1500" spc="-1" strike="noStrike">
-              <a:solidFill>
-                <a:srgbClr val="404040"/>
-              </a:solidFill>
-              <a:latin typeface="Calibri"/>
-            </a:endParaRPr>
-          </a:p>
-          <a:p>
-            <a:pPr lvl="1" marL="384120" indent="-182520">
+          </a:p>
+          <a:p>
+            <a:pPr marL="384120" lvl="1" indent="-182520">
               <a:lnSpc>
                 <a:spcPct val="90000"/>
               </a:lnSpc>
@@ -13015,13 +14288,13 @@
                 <a:spcPts val="400"/>
               </a:spcAft>
               <a:buClr>
-                <a:srgbClr val="e48312"/>
+                <a:srgbClr val="E48312"/>
               </a:buClr>
               <a:buFont typeface="Wingdings" charset="2"/>
               <a:buChar char=""/>
             </a:pPr>
             <a:r>
-              <a:rPr b="0" lang="en-US" sz="1500" spc="-1" strike="noStrike">
+              <a:rPr lang="en-US" sz="1500" b="0" strike="noStrike" spc="-1">
                 <a:solidFill>
                   <a:srgbClr val="404040"/>
                 </a:solidFill>
@@ -13029,15 +14302,9 @@
               </a:rPr>
               <a:t>4 points for quality of lab report</a:t>
             </a:r>
-            <a:endParaRPr b="0" lang="en-US" sz="1500" spc="-1" strike="noStrike">
-              <a:solidFill>
-                <a:srgbClr val="404040"/>
-              </a:solidFill>
-              <a:latin typeface="Calibri"/>
-            </a:endParaRPr>
-          </a:p>
-          <a:p>
-            <a:pPr lvl="1" marL="384120" indent="-182520">
+          </a:p>
+          <a:p>
+            <a:pPr marL="384120" lvl="1" indent="-182520">
               <a:lnSpc>
                 <a:spcPct val="90000"/>
               </a:lnSpc>
@@ -13048,13 +14315,13 @@
                 <a:spcPts val="400"/>
               </a:spcAft>
               <a:buClr>
-                <a:srgbClr val="e48312"/>
+                <a:srgbClr val="E48312"/>
               </a:buClr>
               <a:buFont typeface="Wingdings" charset="2"/>
               <a:buChar char=""/>
             </a:pPr>
             <a:r>
-              <a:rPr b="0" lang="en-US" sz="1500" spc="-1" strike="noStrike">
+              <a:rPr lang="en-US" sz="1500" b="0" strike="noStrike" spc="-1">
                 <a:solidFill>
                   <a:srgbClr val="404040"/>
                 </a:solidFill>
@@ -13062,12 +14329,6 @@
               </a:rPr>
               <a:t>3 points for code that works correctly</a:t>
             </a:r>
-            <a:endParaRPr b="0" lang="en-US" sz="1500" spc="-1" strike="noStrike">
-              <a:solidFill>
-                <a:srgbClr val="404040"/>
-              </a:solidFill>
-              <a:latin typeface="Calibri"/>
-            </a:endParaRPr>
           </a:p>
           <a:p>
             <a:pPr marL="91440" indent="-91080">
@@ -13081,13 +14342,13 @@
                 <a:spcPts val="201"/>
               </a:spcAft>
               <a:buClr>
-                <a:srgbClr val="e48312"/>
+                <a:srgbClr val="E48312"/>
               </a:buClr>
               <a:buFont typeface="Wingdings" charset="2"/>
               <a:buChar char=""/>
             </a:pPr>
             <a:r>
-              <a:rPr b="0" lang="en-US" sz="1700" spc="-1" strike="noStrike">
+              <a:rPr lang="en-US" sz="1700" b="0" strike="noStrike" spc="-1">
                 <a:solidFill>
                   <a:srgbClr val="404040"/>
                 </a:solidFill>
@@ -13096,7 +14357,7 @@
               <a:t> </a:t>
             </a:r>
             <a:r>
-              <a:rPr b="0" lang="en-US" sz="1500" spc="-1" strike="noStrike">
+              <a:rPr lang="en-US" sz="1500" b="0" strike="noStrike" spc="-1">
                 <a:solidFill>
                   <a:srgbClr val="404040"/>
                 </a:solidFill>
@@ -13104,12 +14365,6 @@
               </a:rPr>
               <a:t>labs make up 20% of your final grade</a:t>
             </a:r>
-            <a:endParaRPr b="0" lang="en-US" sz="1500" spc="-1" strike="noStrike">
-              <a:solidFill>
-                <a:srgbClr val="404040"/>
-              </a:solidFill>
-              <a:latin typeface="Calibri"/>
-            </a:endParaRPr>
           </a:p>
           <a:p>
             <a:pPr marL="91440" indent="-91080">
@@ -13123,35 +14378,20 @@
                 <a:spcPts val="201"/>
               </a:spcAft>
               <a:buClr>
-                <a:srgbClr val="e48312"/>
+                <a:srgbClr val="E48312"/>
               </a:buClr>
               <a:buFont typeface="Wingdings" charset="2"/>
               <a:buChar char=""/>
             </a:pPr>
             <a:r>
-              <a:rPr b="0" lang="en-US" sz="1500" spc="-1" strike="noStrike">
+              <a:rPr lang="en-US" sz="1500" b="0" strike="noStrike" spc="-1">
                 <a:solidFill>
                   <a:srgbClr val="404040"/>
                 </a:solidFill>
                 <a:latin typeface="Calibri"/>
               </a:rPr>
-              <a:t> </a:t>
+              <a:t> If you can’t get your code working in time, please document what you tried and submit the lab anyway</a:t>
             </a:r>
-            <a:r>
-              <a:rPr b="0" lang="en-US" sz="1500" spc="-1" strike="noStrike">
-                <a:solidFill>
-                  <a:srgbClr val="404040"/>
-                </a:solidFill>
-                <a:latin typeface="Calibri"/>
-              </a:rPr>
-              <a:t>If you can’t get your code working in time, please document what you tried and submit the lab anyway</a:t>
-            </a:r>
-            <a:endParaRPr b="0" lang="en-US" sz="1500" spc="-1" strike="noStrike">
-              <a:solidFill>
-                <a:srgbClr val="404040"/>
-              </a:solidFill>
-              <a:latin typeface="Calibri"/>
-            </a:endParaRPr>
           </a:p>
         </p:txBody>
       </p:sp>
@@ -13229,25 +14469,21 @@
       </p:sp>
     </p:spTree>
   </p:cSld>
-  <mc:AlternateContent>
-    <mc:Choice Requires="p14">
-      <p:transition spd="slow" p14:dur="2000"/>
-    </mc:Choice>
-    <mc:Fallback>
-      <p:transition spd="slow"/>
-    </mc:Fallback>
-  </mc:AlternateContent>
+  <p:clrMapOvr>
+    <a:masterClrMapping/>
+  </p:clrMapOvr>
 </p:sld>
 </file>
 
 <file path=ppt/slides/slide6.xml><?xml version="1.0" encoding="utf-8"?>
-<p:sld xmlns:a="http://schemas.openxmlformats.org/drawingml/2006/main" xmlns:p="http://schemas.openxmlformats.org/presentationml/2006/main" xmlns:r="http://schemas.openxmlformats.org/officeDocument/2006/relationships" xmlns:p14="http://schemas.microsoft.com/office/powerpoint/2010/main" xmlns:p15="http://schemas.microsoft.com/office/powerpoint/2012/main" xmlns:mc="http://schemas.openxmlformats.org/markup-compatibility/2006">
+<p:sld xmlns:a="http://schemas.openxmlformats.org/drawingml/2006/main" xmlns:r="http://schemas.openxmlformats.org/officeDocument/2006/relationships" xmlns:p="http://schemas.openxmlformats.org/presentationml/2006/main">
   <p:cSld>
     <p:bg>
       <p:bgPr>
         <a:solidFill>
-          <a:srgbClr val="ffffff"/>
+          <a:srgbClr val="FFFFFF"/>
         </a:solidFill>
+        <a:effectLst/>
       </p:bgPr>
     </p:bg>
     <p:spTree>
@@ -13287,6 +14523,7 @@
           <a:bodyPr anchor="b">
             <a:normAutofit/>
           </a:bodyPr>
+          <a:lstStyle/>
           <a:p>
             <a:pPr>
               <a:lnSpc>
@@ -13294,7 +14531,7 @@
               </a:lnSpc>
             </a:pPr>
             <a:r>
-              <a:rPr b="0" lang="en-US" sz="6600" spc="-52" strike="noStrike">
+              <a:rPr lang="en-US" sz="6600" b="0" strike="noStrike" spc="-52">
                 <a:solidFill>
                   <a:srgbClr val="262626"/>
                 </a:solidFill>
@@ -13302,7 +14539,7 @@
               </a:rPr>
               <a:t>Example Lab Report</a:t>
             </a:r>
-            <a:endParaRPr b="0" lang="en-US" sz="6600" spc="-1" strike="noStrike">
+            <a:endParaRPr lang="en-US" sz="6600" b="0" strike="noStrike" spc="-1">
               <a:solidFill>
                 <a:srgbClr val="000000"/>
               </a:solidFill>
@@ -13318,7 +14555,7 @@
           <p:nvPr/>
         </p:nvPicPr>
         <p:blipFill>
-          <a:blip r:embed="rId1"/>
+          <a:blip r:embed="rId2"/>
           <a:stretch/>
         </p:blipFill>
         <p:spPr>
@@ -13341,7 +14578,7 @@
           <p:nvPr/>
         </p:nvPicPr>
         <p:blipFill>
-          <a:blip r:embed="rId2"/>
+          <a:blip r:embed="rId3"/>
           <a:stretch/>
         </p:blipFill>
         <p:spPr>
@@ -13359,25 +14596,21 @@
       </p:pic>
     </p:spTree>
   </p:cSld>
-  <mc:AlternateContent>
-    <mc:Choice Requires="p14">
-      <p:transition spd="slow" p14:dur="2000"/>
-    </mc:Choice>
-    <mc:Fallback>
-      <p:transition spd="slow"/>
-    </mc:Fallback>
-  </mc:AlternateContent>
+  <p:clrMapOvr>
+    <a:masterClrMapping/>
+  </p:clrMapOvr>
 </p:sld>
 </file>
 
 <file path=ppt/slides/slide7.xml><?xml version="1.0" encoding="utf-8"?>
-<p:sld xmlns:a="http://schemas.openxmlformats.org/drawingml/2006/main" xmlns:p="http://schemas.openxmlformats.org/presentationml/2006/main" xmlns:r="http://schemas.openxmlformats.org/officeDocument/2006/relationships" xmlns:p14="http://schemas.microsoft.com/office/powerpoint/2010/main" xmlns:p15="http://schemas.microsoft.com/office/powerpoint/2012/main" xmlns:mc="http://schemas.openxmlformats.org/markup-compatibility/2006">
+<p:sld xmlns:a="http://schemas.openxmlformats.org/drawingml/2006/main" xmlns:r="http://schemas.openxmlformats.org/officeDocument/2006/relationships" xmlns:p="http://schemas.openxmlformats.org/presentationml/2006/main">
   <p:cSld>
     <p:bg>
       <p:bgPr>
         <a:solidFill>
-          <a:srgbClr val="ffffff"/>
+          <a:srgbClr val="FFFFFF"/>
         </a:solidFill>
+        <a:effectLst/>
       </p:bgPr>
     </p:bg>
     <p:spTree>
@@ -13562,6 +14795,7 @@
           <a:bodyPr anchor="b">
             <a:normAutofit/>
           </a:bodyPr>
+          <a:lstStyle/>
           <a:p>
             <a:pPr>
               <a:lnSpc>
@@ -13569,7 +14803,7 @@
               </a:lnSpc>
             </a:pPr>
             <a:r>
-              <a:rPr b="0" lang="en-US" sz="6000" spc="-52" strike="noStrike">
+              <a:rPr lang="en-US" sz="6000" b="0" strike="noStrike" spc="-52">
                 <a:solidFill>
                   <a:srgbClr val="262626"/>
                 </a:solidFill>
@@ -13577,7 +14811,7 @@
               </a:rPr>
               <a:t>Arduino</a:t>
             </a:r>
-            <a:endParaRPr b="0" lang="en-US" sz="6000" spc="-1" strike="noStrike">
+            <a:endParaRPr lang="en-US" sz="6000" b="0" strike="noStrike" spc="-1">
               <a:solidFill>
                 <a:srgbClr val="000000"/>
               </a:solidFill>
@@ -13593,7 +14827,7 @@
           <p:nvPr/>
         </p:nvPicPr>
         <p:blipFill>
-          <a:blip r:embed="rId1"/>
+          <a:blip r:embed="rId2"/>
           <a:stretch/>
         </p:blipFill>
         <p:spPr>
@@ -13649,7 +14883,7 @@
           <p:nvPr/>
         </p:nvPicPr>
         <p:blipFill>
-          <a:blip r:embed="rId2"/>
+          <a:blip r:embed="rId3"/>
           <a:stretch/>
         </p:blipFill>
         <p:spPr>
@@ -13775,25 +15009,21 @@
       </p:sp>
     </p:spTree>
   </p:cSld>
-  <mc:AlternateContent>
-    <mc:Choice Requires="p14">
-      <p:transition spd="slow" p14:dur="2000"/>
-    </mc:Choice>
-    <mc:Fallback>
-      <p:transition spd="slow"/>
-    </mc:Fallback>
-  </mc:AlternateContent>
+  <p:clrMapOvr>
+    <a:masterClrMapping/>
+  </p:clrMapOvr>
 </p:sld>
 </file>
 
 <file path=ppt/slides/slide8.xml><?xml version="1.0" encoding="utf-8"?>
-<p:sld xmlns:a="http://schemas.openxmlformats.org/drawingml/2006/main" xmlns:p="http://schemas.openxmlformats.org/presentationml/2006/main" xmlns:r="http://schemas.openxmlformats.org/officeDocument/2006/relationships" xmlns:p14="http://schemas.microsoft.com/office/powerpoint/2010/main" xmlns:p15="http://schemas.microsoft.com/office/powerpoint/2012/main" xmlns:mc="http://schemas.openxmlformats.org/markup-compatibility/2006">
+<p:sld xmlns:a="http://schemas.openxmlformats.org/drawingml/2006/main" xmlns:r="http://schemas.openxmlformats.org/officeDocument/2006/relationships" xmlns:p="http://schemas.openxmlformats.org/presentationml/2006/main">
   <p:cSld>
     <p:bg>
       <p:bgPr>
         <a:solidFill>
-          <a:srgbClr val="ffffff"/>
+          <a:srgbClr val="FFFFFF"/>
         </a:solidFill>
+        <a:effectLst/>
       </p:bgPr>
     </p:bg>
     <p:spTree>
@@ -13833,6 +15063,7 @@
           <a:bodyPr tIns="0" bIns="0" anchor="b">
             <a:noAutofit/>
           </a:bodyPr>
+          <a:lstStyle/>
           <a:p>
             <a:pPr>
               <a:lnSpc>
@@ -13840,15 +15071,15 @@
               </a:lnSpc>
             </a:pPr>
             <a:r>
-              <a:rPr b="0" lang="en-US" sz="3600" spc="-52" strike="noStrike">
+              <a:rPr lang="en-US" sz="3600" b="0" strike="noStrike" spc="-52">
                 <a:solidFill>
-                  <a:srgbClr val="ffffff"/>
+                  <a:srgbClr val="FFFFFF"/>
                 </a:solidFill>
                 <a:latin typeface="Calibri Light"/>
               </a:rPr>
               <a:t>Tinkercad</a:t>
             </a:r>
-            <a:endParaRPr b="0" lang="en-US" sz="3600" spc="-1" strike="noStrike">
+            <a:endParaRPr lang="en-US" sz="3600" b="0" strike="noStrike" spc="-1">
               <a:solidFill>
                 <a:srgbClr val="000000"/>
               </a:solidFill>
@@ -13880,8 +15111,9 @@
           <a:bodyPr tIns="0" bIns="0">
             <a:noAutofit/>
           </a:bodyPr>
-          <a:p>
-            <a:endParaRPr b="0" lang="en-US" sz="2000" spc="-1" strike="noStrike">
+          <a:lstStyle/>
+          <a:p>
+            <a:endParaRPr lang="en-US" sz="2000" b="0" strike="noStrike" spc="-1">
               <a:solidFill>
                 <a:srgbClr val="404040"/>
               </a:solidFill>
@@ -13897,7 +15129,7 @@
           <p:nvPr/>
         </p:nvPicPr>
         <p:blipFill>
-          <a:blip r:embed="rId1"/>
+          <a:blip r:embed="rId2"/>
           <a:stretch/>
         </p:blipFill>
         <p:spPr>
@@ -13915,19 +15147,14 @@
       </p:pic>
     </p:spTree>
   </p:cSld>
-  <mc:AlternateContent>
-    <mc:Choice Requires="p14">
-      <p:transition spd="slow" p14:dur="2000"/>
-    </mc:Choice>
-    <mc:Fallback>
-      <p:transition spd="slow"/>
-    </mc:Fallback>
-  </mc:AlternateContent>
+  <p:clrMapOvr>
+    <a:masterClrMapping/>
+  </p:clrMapOvr>
 </p:sld>
 </file>
 
 <file path=ppt/slides/slide9.xml><?xml version="1.0" encoding="utf-8"?>
-<p:sld xmlns:a="http://schemas.openxmlformats.org/drawingml/2006/main" xmlns:p="http://schemas.openxmlformats.org/presentationml/2006/main" xmlns:r="http://schemas.openxmlformats.org/officeDocument/2006/relationships" xmlns:p14="http://schemas.microsoft.com/office/powerpoint/2010/main" xmlns:p15="http://schemas.microsoft.com/office/powerpoint/2012/main" xmlns:mc="http://schemas.openxmlformats.org/markup-compatibility/2006">
+<p:sld xmlns:a="http://schemas.openxmlformats.org/drawingml/2006/main" xmlns:r="http://schemas.openxmlformats.org/officeDocument/2006/relationships" xmlns:p="http://schemas.openxmlformats.org/presentationml/2006/main">
   <p:cSld>
     <p:spTree>
       <p:nvGrpSpPr>
@@ -13966,6 +15193,7 @@
           <a:bodyPr anchor="b">
             <a:noAutofit/>
           </a:bodyPr>
+          <a:lstStyle/>
           <a:p>
             <a:pPr>
               <a:lnSpc>
@@ -13973,7 +15201,7 @@
               </a:lnSpc>
             </a:pPr>
             <a:r>
-              <a:rPr b="0" lang="en-US" sz="4800" spc="-52" strike="noStrike">
+              <a:rPr lang="en-US" sz="4800" b="0" strike="noStrike" spc="-52">
                 <a:solidFill>
                   <a:srgbClr val="404040"/>
                 </a:solidFill>
@@ -13981,7 +15209,7 @@
               </a:rPr>
               <a:t>Background Information - LED</a:t>
             </a:r>
-            <a:endParaRPr b="0" lang="en-US" sz="4800" spc="-1" strike="noStrike">
+            <a:endParaRPr lang="en-US" sz="4800" b="0" strike="noStrike" spc="-1">
               <a:solidFill>
                 <a:srgbClr val="000000"/>
               </a:solidFill>
@@ -14013,6 +15241,7 @@
           <a:bodyPr lIns="0" rIns="0">
             <a:noAutofit/>
           </a:bodyPr>
+          <a:lstStyle/>
           <a:p>
             <a:pPr marL="91440" indent="-91080">
               <a:lnSpc>
@@ -14025,35 +15254,20 @@
                 <a:spcPts val="201"/>
               </a:spcAft>
               <a:buClr>
-                <a:srgbClr val="e48312"/>
+                <a:srgbClr val="E48312"/>
               </a:buClr>
               <a:buFont typeface="Wingdings" charset="2"/>
               <a:buChar char=""/>
             </a:pPr>
             <a:r>
-              <a:rPr b="0" lang="en-US" sz="2000" spc="-1" strike="noStrike">
+              <a:rPr lang="en-US" sz="2000" b="0" strike="noStrike" spc="-1">
                 <a:solidFill>
                   <a:srgbClr val="404040"/>
                 </a:solidFill>
                 <a:latin typeface="Calibri"/>
               </a:rPr>
-              <a:t> </a:t>
+              <a:t> Light-emitting Diode (LED)</a:t>
             </a:r>
-            <a:r>
-              <a:rPr b="0" lang="en-US" sz="2000" spc="-1" strike="noStrike">
-                <a:solidFill>
-                  <a:srgbClr val="404040"/>
-                </a:solidFill>
-                <a:latin typeface="Calibri"/>
-              </a:rPr>
-              <a:t>Light-emitting Diode (LED)</a:t>
-            </a:r>
-            <a:endParaRPr b="0" lang="en-US" sz="2000" spc="-1" strike="noStrike">
-              <a:solidFill>
-                <a:srgbClr val="404040"/>
-              </a:solidFill>
-              <a:latin typeface="Calibri"/>
-            </a:endParaRPr>
           </a:p>
           <a:p>
             <a:pPr marL="91440" indent="-91080">
@@ -14067,35 +15281,20 @@
                 <a:spcPts val="201"/>
               </a:spcAft>
               <a:buClr>
-                <a:srgbClr val="e48312"/>
+                <a:srgbClr val="E48312"/>
               </a:buClr>
               <a:buFont typeface="Wingdings" charset="2"/>
               <a:buChar char=""/>
             </a:pPr>
             <a:r>
-              <a:rPr b="0" lang="en-US" sz="2000" spc="-1" strike="noStrike">
+              <a:rPr lang="en-US" sz="2000" b="0" strike="noStrike" spc="-1">
                 <a:solidFill>
                   <a:srgbClr val="404040"/>
                 </a:solidFill>
                 <a:latin typeface="Calibri"/>
               </a:rPr>
-              <a:t> </a:t>
+              <a:t> Power must flow anode (longer lead, round) to cathode or positive to negative</a:t>
             </a:r>
-            <a:r>
-              <a:rPr b="0" lang="en-US" sz="2000" spc="-1" strike="noStrike">
-                <a:solidFill>
-                  <a:srgbClr val="404040"/>
-                </a:solidFill>
-                <a:latin typeface="Calibri"/>
-              </a:rPr>
-              <a:t>Power must flow anode (longer lead, round) to cathode or positive to negative</a:t>
-            </a:r>
-            <a:endParaRPr b="0" lang="en-US" sz="2000" spc="-1" strike="noStrike">
-              <a:solidFill>
-                <a:srgbClr val="404040"/>
-              </a:solidFill>
-              <a:latin typeface="Calibri"/>
-            </a:endParaRPr>
           </a:p>
           <a:p>
             <a:pPr marL="91440" indent="-91080">
@@ -14109,35 +15308,20 @@
                 <a:spcPts val="201"/>
               </a:spcAft>
               <a:buClr>
-                <a:srgbClr val="e48312"/>
+                <a:srgbClr val="E48312"/>
               </a:buClr>
               <a:buFont typeface="Wingdings" charset="2"/>
               <a:buChar char=""/>
             </a:pPr>
             <a:r>
-              <a:rPr b="0" lang="en-US" sz="2000" spc="-1" strike="noStrike">
+              <a:rPr lang="en-US" sz="2000" b="0" strike="noStrike" spc="-1">
                 <a:solidFill>
                   <a:srgbClr val="404040"/>
                 </a:solidFill>
                 <a:latin typeface="Calibri"/>
               </a:rPr>
-              <a:t> </a:t>
+              <a:t> a change in the amount of electricity flowing results in a change in brightness</a:t>
             </a:r>
-            <a:r>
-              <a:rPr b="0" lang="en-US" sz="2000" spc="-1" strike="noStrike">
-                <a:solidFill>
-                  <a:srgbClr val="404040"/>
-                </a:solidFill>
-                <a:latin typeface="Calibri"/>
-              </a:rPr>
-              <a:t>a change in the amount of electricity flowing results in a change in brightness</a:t>
-            </a:r>
-            <a:endParaRPr b="0" lang="en-US" sz="2000" spc="-1" strike="noStrike">
-              <a:solidFill>
-                <a:srgbClr val="404040"/>
-              </a:solidFill>
-              <a:latin typeface="Calibri"/>
-            </a:endParaRPr>
           </a:p>
         </p:txBody>
       </p:sp>
@@ -14148,7 +15332,7 @@
           <p:nvPr/>
         </p:nvPicPr>
         <p:blipFill>
-          <a:blip r:embed="rId1"/>
+          <a:blip r:embed="rId2"/>
           <a:stretch/>
         </p:blipFill>
         <p:spPr>
@@ -14166,14 +15350,9 @@
       </p:pic>
     </p:spTree>
   </p:cSld>
-  <mc:AlternateContent>
-    <mc:Choice Requires="p14">
-      <p:transition spd="slow" p14:dur="2000"/>
-    </mc:Choice>
-    <mc:Fallback>
-      <p:transition spd="slow"/>
-    </mc:Fallback>
-  </mc:AlternateContent>
+  <p:clrMapOvr>
+    <a:masterClrMapping/>
+  </p:clrMapOvr>
 </p:sld>
 </file>
 
@@ -14191,31 +15370,31 @@
         <a:srgbClr val="637052"/>
       </a:dk2>
       <a:lt2>
-        <a:srgbClr val="ccddea"/>
+        <a:srgbClr val="CCDDEA"/>
       </a:lt2>
       <a:accent1>
-        <a:srgbClr val="e48312"/>
+        <a:srgbClr val="E48312"/>
       </a:accent1>
       <a:accent2>
-        <a:srgbClr val="bd582c"/>
+        <a:srgbClr val="BD582C"/>
       </a:accent2>
       <a:accent3>
         <a:srgbClr val="865640"/>
       </a:accent3>
       <a:accent4>
-        <a:srgbClr val="9b8357"/>
+        <a:srgbClr val="9B8357"/>
       </a:accent4>
       <a:accent5>
-        <a:srgbClr val="c2bc80"/>
+        <a:srgbClr val="C2BC80"/>
       </a:accent5>
       <a:accent6>
-        <a:srgbClr val="94a088"/>
+        <a:srgbClr val="94A088"/>
       </a:accent6>
       <a:hlink>
-        <a:srgbClr val="2998e3"/>
+        <a:srgbClr val="2998E3"/>
       </a:hlink>
       <a:folHlink>
-        <a:srgbClr val="8c8c8c"/>
+        <a:srgbClr val="8C8C8C"/>
       </a:folHlink>
     </a:clrScheme>
     <a:fontScheme name="Office">
@@ -14400,6 +15579,8 @@
       </a:bgFillStyleLst>
     </a:fmtScheme>
   </a:themeElements>
+  <a:objectDefaults/>
+  <a:extraClrSchemeLst/>
 </a:theme>
 </file>
 
@@ -14417,31 +15598,31 @@
         <a:srgbClr val="637052"/>
       </a:dk2>
       <a:lt2>
-        <a:srgbClr val="ccddea"/>
+        <a:srgbClr val="CCDDEA"/>
       </a:lt2>
       <a:accent1>
-        <a:srgbClr val="e48312"/>
+        <a:srgbClr val="E48312"/>
       </a:accent1>
       <a:accent2>
-        <a:srgbClr val="bd582c"/>
+        <a:srgbClr val="BD582C"/>
       </a:accent2>
       <a:accent3>
         <a:srgbClr val="865640"/>
       </a:accent3>
       <a:accent4>
-        <a:srgbClr val="9b8357"/>
+        <a:srgbClr val="9B8357"/>
       </a:accent4>
       <a:accent5>
-        <a:srgbClr val="c2bc80"/>
+        <a:srgbClr val="C2BC80"/>
       </a:accent5>
       <a:accent6>
-        <a:srgbClr val="94a088"/>
+        <a:srgbClr val="94A088"/>
       </a:accent6>
       <a:hlink>
-        <a:srgbClr val="2998e3"/>
+        <a:srgbClr val="2998E3"/>
       </a:hlink>
       <a:folHlink>
-        <a:srgbClr val="8c8c8c"/>
+        <a:srgbClr val="8C8C8C"/>
       </a:folHlink>
     </a:clrScheme>
     <a:fontScheme name="Office">
@@ -14626,6 +15807,8 @@
       </a:bgFillStyleLst>
     </a:fmtScheme>
   </a:themeElements>
+  <a:objectDefaults/>
+  <a:extraClrSchemeLst/>
 </a:theme>
 </file>
 
@@ -14643,31 +15826,31 @@
         <a:srgbClr val="637052"/>
       </a:dk2>
       <a:lt2>
-        <a:srgbClr val="ccddea"/>
+        <a:srgbClr val="CCDDEA"/>
       </a:lt2>
       <a:accent1>
-        <a:srgbClr val="e48312"/>
+        <a:srgbClr val="E48312"/>
       </a:accent1>
       <a:accent2>
-        <a:srgbClr val="bd582c"/>
+        <a:srgbClr val="BD582C"/>
       </a:accent2>
       <a:accent3>
         <a:srgbClr val="865640"/>
       </a:accent3>
       <a:accent4>
-        <a:srgbClr val="9b8357"/>
+        <a:srgbClr val="9B8357"/>
       </a:accent4>
       <a:accent5>
-        <a:srgbClr val="c2bc80"/>
+        <a:srgbClr val="C2BC80"/>
       </a:accent5>
       <a:accent6>
-        <a:srgbClr val="94a088"/>
+        <a:srgbClr val="94A088"/>
       </a:accent6>
       <a:hlink>
-        <a:srgbClr val="2998e3"/>
+        <a:srgbClr val="2998E3"/>
       </a:hlink>
       <a:folHlink>
-        <a:srgbClr val="8c8c8c"/>
+        <a:srgbClr val="8C8C8C"/>
       </a:folHlink>
     </a:clrScheme>
     <a:fontScheme name="Office">
@@ -14852,6 +16035,8 @@
       </a:bgFillStyleLst>
     </a:fmtScheme>
   </a:themeElements>
+  <a:objectDefaults/>
+  <a:extraClrSchemeLst/>
 </a:theme>
 </file>
 
@@ -14869,31 +16054,31 @@
         <a:srgbClr val="637052"/>
       </a:dk2>
       <a:lt2>
-        <a:srgbClr val="ccddea"/>
+        <a:srgbClr val="CCDDEA"/>
       </a:lt2>
       <a:accent1>
-        <a:srgbClr val="e48312"/>
+        <a:srgbClr val="E48312"/>
       </a:accent1>
       <a:accent2>
-        <a:srgbClr val="bd582c"/>
+        <a:srgbClr val="BD582C"/>
       </a:accent2>
       <a:accent3>
         <a:srgbClr val="865640"/>
       </a:accent3>
       <a:accent4>
-        <a:srgbClr val="9b8357"/>
+        <a:srgbClr val="9B8357"/>
       </a:accent4>
       <a:accent5>
-        <a:srgbClr val="c2bc80"/>
+        <a:srgbClr val="C2BC80"/>
       </a:accent5>
       <a:accent6>
-        <a:srgbClr val="94a088"/>
+        <a:srgbClr val="94A088"/>
       </a:accent6>
       <a:hlink>
-        <a:srgbClr val="2998e3"/>
+        <a:srgbClr val="2998E3"/>
       </a:hlink>
       <a:folHlink>
-        <a:srgbClr val="8c8c8c"/>
+        <a:srgbClr val="8C8C8C"/>
       </a:folHlink>
     </a:clrScheme>
     <a:fontScheme name="Office">
@@ -15078,6 +16263,8 @@
       </a:bgFillStyleLst>
     </a:fmtScheme>
   </a:themeElements>
+  <a:objectDefaults/>
+  <a:extraClrSchemeLst/>
 </a:theme>
 </file>
 
@@ -15095,31 +16282,31 @@
         <a:srgbClr val="637052"/>
       </a:dk2>
       <a:lt2>
-        <a:srgbClr val="ccddea"/>
+        <a:srgbClr val="CCDDEA"/>
       </a:lt2>
       <a:accent1>
-        <a:srgbClr val="e48312"/>
+        <a:srgbClr val="E48312"/>
       </a:accent1>
       <a:accent2>
-        <a:srgbClr val="bd582c"/>
+        <a:srgbClr val="BD582C"/>
       </a:accent2>
       <a:accent3>
         <a:srgbClr val="865640"/>
       </a:accent3>
       <a:accent4>
-        <a:srgbClr val="9b8357"/>
+        <a:srgbClr val="9B8357"/>
       </a:accent4>
       <a:accent5>
-        <a:srgbClr val="c2bc80"/>
+        <a:srgbClr val="C2BC80"/>
       </a:accent5>
       <a:accent6>
-        <a:srgbClr val="94a088"/>
+        <a:srgbClr val="94A088"/>
       </a:accent6>
       <a:hlink>
-        <a:srgbClr val="2998e3"/>
+        <a:srgbClr val="2998E3"/>
       </a:hlink>
       <a:folHlink>
-        <a:srgbClr val="8c8c8c"/>
+        <a:srgbClr val="8C8C8C"/>
       </a:folHlink>
     </a:clrScheme>
     <a:fontScheme name="Office">
@@ -15304,5 +16491,7 @@
       </a:bgFillStyleLst>
     </a:fmtScheme>
   </a:themeElements>
+  <a:objectDefaults/>
+  <a:extraClrSchemeLst/>
 </a:theme>
 </file>